--- a/images/00-Custom Images.pptx
+++ b/images/00-Custom Images.pptx
@@ -14,6 +14,7 @@
     <p:sldId id="262" r:id="rId8"/>
     <p:sldId id="263" r:id="rId9"/>
     <p:sldId id="264" r:id="rId10"/>
+    <p:sldId id="265" r:id="rId11"/>
   </p:sldIdLst>
   <p:sldSz cx="9144000" cy="6858000" type="letter"/>
   <p:notesSz cx="6858000" cy="9144000"/>
@@ -249,7 +250,7 @@
           <a:p>
             <a:fld id="{B648C63B-CBF8-4F1F-9EF6-50B27CAA1BF4}" type="datetimeFigureOut">
               <a:rPr lang="en-US" smtClean="0"/>
-              <a:t>8/28/2017</a:t>
+              <a:t>9/5/2017</a:t>
             </a:fld>
             <a:endParaRPr lang="en-US"/>
           </a:p>
@@ -417,7 +418,7 @@
           <a:p>
             <a:fld id="{B648C63B-CBF8-4F1F-9EF6-50B27CAA1BF4}" type="datetimeFigureOut">
               <a:rPr lang="en-US" smtClean="0"/>
-              <a:t>8/28/2017</a:t>
+              <a:t>9/5/2017</a:t>
             </a:fld>
             <a:endParaRPr lang="en-US"/>
           </a:p>
@@ -595,7 +596,7 @@
           <a:p>
             <a:fld id="{B648C63B-CBF8-4F1F-9EF6-50B27CAA1BF4}" type="datetimeFigureOut">
               <a:rPr lang="en-US" smtClean="0"/>
-              <a:t>8/28/2017</a:t>
+              <a:t>9/5/2017</a:t>
             </a:fld>
             <a:endParaRPr lang="en-US"/>
           </a:p>
@@ -763,7 +764,7 @@
           <a:p>
             <a:fld id="{B648C63B-CBF8-4F1F-9EF6-50B27CAA1BF4}" type="datetimeFigureOut">
               <a:rPr lang="en-US" smtClean="0"/>
-              <a:t>8/28/2017</a:t>
+              <a:t>9/5/2017</a:t>
             </a:fld>
             <a:endParaRPr lang="en-US"/>
           </a:p>
@@ -1006,7 +1007,7 @@
           <a:p>
             <a:fld id="{B648C63B-CBF8-4F1F-9EF6-50B27CAA1BF4}" type="datetimeFigureOut">
               <a:rPr lang="en-US" smtClean="0"/>
-              <a:t>8/28/2017</a:t>
+              <a:t>9/5/2017</a:t>
             </a:fld>
             <a:endParaRPr lang="en-US"/>
           </a:p>
@@ -1235,7 +1236,7 @@
           <a:p>
             <a:fld id="{B648C63B-CBF8-4F1F-9EF6-50B27CAA1BF4}" type="datetimeFigureOut">
               <a:rPr lang="en-US" smtClean="0"/>
-              <a:t>8/28/2017</a:t>
+              <a:t>9/5/2017</a:t>
             </a:fld>
             <a:endParaRPr lang="en-US"/>
           </a:p>
@@ -1599,7 +1600,7 @@
           <a:p>
             <a:fld id="{B648C63B-CBF8-4F1F-9EF6-50B27CAA1BF4}" type="datetimeFigureOut">
               <a:rPr lang="en-US" smtClean="0"/>
-              <a:t>8/28/2017</a:t>
+              <a:t>9/5/2017</a:t>
             </a:fld>
             <a:endParaRPr lang="en-US"/>
           </a:p>
@@ -1716,7 +1717,7 @@
           <a:p>
             <a:fld id="{B648C63B-CBF8-4F1F-9EF6-50B27CAA1BF4}" type="datetimeFigureOut">
               <a:rPr lang="en-US" smtClean="0"/>
-              <a:t>8/28/2017</a:t>
+              <a:t>9/5/2017</a:t>
             </a:fld>
             <a:endParaRPr lang="en-US"/>
           </a:p>
@@ -1811,7 +1812,7 @@
           <a:p>
             <a:fld id="{B648C63B-CBF8-4F1F-9EF6-50B27CAA1BF4}" type="datetimeFigureOut">
               <a:rPr lang="en-US" smtClean="0"/>
-              <a:t>8/28/2017</a:t>
+              <a:t>9/5/2017</a:t>
             </a:fld>
             <a:endParaRPr lang="en-US"/>
           </a:p>
@@ -2086,7 +2087,7 @@
           <a:p>
             <a:fld id="{B648C63B-CBF8-4F1F-9EF6-50B27CAA1BF4}" type="datetimeFigureOut">
               <a:rPr lang="en-US" smtClean="0"/>
-              <a:t>8/28/2017</a:t>
+              <a:t>9/5/2017</a:t>
             </a:fld>
             <a:endParaRPr lang="en-US"/>
           </a:p>
@@ -2341,7 +2342,7 @@
           <a:p>
             <a:fld id="{B648C63B-CBF8-4F1F-9EF6-50B27CAA1BF4}" type="datetimeFigureOut">
               <a:rPr lang="en-US" smtClean="0"/>
-              <a:t>8/28/2017</a:t>
+              <a:t>9/5/2017</a:t>
             </a:fld>
             <a:endParaRPr lang="en-US"/>
           </a:p>
@@ -2552,7 +2553,7 @@
           <a:p>
             <a:fld id="{B648C63B-CBF8-4F1F-9EF6-50B27CAA1BF4}" type="datetimeFigureOut">
               <a:rPr lang="en-US" smtClean="0"/>
-              <a:t>8/28/2017</a:t>
+              <a:t>9/5/2017</a:t>
             </a:fld>
             <a:endParaRPr lang="en-US"/>
           </a:p>
@@ -5234,6 +5235,2043 @@
     <p:extLst>
       <p:ext uri="{BB962C8B-B14F-4D97-AF65-F5344CB8AC3E}">
         <p14:creationId xmlns:p14="http://schemas.microsoft.com/office/powerpoint/2010/main" val="2064766788"/>
+      </p:ext>
+    </p:extLst>
+  </p:cSld>
+  <p:clrMapOvr>
+    <a:masterClrMapping/>
+  </p:clrMapOvr>
+</p:sld>
+</file>
+
+<file path=ppt/slides/slide10.xml><?xml version="1.0" encoding="utf-8"?>
+<p:sld xmlns:a="http://schemas.openxmlformats.org/drawingml/2006/main" xmlns:r="http://schemas.openxmlformats.org/officeDocument/2006/relationships" xmlns:p="http://schemas.openxmlformats.org/presentationml/2006/main">
+  <p:cSld>
+    <p:spTree>
+      <p:nvGrpSpPr>
+        <p:cNvPr id="1" name=""/>
+        <p:cNvGrpSpPr/>
+        <p:nvPr/>
+      </p:nvGrpSpPr>
+      <p:grpSpPr>
+        <a:xfrm>
+          <a:off x="0" y="0"/>
+          <a:ext cx="0" cy="0"/>
+          <a:chOff x="0" y="0"/>
+          <a:chExt cx="0" cy="0"/>
+        </a:xfrm>
+      </p:grpSpPr>
+      <mc:AlternateContent xmlns:mc="http://schemas.openxmlformats.org/markup-compatibility/2006">
+        <mc:Choice xmlns:a14="http://schemas.microsoft.com/office/drawing/2010/main" Requires="a14">
+          <p:graphicFrame>
+            <p:nvGraphicFramePr>
+              <p:cNvPr id="4" name="Table 3"/>
+              <p:cNvGraphicFramePr>
+                <a:graphicFrameLocks noGrp="1"/>
+              </p:cNvGraphicFramePr>
+              <p:nvPr>
+                <p:extLst>
+                  <p:ext uri="{D42A27DB-BD31-4B8C-83A1-F6EECF244321}">
+                    <p14:modId xmlns:p14="http://schemas.microsoft.com/office/powerpoint/2010/main" val="3427539397"/>
+                  </p:ext>
+                </p:extLst>
+              </p:nvPr>
+            </p:nvGraphicFramePr>
+            <p:xfrm>
+              <a:off x="1178220" y="1957935"/>
+              <a:ext cx="6096000" cy="1719326"/>
+            </p:xfrm>
+            <a:graphic>
+              <a:graphicData uri="http://schemas.openxmlformats.org/drawingml/2006/table">
+                <a:tbl>
+                  <a:tblPr firstRow="1" bandRow="1">
+                    <a:tableStyleId>{5C22544A-7EE6-4342-B048-85BDC9FD1C3A}</a:tableStyleId>
+                  </a:tblPr>
+                  <a:tblGrid>
+                    <a:gridCol w="1016000">
+                      <a:extLst>
+                        <a:ext uri="{9D8B030D-6E8A-4147-A177-3AD203B41FA5}">
+                          <a16:colId xmlns:a16="http://schemas.microsoft.com/office/drawing/2014/main" val="2401570237"/>
+                        </a:ext>
+                      </a:extLst>
+                    </a:gridCol>
+                    <a:gridCol w="1016000">
+                      <a:extLst>
+                        <a:ext uri="{9D8B030D-6E8A-4147-A177-3AD203B41FA5}">
+                          <a16:colId xmlns:a16="http://schemas.microsoft.com/office/drawing/2014/main" val="3747713454"/>
+                        </a:ext>
+                      </a:extLst>
+                    </a:gridCol>
+                    <a:gridCol w="1016000">
+                      <a:extLst>
+                        <a:ext uri="{9D8B030D-6E8A-4147-A177-3AD203B41FA5}">
+                          <a16:colId xmlns:a16="http://schemas.microsoft.com/office/drawing/2014/main" val="828770990"/>
+                        </a:ext>
+                      </a:extLst>
+                    </a:gridCol>
+                    <a:gridCol w="1016000">
+                      <a:extLst>
+                        <a:ext uri="{9D8B030D-6E8A-4147-A177-3AD203B41FA5}">
+                          <a16:colId xmlns:a16="http://schemas.microsoft.com/office/drawing/2014/main" val="2173143747"/>
+                        </a:ext>
+                      </a:extLst>
+                    </a:gridCol>
+                    <a:gridCol w="1016000">
+                      <a:extLst>
+                        <a:ext uri="{9D8B030D-6E8A-4147-A177-3AD203B41FA5}">
+                          <a16:colId xmlns:a16="http://schemas.microsoft.com/office/drawing/2014/main" val="954101634"/>
+                        </a:ext>
+                      </a:extLst>
+                    </a:gridCol>
+                    <a:gridCol w="1016000">
+                      <a:extLst>
+                        <a:ext uri="{9D8B030D-6E8A-4147-A177-3AD203B41FA5}">
+                          <a16:colId xmlns:a16="http://schemas.microsoft.com/office/drawing/2014/main" val="2442471891"/>
+                        </a:ext>
+                      </a:extLst>
+                    </a:gridCol>
+                  </a:tblGrid>
+                  <a:tr h="370840">
+                    <a:tc>
+                      <a:txBody>
+                        <a:bodyPr/>
+                        <a:lstStyle/>
+                        <a:p>
+                          <a:r>
+                            <a:rPr lang="en-US" dirty="0" smtClean="0"/>
+                            <a:t>Source</a:t>
+                          </a:r>
+                          <a:endParaRPr lang="en-US" dirty="0"/>
+                        </a:p>
+                      </a:txBody>
+                      <a:tcPr>
+                        <a:lnL w="12700" cap="flat" cmpd="sng" algn="ctr">
+                          <a:solidFill>
+                            <a:schemeClr val="tx1"/>
+                          </a:solidFill>
+                          <a:prstDash val="solid"/>
+                          <a:round/>
+                          <a:headEnd type="none" w="med" len="med"/>
+                          <a:tailEnd type="none" w="med" len="med"/>
+                        </a:lnL>
+                        <a:lnT w="12700" cap="flat" cmpd="sng" algn="ctr">
+                          <a:solidFill>
+                            <a:schemeClr val="tx1"/>
+                          </a:solidFill>
+                          <a:prstDash val="solid"/>
+                          <a:round/>
+                          <a:headEnd type="none" w="med" len="med"/>
+                          <a:tailEnd type="none" w="med" len="med"/>
+                        </a:lnT>
+                        <a:solidFill>
+                          <a:schemeClr val="bg1">
+                            <a:lumMod val="50000"/>
+                          </a:schemeClr>
+                        </a:solidFill>
+                      </a:tcPr>
+                    </a:tc>
+                    <a:tc>
+                      <a:txBody>
+                        <a:bodyPr/>
+                        <a:lstStyle/>
+                        <a:p>
+                          <a:pPr algn="ctr"/>
+                          <a:r>
+                            <a:rPr lang="en-US" dirty="0" smtClean="0"/>
+                            <a:t>DF</a:t>
+                          </a:r>
+                          <a:endParaRPr lang="en-US" dirty="0"/>
+                        </a:p>
+                      </a:txBody>
+                      <a:tcPr>
+                        <a:lnT w="12700" cap="flat" cmpd="sng" algn="ctr">
+                          <a:solidFill>
+                            <a:schemeClr val="tx1"/>
+                          </a:solidFill>
+                          <a:prstDash val="solid"/>
+                          <a:round/>
+                          <a:headEnd type="none" w="med" len="med"/>
+                          <a:tailEnd type="none" w="med" len="med"/>
+                        </a:lnT>
+                        <a:solidFill>
+                          <a:schemeClr val="bg1">
+                            <a:lumMod val="50000"/>
+                          </a:schemeClr>
+                        </a:solidFill>
+                      </a:tcPr>
+                    </a:tc>
+                    <a:tc>
+                      <a:txBody>
+                        <a:bodyPr/>
+                        <a:lstStyle/>
+                        <a:p>
+                          <a:pPr algn="ctr"/>
+                          <a:r>
+                            <a:rPr lang="en-US" dirty="0" smtClean="0"/>
+                            <a:t>SS</a:t>
+                          </a:r>
+                          <a:endParaRPr lang="en-US" dirty="0"/>
+                        </a:p>
+                      </a:txBody>
+                      <a:tcPr>
+                        <a:lnT w="12700" cap="flat" cmpd="sng" algn="ctr">
+                          <a:solidFill>
+                            <a:schemeClr val="tx1"/>
+                          </a:solidFill>
+                          <a:prstDash val="solid"/>
+                          <a:round/>
+                          <a:headEnd type="none" w="med" len="med"/>
+                          <a:tailEnd type="none" w="med" len="med"/>
+                        </a:lnT>
+                        <a:solidFill>
+                          <a:schemeClr val="bg1">
+                            <a:lumMod val="50000"/>
+                          </a:schemeClr>
+                        </a:solidFill>
+                      </a:tcPr>
+                    </a:tc>
+                    <a:tc>
+                      <a:txBody>
+                        <a:bodyPr/>
+                        <a:lstStyle/>
+                        <a:p>
+                          <a:pPr algn="ctr"/>
+                          <a:r>
+                            <a:rPr lang="en-US" dirty="0" smtClean="0"/>
+                            <a:t>MS</a:t>
+                          </a:r>
+                          <a:endParaRPr lang="en-US" dirty="0"/>
+                        </a:p>
+                      </a:txBody>
+                      <a:tcPr>
+                        <a:lnT w="12700" cap="flat" cmpd="sng" algn="ctr">
+                          <a:solidFill>
+                            <a:schemeClr val="tx1"/>
+                          </a:solidFill>
+                          <a:prstDash val="solid"/>
+                          <a:round/>
+                          <a:headEnd type="none" w="med" len="med"/>
+                          <a:tailEnd type="none" w="med" len="med"/>
+                        </a:lnT>
+                        <a:solidFill>
+                          <a:schemeClr val="bg1">
+                            <a:lumMod val="50000"/>
+                          </a:schemeClr>
+                        </a:solidFill>
+                      </a:tcPr>
+                    </a:tc>
+                    <a:tc>
+                      <a:txBody>
+                        <a:bodyPr/>
+                        <a:lstStyle/>
+                        <a:p>
+                          <a:pPr algn="ctr"/>
+                          <a:r>
+                            <a:rPr lang="en-US" dirty="0" smtClean="0"/>
+                            <a:t>F</a:t>
+                          </a:r>
+                          <a:endParaRPr lang="en-US" dirty="0"/>
+                        </a:p>
+                      </a:txBody>
+                      <a:tcPr>
+                        <a:lnT w="12700" cap="flat" cmpd="sng" algn="ctr">
+                          <a:solidFill>
+                            <a:schemeClr val="tx1"/>
+                          </a:solidFill>
+                          <a:prstDash val="solid"/>
+                          <a:round/>
+                          <a:headEnd type="none" w="med" len="med"/>
+                          <a:tailEnd type="none" w="med" len="med"/>
+                        </a:lnT>
+                        <a:solidFill>
+                          <a:schemeClr val="bg1">
+                            <a:lumMod val="50000"/>
+                          </a:schemeClr>
+                        </a:solidFill>
+                      </a:tcPr>
+                    </a:tc>
+                    <a:tc>
+                      <a:txBody>
+                        <a:bodyPr/>
+                        <a:lstStyle/>
+                        <a:p>
+                          <a:pPr algn="ctr"/>
+                          <a:r>
+                            <a:rPr lang="en-US" dirty="0" smtClean="0"/>
+                            <a:t>P-Value</a:t>
+                          </a:r>
+                          <a:endParaRPr lang="en-US" dirty="0"/>
+                        </a:p>
+                      </a:txBody>
+                      <a:tcPr>
+                        <a:lnR w="12700" cap="flat" cmpd="sng" algn="ctr">
+                          <a:solidFill>
+                            <a:schemeClr val="tx1"/>
+                          </a:solidFill>
+                          <a:prstDash val="solid"/>
+                          <a:round/>
+                          <a:headEnd type="none" w="med" len="med"/>
+                          <a:tailEnd type="none" w="med" len="med"/>
+                        </a:lnR>
+                        <a:lnT w="12700" cap="flat" cmpd="sng" algn="ctr">
+                          <a:solidFill>
+                            <a:schemeClr val="tx1"/>
+                          </a:solidFill>
+                          <a:prstDash val="solid"/>
+                          <a:round/>
+                          <a:headEnd type="none" w="med" len="med"/>
+                          <a:tailEnd type="none" w="med" len="med"/>
+                        </a:lnT>
+                        <a:solidFill>
+                          <a:schemeClr val="bg1">
+                            <a:lumMod val="50000"/>
+                          </a:schemeClr>
+                        </a:solidFill>
+                      </a:tcPr>
+                    </a:tc>
+                    <a:extLst>
+                      <a:ext uri="{0D108BD9-81ED-4DB2-BD59-A6C34878D82A}">
+                        <a16:rowId xmlns:a16="http://schemas.microsoft.com/office/drawing/2014/main" val="2696200524"/>
+                      </a:ext>
+                    </a:extLst>
+                  </a:tr>
+                  <a:tr h="370840">
+                    <a:tc>
+                      <a:txBody>
+                        <a:bodyPr/>
+                        <a:lstStyle/>
+                        <a:p>
+                          <a:r>
+                            <a:rPr lang="en-US" dirty="0" smtClean="0"/>
+                            <a:t>Factor</a:t>
+                          </a:r>
+                          <a:endParaRPr lang="en-US" dirty="0"/>
+                        </a:p>
+                      </a:txBody>
+                      <a:tcPr>
+                        <a:lnL w="12700" cap="flat" cmpd="sng" algn="ctr">
+                          <a:solidFill>
+                            <a:schemeClr val="tx1"/>
+                          </a:solidFill>
+                          <a:prstDash val="solid"/>
+                          <a:round/>
+                          <a:headEnd type="none" w="med" len="med"/>
+                          <a:tailEnd type="none" w="med" len="med"/>
+                        </a:lnL>
+                        <a:noFill/>
+                      </a:tcPr>
+                    </a:tc>
+                    <a:tc>
+                      <a:txBody>
+                        <a:bodyPr/>
+                        <a:lstStyle/>
+                        <a:p>
+                          <a:pPr algn="ctr"/>
+                          <a14:m>
+                            <m:oMathPara xmlns:m="http://schemas.openxmlformats.org/officeDocument/2006/math">
+                              <m:oMathParaPr>
+                                <m:jc m:val="centerGroup"/>
+                              </m:oMathParaPr>
+                              <m:oMath xmlns:m="http://schemas.openxmlformats.org/officeDocument/2006/math">
+                                <m:r>
+                                  <a:rPr lang="en-US" b="0" i="1" smtClean="0">
+                                    <a:latin typeface="Cambria Math" panose="02040503050406030204" pitchFamily="18" charset="0"/>
+                                  </a:rPr>
+                                  <m:t>𝑘</m:t>
+                                </m:r>
+                                <m:r>
+                                  <a:rPr lang="en-US" b="0" i="1" smtClean="0">
+                                    <a:latin typeface="Cambria Math" panose="02040503050406030204" pitchFamily="18" charset="0"/>
+                                  </a:rPr>
+                                  <m:t> −1</m:t>
+                                </m:r>
+                              </m:oMath>
+                            </m:oMathPara>
+                          </a14:m>
+                          <a:endParaRPr lang="en-US" dirty="0"/>
+                        </a:p>
+                      </a:txBody>
+                      <a:tcPr>
+                        <a:noFill/>
+                      </a:tcPr>
+                    </a:tc>
+                    <a:tc>
+                      <a:txBody>
+                        <a:bodyPr/>
+                        <a:lstStyle/>
+                        <a:p>
+                          <a:pPr algn="ctr"/>
+                          <a:r>
+                            <a:rPr lang="en-US" dirty="0" err="1" smtClean="0"/>
+                            <a:t>SSTrt</a:t>
+                          </a:r>
+                          <a:endParaRPr lang="en-US" dirty="0"/>
+                        </a:p>
+                      </a:txBody>
+                      <a:tcPr>
+                        <a:noFill/>
+                      </a:tcPr>
+                    </a:tc>
+                    <a:tc>
+                      <a:txBody>
+                        <a:bodyPr/>
+                        <a:lstStyle/>
+                        <a:p>
+                          <a:pPr algn="ctr"/>
+                          <a:r>
+                            <a:rPr lang="en-US" dirty="0" err="1" smtClean="0"/>
+                            <a:t>MSTrt</a:t>
+                          </a:r>
+                          <a:endParaRPr lang="en-US" dirty="0"/>
+                        </a:p>
+                      </a:txBody>
+                      <a:tcPr>
+                        <a:noFill/>
+                      </a:tcPr>
+                    </a:tc>
+                    <a:tc>
+                      <a:txBody>
+                        <a:bodyPr/>
+                        <a:lstStyle/>
+                        <a:p>
+                          <a:pPr algn="ctr"/>
+                          <a14:m>
+                            <m:oMathPara xmlns:m="http://schemas.openxmlformats.org/officeDocument/2006/math">
+                              <m:oMathParaPr>
+                                <m:jc m:val="centerGroup"/>
+                              </m:oMathParaPr>
+                              <m:oMath xmlns:m="http://schemas.openxmlformats.org/officeDocument/2006/math">
+                                <m:f>
+                                  <m:fPr>
+                                    <m:ctrlPr>
+                                      <a:rPr lang="en-US" b="0" i="1" smtClean="0">
+                                        <a:latin typeface="Cambria Math" panose="02040503050406030204" pitchFamily="18" charset="0"/>
+                                      </a:rPr>
+                                    </m:ctrlPr>
+                                  </m:fPr>
+                                  <m:num>
+                                    <m:r>
+                                      <m:rPr>
+                                        <m:nor/>
+                                      </m:rPr>
+                                      <a:rPr lang="en-US" b="0" i="0" smtClean="0">
+                                        <a:latin typeface="Cambria Math" panose="02040503050406030204" pitchFamily="18" charset="0"/>
+                                      </a:rPr>
+                                      <m:t>MSTrt</m:t>
+                                    </m:r>
+                                  </m:num>
+                                  <m:den>
+                                    <m:r>
+                                      <m:rPr>
+                                        <m:nor/>
+                                      </m:rPr>
+                                      <a:rPr lang="en-US" b="0" i="0" smtClean="0">
+                                        <a:latin typeface="Cambria Math" panose="02040503050406030204" pitchFamily="18" charset="0"/>
+                                      </a:rPr>
+                                      <m:t>MSE</m:t>
+                                    </m:r>
+                                  </m:den>
+                                </m:f>
+                              </m:oMath>
+                            </m:oMathPara>
+                          </a14:m>
+                          <a:endParaRPr lang="en-US" b="0" dirty="0" smtClean="0"/>
+                        </a:p>
+                      </a:txBody>
+                      <a:tcPr>
+                        <a:noFill/>
+                      </a:tcPr>
+                    </a:tc>
+                    <a:tc>
+                      <a:txBody>
+                        <a:bodyPr/>
+                        <a:lstStyle/>
+                        <a:p>
+                          <a:pPr algn="ctr"/>
+                          <a:r>
+                            <a:rPr lang="en-US" dirty="0" smtClean="0"/>
+                            <a:t>p</a:t>
+                          </a:r>
+                          <a:endParaRPr lang="en-US" dirty="0"/>
+                        </a:p>
+                      </a:txBody>
+                      <a:tcPr>
+                        <a:lnR w="12700" cap="flat" cmpd="sng" algn="ctr">
+                          <a:solidFill>
+                            <a:schemeClr val="tx1"/>
+                          </a:solidFill>
+                          <a:prstDash val="solid"/>
+                          <a:round/>
+                          <a:headEnd type="none" w="med" len="med"/>
+                          <a:tailEnd type="none" w="med" len="med"/>
+                        </a:lnR>
+                        <a:noFill/>
+                      </a:tcPr>
+                    </a:tc>
+                    <a:extLst>
+                      <a:ext uri="{0D108BD9-81ED-4DB2-BD59-A6C34878D82A}">
+                        <a16:rowId xmlns:a16="http://schemas.microsoft.com/office/drawing/2014/main" val="141330344"/>
+                      </a:ext>
+                    </a:extLst>
+                  </a:tr>
+                  <a:tr h="370840">
+                    <a:tc>
+                      <a:txBody>
+                        <a:bodyPr/>
+                        <a:lstStyle/>
+                        <a:p>
+                          <a:r>
+                            <a:rPr lang="en-US" dirty="0" smtClean="0"/>
+                            <a:t>Error</a:t>
+                          </a:r>
+                          <a:endParaRPr lang="en-US" dirty="0"/>
+                        </a:p>
+                      </a:txBody>
+                      <a:tcPr>
+                        <a:lnL w="12700" cap="flat" cmpd="sng" algn="ctr">
+                          <a:solidFill>
+                            <a:schemeClr val="tx1"/>
+                          </a:solidFill>
+                          <a:prstDash val="solid"/>
+                          <a:round/>
+                          <a:headEnd type="none" w="med" len="med"/>
+                          <a:tailEnd type="none" w="med" len="med"/>
+                        </a:lnL>
+                        <a:noFill/>
+                      </a:tcPr>
+                    </a:tc>
+                    <a:tc>
+                      <a:txBody>
+                        <a:bodyPr/>
+                        <a:lstStyle/>
+                        <a:p>
+                          <a:pPr algn="ctr"/>
+                          <a14:m>
+                            <m:oMathPara xmlns:m="http://schemas.openxmlformats.org/officeDocument/2006/math">
+                              <m:oMathParaPr>
+                                <m:jc m:val="centerGroup"/>
+                              </m:oMathParaPr>
+                              <m:oMath xmlns:m="http://schemas.openxmlformats.org/officeDocument/2006/math">
+                                <m:r>
+                                  <a:rPr lang="en-US" b="0" i="1" smtClean="0">
+                                    <a:latin typeface="Cambria Math" panose="02040503050406030204" pitchFamily="18" charset="0"/>
+                                  </a:rPr>
+                                  <m:t>𝑛</m:t>
+                                </m:r>
+                                <m:r>
+                                  <a:rPr lang="en-US" b="0" i="1" smtClean="0">
+                                    <a:latin typeface="Cambria Math" panose="02040503050406030204" pitchFamily="18" charset="0"/>
+                                  </a:rPr>
+                                  <m:t> −</m:t>
+                                </m:r>
+                                <m:r>
+                                  <a:rPr lang="en-US" b="0" i="1" smtClean="0">
+                                    <a:latin typeface="Cambria Math" panose="02040503050406030204" pitchFamily="18" charset="0"/>
+                                  </a:rPr>
+                                  <m:t>𝑘</m:t>
+                                </m:r>
+                              </m:oMath>
+                            </m:oMathPara>
+                          </a14:m>
+                          <a:endParaRPr lang="en-US" b="0" dirty="0" smtClean="0"/>
+                        </a:p>
+                      </a:txBody>
+                      <a:tcPr>
+                        <a:noFill/>
+                      </a:tcPr>
+                    </a:tc>
+                    <a:tc>
+                      <a:txBody>
+                        <a:bodyPr/>
+                        <a:lstStyle/>
+                        <a:p>
+                          <a:pPr algn="ctr"/>
+                          <a:r>
+                            <a:rPr lang="en-US" dirty="0" smtClean="0"/>
+                            <a:t>SSE</a:t>
+                          </a:r>
+                          <a:endParaRPr lang="en-US" dirty="0"/>
+                        </a:p>
+                      </a:txBody>
+                      <a:tcPr>
+                        <a:noFill/>
+                      </a:tcPr>
+                    </a:tc>
+                    <a:tc>
+                      <a:txBody>
+                        <a:bodyPr/>
+                        <a:lstStyle/>
+                        <a:p>
+                          <a:pPr algn="ctr"/>
+                          <a:r>
+                            <a:rPr lang="en-US" dirty="0" smtClean="0"/>
+                            <a:t>MSE</a:t>
+                          </a:r>
+                          <a:endParaRPr lang="en-US" dirty="0"/>
+                        </a:p>
+                      </a:txBody>
+                      <a:tcPr>
+                        <a:noFill/>
+                      </a:tcPr>
+                    </a:tc>
+                    <a:tc>
+                      <a:txBody>
+                        <a:bodyPr/>
+                        <a:lstStyle/>
+                        <a:p>
+                          <a:pPr algn="ctr"/>
+                          <a:endParaRPr lang="en-US" dirty="0"/>
+                        </a:p>
+                      </a:txBody>
+                      <a:tcPr>
+                        <a:noFill/>
+                      </a:tcPr>
+                    </a:tc>
+                    <a:tc>
+                      <a:txBody>
+                        <a:bodyPr/>
+                        <a:lstStyle/>
+                        <a:p>
+                          <a:pPr algn="ctr"/>
+                          <a:endParaRPr lang="en-US" dirty="0"/>
+                        </a:p>
+                      </a:txBody>
+                      <a:tcPr>
+                        <a:lnR w="12700" cap="flat" cmpd="sng" algn="ctr">
+                          <a:solidFill>
+                            <a:schemeClr val="tx1"/>
+                          </a:solidFill>
+                          <a:prstDash val="solid"/>
+                          <a:round/>
+                          <a:headEnd type="none" w="med" len="med"/>
+                          <a:tailEnd type="none" w="med" len="med"/>
+                        </a:lnR>
+                        <a:noFill/>
+                      </a:tcPr>
+                    </a:tc>
+                    <a:extLst>
+                      <a:ext uri="{0D108BD9-81ED-4DB2-BD59-A6C34878D82A}">
+                        <a16:rowId xmlns:a16="http://schemas.microsoft.com/office/drawing/2014/main" val="1908871104"/>
+                      </a:ext>
+                    </a:extLst>
+                  </a:tr>
+                  <a:tr h="370840">
+                    <a:tc>
+                      <a:txBody>
+                        <a:bodyPr/>
+                        <a:lstStyle/>
+                        <a:p>
+                          <a:r>
+                            <a:rPr lang="en-US" dirty="0" smtClean="0"/>
+                            <a:t>Total</a:t>
+                          </a:r>
+                          <a:endParaRPr lang="en-US" dirty="0"/>
+                        </a:p>
+                      </a:txBody>
+                      <a:tcPr>
+                        <a:lnL w="12700" cap="flat" cmpd="sng" algn="ctr">
+                          <a:solidFill>
+                            <a:schemeClr val="tx1"/>
+                          </a:solidFill>
+                          <a:prstDash val="solid"/>
+                          <a:round/>
+                          <a:headEnd type="none" w="med" len="med"/>
+                          <a:tailEnd type="none" w="med" len="med"/>
+                        </a:lnL>
+                        <a:lnB w="12700" cap="flat" cmpd="sng" algn="ctr">
+                          <a:solidFill>
+                            <a:schemeClr val="tx1"/>
+                          </a:solidFill>
+                          <a:prstDash val="solid"/>
+                          <a:round/>
+                          <a:headEnd type="none" w="med" len="med"/>
+                          <a:tailEnd type="none" w="med" len="med"/>
+                        </a:lnB>
+                        <a:noFill/>
+                      </a:tcPr>
+                    </a:tc>
+                    <a:tc>
+                      <a:txBody>
+                        <a:bodyPr/>
+                        <a:lstStyle/>
+                        <a:p>
+                          <a:pPr algn="ctr"/>
+                          <a14:m>
+                            <m:oMathPara xmlns:m="http://schemas.openxmlformats.org/officeDocument/2006/math">
+                              <m:oMathParaPr>
+                                <m:jc m:val="centerGroup"/>
+                              </m:oMathParaPr>
+                              <m:oMath xmlns:m="http://schemas.openxmlformats.org/officeDocument/2006/math">
+                                <m:r>
+                                  <a:rPr lang="en-US" b="0" i="1" smtClean="0">
+                                    <a:latin typeface="Cambria Math" panose="02040503050406030204" pitchFamily="18" charset="0"/>
+                                  </a:rPr>
+                                  <m:t>𝑛</m:t>
+                                </m:r>
+                                <m:r>
+                                  <a:rPr lang="en-US" b="0" i="1" smtClean="0">
+                                    <a:latin typeface="Cambria Math" panose="02040503050406030204" pitchFamily="18" charset="0"/>
+                                  </a:rPr>
+                                  <m:t> −1</m:t>
+                                </m:r>
+                              </m:oMath>
+                            </m:oMathPara>
+                          </a14:m>
+                          <a:endParaRPr lang="en-US" dirty="0"/>
+                        </a:p>
+                      </a:txBody>
+                      <a:tcPr>
+                        <a:lnB w="12700" cap="flat" cmpd="sng" algn="ctr">
+                          <a:solidFill>
+                            <a:schemeClr val="tx1"/>
+                          </a:solidFill>
+                          <a:prstDash val="solid"/>
+                          <a:round/>
+                          <a:headEnd type="none" w="med" len="med"/>
+                          <a:tailEnd type="none" w="med" len="med"/>
+                        </a:lnB>
+                        <a:noFill/>
+                      </a:tcPr>
+                    </a:tc>
+                    <a:tc>
+                      <a:txBody>
+                        <a:bodyPr/>
+                        <a:lstStyle/>
+                        <a:p>
+                          <a:pPr algn="ctr"/>
+                          <a:r>
+                            <a:rPr lang="en-US" dirty="0" smtClean="0"/>
+                            <a:t>SST</a:t>
+                          </a:r>
+                          <a:endParaRPr lang="en-US" dirty="0"/>
+                        </a:p>
+                      </a:txBody>
+                      <a:tcPr>
+                        <a:lnB w="12700" cap="flat" cmpd="sng" algn="ctr">
+                          <a:solidFill>
+                            <a:schemeClr val="tx1"/>
+                          </a:solidFill>
+                          <a:prstDash val="solid"/>
+                          <a:round/>
+                          <a:headEnd type="none" w="med" len="med"/>
+                          <a:tailEnd type="none" w="med" len="med"/>
+                        </a:lnB>
+                        <a:noFill/>
+                      </a:tcPr>
+                    </a:tc>
+                    <a:tc>
+                      <a:txBody>
+                        <a:bodyPr/>
+                        <a:lstStyle/>
+                        <a:p>
+                          <a:pPr algn="ctr"/>
+                          <a:endParaRPr lang="en-US" dirty="0"/>
+                        </a:p>
+                      </a:txBody>
+                      <a:tcPr>
+                        <a:lnB w="12700" cap="flat" cmpd="sng" algn="ctr">
+                          <a:solidFill>
+                            <a:schemeClr val="tx1"/>
+                          </a:solidFill>
+                          <a:prstDash val="solid"/>
+                          <a:round/>
+                          <a:headEnd type="none" w="med" len="med"/>
+                          <a:tailEnd type="none" w="med" len="med"/>
+                        </a:lnB>
+                        <a:noFill/>
+                      </a:tcPr>
+                    </a:tc>
+                    <a:tc>
+                      <a:txBody>
+                        <a:bodyPr/>
+                        <a:lstStyle/>
+                        <a:p>
+                          <a:pPr algn="ctr"/>
+                          <a:endParaRPr lang="en-US" dirty="0"/>
+                        </a:p>
+                      </a:txBody>
+                      <a:tcPr>
+                        <a:lnB w="12700" cap="flat" cmpd="sng" algn="ctr">
+                          <a:solidFill>
+                            <a:schemeClr val="tx1"/>
+                          </a:solidFill>
+                          <a:prstDash val="solid"/>
+                          <a:round/>
+                          <a:headEnd type="none" w="med" len="med"/>
+                          <a:tailEnd type="none" w="med" len="med"/>
+                        </a:lnB>
+                        <a:noFill/>
+                      </a:tcPr>
+                    </a:tc>
+                    <a:tc>
+                      <a:txBody>
+                        <a:bodyPr/>
+                        <a:lstStyle/>
+                        <a:p>
+                          <a:pPr algn="ctr"/>
+                          <a:endParaRPr lang="en-US" dirty="0"/>
+                        </a:p>
+                      </a:txBody>
+                      <a:tcPr>
+                        <a:lnR w="12700" cap="flat" cmpd="sng" algn="ctr">
+                          <a:solidFill>
+                            <a:schemeClr val="tx1"/>
+                          </a:solidFill>
+                          <a:prstDash val="solid"/>
+                          <a:round/>
+                          <a:headEnd type="none" w="med" len="med"/>
+                          <a:tailEnd type="none" w="med" len="med"/>
+                        </a:lnR>
+                        <a:lnB w="12700" cap="flat" cmpd="sng" algn="ctr">
+                          <a:solidFill>
+                            <a:schemeClr val="tx1"/>
+                          </a:solidFill>
+                          <a:prstDash val="solid"/>
+                          <a:round/>
+                          <a:headEnd type="none" w="med" len="med"/>
+                          <a:tailEnd type="none" w="med" len="med"/>
+                        </a:lnB>
+                        <a:noFill/>
+                      </a:tcPr>
+                    </a:tc>
+                    <a:extLst>
+                      <a:ext uri="{0D108BD9-81ED-4DB2-BD59-A6C34878D82A}">
+                        <a16:rowId xmlns:a16="http://schemas.microsoft.com/office/drawing/2014/main" val="1305027931"/>
+                      </a:ext>
+                    </a:extLst>
+                  </a:tr>
+                </a:tbl>
+              </a:graphicData>
+            </a:graphic>
+          </p:graphicFrame>
+        </mc:Choice>
+        <mc:Fallback>
+          <p:graphicFrame>
+            <p:nvGraphicFramePr>
+              <p:cNvPr id="4" name="Table 3"/>
+              <p:cNvGraphicFramePr>
+                <a:graphicFrameLocks noGrp="1"/>
+              </p:cNvGraphicFramePr>
+              <p:nvPr>
+                <p:extLst>
+                  <p:ext uri="{D42A27DB-BD31-4B8C-83A1-F6EECF244321}">
+                    <p14:modId xmlns:p14="http://schemas.microsoft.com/office/powerpoint/2010/main" val="3427539397"/>
+                  </p:ext>
+                </p:extLst>
+              </p:nvPr>
+            </p:nvGraphicFramePr>
+            <p:xfrm>
+              <a:off x="1178220" y="1957935"/>
+              <a:ext cx="6096000" cy="1719326"/>
+            </p:xfrm>
+            <a:graphic>
+              <a:graphicData uri="http://schemas.openxmlformats.org/drawingml/2006/table">
+                <a:tbl>
+                  <a:tblPr firstRow="1" bandRow="1">
+                    <a:tableStyleId>{5C22544A-7EE6-4342-B048-85BDC9FD1C3A}</a:tableStyleId>
+                  </a:tblPr>
+                  <a:tblGrid>
+                    <a:gridCol w="1016000">
+                      <a:extLst>
+                        <a:ext uri="{9D8B030D-6E8A-4147-A177-3AD203B41FA5}">
+                          <a16:colId xmlns:a16="http://schemas.microsoft.com/office/drawing/2014/main" val="2401570237"/>
+                        </a:ext>
+                      </a:extLst>
+                    </a:gridCol>
+                    <a:gridCol w="1016000">
+                      <a:extLst>
+                        <a:ext uri="{9D8B030D-6E8A-4147-A177-3AD203B41FA5}">
+                          <a16:colId xmlns:a16="http://schemas.microsoft.com/office/drawing/2014/main" val="3747713454"/>
+                        </a:ext>
+                      </a:extLst>
+                    </a:gridCol>
+                    <a:gridCol w="1016000">
+                      <a:extLst>
+                        <a:ext uri="{9D8B030D-6E8A-4147-A177-3AD203B41FA5}">
+                          <a16:colId xmlns:a16="http://schemas.microsoft.com/office/drawing/2014/main" val="828770990"/>
+                        </a:ext>
+                      </a:extLst>
+                    </a:gridCol>
+                    <a:gridCol w="1016000">
+                      <a:extLst>
+                        <a:ext uri="{9D8B030D-6E8A-4147-A177-3AD203B41FA5}">
+                          <a16:colId xmlns:a16="http://schemas.microsoft.com/office/drawing/2014/main" val="2173143747"/>
+                        </a:ext>
+                      </a:extLst>
+                    </a:gridCol>
+                    <a:gridCol w="1016000">
+                      <a:extLst>
+                        <a:ext uri="{9D8B030D-6E8A-4147-A177-3AD203B41FA5}">
+                          <a16:colId xmlns:a16="http://schemas.microsoft.com/office/drawing/2014/main" val="954101634"/>
+                        </a:ext>
+                      </a:extLst>
+                    </a:gridCol>
+                    <a:gridCol w="1016000">
+                      <a:extLst>
+                        <a:ext uri="{9D8B030D-6E8A-4147-A177-3AD203B41FA5}">
+                          <a16:colId xmlns:a16="http://schemas.microsoft.com/office/drawing/2014/main" val="2442471891"/>
+                        </a:ext>
+                      </a:extLst>
+                    </a:gridCol>
+                  </a:tblGrid>
+                  <a:tr h="370840">
+                    <a:tc>
+                      <a:txBody>
+                        <a:bodyPr/>
+                        <a:lstStyle/>
+                        <a:p>
+                          <a:r>
+                            <a:rPr lang="en-US" dirty="0" smtClean="0"/>
+                            <a:t>Source</a:t>
+                          </a:r>
+                          <a:endParaRPr lang="en-US" dirty="0"/>
+                        </a:p>
+                      </a:txBody>
+                      <a:tcPr>
+                        <a:lnL w="12700" cap="flat" cmpd="sng" algn="ctr">
+                          <a:solidFill>
+                            <a:schemeClr val="tx1"/>
+                          </a:solidFill>
+                          <a:prstDash val="solid"/>
+                          <a:round/>
+                          <a:headEnd type="none" w="med" len="med"/>
+                          <a:tailEnd type="none" w="med" len="med"/>
+                        </a:lnL>
+                        <a:lnT w="12700" cap="flat" cmpd="sng" algn="ctr">
+                          <a:solidFill>
+                            <a:schemeClr val="tx1"/>
+                          </a:solidFill>
+                          <a:prstDash val="solid"/>
+                          <a:round/>
+                          <a:headEnd type="none" w="med" len="med"/>
+                          <a:tailEnd type="none" w="med" len="med"/>
+                        </a:lnT>
+                        <a:solidFill>
+                          <a:schemeClr val="bg1">
+                            <a:lumMod val="50000"/>
+                          </a:schemeClr>
+                        </a:solidFill>
+                      </a:tcPr>
+                    </a:tc>
+                    <a:tc>
+                      <a:txBody>
+                        <a:bodyPr/>
+                        <a:lstStyle/>
+                        <a:p>
+                          <a:pPr algn="ctr"/>
+                          <a:r>
+                            <a:rPr lang="en-US" dirty="0" smtClean="0"/>
+                            <a:t>DF</a:t>
+                          </a:r>
+                          <a:endParaRPr lang="en-US" dirty="0"/>
+                        </a:p>
+                      </a:txBody>
+                      <a:tcPr>
+                        <a:lnT w="12700" cap="flat" cmpd="sng" algn="ctr">
+                          <a:solidFill>
+                            <a:schemeClr val="tx1"/>
+                          </a:solidFill>
+                          <a:prstDash val="solid"/>
+                          <a:round/>
+                          <a:headEnd type="none" w="med" len="med"/>
+                          <a:tailEnd type="none" w="med" len="med"/>
+                        </a:lnT>
+                        <a:solidFill>
+                          <a:schemeClr val="bg1">
+                            <a:lumMod val="50000"/>
+                          </a:schemeClr>
+                        </a:solidFill>
+                      </a:tcPr>
+                    </a:tc>
+                    <a:tc>
+                      <a:txBody>
+                        <a:bodyPr/>
+                        <a:lstStyle/>
+                        <a:p>
+                          <a:pPr algn="ctr"/>
+                          <a:r>
+                            <a:rPr lang="en-US" dirty="0" smtClean="0"/>
+                            <a:t>SS</a:t>
+                          </a:r>
+                          <a:endParaRPr lang="en-US" dirty="0"/>
+                        </a:p>
+                      </a:txBody>
+                      <a:tcPr>
+                        <a:lnT w="12700" cap="flat" cmpd="sng" algn="ctr">
+                          <a:solidFill>
+                            <a:schemeClr val="tx1"/>
+                          </a:solidFill>
+                          <a:prstDash val="solid"/>
+                          <a:round/>
+                          <a:headEnd type="none" w="med" len="med"/>
+                          <a:tailEnd type="none" w="med" len="med"/>
+                        </a:lnT>
+                        <a:solidFill>
+                          <a:schemeClr val="bg1">
+                            <a:lumMod val="50000"/>
+                          </a:schemeClr>
+                        </a:solidFill>
+                      </a:tcPr>
+                    </a:tc>
+                    <a:tc>
+                      <a:txBody>
+                        <a:bodyPr/>
+                        <a:lstStyle/>
+                        <a:p>
+                          <a:pPr algn="ctr"/>
+                          <a:r>
+                            <a:rPr lang="en-US" dirty="0" smtClean="0"/>
+                            <a:t>MS</a:t>
+                          </a:r>
+                          <a:endParaRPr lang="en-US" dirty="0"/>
+                        </a:p>
+                      </a:txBody>
+                      <a:tcPr>
+                        <a:lnT w="12700" cap="flat" cmpd="sng" algn="ctr">
+                          <a:solidFill>
+                            <a:schemeClr val="tx1"/>
+                          </a:solidFill>
+                          <a:prstDash val="solid"/>
+                          <a:round/>
+                          <a:headEnd type="none" w="med" len="med"/>
+                          <a:tailEnd type="none" w="med" len="med"/>
+                        </a:lnT>
+                        <a:solidFill>
+                          <a:schemeClr val="bg1">
+                            <a:lumMod val="50000"/>
+                          </a:schemeClr>
+                        </a:solidFill>
+                      </a:tcPr>
+                    </a:tc>
+                    <a:tc>
+                      <a:txBody>
+                        <a:bodyPr/>
+                        <a:lstStyle/>
+                        <a:p>
+                          <a:pPr algn="ctr"/>
+                          <a:r>
+                            <a:rPr lang="en-US" dirty="0" smtClean="0"/>
+                            <a:t>F</a:t>
+                          </a:r>
+                          <a:endParaRPr lang="en-US" dirty="0"/>
+                        </a:p>
+                      </a:txBody>
+                      <a:tcPr>
+                        <a:lnT w="12700" cap="flat" cmpd="sng" algn="ctr">
+                          <a:solidFill>
+                            <a:schemeClr val="tx1"/>
+                          </a:solidFill>
+                          <a:prstDash val="solid"/>
+                          <a:round/>
+                          <a:headEnd type="none" w="med" len="med"/>
+                          <a:tailEnd type="none" w="med" len="med"/>
+                        </a:lnT>
+                        <a:solidFill>
+                          <a:schemeClr val="bg1">
+                            <a:lumMod val="50000"/>
+                          </a:schemeClr>
+                        </a:solidFill>
+                      </a:tcPr>
+                    </a:tc>
+                    <a:tc>
+                      <a:txBody>
+                        <a:bodyPr/>
+                        <a:lstStyle/>
+                        <a:p>
+                          <a:pPr algn="ctr"/>
+                          <a:r>
+                            <a:rPr lang="en-US" dirty="0" smtClean="0"/>
+                            <a:t>P-Value</a:t>
+                          </a:r>
+                          <a:endParaRPr lang="en-US" dirty="0"/>
+                        </a:p>
+                      </a:txBody>
+                      <a:tcPr>
+                        <a:lnR w="12700" cap="flat" cmpd="sng" algn="ctr">
+                          <a:solidFill>
+                            <a:schemeClr val="tx1"/>
+                          </a:solidFill>
+                          <a:prstDash val="solid"/>
+                          <a:round/>
+                          <a:headEnd type="none" w="med" len="med"/>
+                          <a:tailEnd type="none" w="med" len="med"/>
+                        </a:lnR>
+                        <a:lnT w="12700" cap="flat" cmpd="sng" algn="ctr">
+                          <a:solidFill>
+                            <a:schemeClr val="tx1"/>
+                          </a:solidFill>
+                          <a:prstDash val="solid"/>
+                          <a:round/>
+                          <a:headEnd type="none" w="med" len="med"/>
+                          <a:tailEnd type="none" w="med" len="med"/>
+                        </a:lnT>
+                        <a:solidFill>
+                          <a:schemeClr val="bg1">
+                            <a:lumMod val="50000"/>
+                          </a:schemeClr>
+                        </a:solidFill>
+                      </a:tcPr>
+                    </a:tc>
+                    <a:extLst>
+                      <a:ext uri="{0D108BD9-81ED-4DB2-BD59-A6C34878D82A}">
+                        <a16:rowId xmlns:a16="http://schemas.microsoft.com/office/drawing/2014/main" val="2696200524"/>
+                      </a:ext>
+                    </a:extLst>
+                  </a:tr>
+                  <a:tr h="606806">
+                    <a:tc>
+                      <a:txBody>
+                        <a:bodyPr/>
+                        <a:lstStyle/>
+                        <a:p>
+                          <a:r>
+                            <a:rPr lang="en-US" dirty="0" smtClean="0"/>
+                            <a:t>Factor</a:t>
+                          </a:r>
+                          <a:endParaRPr lang="en-US" dirty="0"/>
+                        </a:p>
+                      </a:txBody>
+                      <a:tcPr>
+                        <a:lnL w="12700" cap="flat" cmpd="sng" algn="ctr">
+                          <a:solidFill>
+                            <a:schemeClr val="tx1"/>
+                          </a:solidFill>
+                          <a:prstDash val="solid"/>
+                          <a:round/>
+                          <a:headEnd type="none" w="med" len="med"/>
+                          <a:tailEnd type="none" w="med" len="med"/>
+                        </a:lnL>
+                        <a:noFill/>
+                      </a:tcPr>
+                    </a:tc>
+                    <a:tc>
+                      <a:txBody>
+                        <a:bodyPr/>
+                        <a:lstStyle/>
+                        <a:p>
+                          <a:endParaRPr lang="en-US"/>
+                        </a:p>
+                      </a:txBody>
+                      <a:tcPr>
+                        <a:blipFill>
+                          <a:blip r:embed="rId2"/>
+                          <a:stretch>
+                            <a:fillRect l="-100599" t="-66000" r="-401796" b="-136000"/>
+                          </a:stretch>
+                        </a:blipFill>
+                      </a:tcPr>
+                    </a:tc>
+                    <a:tc>
+                      <a:txBody>
+                        <a:bodyPr/>
+                        <a:lstStyle/>
+                        <a:p>
+                          <a:pPr algn="ctr"/>
+                          <a:r>
+                            <a:rPr lang="en-US" dirty="0" err="1" smtClean="0"/>
+                            <a:t>SSTrt</a:t>
+                          </a:r>
+                          <a:endParaRPr lang="en-US" dirty="0"/>
+                        </a:p>
+                      </a:txBody>
+                      <a:tcPr>
+                        <a:noFill/>
+                      </a:tcPr>
+                    </a:tc>
+                    <a:tc>
+                      <a:txBody>
+                        <a:bodyPr/>
+                        <a:lstStyle/>
+                        <a:p>
+                          <a:pPr algn="ctr"/>
+                          <a:r>
+                            <a:rPr lang="en-US" dirty="0" err="1" smtClean="0"/>
+                            <a:t>MSTrt</a:t>
+                          </a:r>
+                          <a:endParaRPr lang="en-US" dirty="0"/>
+                        </a:p>
+                      </a:txBody>
+                      <a:tcPr>
+                        <a:noFill/>
+                      </a:tcPr>
+                    </a:tc>
+                    <a:tc>
+                      <a:txBody>
+                        <a:bodyPr/>
+                        <a:lstStyle/>
+                        <a:p>
+                          <a:endParaRPr lang="en-US"/>
+                        </a:p>
+                      </a:txBody>
+                      <a:tcPr>
+                        <a:blipFill>
+                          <a:blip r:embed="rId2"/>
+                          <a:stretch>
+                            <a:fillRect l="-400000" t="-66000" r="-102395" b="-136000"/>
+                          </a:stretch>
+                        </a:blipFill>
+                      </a:tcPr>
+                    </a:tc>
+                    <a:tc>
+                      <a:txBody>
+                        <a:bodyPr/>
+                        <a:lstStyle/>
+                        <a:p>
+                          <a:pPr algn="ctr"/>
+                          <a:r>
+                            <a:rPr lang="en-US" dirty="0" smtClean="0"/>
+                            <a:t>p</a:t>
+                          </a:r>
+                          <a:endParaRPr lang="en-US" dirty="0"/>
+                        </a:p>
+                      </a:txBody>
+                      <a:tcPr>
+                        <a:lnR w="12700" cap="flat" cmpd="sng" algn="ctr">
+                          <a:solidFill>
+                            <a:schemeClr val="tx1"/>
+                          </a:solidFill>
+                          <a:prstDash val="solid"/>
+                          <a:round/>
+                          <a:headEnd type="none" w="med" len="med"/>
+                          <a:tailEnd type="none" w="med" len="med"/>
+                        </a:lnR>
+                        <a:noFill/>
+                      </a:tcPr>
+                    </a:tc>
+                    <a:extLst>
+                      <a:ext uri="{0D108BD9-81ED-4DB2-BD59-A6C34878D82A}">
+                        <a16:rowId xmlns:a16="http://schemas.microsoft.com/office/drawing/2014/main" val="141330344"/>
+                      </a:ext>
+                    </a:extLst>
+                  </a:tr>
+                  <a:tr h="370840">
+                    <a:tc>
+                      <a:txBody>
+                        <a:bodyPr/>
+                        <a:lstStyle/>
+                        <a:p>
+                          <a:r>
+                            <a:rPr lang="en-US" dirty="0" smtClean="0"/>
+                            <a:t>Error</a:t>
+                          </a:r>
+                          <a:endParaRPr lang="en-US" dirty="0"/>
+                        </a:p>
+                      </a:txBody>
+                      <a:tcPr>
+                        <a:lnL w="12700" cap="flat" cmpd="sng" algn="ctr">
+                          <a:solidFill>
+                            <a:schemeClr val="tx1"/>
+                          </a:solidFill>
+                          <a:prstDash val="solid"/>
+                          <a:round/>
+                          <a:headEnd type="none" w="med" len="med"/>
+                          <a:tailEnd type="none" w="med" len="med"/>
+                        </a:lnL>
+                        <a:noFill/>
+                      </a:tcPr>
+                    </a:tc>
+                    <a:tc>
+                      <a:txBody>
+                        <a:bodyPr/>
+                        <a:lstStyle/>
+                        <a:p>
+                          <a:endParaRPr lang="en-US"/>
+                        </a:p>
+                      </a:txBody>
+                      <a:tcPr>
+                        <a:blipFill>
+                          <a:blip r:embed="rId2"/>
+                          <a:stretch>
+                            <a:fillRect l="-100599" t="-272131" r="-401796" b="-122951"/>
+                          </a:stretch>
+                        </a:blipFill>
+                      </a:tcPr>
+                    </a:tc>
+                    <a:tc>
+                      <a:txBody>
+                        <a:bodyPr/>
+                        <a:lstStyle/>
+                        <a:p>
+                          <a:pPr algn="ctr"/>
+                          <a:r>
+                            <a:rPr lang="en-US" dirty="0" smtClean="0"/>
+                            <a:t>SSE</a:t>
+                          </a:r>
+                          <a:endParaRPr lang="en-US" dirty="0"/>
+                        </a:p>
+                      </a:txBody>
+                      <a:tcPr>
+                        <a:noFill/>
+                      </a:tcPr>
+                    </a:tc>
+                    <a:tc>
+                      <a:txBody>
+                        <a:bodyPr/>
+                        <a:lstStyle/>
+                        <a:p>
+                          <a:pPr algn="ctr"/>
+                          <a:r>
+                            <a:rPr lang="en-US" dirty="0" smtClean="0"/>
+                            <a:t>MSE</a:t>
+                          </a:r>
+                          <a:endParaRPr lang="en-US" dirty="0"/>
+                        </a:p>
+                      </a:txBody>
+                      <a:tcPr>
+                        <a:noFill/>
+                      </a:tcPr>
+                    </a:tc>
+                    <a:tc>
+                      <a:txBody>
+                        <a:bodyPr/>
+                        <a:lstStyle/>
+                        <a:p>
+                          <a:pPr algn="ctr"/>
+                          <a:endParaRPr lang="en-US" dirty="0"/>
+                        </a:p>
+                      </a:txBody>
+                      <a:tcPr>
+                        <a:noFill/>
+                      </a:tcPr>
+                    </a:tc>
+                    <a:tc>
+                      <a:txBody>
+                        <a:bodyPr/>
+                        <a:lstStyle/>
+                        <a:p>
+                          <a:pPr algn="ctr"/>
+                          <a:endParaRPr lang="en-US" dirty="0"/>
+                        </a:p>
+                      </a:txBody>
+                      <a:tcPr>
+                        <a:lnR w="12700" cap="flat" cmpd="sng" algn="ctr">
+                          <a:solidFill>
+                            <a:schemeClr val="tx1"/>
+                          </a:solidFill>
+                          <a:prstDash val="solid"/>
+                          <a:round/>
+                          <a:headEnd type="none" w="med" len="med"/>
+                          <a:tailEnd type="none" w="med" len="med"/>
+                        </a:lnR>
+                        <a:noFill/>
+                      </a:tcPr>
+                    </a:tc>
+                    <a:extLst>
+                      <a:ext uri="{0D108BD9-81ED-4DB2-BD59-A6C34878D82A}">
+                        <a16:rowId xmlns:a16="http://schemas.microsoft.com/office/drawing/2014/main" val="1908871104"/>
+                      </a:ext>
+                    </a:extLst>
+                  </a:tr>
+                  <a:tr h="370840">
+                    <a:tc>
+                      <a:txBody>
+                        <a:bodyPr/>
+                        <a:lstStyle/>
+                        <a:p>
+                          <a:r>
+                            <a:rPr lang="en-US" dirty="0" smtClean="0"/>
+                            <a:t>Total</a:t>
+                          </a:r>
+                          <a:endParaRPr lang="en-US" dirty="0"/>
+                        </a:p>
+                      </a:txBody>
+                      <a:tcPr>
+                        <a:lnL w="12700" cap="flat" cmpd="sng" algn="ctr">
+                          <a:solidFill>
+                            <a:schemeClr val="tx1"/>
+                          </a:solidFill>
+                          <a:prstDash val="solid"/>
+                          <a:round/>
+                          <a:headEnd type="none" w="med" len="med"/>
+                          <a:tailEnd type="none" w="med" len="med"/>
+                        </a:lnL>
+                        <a:lnB w="12700" cap="flat" cmpd="sng" algn="ctr">
+                          <a:solidFill>
+                            <a:schemeClr val="tx1"/>
+                          </a:solidFill>
+                          <a:prstDash val="solid"/>
+                          <a:round/>
+                          <a:headEnd type="none" w="med" len="med"/>
+                          <a:tailEnd type="none" w="med" len="med"/>
+                        </a:lnB>
+                        <a:noFill/>
+                      </a:tcPr>
+                    </a:tc>
+                    <a:tc>
+                      <a:txBody>
+                        <a:bodyPr/>
+                        <a:lstStyle/>
+                        <a:p>
+                          <a:endParaRPr lang="en-US"/>
+                        </a:p>
+                      </a:txBody>
+                      <a:tcPr>
+                        <a:lnB w="12700" cap="flat" cmpd="sng" algn="ctr">
+                          <a:solidFill>
+                            <a:schemeClr val="tx1"/>
+                          </a:solidFill>
+                          <a:prstDash val="solid"/>
+                          <a:round/>
+                          <a:headEnd type="none" w="med" len="med"/>
+                          <a:tailEnd type="none" w="med" len="med"/>
+                        </a:lnB>
+                        <a:blipFill>
+                          <a:blip r:embed="rId2"/>
+                          <a:stretch>
+                            <a:fillRect l="-100599" t="-372131" r="-401796" b="-22951"/>
+                          </a:stretch>
+                        </a:blipFill>
+                      </a:tcPr>
+                    </a:tc>
+                    <a:tc>
+                      <a:txBody>
+                        <a:bodyPr/>
+                        <a:lstStyle/>
+                        <a:p>
+                          <a:pPr algn="ctr"/>
+                          <a:r>
+                            <a:rPr lang="en-US" dirty="0" smtClean="0"/>
+                            <a:t>SST</a:t>
+                          </a:r>
+                          <a:endParaRPr lang="en-US" dirty="0"/>
+                        </a:p>
+                      </a:txBody>
+                      <a:tcPr>
+                        <a:lnB w="12700" cap="flat" cmpd="sng" algn="ctr">
+                          <a:solidFill>
+                            <a:schemeClr val="tx1"/>
+                          </a:solidFill>
+                          <a:prstDash val="solid"/>
+                          <a:round/>
+                          <a:headEnd type="none" w="med" len="med"/>
+                          <a:tailEnd type="none" w="med" len="med"/>
+                        </a:lnB>
+                        <a:noFill/>
+                      </a:tcPr>
+                    </a:tc>
+                    <a:tc>
+                      <a:txBody>
+                        <a:bodyPr/>
+                        <a:lstStyle/>
+                        <a:p>
+                          <a:pPr algn="ctr"/>
+                          <a:endParaRPr lang="en-US" dirty="0"/>
+                        </a:p>
+                      </a:txBody>
+                      <a:tcPr>
+                        <a:lnB w="12700" cap="flat" cmpd="sng" algn="ctr">
+                          <a:solidFill>
+                            <a:schemeClr val="tx1"/>
+                          </a:solidFill>
+                          <a:prstDash val="solid"/>
+                          <a:round/>
+                          <a:headEnd type="none" w="med" len="med"/>
+                          <a:tailEnd type="none" w="med" len="med"/>
+                        </a:lnB>
+                        <a:noFill/>
+                      </a:tcPr>
+                    </a:tc>
+                    <a:tc>
+                      <a:txBody>
+                        <a:bodyPr/>
+                        <a:lstStyle/>
+                        <a:p>
+                          <a:pPr algn="ctr"/>
+                          <a:endParaRPr lang="en-US" dirty="0"/>
+                        </a:p>
+                      </a:txBody>
+                      <a:tcPr>
+                        <a:lnB w="12700" cap="flat" cmpd="sng" algn="ctr">
+                          <a:solidFill>
+                            <a:schemeClr val="tx1"/>
+                          </a:solidFill>
+                          <a:prstDash val="solid"/>
+                          <a:round/>
+                          <a:headEnd type="none" w="med" len="med"/>
+                          <a:tailEnd type="none" w="med" len="med"/>
+                        </a:lnB>
+                        <a:noFill/>
+                      </a:tcPr>
+                    </a:tc>
+                    <a:tc>
+                      <a:txBody>
+                        <a:bodyPr/>
+                        <a:lstStyle/>
+                        <a:p>
+                          <a:pPr algn="ctr"/>
+                          <a:endParaRPr lang="en-US" dirty="0"/>
+                        </a:p>
+                      </a:txBody>
+                      <a:tcPr>
+                        <a:lnR w="12700" cap="flat" cmpd="sng" algn="ctr">
+                          <a:solidFill>
+                            <a:schemeClr val="tx1"/>
+                          </a:solidFill>
+                          <a:prstDash val="solid"/>
+                          <a:round/>
+                          <a:headEnd type="none" w="med" len="med"/>
+                          <a:tailEnd type="none" w="med" len="med"/>
+                        </a:lnR>
+                        <a:lnB w="12700" cap="flat" cmpd="sng" algn="ctr">
+                          <a:solidFill>
+                            <a:schemeClr val="tx1"/>
+                          </a:solidFill>
+                          <a:prstDash val="solid"/>
+                          <a:round/>
+                          <a:headEnd type="none" w="med" len="med"/>
+                          <a:tailEnd type="none" w="med" len="med"/>
+                        </a:lnB>
+                        <a:noFill/>
+                      </a:tcPr>
+                    </a:tc>
+                    <a:extLst>
+                      <a:ext uri="{0D108BD9-81ED-4DB2-BD59-A6C34878D82A}">
+                        <a16:rowId xmlns:a16="http://schemas.microsoft.com/office/drawing/2014/main" val="1305027931"/>
+                      </a:ext>
+                    </a:extLst>
+                  </a:tr>
+                </a:tbl>
+              </a:graphicData>
+            </a:graphic>
+          </p:graphicFrame>
+        </mc:Fallback>
+      </mc:AlternateContent>
+      <p:sp>
+        <p:nvSpPr>
+          <p:cNvPr id="5" name="Oval 4"/>
+          <p:cNvSpPr/>
+          <p:nvPr/>
+        </p:nvSpPr>
+        <p:spPr>
+          <a:xfrm>
+            <a:off x="5263563" y="2320579"/>
+            <a:ext cx="914400" cy="637774"/>
+          </a:xfrm>
+          <a:prstGeom prst="ellipse">
+            <a:avLst/>
+          </a:prstGeom>
+          <a:noFill/>
+          <a:ln>
+            <a:solidFill>
+              <a:srgbClr val="0070C0"/>
+            </a:solidFill>
+          </a:ln>
+        </p:spPr>
+        <p:style>
+          <a:lnRef idx="2">
+            <a:schemeClr val="accent1">
+              <a:shade val="50000"/>
+            </a:schemeClr>
+          </a:lnRef>
+          <a:fillRef idx="1">
+            <a:schemeClr val="accent1"/>
+          </a:fillRef>
+          <a:effectRef idx="0">
+            <a:schemeClr val="accent1"/>
+          </a:effectRef>
+          <a:fontRef idx="minor">
+            <a:schemeClr val="lt1"/>
+          </a:fontRef>
+        </p:style>
+        <p:txBody>
+          <a:bodyPr rtlCol="0" anchor="ctr"/>
+          <a:lstStyle/>
+          <a:p>
+            <a:pPr algn="ctr"/>
+            <a:endParaRPr lang="en-US"/>
+          </a:p>
+        </p:txBody>
+      </p:sp>
+      <p:sp>
+        <p:nvSpPr>
+          <p:cNvPr id="7" name="TextBox 6"/>
+          <p:cNvSpPr txBox="1"/>
+          <p:nvPr/>
+        </p:nvSpPr>
+        <p:spPr>
+          <a:xfrm>
+            <a:off x="6001231" y="4191841"/>
+            <a:ext cx="2614755" cy="369332"/>
+          </a:xfrm>
+          <a:prstGeom prst="rect">
+            <a:avLst/>
+          </a:prstGeom>
+          <a:noFill/>
+        </p:spPr>
+        <p:txBody>
+          <a:bodyPr wrap="none" rtlCol="0">
+            <a:spAutoFit/>
+          </a:bodyPr>
+          <a:lstStyle/>
+          <a:p>
+            <a:r>
+              <a:rPr lang="en-US" dirty="0" smtClean="0">
+                <a:solidFill>
+                  <a:srgbClr val="0070C0"/>
+                </a:solidFill>
+              </a:rPr>
+              <a:t>Standardized Test Statistic</a:t>
+            </a:r>
+            <a:endParaRPr lang="en-US" dirty="0">
+              <a:solidFill>
+                <a:srgbClr val="0070C0"/>
+              </a:solidFill>
+            </a:endParaRPr>
+          </a:p>
+        </p:txBody>
+      </p:sp>
+      <p:sp>
+        <p:nvSpPr>
+          <p:cNvPr id="8" name="Freeform 7"/>
+          <p:cNvSpPr/>
+          <p:nvPr/>
+        </p:nvSpPr>
+        <p:spPr>
+          <a:xfrm>
+            <a:off x="5198492" y="2958353"/>
+            <a:ext cx="810423" cy="1449983"/>
+          </a:xfrm>
+          <a:custGeom>
+            <a:avLst/>
+            <a:gdLst>
+              <a:gd name="connsiteX0" fmla="*/ 426222 w 810423"/>
+              <a:gd name="connsiteY0" fmla="*/ 0 h 1449983"/>
+              <a:gd name="connsiteX1" fmla="*/ 57388 w 810423"/>
+              <a:gd name="connsiteY1" fmla="*/ 814508 h 1449983"/>
+              <a:gd name="connsiteX2" fmla="*/ 80440 w 810423"/>
+              <a:gd name="connsiteY2" fmla="*/ 1367758 h 1449983"/>
+              <a:gd name="connsiteX3" fmla="*/ 810423 w 810423"/>
+              <a:gd name="connsiteY3" fmla="*/ 1436915 h 1449983"/>
+            </a:gdLst>
+            <a:ahLst/>
+            <a:cxnLst>
+              <a:cxn ang="0">
+                <a:pos x="connsiteX0" y="connsiteY0"/>
+              </a:cxn>
+              <a:cxn ang="0">
+                <a:pos x="connsiteX1" y="connsiteY1"/>
+              </a:cxn>
+              <a:cxn ang="0">
+                <a:pos x="connsiteX2" y="connsiteY2"/>
+              </a:cxn>
+              <a:cxn ang="0">
+                <a:pos x="connsiteX3" y="connsiteY3"/>
+              </a:cxn>
+            </a:cxnLst>
+            <a:rect l="l" t="t" r="r" b="b"/>
+            <a:pathLst>
+              <a:path w="810423" h="1449983">
+                <a:moveTo>
+                  <a:pt x="426222" y="0"/>
+                </a:moveTo>
+                <a:cubicBezTo>
+                  <a:pt x="270620" y="293274"/>
+                  <a:pt x="115018" y="586548"/>
+                  <a:pt x="57388" y="814508"/>
+                </a:cubicBezTo>
+                <a:cubicBezTo>
+                  <a:pt x="-242" y="1042468"/>
+                  <a:pt x="-45066" y="1264024"/>
+                  <a:pt x="80440" y="1367758"/>
+                </a:cubicBezTo>
+                <a:cubicBezTo>
+                  <a:pt x="205946" y="1471492"/>
+                  <a:pt x="508184" y="1454203"/>
+                  <a:pt x="810423" y="1436915"/>
+                </a:cubicBezTo>
+              </a:path>
+            </a:pathLst>
+          </a:custGeom>
+          <a:noFill/>
+          <a:ln>
+            <a:solidFill>
+              <a:srgbClr val="0070C0"/>
+            </a:solidFill>
+          </a:ln>
+        </p:spPr>
+        <p:style>
+          <a:lnRef idx="2">
+            <a:schemeClr val="accent1">
+              <a:shade val="50000"/>
+            </a:schemeClr>
+          </a:lnRef>
+          <a:fillRef idx="1">
+            <a:schemeClr val="accent1"/>
+          </a:fillRef>
+          <a:effectRef idx="0">
+            <a:schemeClr val="accent1"/>
+          </a:effectRef>
+          <a:fontRef idx="minor">
+            <a:schemeClr val="lt1"/>
+          </a:fontRef>
+        </p:style>
+        <p:txBody>
+          <a:bodyPr rtlCol="0" anchor="ctr"/>
+          <a:lstStyle/>
+          <a:p>
+            <a:pPr algn="ctr"/>
+            <a:endParaRPr lang="en-US"/>
+          </a:p>
+        </p:txBody>
+      </p:sp>
+      <p:sp>
+        <p:nvSpPr>
+          <p:cNvPr id="9" name="Oval 8"/>
+          <p:cNvSpPr/>
+          <p:nvPr/>
+        </p:nvSpPr>
+        <p:spPr>
+          <a:xfrm>
+            <a:off x="4426004" y="2942985"/>
+            <a:ext cx="653143" cy="361150"/>
+          </a:xfrm>
+          <a:prstGeom prst="ellipse">
+            <a:avLst/>
+          </a:prstGeom>
+          <a:noFill/>
+          <a:ln>
+            <a:solidFill>
+              <a:schemeClr val="accent6">
+                <a:lumMod val="75000"/>
+              </a:schemeClr>
+            </a:solidFill>
+          </a:ln>
+        </p:spPr>
+        <p:style>
+          <a:lnRef idx="2">
+            <a:schemeClr val="accent1">
+              <a:shade val="50000"/>
+            </a:schemeClr>
+          </a:lnRef>
+          <a:fillRef idx="1">
+            <a:schemeClr val="accent1"/>
+          </a:fillRef>
+          <a:effectRef idx="0">
+            <a:schemeClr val="accent1"/>
+          </a:effectRef>
+          <a:fontRef idx="minor">
+            <a:schemeClr val="lt1"/>
+          </a:fontRef>
+        </p:style>
+        <p:txBody>
+          <a:bodyPr rtlCol="0" anchor="ctr"/>
+          <a:lstStyle/>
+          <a:p>
+            <a:pPr algn="ctr"/>
+            <a:endParaRPr lang="en-US"/>
+          </a:p>
+        </p:txBody>
+      </p:sp>
+      <p:sp>
+        <p:nvSpPr>
+          <p:cNvPr id="10" name="TextBox 9"/>
+          <p:cNvSpPr txBox="1"/>
+          <p:nvPr/>
+        </p:nvSpPr>
+        <p:spPr>
+          <a:xfrm>
+            <a:off x="5547517" y="4861444"/>
+            <a:ext cx="3068469" cy="369332"/>
+          </a:xfrm>
+          <a:prstGeom prst="rect">
+            <a:avLst/>
+          </a:prstGeom>
+          <a:noFill/>
+        </p:spPr>
+        <p:txBody>
+          <a:bodyPr wrap="none" rtlCol="0">
+            <a:spAutoFit/>
+          </a:bodyPr>
+          <a:lstStyle/>
+          <a:p>
+            <a:r>
+              <a:rPr lang="en-US" dirty="0" smtClean="0">
+                <a:solidFill>
+                  <a:schemeClr val="accent6">
+                    <a:lumMod val="75000"/>
+                  </a:schemeClr>
+                </a:solidFill>
+              </a:rPr>
+              <a:t>Estimate of Residual Variability</a:t>
+            </a:r>
+            <a:endParaRPr lang="en-US" dirty="0">
+              <a:solidFill>
+                <a:schemeClr val="accent6">
+                  <a:lumMod val="75000"/>
+                </a:schemeClr>
+              </a:solidFill>
+            </a:endParaRPr>
+          </a:p>
+        </p:txBody>
+      </p:sp>
+      <p:sp>
+        <p:nvSpPr>
+          <p:cNvPr id="11" name="Freeform 10"/>
+          <p:cNvSpPr/>
+          <p:nvPr/>
+        </p:nvSpPr>
+        <p:spPr>
+          <a:xfrm>
+            <a:off x="4200097" y="3288767"/>
+            <a:ext cx="1278620" cy="1820744"/>
+          </a:xfrm>
+          <a:custGeom>
+            <a:avLst/>
+            <a:gdLst>
+              <a:gd name="connsiteX0" fmla="*/ 425692 w 1278620"/>
+              <a:gd name="connsiteY0" fmla="*/ 0 h 1820744"/>
+              <a:gd name="connsiteX1" fmla="*/ 110647 w 1278620"/>
+              <a:gd name="connsiteY1" fmla="*/ 983556 h 1820744"/>
+              <a:gd name="connsiteX2" fmla="*/ 95279 w 1278620"/>
+              <a:gd name="connsiteY2" fmla="*/ 1728907 h 1820744"/>
+              <a:gd name="connsiteX3" fmla="*/ 1278620 w 1278620"/>
+              <a:gd name="connsiteY3" fmla="*/ 1782695 h 1820744"/>
+            </a:gdLst>
+            <a:ahLst/>
+            <a:cxnLst>
+              <a:cxn ang="0">
+                <a:pos x="connsiteX0" y="connsiteY0"/>
+              </a:cxn>
+              <a:cxn ang="0">
+                <a:pos x="connsiteX1" y="connsiteY1"/>
+              </a:cxn>
+              <a:cxn ang="0">
+                <a:pos x="connsiteX2" y="connsiteY2"/>
+              </a:cxn>
+              <a:cxn ang="0">
+                <a:pos x="connsiteX3" y="connsiteY3"/>
+              </a:cxn>
+            </a:cxnLst>
+            <a:rect l="l" t="t" r="r" b="b"/>
+            <a:pathLst>
+              <a:path w="1278620" h="1820744">
+                <a:moveTo>
+                  <a:pt x="425692" y="0"/>
+                </a:moveTo>
+                <a:cubicBezTo>
+                  <a:pt x="295704" y="347702"/>
+                  <a:pt x="165716" y="695405"/>
+                  <a:pt x="110647" y="983556"/>
+                </a:cubicBezTo>
+                <a:cubicBezTo>
+                  <a:pt x="55578" y="1271707"/>
+                  <a:pt x="-99383" y="1595717"/>
+                  <a:pt x="95279" y="1728907"/>
+                </a:cubicBezTo>
+                <a:cubicBezTo>
+                  <a:pt x="289941" y="1862097"/>
+                  <a:pt x="784280" y="1822396"/>
+                  <a:pt x="1278620" y="1782695"/>
+                </a:cubicBezTo>
+              </a:path>
+            </a:pathLst>
+          </a:custGeom>
+          <a:noFill/>
+          <a:ln>
+            <a:solidFill>
+              <a:schemeClr val="accent6">
+                <a:lumMod val="75000"/>
+              </a:schemeClr>
+            </a:solidFill>
+          </a:ln>
+        </p:spPr>
+        <p:style>
+          <a:lnRef idx="2">
+            <a:schemeClr val="accent1">
+              <a:shade val="50000"/>
+            </a:schemeClr>
+          </a:lnRef>
+          <a:fillRef idx="1">
+            <a:schemeClr val="accent1"/>
+          </a:fillRef>
+          <a:effectRef idx="0">
+            <a:schemeClr val="accent1"/>
+          </a:effectRef>
+          <a:fontRef idx="minor">
+            <a:schemeClr val="lt1"/>
+          </a:fontRef>
+        </p:style>
+        <p:txBody>
+          <a:bodyPr rtlCol="0" anchor="ctr"/>
+          <a:lstStyle/>
+          <a:p>
+            <a:pPr algn="ctr"/>
+            <a:endParaRPr lang="en-US"/>
+          </a:p>
+        </p:txBody>
+      </p:sp>
+      <p:sp>
+        <p:nvSpPr>
+          <p:cNvPr id="12" name="Oval 11"/>
+          <p:cNvSpPr/>
+          <p:nvPr/>
+        </p:nvSpPr>
+        <p:spPr>
+          <a:xfrm>
+            <a:off x="1068082" y="1713726"/>
+            <a:ext cx="1206393" cy="2326179"/>
+          </a:xfrm>
+          <a:prstGeom prst="ellipse">
+            <a:avLst/>
+          </a:prstGeom>
+          <a:noFill/>
+          <a:ln>
+            <a:solidFill>
+              <a:schemeClr val="accent2"/>
+            </a:solidFill>
+          </a:ln>
+        </p:spPr>
+        <p:style>
+          <a:lnRef idx="2">
+            <a:schemeClr val="accent1">
+              <a:shade val="50000"/>
+            </a:schemeClr>
+          </a:lnRef>
+          <a:fillRef idx="1">
+            <a:schemeClr val="accent1"/>
+          </a:fillRef>
+          <a:effectRef idx="0">
+            <a:schemeClr val="accent1"/>
+          </a:effectRef>
+          <a:fontRef idx="minor">
+            <a:schemeClr val="lt1"/>
+          </a:fontRef>
+        </p:style>
+        <p:txBody>
+          <a:bodyPr rtlCol="0" anchor="ctr"/>
+          <a:lstStyle/>
+          <a:p>
+            <a:pPr algn="ctr"/>
+            <a:endParaRPr lang="en-US"/>
+          </a:p>
+        </p:txBody>
+      </p:sp>
+      <p:sp>
+        <p:nvSpPr>
+          <p:cNvPr id="13" name="TextBox 12"/>
+          <p:cNvSpPr txBox="1"/>
+          <p:nvPr/>
+        </p:nvSpPr>
+        <p:spPr>
+          <a:xfrm>
+            <a:off x="2374367" y="1344394"/>
+            <a:ext cx="2263633" cy="369332"/>
+          </a:xfrm>
+          <a:prstGeom prst="rect">
+            <a:avLst/>
+          </a:prstGeom>
+          <a:noFill/>
+        </p:spPr>
+        <p:txBody>
+          <a:bodyPr wrap="none" rtlCol="0">
+            <a:spAutoFit/>
+          </a:bodyPr>
+          <a:lstStyle/>
+          <a:p>
+            <a:r>
+              <a:rPr lang="en-US" dirty="0" smtClean="0">
+                <a:solidFill>
+                  <a:schemeClr val="accent2"/>
+                </a:solidFill>
+              </a:rPr>
+              <a:t>Partitioning Variability</a:t>
+            </a:r>
+            <a:endParaRPr lang="en-US" dirty="0">
+              <a:solidFill>
+                <a:schemeClr val="accent2"/>
+              </a:solidFill>
+            </a:endParaRPr>
+          </a:p>
+        </p:txBody>
+      </p:sp>
+      <p:sp>
+        <p:nvSpPr>
+          <p:cNvPr id="14" name="Freeform 13"/>
+          <p:cNvSpPr/>
+          <p:nvPr/>
+        </p:nvSpPr>
+        <p:spPr>
+          <a:xfrm>
+            <a:off x="1775013" y="1520866"/>
+            <a:ext cx="614722" cy="208042"/>
+          </a:xfrm>
+          <a:custGeom>
+            <a:avLst/>
+            <a:gdLst>
+              <a:gd name="connsiteX0" fmla="*/ 0 w 614722"/>
+              <a:gd name="connsiteY0" fmla="*/ 208042 h 208042"/>
+              <a:gd name="connsiteX1" fmla="*/ 222837 w 614722"/>
+              <a:gd name="connsiteY1" fmla="*/ 23625 h 208042"/>
+              <a:gd name="connsiteX2" fmla="*/ 614722 w 614722"/>
+              <a:gd name="connsiteY2" fmla="*/ 8257 h 208042"/>
+            </a:gdLst>
+            <a:ahLst/>
+            <a:cxnLst>
+              <a:cxn ang="0">
+                <a:pos x="connsiteX0" y="connsiteY0"/>
+              </a:cxn>
+              <a:cxn ang="0">
+                <a:pos x="connsiteX1" y="connsiteY1"/>
+              </a:cxn>
+              <a:cxn ang="0">
+                <a:pos x="connsiteX2" y="connsiteY2"/>
+              </a:cxn>
+            </a:cxnLst>
+            <a:rect l="l" t="t" r="r" b="b"/>
+            <a:pathLst>
+              <a:path w="614722" h="208042">
+                <a:moveTo>
+                  <a:pt x="0" y="208042"/>
+                </a:moveTo>
+                <a:cubicBezTo>
+                  <a:pt x="60191" y="132482"/>
+                  <a:pt x="120383" y="56922"/>
+                  <a:pt x="222837" y="23625"/>
+                </a:cubicBezTo>
+                <a:cubicBezTo>
+                  <a:pt x="325291" y="-9672"/>
+                  <a:pt x="470006" y="-708"/>
+                  <a:pt x="614722" y="8257"/>
+                </a:cubicBezTo>
+              </a:path>
+            </a:pathLst>
+          </a:custGeom>
+          <a:noFill/>
+          <a:ln>
+            <a:solidFill>
+              <a:schemeClr val="accent2"/>
+            </a:solidFill>
+          </a:ln>
+        </p:spPr>
+        <p:style>
+          <a:lnRef idx="2">
+            <a:schemeClr val="accent1">
+              <a:shade val="50000"/>
+            </a:schemeClr>
+          </a:lnRef>
+          <a:fillRef idx="1">
+            <a:schemeClr val="accent1"/>
+          </a:fillRef>
+          <a:effectRef idx="0">
+            <a:schemeClr val="accent1"/>
+          </a:effectRef>
+          <a:fontRef idx="minor">
+            <a:schemeClr val="lt1"/>
+          </a:fontRef>
+        </p:style>
+        <p:txBody>
+          <a:bodyPr rtlCol="0" anchor="ctr"/>
+          <a:lstStyle/>
+          <a:p>
+            <a:pPr algn="ctr"/>
+            <a:endParaRPr lang="en-US"/>
+          </a:p>
+        </p:txBody>
+      </p:sp>
+    </p:spTree>
+    <p:extLst>
+      <p:ext uri="{BB962C8B-B14F-4D97-AF65-F5344CB8AC3E}">
+        <p14:creationId xmlns:p14="http://schemas.microsoft.com/office/powerpoint/2010/main" val="91283988"/>
       </p:ext>
     </p:extLst>
   </p:cSld>
@@ -20317,7 +22355,7 @@
                       <m:jc m:val="centerGroup"/>
                     </m:oMathParaPr>
                     <m:oMath xmlns:m="http://schemas.openxmlformats.org/officeDocument/2006/math">
-                      <a:fld id="{A65C46A7-7EF3-46E9-B682-0A86777297D1}" type="mathplaceholder">
+                      <a:fld id="{8431D92B-D49B-4D02-BF44-CEDC3AB61443}" type="mathplaceholder">
                         <a:rPr lang="en-US" i="1" smtClean="0">
                           <a:latin typeface="Cambria Math" panose="02040503050406030204" pitchFamily="18" charset="0"/>
                         </a:rPr>

--- a/images/00-Custom Images.pptx
+++ b/images/00-Custom Images.pptx
@@ -15,6 +15,9 @@
     <p:sldId id="263" r:id="rId9"/>
     <p:sldId id="264" r:id="rId10"/>
     <p:sldId id="265" r:id="rId11"/>
+    <p:sldId id="267" r:id="rId12"/>
+    <p:sldId id="268" r:id="rId13"/>
+    <p:sldId id="269" r:id="rId14"/>
   </p:sldIdLst>
   <p:sldSz cx="9144000" cy="6858000" type="letter"/>
   <p:notesSz cx="6858000" cy="9144000"/>
@@ -250,7 +253,7 @@
           <a:p>
             <a:fld id="{B648C63B-CBF8-4F1F-9EF6-50B27CAA1BF4}" type="datetimeFigureOut">
               <a:rPr lang="en-US" smtClean="0"/>
-              <a:t>9/5/2017</a:t>
+              <a:t>9/20/2017</a:t>
             </a:fld>
             <a:endParaRPr lang="en-US"/>
           </a:p>
@@ -418,7 +421,7 @@
           <a:p>
             <a:fld id="{B648C63B-CBF8-4F1F-9EF6-50B27CAA1BF4}" type="datetimeFigureOut">
               <a:rPr lang="en-US" smtClean="0"/>
-              <a:t>9/5/2017</a:t>
+              <a:t>9/20/2017</a:t>
             </a:fld>
             <a:endParaRPr lang="en-US"/>
           </a:p>
@@ -596,7 +599,7 @@
           <a:p>
             <a:fld id="{B648C63B-CBF8-4F1F-9EF6-50B27CAA1BF4}" type="datetimeFigureOut">
               <a:rPr lang="en-US" smtClean="0"/>
-              <a:t>9/5/2017</a:t>
+              <a:t>9/20/2017</a:t>
             </a:fld>
             <a:endParaRPr lang="en-US"/>
           </a:p>
@@ -764,7 +767,7 @@
           <a:p>
             <a:fld id="{B648C63B-CBF8-4F1F-9EF6-50B27CAA1BF4}" type="datetimeFigureOut">
               <a:rPr lang="en-US" smtClean="0"/>
-              <a:t>9/5/2017</a:t>
+              <a:t>9/20/2017</a:t>
             </a:fld>
             <a:endParaRPr lang="en-US"/>
           </a:p>
@@ -1007,7 +1010,7 @@
           <a:p>
             <a:fld id="{B648C63B-CBF8-4F1F-9EF6-50B27CAA1BF4}" type="datetimeFigureOut">
               <a:rPr lang="en-US" smtClean="0"/>
-              <a:t>9/5/2017</a:t>
+              <a:t>9/20/2017</a:t>
             </a:fld>
             <a:endParaRPr lang="en-US"/>
           </a:p>
@@ -1236,7 +1239,7 @@
           <a:p>
             <a:fld id="{B648C63B-CBF8-4F1F-9EF6-50B27CAA1BF4}" type="datetimeFigureOut">
               <a:rPr lang="en-US" smtClean="0"/>
-              <a:t>9/5/2017</a:t>
+              <a:t>9/20/2017</a:t>
             </a:fld>
             <a:endParaRPr lang="en-US"/>
           </a:p>
@@ -1600,7 +1603,7 @@
           <a:p>
             <a:fld id="{B648C63B-CBF8-4F1F-9EF6-50B27CAA1BF4}" type="datetimeFigureOut">
               <a:rPr lang="en-US" smtClean="0"/>
-              <a:t>9/5/2017</a:t>
+              <a:t>9/20/2017</a:t>
             </a:fld>
             <a:endParaRPr lang="en-US"/>
           </a:p>
@@ -1717,7 +1720,7 @@
           <a:p>
             <a:fld id="{B648C63B-CBF8-4F1F-9EF6-50B27CAA1BF4}" type="datetimeFigureOut">
               <a:rPr lang="en-US" smtClean="0"/>
-              <a:t>9/5/2017</a:t>
+              <a:t>9/20/2017</a:t>
             </a:fld>
             <a:endParaRPr lang="en-US"/>
           </a:p>
@@ -1812,7 +1815,7 @@
           <a:p>
             <a:fld id="{B648C63B-CBF8-4F1F-9EF6-50B27CAA1BF4}" type="datetimeFigureOut">
               <a:rPr lang="en-US" smtClean="0"/>
-              <a:t>9/5/2017</a:t>
+              <a:t>9/20/2017</a:t>
             </a:fld>
             <a:endParaRPr lang="en-US"/>
           </a:p>
@@ -2087,7 +2090,7 @@
           <a:p>
             <a:fld id="{B648C63B-CBF8-4F1F-9EF6-50B27CAA1BF4}" type="datetimeFigureOut">
               <a:rPr lang="en-US" smtClean="0"/>
-              <a:t>9/5/2017</a:t>
+              <a:t>9/20/2017</a:t>
             </a:fld>
             <a:endParaRPr lang="en-US"/>
           </a:p>
@@ -2342,7 +2345,7 @@
           <a:p>
             <a:fld id="{B648C63B-CBF8-4F1F-9EF6-50B27CAA1BF4}" type="datetimeFigureOut">
               <a:rPr lang="en-US" smtClean="0"/>
-              <a:t>9/5/2017</a:t>
+              <a:t>9/20/2017</a:t>
             </a:fld>
             <a:endParaRPr lang="en-US"/>
           </a:p>
@@ -2553,7 +2556,7 @@
           <a:p>
             <a:fld id="{B648C63B-CBF8-4F1F-9EF6-50B27CAA1BF4}" type="datetimeFigureOut">
               <a:rPr lang="en-US" smtClean="0"/>
-              <a:t>9/5/2017</a:t>
+              <a:t>9/20/2017</a:t>
             </a:fld>
             <a:endParaRPr lang="en-US"/>
           </a:p>
@@ -5261,8 +5264,8 @@
           <a:chExt cx="0" cy="0"/>
         </a:xfrm>
       </p:grpSpPr>
-      <mc:AlternateContent xmlns:mc="http://schemas.openxmlformats.org/markup-compatibility/2006">
-        <mc:Choice xmlns:a14="http://schemas.microsoft.com/office/drawing/2010/main" Requires="a14">
+      <mc:AlternateContent xmlns:mc="http://schemas.openxmlformats.org/markup-compatibility/2006" xmlns:a14="http://schemas.microsoft.com/office/drawing/2010/main">
+        <mc:Choice Requires="a14">
           <p:graphicFrame>
             <p:nvGraphicFramePr>
               <p:cNvPr id="4" name="Table 3"/>
@@ -6045,7 +6048,7 @@
             </a:graphic>
           </p:graphicFrame>
         </mc:Choice>
-        <mc:Fallback>
+        <mc:Fallback xmlns="">
           <p:graphicFrame>
             <p:nvGraphicFramePr>
               <p:cNvPr id="4" name="Table 3"/>
@@ -7272,6 +7275,8205 @@
     <p:extLst>
       <p:ext uri="{BB962C8B-B14F-4D97-AF65-F5344CB8AC3E}">
         <p14:creationId xmlns:p14="http://schemas.microsoft.com/office/powerpoint/2010/main" val="91283988"/>
+      </p:ext>
+    </p:extLst>
+  </p:cSld>
+  <p:clrMapOvr>
+    <a:masterClrMapping/>
+  </p:clrMapOvr>
+</p:sld>
+</file>
+
+<file path=ppt/slides/slide11.xml><?xml version="1.0" encoding="utf-8"?>
+<p:sld xmlns:a="http://schemas.openxmlformats.org/drawingml/2006/main" xmlns:r="http://schemas.openxmlformats.org/officeDocument/2006/relationships" xmlns:p="http://schemas.openxmlformats.org/presentationml/2006/main">
+  <p:cSld>
+    <p:spTree>
+      <p:nvGrpSpPr>
+        <p:cNvPr id="1" name=""/>
+        <p:cNvGrpSpPr/>
+        <p:nvPr/>
+      </p:nvGrpSpPr>
+      <p:grpSpPr>
+        <a:xfrm>
+          <a:off x="0" y="0"/>
+          <a:ext cx="0" cy="0"/>
+          <a:chOff x="0" y="0"/>
+          <a:chExt cx="0" cy="0"/>
+        </a:xfrm>
+      </p:grpSpPr>
+      <p:cxnSp>
+        <p:nvCxnSpPr>
+          <p:cNvPr id="5" name="Straight Connector 4"/>
+          <p:cNvCxnSpPr/>
+          <p:nvPr/>
+        </p:nvCxnSpPr>
+        <p:spPr>
+          <a:xfrm>
+            <a:off x="914400" y="666119"/>
+            <a:ext cx="0" cy="5486400"/>
+          </a:xfrm>
+          <a:prstGeom prst="line">
+            <a:avLst/>
+          </a:prstGeom>
+          <a:ln w="38100">
+            <a:solidFill>
+              <a:schemeClr val="tx1"/>
+            </a:solidFill>
+          </a:ln>
+        </p:spPr>
+        <p:style>
+          <a:lnRef idx="1">
+            <a:schemeClr val="accent1"/>
+          </a:lnRef>
+          <a:fillRef idx="0">
+            <a:schemeClr val="accent1"/>
+          </a:fillRef>
+          <a:effectRef idx="0">
+            <a:schemeClr val="accent1"/>
+          </a:effectRef>
+          <a:fontRef idx="minor">
+            <a:schemeClr val="tx1"/>
+          </a:fontRef>
+        </p:style>
+      </p:cxnSp>
+      <p:cxnSp>
+        <p:nvCxnSpPr>
+          <p:cNvPr id="7" name="Straight Connector 6"/>
+          <p:cNvCxnSpPr/>
+          <p:nvPr/>
+        </p:nvCxnSpPr>
+        <p:spPr>
+          <a:xfrm flipV="1">
+            <a:off x="902289" y="6149720"/>
+            <a:ext cx="7315200" cy="0"/>
+          </a:xfrm>
+          <a:prstGeom prst="line">
+            <a:avLst/>
+          </a:prstGeom>
+          <a:ln w="38100">
+            <a:solidFill>
+              <a:schemeClr val="tx1"/>
+            </a:solidFill>
+          </a:ln>
+        </p:spPr>
+        <p:style>
+          <a:lnRef idx="1">
+            <a:schemeClr val="accent1"/>
+          </a:lnRef>
+          <a:fillRef idx="0">
+            <a:schemeClr val="accent1"/>
+          </a:fillRef>
+          <a:effectRef idx="0">
+            <a:schemeClr val="accent1"/>
+          </a:effectRef>
+          <a:fontRef idx="minor">
+            <a:schemeClr val="tx1"/>
+          </a:fontRef>
+        </p:style>
+      </p:cxnSp>
+      <p:sp>
+        <p:nvSpPr>
+          <p:cNvPr id="8" name="TextBox 7"/>
+          <p:cNvSpPr txBox="1"/>
+          <p:nvPr/>
+        </p:nvSpPr>
+        <p:spPr>
+          <a:xfrm rot="16200000">
+            <a:off x="-66614" y="3224652"/>
+            <a:ext cx="1081515" cy="369332"/>
+          </a:xfrm>
+          <a:prstGeom prst="rect">
+            <a:avLst/>
+          </a:prstGeom>
+          <a:noFill/>
+        </p:spPr>
+        <p:txBody>
+          <a:bodyPr wrap="none" rtlCol="0">
+            <a:spAutoFit/>
+          </a:bodyPr>
+          <a:lstStyle/>
+          <a:p>
+            <a:r>
+              <a:rPr lang="en-US" dirty="0" smtClean="0"/>
+              <a:t>Response</a:t>
+            </a:r>
+            <a:endParaRPr lang="en-US" dirty="0"/>
+          </a:p>
+        </p:txBody>
+      </p:sp>
+      <p:sp>
+        <p:nvSpPr>
+          <p:cNvPr id="10" name="TextBox 9"/>
+          <p:cNvSpPr txBox="1"/>
+          <p:nvPr/>
+        </p:nvSpPr>
+        <p:spPr>
+          <a:xfrm>
+            <a:off x="4089504" y="6285743"/>
+            <a:ext cx="1045030" cy="369332"/>
+          </a:xfrm>
+          <a:prstGeom prst="rect">
+            <a:avLst/>
+          </a:prstGeom>
+          <a:noFill/>
+        </p:spPr>
+        <p:txBody>
+          <a:bodyPr wrap="none" rtlCol="0">
+            <a:spAutoFit/>
+          </a:bodyPr>
+          <a:lstStyle/>
+          <a:p>
+            <a:r>
+              <a:rPr lang="en-US" dirty="0" smtClean="0"/>
+              <a:t>Predictor</a:t>
+            </a:r>
+            <a:endParaRPr lang="en-US" dirty="0"/>
+          </a:p>
+        </p:txBody>
+      </p:sp>
+      <p:sp>
+        <p:nvSpPr>
+          <p:cNvPr id="2" name="Oval 1"/>
+          <p:cNvSpPr/>
+          <p:nvPr/>
+        </p:nvSpPr>
+        <p:spPr>
+          <a:xfrm>
+            <a:off x="2689410" y="3633014"/>
+            <a:ext cx="91440" cy="91440"/>
+          </a:xfrm>
+          <a:prstGeom prst="ellipse">
+            <a:avLst/>
+          </a:prstGeom>
+          <a:solidFill>
+            <a:schemeClr val="tx1"/>
+          </a:solidFill>
+          <a:ln>
+            <a:solidFill>
+              <a:schemeClr val="tx1"/>
+            </a:solidFill>
+          </a:ln>
+        </p:spPr>
+        <p:style>
+          <a:lnRef idx="2">
+            <a:schemeClr val="accent1">
+              <a:shade val="50000"/>
+            </a:schemeClr>
+          </a:lnRef>
+          <a:fillRef idx="1">
+            <a:schemeClr val="accent1"/>
+          </a:fillRef>
+          <a:effectRef idx="0">
+            <a:schemeClr val="accent1"/>
+          </a:effectRef>
+          <a:fontRef idx="minor">
+            <a:schemeClr val="lt1"/>
+          </a:fontRef>
+        </p:style>
+        <p:txBody>
+          <a:bodyPr rtlCol="0" anchor="ctr"/>
+          <a:lstStyle/>
+          <a:p>
+            <a:pPr algn="ctr"/>
+            <a:endParaRPr lang="en-US"/>
+          </a:p>
+        </p:txBody>
+      </p:sp>
+      <p:sp>
+        <p:nvSpPr>
+          <p:cNvPr id="33" name="Oval 32"/>
+          <p:cNvSpPr/>
+          <p:nvPr/>
+        </p:nvSpPr>
+        <p:spPr>
+          <a:xfrm>
+            <a:off x="2111827" y="4924184"/>
+            <a:ext cx="91440" cy="91440"/>
+          </a:xfrm>
+          <a:prstGeom prst="ellipse">
+            <a:avLst/>
+          </a:prstGeom>
+          <a:solidFill>
+            <a:schemeClr val="tx1"/>
+          </a:solidFill>
+          <a:ln>
+            <a:solidFill>
+              <a:schemeClr val="tx1"/>
+            </a:solidFill>
+          </a:ln>
+        </p:spPr>
+        <p:style>
+          <a:lnRef idx="2">
+            <a:schemeClr val="accent1">
+              <a:shade val="50000"/>
+            </a:schemeClr>
+          </a:lnRef>
+          <a:fillRef idx="1">
+            <a:schemeClr val="accent1"/>
+          </a:fillRef>
+          <a:effectRef idx="0">
+            <a:schemeClr val="accent1"/>
+          </a:effectRef>
+          <a:fontRef idx="minor">
+            <a:schemeClr val="lt1"/>
+          </a:fontRef>
+        </p:style>
+        <p:txBody>
+          <a:bodyPr rtlCol="0" anchor="ctr"/>
+          <a:lstStyle/>
+          <a:p>
+            <a:pPr algn="ctr"/>
+            <a:endParaRPr lang="en-US"/>
+          </a:p>
+        </p:txBody>
+      </p:sp>
+      <p:sp>
+        <p:nvSpPr>
+          <p:cNvPr id="44" name="Oval 43"/>
+          <p:cNvSpPr/>
+          <p:nvPr/>
+        </p:nvSpPr>
+        <p:spPr>
+          <a:xfrm>
+            <a:off x="4713949" y="3621169"/>
+            <a:ext cx="91440" cy="91440"/>
+          </a:xfrm>
+          <a:prstGeom prst="ellipse">
+            <a:avLst/>
+          </a:prstGeom>
+          <a:solidFill>
+            <a:schemeClr val="tx1"/>
+          </a:solidFill>
+          <a:ln>
+            <a:solidFill>
+              <a:schemeClr val="tx1"/>
+            </a:solidFill>
+          </a:ln>
+        </p:spPr>
+        <p:style>
+          <a:lnRef idx="2">
+            <a:schemeClr val="accent1">
+              <a:shade val="50000"/>
+            </a:schemeClr>
+          </a:lnRef>
+          <a:fillRef idx="1">
+            <a:schemeClr val="accent1"/>
+          </a:fillRef>
+          <a:effectRef idx="0">
+            <a:schemeClr val="accent1"/>
+          </a:effectRef>
+          <a:fontRef idx="minor">
+            <a:schemeClr val="lt1"/>
+          </a:fontRef>
+        </p:style>
+        <p:txBody>
+          <a:bodyPr rtlCol="0" anchor="ctr"/>
+          <a:lstStyle/>
+          <a:p>
+            <a:pPr algn="ctr"/>
+            <a:endParaRPr lang="en-US"/>
+          </a:p>
+        </p:txBody>
+      </p:sp>
+      <p:sp>
+        <p:nvSpPr>
+          <p:cNvPr id="47" name="Oval 46"/>
+          <p:cNvSpPr/>
+          <p:nvPr/>
+        </p:nvSpPr>
+        <p:spPr>
+          <a:xfrm>
+            <a:off x="3982310" y="2801045"/>
+            <a:ext cx="91440" cy="91440"/>
+          </a:xfrm>
+          <a:prstGeom prst="ellipse">
+            <a:avLst/>
+          </a:prstGeom>
+          <a:solidFill>
+            <a:schemeClr val="tx1"/>
+          </a:solidFill>
+          <a:ln>
+            <a:solidFill>
+              <a:schemeClr val="tx1"/>
+            </a:solidFill>
+          </a:ln>
+        </p:spPr>
+        <p:style>
+          <a:lnRef idx="2">
+            <a:schemeClr val="accent1">
+              <a:shade val="50000"/>
+            </a:schemeClr>
+          </a:lnRef>
+          <a:fillRef idx="1">
+            <a:schemeClr val="accent1"/>
+          </a:fillRef>
+          <a:effectRef idx="0">
+            <a:schemeClr val="accent1"/>
+          </a:effectRef>
+          <a:fontRef idx="minor">
+            <a:schemeClr val="lt1"/>
+          </a:fontRef>
+        </p:style>
+        <p:txBody>
+          <a:bodyPr rtlCol="0" anchor="ctr"/>
+          <a:lstStyle/>
+          <a:p>
+            <a:pPr algn="ctr"/>
+            <a:endParaRPr lang="en-US"/>
+          </a:p>
+        </p:txBody>
+      </p:sp>
+      <p:sp>
+        <p:nvSpPr>
+          <p:cNvPr id="48" name="Oval 47"/>
+          <p:cNvSpPr/>
+          <p:nvPr/>
+        </p:nvSpPr>
+        <p:spPr>
+          <a:xfrm>
+            <a:off x="6139540" y="2702528"/>
+            <a:ext cx="91440" cy="91440"/>
+          </a:xfrm>
+          <a:prstGeom prst="ellipse">
+            <a:avLst/>
+          </a:prstGeom>
+          <a:solidFill>
+            <a:schemeClr val="tx1"/>
+          </a:solidFill>
+          <a:ln>
+            <a:solidFill>
+              <a:schemeClr val="tx1"/>
+            </a:solidFill>
+          </a:ln>
+        </p:spPr>
+        <p:style>
+          <a:lnRef idx="2">
+            <a:schemeClr val="accent1">
+              <a:shade val="50000"/>
+            </a:schemeClr>
+          </a:lnRef>
+          <a:fillRef idx="1">
+            <a:schemeClr val="accent1"/>
+          </a:fillRef>
+          <a:effectRef idx="0">
+            <a:schemeClr val="accent1"/>
+          </a:effectRef>
+          <a:fontRef idx="minor">
+            <a:schemeClr val="lt1"/>
+          </a:fontRef>
+        </p:style>
+        <p:txBody>
+          <a:bodyPr rtlCol="0" anchor="ctr"/>
+          <a:lstStyle/>
+          <a:p>
+            <a:pPr algn="ctr"/>
+            <a:endParaRPr lang="en-US"/>
+          </a:p>
+        </p:txBody>
+      </p:sp>
+      <p:sp>
+        <p:nvSpPr>
+          <p:cNvPr id="50" name="Oval 49"/>
+          <p:cNvSpPr/>
+          <p:nvPr/>
+        </p:nvSpPr>
+        <p:spPr>
+          <a:xfrm>
+            <a:off x="6939449" y="1510301"/>
+            <a:ext cx="91440" cy="91440"/>
+          </a:xfrm>
+          <a:prstGeom prst="ellipse">
+            <a:avLst/>
+          </a:prstGeom>
+          <a:solidFill>
+            <a:schemeClr val="tx1"/>
+          </a:solidFill>
+          <a:ln>
+            <a:solidFill>
+              <a:schemeClr val="tx1"/>
+            </a:solidFill>
+          </a:ln>
+        </p:spPr>
+        <p:style>
+          <a:lnRef idx="2">
+            <a:schemeClr val="accent1">
+              <a:shade val="50000"/>
+            </a:schemeClr>
+          </a:lnRef>
+          <a:fillRef idx="1">
+            <a:schemeClr val="accent1"/>
+          </a:fillRef>
+          <a:effectRef idx="0">
+            <a:schemeClr val="accent1"/>
+          </a:effectRef>
+          <a:fontRef idx="minor">
+            <a:schemeClr val="lt1"/>
+          </a:fontRef>
+        </p:style>
+        <p:txBody>
+          <a:bodyPr rtlCol="0" anchor="ctr"/>
+          <a:lstStyle/>
+          <a:p>
+            <a:pPr algn="ctr"/>
+            <a:endParaRPr lang="en-US"/>
+          </a:p>
+        </p:txBody>
+      </p:sp>
+      <p:cxnSp>
+        <p:nvCxnSpPr>
+          <p:cNvPr id="4" name="Straight Connector 3"/>
+          <p:cNvCxnSpPr/>
+          <p:nvPr/>
+        </p:nvCxnSpPr>
+        <p:spPr>
+          <a:xfrm flipV="1">
+            <a:off x="1068081" y="1260182"/>
+            <a:ext cx="7149408" cy="3766857"/>
+          </a:xfrm>
+          <a:prstGeom prst="line">
+            <a:avLst/>
+          </a:prstGeom>
+          <a:ln w="25400"/>
+        </p:spPr>
+        <p:style>
+          <a:lnRef idx="1">
+            <a:schemeClr val="accent1"/>
+          </a:lnRef>
+          <a:fillRef idx="0">
+            <a:schemeClr val="accent1"/>
+          </a:fillRef>
+          <a:effectRef idx="0">
+            <a:schemeClr val="accent1"/>
+          </a:effectRef>
+          <a:fontRef idx="minor">
+            <a:schemeClr val="tx1"/>
+          </a:fontRef>
+        </p:style>
+      </p:cxnSp>
+      <p:cxnSp>
+        <p:nvCxnSpPr>
+          <p:cNvPr id="12" name="Straight Connector 11"/>
+          <p:cNvCxnSpPr/>
+          <p:nvPr/>
+        </p:nvCxnSpPr>
+        <p:spPr>
+          <a:xfrm flipV="1">
+            <a:off x="1068081" y="2748248"/>
+            <a:ext cx="7149408" cy="908196"/>
+          </a:xfrm>
+          <a:prstGeom prst="line">
+            <a:avLst/>
+          </a:prstGeom>
+          <a:ln w="25400">
+            <a:solidFill>
+              <a:schemeClr val="accent2">
+                <a:lumMod val="75000"/>
+              </a:schemeClr>
+            </a:solidFill>
+          </a:ln>
+        </p:spPr>
+        <p:style>
+          <a:lnRef idx="1">
+            <a:schemeClr val="accent1"/>
+          </a:lnRef>
+          <a:fillRef idx="0">
+            <a:schemeClr val="accent1"/>
+          </a:fillRef>
+          <a:effectRef idx="0">
+            <a:schemeClr val="accent1"/>
+          </a:effectRef>
+          <a:fontRef idx="minor">
+            <a:schemeClr val="tx1"/>
+          </a:fontRef>
+        </p:style>
+      </p:cxnSp>
+      <p:sp>
+        <p:nvSpPr>
+          <p:cNvPr id="51" name="Oval 50"/>
+          <p:cNvSpPr/>
+          <p:nvPr/>
+        </p:nvSpPr>
+        <p:spPr>
+          <a:xfrm>
+            <a:off x="5715637" y="1674084"/>
+            <a:ext cx="91440" cy="91440"/>
+          </a:xfrm>
+          <a:prstGeom prst="ellipse">
+            <a:avLst/>
+          </a:prstGeom>
+          <a:solidFill>
+            <a:schemeClr val="tx1"/>
+          </a:solidFill>
+          <a:ln>
+            <a:solidFill>
+              <a:schemeClr val="tx1"/>
+            </a:solidFill>
+          </a:ln>
+        </p:spPr>
+        <p:style>
+          <a:lnRef idx="2">
+            <a:schemeClr val="accent1">
+              <a:shade val="50000"/>
+            </a:schemeClr>
+          </a:lnRef>
+          <a:fillRef idx="1">
+            <a:schemeClr val="accent1"/>
+          </a:fillRef>
+          <a:effectRef idx="0">
+            <a:schemeClr val="accent1"/>
+          </a:effectRef>
+          <a:fontRef idx="minor">
+            <a:schemeClr val="lt1"/>
+          </a:fontRef>
+        </p:style>
+        <p:txBody>
+          <a:bodyPr rtlCol="0" anchor="ctr"/>
+          <a:lstStyle/>
+          <a:p>
+            <a:pPr algn="ctr"/>
+            <a:endParaRPr lang="en-US"/>
+          </a:p>
+        </p:txBody>
+      </p:sp>
+    </p:spTree>
+    <p:extLst>
+      <p:ext uri="{BB962C8B-B14F-4D97-AF65-F5344CB8AC3E}">
+        <p14:creationId xmlns:p14="http://schemas.microsoft.com/office/powerpoint/2010/main" val="1930669007"/>
+      </p:ext>
+    </p:extLst>
+  </p:cSld>
+  <p:clrMapOvr>
+    <a:masterClrMapping/>
+  </p:clrMapOvr>
+</p:sld>
+</file>
+
+<file path=ppt/slides/slide12.xml><?xml version="1.0" encoding="utf-8"?>
+<p:sld xmlns:a="http://schemas.openxmlformats.org/drawingml/2006/main" xmlns:r="http://schemas.openxmlformats.org/officeDocument/2006/relationships" xmlns:p="http://schemas.openxmlformats.org/presentationml/2006/main">
+  <p:cSld>
+    <p:spTree>
+      <p:nvGrpSpPr>
+        <p:cNvPr id="1" name=""/>
+        <p:cNvGrpSpPr/>
+        <p:nvPr/>
+      </p:nvGrpSpPr>
+      <p:grpSpPr>
+        <a:xfrm>
+          <a:off x="0" y="0"/>
+          <a:ext cx="0" cy="0"/>
+          <a:chOff x="0" y="0"/>
+          <a:chExt cx="0" cy="0"/>
+        </a:xfrm>
+      </p:grpSpPr>
+      <p:cxnSp>
+        <p:nvCxnSpPr>
+          <p:cNvPr id="5" name="Straight Connector 4"/>
+          <p:cNvCxnSpPr/>
+          <p:nvPr/>
+        </p:nvCxnSpPr>
+        <p:spPr>
+          <a:xfrm>
+            <a:off x="914400" y="666119"/>
+            <a:ext cx="0" cy="5486400"/>
+          </a:xfrm>
+          <a:prstGeom prst="line">
+            <a:avLst/>
+          </a:prstGeom>
+          <a:ln w="38100">
+            <a:solidFill>
+              <a:schemeClr val="tx1"/>
+            </a:solidFill>
+          </a:ln>
+        </p:spPr>
+        <p:style>
+          <a:lnRef idx="1">
+            <a:schemeClr val="accent1"/>
+          </a:lnRef>
+          <a:fillRef idx="0">
+            <a:schemeClr val="accent1"/>
+          </a:fillRef>
+          <a:effectRef idx="0">
+            <a:schemeClr val="accent1"/>
+          </a:effectRef>
+          <a:fontRef idx="minor">
+            <a:schemeClr val="tx1"/>
+          </a:fontRef>
+        </p:style>
+      </p:cxnSp>
+      <p:cxnSp>
+        <p:nvCxnSpPr>
+          <p:cNvPr id="7" name="Straight Connector 6"/>
+          <p:cNvCxnSpPr/>
+          <p:nvPr/>
+        </p:nvCxnSpPr>
+        <p:spPr>
+          <a:xfrm flipV="1">
+            <a:off x="902289" y="6149720"/>
+            <a:ext cx="7315200" cy="0"/>
+          </a:xfrm>
+          <a:prstGeom prst="line">
+            <a:avLst/>
+          </a:prstGeom>
+          <a:ln w="38100">
+            <a:solidFill>
+              <a:schemeClr val="tx1"/>
+            </a:solidFill>
+          </a:ln>
+        </p:spPr>
+        <p:style>
+          <a:lnRef idx="1">
+            <a:schemeClr val="accent1"/>
+          </a:lnRef>
+          <a:fillRef idx="0">
+            <a:schemeClr val="accent1"/>
+          </a:fillRef>
+          <a:effectRef idx="0">
+            <a:schemeClr val="accent1"/>
+          </a:effectRef>
+          <a:fontRef idx="minor">
+            <a:schemeClr val="tx1"/>
+          </a:fontRef>
+        </p:style>
+      </p:cxnSp>
+      <p:sp>
+        <p:nvSpPr>
+          <p:cNvPr id="8" name="TextBox 7"/>
+          <p:cNvSpPr txBox="1"/>
+          <p:nvPr/>
+        </p:nvSpPr>
+        <p:spPr>
+          <a:xfrm rot="16200000">
+            <a:off x="-66614" y="3224652"/>
+            <a:ext cx="1081515" cy="369332"/>
+          </a:xfrm>
+          <a:prstGeom prst="rect">
+            <a:avLst/>
+          </a:prstGeom>
+          <a:noFill/>
+        </p:spPr>
+        <p:txBody>
+          <a:bodyPr wrap="none" rtlCol="0">
+            <a:spAutoFit/>
+          </a:bodyPr>
+          <a:lstStyle/>
+          <a:p>
+            <a:r>
+              <a:rPr lang="en-US" dirty="0" smtClean="0"/>
+              <a:t>Response</a:t>
+            </a:r>
+            <a:endParaRPr lang="en-US" dirty="0"/>
+          </a:p>
+        </p:txBody>
+      </p:sp>
+      <p:sp>
+        <p:nvSpPr>
+          <p:cNvPr id="10" name="TextBox 9"/>
+          <p:cNvSpPr txBox="1"/>
+          <p:nvPr/>
+        </p:nvSpPr>
+        <p:spPr>
+          <a:xfrm>
+            <a:off x="4089504" y="6285743"/>
+            <a:ext cx="1045030" cy="369332"/>
+          </a:xfrm>
+          <a:prstGeom prst="rect">
+            <a:avLst/>
+          </a:prstGeom>
+          <a:noFill/>
+        </p:spPr>
+        <p:txBody>
+          <a:bodyPr wrap="none" rtlCol="0">
+            <a:spAutoFit/>
+          </a:bodyPr>
+          <a:lstStyle/>
+          <a:p>
+            <a:r>
+              <a:rPr lang="en-US" dirty="0" smtClean="0"/>
+              <a:t>Predictor</a:t>
+            </a:r>
+            <a:endParaRPr lang="en-US" dirty="0"/>
+          </a:p>
+        </p:txBody>
+      </p:sp>
+      <mc:AlternateContent xmlns:mc="http://schemas.openxmlformats.org/markup-compatibility/2006" xmlns:a14="http://schemas.microsoft.com/office/drawing/2010/main">
+        <mc:Choice Requires="a14">
+          <p:sp>
+            <p:nvSpPr>
+              <p:cNvPr id="3" name="TextBox 2"/>
+              <p:cNvSpPr txBox="1"/>
+              <p:nvPr/>
+            </p:nvSpPr>
+            <p:spPr>
+              <a:xfrm>
+                <a:off x="5243379" y="666119"/>
+                <a:ext cx="3147464" cy="369332"/>
+              </a:xfrm>
+              <a:prstGeom prst="rect">
+                <a:avLst/>
+              </a:prstGeom>
+              <a:noFill/>
+            </p:spPr>
+            <p:txBody>
+              <a:bodyPr wrap="none" rtlCol="0">
+                <a:spAutoFit/>
+              </a:bodyPr>
+              <a:lstStyle/>
+              <a:p>
+                <a:pPr/>
+                <a14:m>
+                  <m:oMathPara xmlns:m="http://schemas.openxmlformats.org/officeDocument/2006/math">
+                    <m:oMathParaPr>
+                      <m:jc m:val="centerGroup"/>
+                    </m:oMathParaPr>
+                    <m:oMath xmlns:m="http://schemas.openxmlformats.org/officeDocument/2006/math">
+                      <m:r>
+                        <m:rPr>
+                          <m:nor/>
+                        </m:rPr>
+                        <a:rPr lang="en-US" b="0" i="0" smtClean="0">
+                          <a:solidFill>
+                            <a:schemeClr val="accent5"/>
+                          </a:solidFill>
+                          <a:latin typeface="Cambria Math" panose="02040503050406030204" pitchFamily="18" charset="0"/>
+                        </a:rPr>
+                        <m:t>Response</m:t>
+                      </m:r>
+                      <m:r>
+                        <a:rPr lang="en-US" b="0" i="1" smtClean="0">
+                          <a:solidFill>
+                            <a:schemeClr val="accent5"/>
+                          </a:solidFill>
+                          <a:latin typeface="Cambria Math" panose="02040503050406030204" pitchFamily="18" charset="0"/>
+                        </a:rPr>
+                        <m:t>=</m:t>
+                      </m:r>
+                      <m:sSub>
+                        <m:sSubPr>
+                          <m:ctrlPr>
+                            <a:rPr lang="en-US" b="0" i="1" smtClean="0">
+                              <a:solidFill>
+                                <a:schemeClr val="accent5"/>
+                              </a:solidFill>
+                              <a:latin typeface="Cambria Math" panose="02040503050406030204" pitchFamily="18" charset="0"/>
+                            </a:rPr>
+                          </m:ctrlPr>
+                        </m:sSubPr>
+                        <m:e>
+                          <m:r>
+                            <a:rPr lang="en-US" b="0" i="1" smtClean="0">
+                              <a:solidFill>
+                                <a:schemeClr val="accent5"/>
+                              </a:solidFill>
+                              <a:latin typeface="Cambria Math" panose="02040503050406030204" pitchFamily="18" charset="0"/>
+                            </a:rPr>
+                            <m:t>𝛽</m:t>
+                          </m:r>
+                        </m:e>
+                        <m:sub>
+                          <m:r>
+                            <a:rPr lang="en-US" b="0" i="1" smtClean="0">
+                              <a:solidFill>
+                                <a:schemeClr val="accent5"/>
+                              </a:solidFill>
+                              <a:latin typeface="Cambria Math" panose="02040503050406030204" pitchFamily="18" charset="0"/>
+                            </a:rPr>
+                            <m:t>0</m:t>
+                          </m:r>
+                        </m:sub>
+                      </m:sSub>
+                      <m:r>
+                        <a:rPr lang="en-US" b="0" i="1" smtClean="0">
+                          <a:solidFill>
+                            <a:schemeClr val="accent5"/>
+                          </a:solidFill>
+                          <a:latin typeface="Cambria Math" panose="02040503050406030204" pitchFamily="18" charset="0"/>
+                        </a:rPr>
+                        <m:t>+</m:t>
+                      </m:r>
+                      <m:sSub>
+                        <m:sSubPr>
+                          <m:ctrlPr>
+                            <a:rPr lang="en-US" b="0" i="1" smtClean="0">
+                              <a:solidFill>
+                                <a:schemeClr val="accent5"/>
+                              </a:solidFill>
+                              <a:latin typeface="Cambria Math" panose="02040503050406030204" pitchFamily="18" charset="0"/>
+                            </a:rPr>
+                          </m:ctrlPr>
+                        </m:sSubPr>
+                        <m:e>
+                          <m:r>
+                            <a:rPr lang="en-US" b="0" i="1" smtClean="0">
+                              <a:solidFill>
+                                <a:schemeClr val="accent5"/>
+                              </a:solidFill>
+                              <a:latin typeface="Cambria Math" panose="02040503050406030204" pitchFamily="18" charset="0"/>
+                            </a:rPr>
+                            <m:t>𝛽</m:t>
+                          </m:r>
+                        </m:e>
+                        <m:sub>
+                          <m:r>
+                            <a:rPr lang="en-US" b="0" i="1" smtClean="0">
+                              <a:solidFill>
+                                <a:schemeClr val="accent5"/>
+                              </a:solidFill>
+                              <a:latin typeface="Cambria Math" panose="02040503050406030204" pitchFamily="18" charset="0"/>
+                            </a:rPr>
+                            <m:t>1</m:t>
+                          </m:r>
+                        </m:sub>
+                      </m:sSub>
+                      <m:r>
+                        <m:rPr>
+                          <m:nor/>
+                        </m:rPr>
+                        <a:rPr lang="en-US" b="0" i="0" smtClean="0">
+                          <a:solidFill>
+                            <a:schemeClr val="accent5"/>
+                          </a:solidFill>
+                          <a:latin typeface="Cambria Math" panose="02040503050406030204" pitchFamily="18" charset="0"/>
+                        </a:rPr>
+                        <m:t>Predictor</m:t>
+                      </m:r>
+                    </m:oMath>
+                  </m:oMathPara>
+                </a14:m>
+                <a:endParaRPr lang="en-US" dirty="0">
+                  <a:solidFill>
+                    <a:schemeClr val="accent5"/>
+                  </a:solidFill>
+                </a:endParaRPr>
+              </a:p>
+            </p:txBody>
+          </p:sp>
+        </mc:Choice>
+        <mc:Fallback xmlns="">
+          <p:sp>
+            <p:nvSpPr>
+              <p:cNvPr id="3" name="TextBox 2"/>
+              <p:cNvSpPr txBox="1">
+                <a:spLocks noRot="1" noChangeAspect="1" noMove="1" noResize="1" noEditPoints="1" noAdjustHandles="1" noChangeArrowheads="1" noChangeShapeType="1" noTextEdit="1"/>
+              </p:cNvSpPr>
+              <p:nvPr/>
+            </p:nvSpPr>
+            <p:spPr>
+              <a:xfrm>
+                <a:off x="5243379" y="666119"/>
+                <a:ext cx="3147464" cy="369332"/>
+              </a:xfrm>
+              <a:prstGeom prst="rect">
+                <a:avLst/>
+              </a:prstGeom>
+              <a:blipFill>
+                <a:blip r:embed="rId2"/>
+                <a:stretch>
+                  <a:fillRect b="-13115"/>
+                </a:stretch>
+              </a:blipFill>
+            </p:spPr>
+            <p:txBody>
+              <a:bodyPr/>
+              <a:lstStyle/>
+              <a:p>
+                <a:r>
+                  <a:rPr lang="en-US">
+                    <a:noFill/>
+                  </a:rPr>
+                  <a:t> </a:t>
+                </a:r>
+              </a:p>
+            </p:txBody>
+          </p:sp>
+        </mc:Fallback>
+      </mc:AlternateContent>
+      <p:pic>
+        <p:nvPicPr>
+          <p:cNvPr id="6" name="Picture 5" descr="File:&lt;strong&gt;Gaussian&lt;/strong&gt; Filter.svg - Wikimedia Commons"/>
+          <p:cNvPicPr>
+            <a:picLocks noChangeAspect="1"/>
+          </p:cNvPicPr>
+          <p:nvPr/>
+        </p:nvPicPr>
+        <p:blipFill>
+          <a:blip r:embed="rId3" cstate="print">
+            <a:extLst>
+              <a:ext uri="{28A0092B-C50C-407E-A947-70E740481C1C}">
+                <a14:useLocalDpi xmlns:a14="http://schemas.microsoft.com/office/drawing/2010/main" val="0"/>
+              </a:ext>
+            </a:extLst>
+          </a:blip>
+          <a:stretch>
+            <a:fillRect/>
+          </a:stretch>
+        </p:blipFill>
+        <p:spPr>
+          <a:xfrm rot="16200000">
+            <a:off x="533098" y="3388547"/>
+            <a:ext cx="3027509" cy="2171292"/>
+          </a:xfrm>
+          <a:prstGeom prst="rect">
+            <a:avLst/>
+          </a:prstGeom>
+        </p:spPr>
+      </p:pic>
+      <p:pic>
+        <p:nvPicPr>
+          <p:cNvPr id="21" name="Picture 20" descr="File:&lt;strong&gt;Gaussian&lt;/strong&gt; Filter.svg - Wikimedia Commons"/>
+          <p:cNvPicPr>
+            <a:picLocks noChangeAspect="1"/>
+          </p:cNvPicPr>
+          <p:nvPr/>
+        </p:nvPicPr>
+        <p:blipFill>
+          <a:blip r:embed="rId3" cstate="print">
+            <a:extLst>
+              <a:ext uri="{28A0092B-C50C-407E-A947-70E740481C1C}">
+                <a14:useLocalDpi xmlns:a14="http://schemas.microsoft.com/office/drawing/2010/main" val="0"/>
+              </a:ext>
+            </a:extLst>
+          </a:blip>
+          <a:stretch>
+            <a:fillRect/>
+          </a:stretch>
+        </p:blipFill>
+        <p:spPr>
+          <a:xfrm rot="16200000">
+            <a:off x="5710297" y="1436804"/>
+            <a:ext cx="3027509" cy="2171292"/>
+          </a:xfrm>
+          <a:prstGeom prst="rect">
+            <a:avLst/>
+          </a:prstGeom>
+        </p:spPr>
+      </p:pic>
+      <p:pic>
+        <p:nvPicPr>
+          <p:cNvPr id="22" name="Picture 21" descr="File:&lt;strong&gt;Gaussian&lt;/strong&gt; Filter.svg - Wikimedia Commons"/>
+          <p:cNvPicPr>
+            <a:picLocks noChangeAspect="1"/>
+          </p:cNvPicPr>
+          <p:nvPr/>
+        </p:nvPicPr>
+        <p:blipFill>
+          <a:blip r:embed="rId3" cstate="print">
+            <a:extLst>
+              <a:ext uri="{28A0092B-C50C-407E-A947-70E740481C1C}">
+                <a14:useLocalDpi xmlns:a14="http://schemas.microsoft.com/office/drawing/2010/main" val="0"/>
+              </a:ext>
+            </a:extLst>
+          </a:blip>
+          <a:stretch>
+            <a:fillRect/>
+          </a:stretch>
+        </p:blipFill>
+        <p:spPr>
+          <a:xfrm rot="16200000">
+            <a:off x="3123126" y="2411940"/>
+            <a:ext cx="3027509" cy="2171292"/>
+          </a:xfrm>
+          <a:prstGeom prst="rect">
+            <a:avLst/>
+          </a:prstGeom>
+        </p:spPr>
+      </p:pic>
+      <p:cxnSp>
+        <p:nvCxnSpPr>
+          <p:cNvPr id="4" name="Straight Connector 3"/>
+          <p:cNvCxnSpPr/>
+          <p:nvPr/>
+        </p:nvCxnSpPr>
+        <p:spPr>
+          <a:xfrm flipV="1">
+            <a:off x="1161232" y="2389734"/>
+            <a:ext cx="7195271" cy="2727832"/>
+          </a:xfrm>
+          <a:prstGeom prst="line">
+            <a:avLst/>
+          </a:prstGeom>
+          <a:ln w="25400">
+            <a:solidFill>
+              <a:schemeClr val="accent5"/>
+            </a:solidFill>
+          </a:ln>
+        </p:spPr>
+        <p:style>
+          <a:lnRef idx="1">
+            <a:schemeClr val="accent1"/>
+          </a:lnRef>
+          <a:fillRef idx="0">
+            <a:schemeClr val="accent1"/>
+          </a:fillRef>
+          <a:effectRef idx="0">
+            <a:schemeClr val="accent1"/>
+          </a:effectRef>
+          <a:fontRef idx="minor">
+            <a:schemeClr val="tx1"/>
+          </a:fontRef>
+        </p:style>
+      </p:cxnSp>
+      <p:sp>
+        <p:nvSpPr>
+          <p:cNvPr id="50" name="Oval 49"/>
+          <p:cNvSpPr/>
+          <p:nvPr/>
+        </p:nvSpPr>
+        <p:spPr>
+          <a:xfrm>
+            <a:off x="2736796" y="4562806"/>
+            <a:ext cx="91440" cy="91440"/>
+          </a:xfrm>
+          <a:prstGeom prst="ellipse">
+            <a:avLst/>
+          </a:prstGeom>
+          <a:solidFill>
+            <a:schemeClr val="tx1"/>
+          </a:solidFill>
+          <a:ln>
+            <a:solidFill>
+              <a:schemeClr val="tx1"/>
+            </a:solidFill>
+          </a:ln>
+        </p:spPr>
+        <p:style>
+          <a:lnRef idx="2">
+            <a:schemeClr val="accent1">
+              <a:shade val="50000"/>
+            </a:schemeClr>
+          </a:lnRef>
+          <a:fillRef idx="1">
+            <a:schemeClr val="accent1"/>
+          </a:fillRef>
+          <a:effectRef idx="0">
+            <a:schemeClr val="accent1"/>
+          </a:effectRef>
+          <a:fontRef idx="minor">
+            <a:schemeClr val="lt1"/>
+          </a:fontRef>
+        </p:style>
+        <p:txBody>
+          <a:bodyPr rtlCol="0" anchor="ctr"/>
+          <a:lstStyle/>
+          <a:p>
+            <a:pPr algn="ctr"/>
+            <a:endParaRPr lang="en-US"/>
+          </a:p>
+        </p:txBody>
+      </p:sp>
+      <p:sp>
+        <p:nvSpPr>
+          <p:cNvPr id="26" name="Oval 25"/>
+          <p:cNvSpPr/>
+          <p:nvPr/>
+        </p:nvSpPr>
+        <p:spPr>
+          <a:xfrm>
+            <a:off x="2737945" y="4624652"/>
+            <a:ext cx="91440" cy="91440"/>
+          </a:xfrm>
+          <a:prstGeom prst="ellipse">
+            <a:avLst/>
+          </a:prstGeom>
+          <a:solidFill>
+            <a:schemeClr val="tx1"/>
+          </a:solidFill>
+          <a:ln>
+            <a:solidFill>
+              <a:schemeClr val="tx1"/>
+            </a:solidFill>
+          </a:ln>
+        </p:spPr>
+        <p:style>
+          <a:lnRef idx="2">
+            <a:schemeClr val="accent1">
+              <a:shade val="50000"/>
+            </a:schemeClr>
+          </a:lnRef>
+          <a:fillRef idx="1">
+            <a:schemeClr val="accent1"/>
+          </a:fillRef>
+          <a:effectRef idx="0">
+            <a:schemeClr val="accent1"/>
+          </a:effectRef>
+          <a:fontRef idx="minor">
+            <a:schemeClr val="lt1"/>
+          </a:fontRef>
+        </p:style>
+        <p:txBody>
+          <a:bodyPr rtlCol="0" anchor="ctr"/>
+          <a:lstStyle/>
+          <a:p>
+            <a:pPr algn="ctr"/>
+            <a:endParaRPr lang="en-US"/>
+          </a:p>
+        </p:txBody>
+      </p:sp>
+      <p:sp>
+        <p:nvSpPr>
+          <p:cNvPr id="27" name="Oval 26"/>
+          <p:cNvSpPr/>
+          <p:nvPr/>
+        </p:nvSpPr>
+        <p:spPr>
+          <a:xfrm>
+            <a:off x="2738843" y="4276220"/>
+            <a:ext cx="91440" cy="91440"/>
+          </a:xfrm>
+          <a:prstGeom prst="ellipse">
+            <a:avLst/>
+          </a:prstGeom>
+          <a:solidFill>
+            <a:schemeClr val="tx1"/>
+          </a:solidFill>
+          <a:ln>
+            <a:solidFill>
+              <a:schemeClr val="tx1"/>
+            </a:solidFill>
+          </a:ln>
+        </p:spPr>
+        <p:style>
+          <a:lnRef idx="2">
+            <a:schemeClr val="accent1">
+              <a:shade val="50000"/>
+            </a:schemeClr>
+          </a:lnRef>
+          <a:fillRef idx="1">
+            <a:schemeClr val="accent1"/>
+          </a:fillRef>
+          <a:effectRef idx="0">
+            <a:schemeClr val="accent1"/>
+          </a:effectRef>
+          <a:fontRef idx="minor">
+            <a:schemeClr val="lt1"/>
+          </a:fontRef>
+        </p:style>
+        <p:txBody>
+          <a:bodyPr rtlCol="0" anchor="ctr"/>
+          <a:lstStyle/>
+          <a:p>
+            <a:pPr algn="ctr"/>
+            <a:endParaRPr lang="en-US"/>
+          </a:p>
+        </p:txBody>
+      </p:sp>
+      <p:sp>
+        <p:nvSpPr>
+          <p:cNvPr id="28" name="Oval 27"/>
+          <p:cNvSpPr/>
+          <p:nvPr/>
+        </p:nvSpPr>
+        <p:spPr>
+          <a:xfrm>
+            <a:off x="2731159" y="4973630"/>
+            <a:ext cx="91440" cy="91440"/>
+          </a:xfrm>
+          <a:prstGeom prst="ellipse">
+            <a:avLst/>
+          </a:prstGeom>
+          <a:solidFill>
+            <a:schemeClr val="tx1"/>
+          </a:solidFill>
+          <a:ln>
+            <a:solidFill>
+              <a:schemeClr val="tx1"/>
+            </a:solidFill>
+          </a:ln>
+        </p:spPr>
+        <p:style>
+          <a:lnRef idx="2">
+            <a:schemeClr val="accent1">
+              <a:shade val="50000"/>
+            </a:schemeClr>
+          </a:lnRef>
+          <a:fillRef idx="1">
+            <a:schemeClr val="accent1"/>
+          </a:fillRef>
+          <a:effectRef idx="0">
+            <a:schemeClr val="accent1"/>
+          </a:effectRef>
+          <a:fontRef idx="minor">
+            <a:schemeClr val="lt1"/>
+          </a:fontRef>
+        </p:style>
+        <p:txBody>
+          <a:bodyPr rtlCol="0" anchor="ctr"/>
+          <a:lstStyle/>
+          <a:p>
+            <a:pPr algn="ctr"/>
+            <a:endParaRPr lang="en-US"/>
+          </a:p>
+        </p:txBody>
+      </p:sp>
+      <p:sp>
+        <p:nvSpPr>
+          <p:cNvPr id="29" name="Oval 28"/>
+          <p:cNvSpPr/>
+          <p:nvPr/>
+        </p:nvSpPr>
+        <p:spPr>
+          <a:xfrm>
+            <a:off x="2734618" y="5344576"/>
+            <a:ext cx="91440" cy="91440"/>
+          </a:xfrm>
+          <a:prstGeom prst="ellipse">
+            <a:avLst/>
+          </a:prstGeom>
+          <a:solidFill>
+            <a:schemeClr val="tx1"/>
+          </a:solidFill>
+          <a:ln>
+            <a:solidFill>
+              <a:schemeClr val="tx1"/>
+            </a:solidFill>
+          </a:ln>
+        </p:spPr>
+        <p:style>
+          <a:lnRef idx="2">
+            <a:schemeClr val="accent1">
+              <a:shade val="50000"/>
+            </a:schemeClr>
+          </a:lnRef>
+          <a:fillRef idx="1">
+            <a:schemeClr val="accent1"/>
+          </a:fillRef>
+          <a:effectRef idx="0">
+            <a:schemeClr val="accent1"/>
+          </a:effectRef>
+          <a:fontRef idx="minor">
+            <a:schemeClr val="lt1"/>
+          </a:fontRef>
+        </p:style>
+        <p:txBody>
+          <a:bodyPr rtlCol="0" anchor="ctr"/>
+          <a:lstStyle/>
+          <a:p>
+            <a:pPr algn="ctr"/>
+            <a:endParaRPr lang="en-US"/>
+          </a:p>
+        </p:txBody>
+      </p:sp>
+      <p:sp>
+        <p:nvSpPr>
+          <p:cNvPr id="30" name="Oval 29"/>
+          <p:cNvSpPr/>
+          <p:nvPr/>
+        </p:nvSpPr>
+        <p:spPr>
+          <a:xfrm>
+            <a:off x="2736282" y="3565034"/>
+            <a:ext cx="91440" cy="91440"/>
+          </a:xfrm>
+          <a:prstGeom prst="ellipse">
+            <a:avLst/>
+          </a:prstGeom>
+          <a:solidFill>
+            <a:schemeClr val="tx1"/>
+          </a:solidFill>
+          <a:ln>
+            <a:solidFill>
+              <a:schemeClr val="tx1"/>
+            </a:solidFill>
+          </a:ln>
+        </p:spPr>
+        <p:style>
+          <a:lnRef idx="2">
+            <a:schemeClr val="accent1">
+              <a:shade val="50000"/>
+            </a:schemeClr>
+          </a:lnRef>
+          <a:fillRef idx="1">
+            <a:schemeClr val="accent1"/>
+          </a:fillRef>
+          <a:effectRef idx="0">
+            <a:schemeClr val="accent1"/>
+          </a:effectRef>
+          <a:fontRef idx="minor">
+            <a:schemeClr val="lt1"/>
+          </a:fontRef>
+        </p:style>
+        <p:txBody>
+          <a:bodyPr rtlCol="0" anchor="ctr"/>
+          <a:lstStyle/>
+          <a:p>
+            <a:pPr algn="ctr"/>
+            <a:endParaRPr lang="en-US"/>
+          </a:p>
+        </p:txBody>
+      </p:sp>
+      <p:sp>
+        <p:nvSpPr>
+          <p:cNvPr id="31" name="Oval 30"/>
+          <p:cNvSpPr/>
+          <p:nvPr/>
+        </p:nvSpPr>
+        <p:spPr>
+          <a:xfrm>
+            <a:off x="2735129" y="3924147"/>
+            <a:ext cx="91440" cy="91440"/>
+          </a:xfrm>
+          <a:prstGeom prst="ellipse">
+            <a:avLst/>
+          </a:prstGeom>
+          <a:solidFill>
+            <a:schemeClr val="tx1"/>
+          </a:solidFill>
+          <a:ln>
+            <a:solidFill>
+              <a:schemeClr val="tx1"/>
+            </a:solidFill>
+          </a:ln>
+        </p:spPr>
+        <p:style>
+          <a:lnRef idx="2">
+            <a:schemeClr val="accent1">
+              <a:shade val="50000"/>
+            </a:schemeClr>
+          </a:lnRef>
+          <a:fillRef idx="1">
+            <a:schemeClr val="accent1"/>
+          </a:fillRef>
+          <a:effectRef idx="0">
+            <a:schemeClr val="accent1"/>
+          </a:effectRef>
+          <a:fontRef idx="minor">
+            <a:schemeClr val="lt1"/>
+          </a:fontRef>
+        </p:style>
+        <p:txBody>
+          <a:bodyPr rtlCol="0" anchor="ctr"/>
+          <a:lstStyle/>
+          <a:p>
+            <a:pPr algn="ctr"/>
+            <a:endParaRPr lang="en-US"/>
+          </a:p>
+        </p:txBody>
+      </p:sp>
+      <p:sp>
+        <p:nvSpPr>
+          <p:cNvPr id="32" name="Oval 31"/>
+          <p:cNvSpPr/>
+          <p:nvPr/>
+        </p:nvSpPr>
+        <p:spPr>
+          <a:xfrm>
+            <a:off x="2734618" y="4706046"/>
+            <a:ext cx="91440" cy="91440"/>
+          </a:xfrm>
+          <a:prstGeom prst="ellipse">
+            <a:avLst/>
+          </a:prstGeom>
+          <a:solidFill>
+            <a:schemeClr val="tx1"/>
+          </a:solidFill>
+          <a:ln>
+            <a:solidFill>
+              <a:schemeClr val="tx1"/>
+            </a:solidFill>
+          </a:ln>
+        </p:spPr>
+        <p:style>
+          <a:lnRef idx="2">
+            <a:schemeClr val="accent1">
+              <a:shade val="50000"/>
+            </a:schemeClr>
+          </a:lnRef>
+          <a:fillRef idx="1">
+            <a:schemeClr val="accent1"/>
+          </a:fillRef>
+          <a:effectRef idx="0">
+            <a:schemeClr val="accent1"/>
+          </a:effectRef>
+          <a:fontRef idx="minor">
+            <a:schemeClr val="lt1"/>
+          </a:fontRef>
+        </p:style>
+        <p:txBody>
+          <a:bodyPr rtlCol="0" anchor="ctr"/>
+          <a:lstStyle/>
+          <a:p>
+            <a:pPr algn="ctr"/>
+            <a:endParaRPr lang="en-US"/>
+          </a:p>
+        </p:txBody>
+      </p:sp>
+      <p:sp>
+        <p:nvSpPr>
+          <p:cNvPr id="34" name="Oval 33"/>
+          <p:cNvSpPr/>
+          <p:nvPr/>
+        </p:nvSpPr>
+        <p:spPr>
+          <a:xfrm>
+            <a:off x="2734618" y="4184780"/>
+            <a:ext cx="91440" cy="91440"/>
+          </a:xfrm>
+          <a:prstGeom prst="ellipse">
+            <a:avLst/>
+          </a:prstGeom>
+          <a:solidFill>
+            <a:schemeClr val="tx1"/>
+          </a:solidFill>
+          <a:ln>
+            <a:solidFill>
+              <a:schemeClr val="tx1"/>
+            </a:solidFill>
+          </a:ln>
+        </p:spPr>
+        <p:style>
+          <a:lnRef idx="2">
+            <a:schemeClr val="accent1">
+              <a:shade val="50000"/>
+            </a:schemeClr>
+          </a:lnRef>
+          <a:fillRef idx="1">
+            <a:schemeClr val="accent1"/>
+          </a:fillRef>
+          <a:effectRef idx="0">
+            <a:schemeClr val="accent1"/>
+          </a:effectRef>
+          <a:fontRef idx="minor">
+            <a:schemeClr val="lt1"/>
+          </a:fontRef>
+        </p:style>
+        <p:txBody>
+          <a:bodyPr rtlCol="0" anchor="ctr"/>
+          <a:lstStyle/>
+          <a:p>
+            <a:pPr algn="ctr"/>
+            <a:endParaRPr lang="en-US"/>
+          </a:p>
+        </p:txBody>
+      </p:sp>
+      <p:sp>
+        <p:nvSpPr>
+          <p:cNvPr id="35" name="Oval 34"/>
+          <p:cNvSpPr/>
+          <p:nvPr/>
+        </p:nvSpPr>
+        <p:spPr>
+          <a:xfrm>
+            <a:off x="2736796" y="4350485"/>
+            <a:ext cx="91440" cy="91440"/>
+          </a:xfrm>
+          <a:prstGeom prst="ellipse">
+            <a:avLst/>
+          </a:prstGeom>
+          <a:solidFill>
+            <a:schemeClr val="tx1"/>
+          </a:solidFill>
+          <a:ln>
+            <a:solidFill>
+              <a:schemeClr val="tx1"/>
+            </a:solidFill>
+          </a:ln>
+        </p:spPr>
+        <p:style>
+          <a:lnRef idx="2">
+            <a:schemeClr val="accent1">
+              <a:shade val="50000"/>
+            </a:schemeClr>
+          </a:lnRef>
+          <a:fillRef idx="1">
+            <a:schemeClr val="accent1"/>
+          </a:fillRef>
+          <a:effectRef idx="0">
+            <a:schemeClr val="accent1"/>
+          </a:effectRef>
+          <a:fontRef idx="minor">
+            <a:schemeClr val="lt1"/>
+          </a:fontRef>
+        </p:style>
+        <p:txBody>
+          <a:bodyPr rtlCol="0" anchor="ctr"/>
+          <a:lstStyle/>
+          <a:p>
+            <a:pPr algn="ctr"/>
+            <a:endParaRPr lang="en-US"/>
+          </a:p>
+        </p:txBody>
+      </p:sp>
+      <p:sp>
+        <p:nvSpPr>
+          <p:cNvPr id="36" name="Oval 35"/>
+          <p:cNvSpPr/>
+          <p:nvPr/>
+        </p:nvSpPr>
+        <p:spPr>
+          <a:xfrm>
+            <a:off x="5324777" y="3572557"/>
+            <a:ext cx="91440" cy="91440"/>
+          </a:xfrm>
+          <a:prstGeom prst="ellipse">
+            <a:avLst/>
+          </a:prstGeom>
+          <a:solidFill>
+            <a:schemeClr val="tx1"/>
+          </a:solidFill>
+          <a:ln>
+            <a:solidFill>
+              <a:schemeClr val="tx1"/>
+            </a:solidFill>
+          </a:ln>
+        </p:spPr>
+        <p:style>
+          <a:lnRef idx="2">
+            <a:schemeClr val="accent1">
+              <a:shade val="50000"/>
+            </a:schemeClr>
+          </a:lnRef>
+          <a:fillRef idx="1">
+            <a:schemeClr val="accent1"/>
+          </a:fillRef>
+          <a:effectRef idx="0">
+            <a:schemeClr val="accent1"/>
+          </a:effectRef>
+          <a:fontRef idx="minor">
+            <a:schemeClr val="lt1"/>
+          </a:fontRef>
+        </p:style>
+        <p:txBody>
+          <a:bodyPr rtlCol="0" anchor="ctr"/>
+          <a:lstStyle/>
+          <a:p>
+            <a:pPr algn="ctr"/>
+            <a:endParaRPr lang="en-US"/>
+          </a:p>
+        </p:txBody>
+      </p:sp>
+      <p:sp>
+        <p:nvSpPr>
+          <p:cNvPr id="37" name="Oval 36"/>
+          <p:cNvSpPr/>
+          <p:nvPr/>
+        </p:nvSpPr>
+        <p:spPr>
+          <a:xfrm>
+            <a:off x="5325926" y="3634403"/>
+            <a:ext cx="91440" cy="91440"/>
+          </a:xfrm>
+          <a:prstGeom prst="ellipse">
+            <a:avLst/>
+          </a:prstGeom>
+          <a:solidFill>
+            <a:schemeClr val="tx1"/>
+          </a:solidFill>
+          <a:ln>
+            <a:solidFill>
+              <a:schemeClr val="tx1"/>
+            </a:solidFill>
+          </a:ln>
+        </p:spPr>
+        <p:style>
+          <a:lnRef idx="2">
+            <a:schemeClr val="accent1">
+              <a:shade val="50000"/>
+            </a:schemeClr>
+          </a:lnRef>
+          <a:fillRef idx="1">
+            <a:schemeClr val="accent1"/>
+          </a:fillRef>
+          <a:effectRef idx="0">
+            <a:schemeClr val="accent1"/>
+          </a:effectRef>
+          <a:fontRef idx="minor">
+            <a:schemeClr val="lt1"/>
+          </a:fontRef>
+        </p:style>
+        <p:txBody>
+          <a:bodyPr rtlCol="0" anchor="ctr"/>
+          <a:lstStyle/>
+          <a:p>
+            <a:pPr algn="ctr"/>
+            <a:endParaRPr lang="en-US"/>
+          </a:p>
+        </p:txBody>
+      </p:sp>
+      <p:sp>
+        <p:nvSpPr>
+          <p:cNvPr id="38" name="Oval 37"/>
+          <p:cNvSpPr/>
+          <p:nvPr/>
+        </p:nvSpPr>
+        <p:spPr>
+          <a:xfrm>
+            <a:off x="5326824" y="3285971"/>
+            <a:ext cx="91440" cy="91440"/>
+          </a:xfrm>
+          <a:prstGeom prst="ellipse">
+            <a:avLst/>
+          </a:prstGeom>
+          <a:solidFill>
+            <a:schemeClr val="tx1"/>
+          </a:solidFill>
+          <a:ln>
+            <a:solidFill>
+              <a:schemeClr val="tx1"/>
+            </a:solidFill>
+          </a:ln>
+        </p:spPr>
+        <p:style>
+          <a:lnRef idx="2">
+            <a:schemeClr val="accent1">
+              <a:shade val="50000"/>
+            </a:schemeClr>
+          </a:lnRef>
+          <a:fillRef idx="1">
+            <a:schemeClr val="accent1"/>
+          </a:fillRef>
+          <a:effectRef idx="0">
+            <a:schemeClr val="accent1"/>
+          </a:effectRef>
+          <a:fontRef idx="minor">
+            <a:schemeClr val="lt1"/>
+          </a:fontRef>
+        </p:style>
+        <p:txBody>
+          <a:bodyPr rtlCol="0" anchor="ctr"/>
+          <a:lstStyle/>
+          <a:p>
+            <a:pPr algn="ctr"/>
+            <a:endParaRPr lang="en-US"/>
+          </a:p>
+        </p:txBody>
+      </p:sp>
+      <p:sp>
+        <p:nvSpPr>
+          <p:cNvPr id="39" name="Oval 38"/>
+          <p:cNvSpPr/>
+          <p:nvPr/>
+        </p:nvSpPr>
+        <p:spPr>
+          <a:xfrm>
+            <a:off x="5319140" y="3983381"/>
+            <a:ext cx="91440" cy="91440"/>
+          </a:xfrm>
+          <a:prstGeom prst="ellipse">
+            <a:avLst/>
+          </a:prstGeom>
+          <a:solidFill>
+            <a:schemeClr val="tx1"/>
+          </a:solidFill>
+          <a:ln>
+            <a:solidFill>
+              <a:schemeClr val="tx1"/>
+            </a:solidFill>
+          </a:ln>
+        </p:spPr>
+        <p:style>
+          <a:lnRef idx="2">
+            <a:schemeClr val="accent1">
+              <a:shade val="50000"/>
+            </a:schemeClr>
+          </a:lnRef>
+          <a:fillRef idx="1">
+            <a:schemeClr val="accent1"/>
+          </a:fillRef>
+          <a:effectRef idx="0">
+            <a:schemeClr val="accent1"/>
+          </a:effectRef>
+          <a:fontRef idx="minor">
+            <a:schemeClr val="lt1"/>
+          </a:fontRef>
+        </p:style>
+        <p:txBody>
+          <a:bodyPr rtlCol="0" anchor="ctr"/>
+          <a:lstStyle/>
+          <a:p>
+            <a:pPr algn="ctr"/>
+            <a:endParaRPr lang="en-US"/>
+          </a:p>
+        </p:txBody>
+      </p:sp>
+      <p:sp>
+        <p:nvSpPr>
+          <p:cNvPr id="40" name="Oval 39"/>
+          <p:cNvSpPr/>
+          <p:nvPr/>
+        </p:nvSpPr>
+        <p:spPr>
+          <a:xfrm>
+            <a:off x="5322599" y="4354327"/>
+            <a:ext cx="91440" cy="91440"/>
+          </a:xfrm>
+          <a:prstGeom prst="ellipse">
+            <a:avLst/>
+          </a:prstGeom>
+          <a:solidFill>
+            <a:schemeClr val="tx1"/>
+          </a:solidFill>
+          <a:ln>
+            <a:solidFill>
+              <a:schemeClr val="tx1"/>
+            </a:solidFill>
+          </a:ln>
+        </p:spPr>
+        <p:style>
+          <a:lnRef idx="2">
+            <a:schemeClr val="accent1">
+              <a:shade val="50000"/>
+            </a:schemeClr>
+          </a:lnRef>
+          <a:fillRef idx="1">
+            <a:schemeClr val="accent1"/>
+          </a:fillRef>
+          <a:effectRef idx="0">
+            <a:schemeClr val="accent1"/>
+          </a:effectRef>
+          <a:fontRef idx="minor">
+            <a:schemeClr val="lt1"/>
+          </a:fontRef>
+        </p:style>
+        <p:txBody>
+          <a:bodyPr rtlCol="0" anchor="ctr"/>
+          <a:lstStyle/>
+          <a:p>
+            <a:pPr algn="ctr"/>
+            <a:endParaRPr lang="en-US"/>
+          </a:p>
+        </p:txBody>
+      </p:sp>
+      <p:sp>
+        <p:nvSpPr>
+          <p:cNvPr id="41" name="Oval 40"/>
+          <p:cNvSpPr/>
+          <p:nvPr/>
+        </p:nvSpPr>
+        <p:spPr>
+          <a:xfrm>
+            <a:off x="5324263" y="2574785"/>
+            <a:ext cx="91440" cy="91440"/>
+          </a:xfrm>
+          <a:prstGeom prst="ellipse">
+            <a:avLst/>
+          </a:prstGeom>
+          <a:solidFill>
+            <a:schemeClr val="tx1"/>
+          </a:solidFill>
+          <a:ln>
+            <a:solidFill>
+              <a:schemeClr val="tx1"/>
+            </a:solidFill>
+          </a:ln>
+        </p:spPr>
+        <p:style>
+          <a:lnRef idx="2">
+            <a:schemeClr val="accent1">
+              <a:shade val="50000"/>
+            </a:schemeClr>
+          </a:lnRef>
+          <a:fillRef idx="1">
+            <a:schemeClr val="accent1"/>
+          </a:fillRef>
+          <a:effectRef idx="0">
+            <a:schemeClr val="accent1"/>
+          </a:effectRef>
+          <a:fontRef idx="minor">
+            <a:schemeClr val="lt1"/>
+          </a:fontRef>
+        </p:style>
+        <p:txBody>
+          <a:bodyPr rtlCol="0" anchor="ctr"/>
+          <a:lstStyle/>
+          <a:p>
+            <a:pPr algn="ctr"/>
+            <a:endParaRPr lang="en-US"/>
+          </a:p>
+        </p:txBody>
+      </p:sp>
+      <p:sp>
+        <p:nvSpPr>
+          <p:cNvPr id="42" name="Oval 41"/>
+          <p:cNvSpPr/>
+          <p:nvPr/>
+        </p:nvSpPr>
+        <p:spPr>
+          <a:xfrm>
+            <a:off x="5323110" y="2933898"/>
+            <a:ext cx="91440" cy="91440"/>
+          </a:xfrm>
+          <a:prstGeom prst="ellipse">
+            <a:avLst/>
+          </a:prstGeom>
+          <a:solidFill>
+            <a:schemeClr val="tx1"/>
+          </a:solidFill>
+          <a:ln>
+            <a:solidFill>
+              <a:schemeClr val="tx1"/>
+            </a:solidFill>
+          </a:ln>
+        </p:spPr>
+        <p:style>
+          <a:lnRef idx="2">
+            <a:schemeClr val="accent1">
+              <a:shade val="50000"/>
+            </a:schemeClr>
+          </a:lnRef>
+          <a:fillRef idx="1">
+            <a:schemeClr val="accent1"/>
+          </a:fillRef>
+          <a:effectRef idx="0">
+            <a:schemeClr val="accent1"/>
+          </a:effectRef>
+          <a:fontRef idx="minor">
+            <a:schemeClr val="lt1"/>
+          </a:fontRef>
+        </p:style>
+        <p:txBody>
+          <a:bodyPr rtlCol="0" anchor="ctr"/>
+          <a:lstStyle/>
+          <a:p>
+            <a:pPr algn="ctr"/>
+            <a:endParaRPr lang="en-US"/>
+          </a:p>
+        </p:txBody>
+      </p:sp>
+      <p:sp>
+        <p:nvSpPr>
+          <p:cNvPr id="43" name="Oval 42"/>
+          <p:cNvSpPr/>
+          <p:nvPr/>
+        </p:nvSpPr>
+        <p:spPr>
+          <a:xfrm>
+            <a:off x="5322599" y="3715797"/>
+            <a:ext cx="91440" cy="91440"/>
+          </a:xfrm>
+          <a:prstGeom prst="ellipse">
+            <a:avLst/>
+          </a:prstGeom>
+          <a:solidFill>
+            <a:schemeClr val="tx1"/>
+          </a:solidFill>
+          <a:ln>
+            <a:solidFill>
+              <a:schemeClr val="tx1"/>
+            </a:solidFill>
+          </a:ln>
+        </p:spPr>
+        <p:style>
+          <a:lnRef idx="2">
+            <a:schemeClr val="accent1">
+              <a:shade val="50000"/>
+            </a:schemeClr>
+          </a:lnRef>
+          <a:fillRef idx="1">
+            <a:schemeClr val="accent1"/>
+          </a:fillRef>
+          <a:effectRef idx="0">
+            <a:schemeClr val="accent1"/>
+          </a:effectRef>
+          <a:fontRef idx="minor">
+            <a:schemeClr val="lt1"/>
+          </a:fontRef>
+        </p:style>
+        <p:txBody>
+          <a:bodyPr rtlCol="0" anchor="ctr"/>
+          <a:lstStyle/>
+          <a:p>
+            <a:pPr algn="ctr"/>
+            <a:endParaRPr lang="en-US"/>
+          </a:p>
+        </p:txBody>
+      </p:sp>
+      <p:sp>
+        <p:nvSpPr>
+          <p:cNvPr id="45" name="Oval 44"/>
+          <p:cNvSpPr/>
+          <p:nvPr/>
+        </p:nvSpPr>
+        <p:spPr>
+          <a:xfrm>
+            <a:off x="5322599" y="3194531"/>
+            <a:ext cx="91440" cy="91440"/>
+          </a:xfrm>
+          <a:prstGeom prst="ellipse">
+            <a:avLst/>
+          </a:prstGeom>
+          <a:solidFill>
+            <a:schemeClr val="tx1"/>
+          </a:solidFill>
+          <a:ln>
+            <a:solidFill>
+              <a:schemeClr val="tx1"/>
+            </a:solidFill>
+          </a:ln>
+        </p:spPr>
+        <p:style>
+          <a:lnRef idx="2">
+            <a:schemeClr val="accent1">
+              <a:shade val="50000"/>
+            </a:schemeClr>
+          </a:lnRef>
+          <a:fillRef idx="1">
+            <a:schemeClr val="accent1"/>
+          </a:fillRef>
+          <a:effectRef idx="0">
+            <a:schemeClr val="accent1"/>
+          </a:effectRef>
+          <a:fontRef idx="minor">
+            <a:schemeClr val="lt1"/>
+          </a:fontRef>
+        </p:style>
+        <p:txBody>
+          <a:bodyPr rtlCol="0" anchor="ctr"/>
+          <a:lstStyle/>
+          <a:p>
+            <a:pPr algn="ctr"/>
+            <a:endParaRPr lang="en-US"/>
+          </a:p>
+        </p:txBody>
+      </p:sp>
+      <p:sp>
+        <p:nvSpPr>
+          <p:cNvPr id="46" name="Oval 45"/>
+          <p:cNvSpPr/>
+          <p:nvPr/>
+        </p:nvSpPr>
+        <p:spPr>
+          <a:xfrm>
+            <a:off x="5324777" y="3360236"/>
+            <a:ext cx="91440" cy="91440"/>
+          </a:xfrm>
+          <a:prstGeom prst="ellipse">
+            <a:avLst/>
+          </a:prstGeom>
+          <a:solidFill>
+            <a:schemeClr val="tx1"/>
+          </a:solidFill>
+          <a:ln>
+            <a:solidFill>
+              <a:schemeClr val="tx1"/>
+            </a:solidFill>
+          </a:ln>
+        </p:spPr>
+        <p:style>
+          <a:lnRef idx="2">
+            <a:schemeClr val="accent1">
+              <a:shade val="50000"/>
+            </a:schemeClr>
+          </a:lnRef>
+          <a:fillRef idx="1">
+            <a:schemeClr val="accent1"/>
+          </a:fillRef>
+          <a:effectRef idx="0">
+            <a:schemeClr val="accent1"/>
+          </a:effectRef>
+          <a:fontRef idx="minor">
+            <a:schemeClr val="lt1"/>
+          </a:fontRef>
+        </p:style>
+        <p:txBody>
+          <a:bodyPr rtlCol="0" anchor="ctr"/>
+          <a:lstStyle/>
+          <a:p>
+            <a:pPr algn="ctr"/>
+            <a:endParaRPr lang="en-US"/>
+          </a:p>
+        </p:txBody>
+      </p:sp>
+      <p:sp>
+        <p:nvSpPr>
+          <p:cNvPr id="49" name="Oval 48"/>
+          <p:cNvSpPr/>
+          <p:nvPr/>
+        </p:nvSpPr>
+        <p:spPr>
+          <a:xfrm>
+            <a:off x="7906869" y="2591019"/>
+            <a:ext cx="91440" cy="91440"/>
+          </a:xfrm>
+          <a:prstGeom prst="ellipse">
+            <a:avLst/>
+          </a:prstGeom>
+          <a:solidFill>
+            <a:schemeClr val="tx1"/>
+          </a:solidFill>
+          <a:ln>
+            <a:solidFill>
+              <a:schemeClr val="tx1"/>
+            </a:solidFill>
+          </a:ln>
+        </p:spPr>
+        <p:style>
+          <a:lnRef idx="2">
+            <a:schemeClr val="accent1">
+              <a:shade val="50000"/>
+            </a:schemeClr>
+          </a:lnRef>
+          <a:fillRef idx="1">
+            <a:schemeClr val="accent1"/>
+          </a:fillRef>
+          <a:effectRef idx="0">
+            <a:schemeClr val="accent1"/>
+          </a:effectRef>
+          <a:fontRef idx="minor">
+            <a:schemeClr val="lt1"/>
+          </a:fontRef>
+        </p:style>
+        <p:txBody>
+          <a:bodyPr rtlCol="0" anchor="ctr"/>
+          <a:lstStyle/>
+          <a:p>
+            <a:pPr algn="ctr"/>
+            <a:endParaRPr lang="en-US"/>
+          </a:p>
+        </p:txBody>
+      </p:sp>
+      <p:sp>
+        <p:nvSpPr>
+          <p:cNvPr id="52" name="Oval 51"/>
+          <p:cNvSpPr/>
+          <p:nvPr/>
+        </p:nvSpPr>
+        <p:spPr>
+          <a:xfrm>
+            <a:off x="7908018" y="2660549"/>
+            <a:ext cx="91440" cy="91440"/>
+          </a:xfrm>
+          <a:prstGeom prst="ellipse">
+            <a:avLst/>
+          </a:prstGeom>
+          <a:solidFill>
+            <a:schemeClr val="tx1"/>
+          </a:solidFill>
+          <a:ln>
+            <a:solidFill>
+              <a:schemeClr val="tx1"/>
+            </a:solidFill>
+          </a:ln>
+        </p:spPr>
+        <p:style>
+          <a:lnRef idx="2">
+            <a:schemeClr val="accent1">
+              <a:shade val="50000"/>
+            </a:schemeClr>
+          </a:lnRef>
+          <a:fillRef idx="1">
+            <a:schemeClr val="accent1"/>
+          </a:fillRef>
+          <a:effectRef idx="0">
+            <a:schemeClr val="accent1"/>
+          </a:effectRef>
+          <a:fontRef idx="minor">
+            <a:schemeClr val="lt1"/>
+          </a:fontRef>
+        </p:style>
+        <p:txBody>
+          <a:bodyPr rtlCol="0" anchor="ctr"/>
+          <a:lstStyle/>
+          <a:p>
+            <a:pPr algn="ctr"/>
+            <a:endParaRPr lang="en-US"/>
+          </a:p>
+        </p:txBody>
+      </p:sp>
+      <p:sp>
+        <p:nvSpPr>
+          <p:cNvPr id="53" name="Oval 52"/>
+          <p:cNvSpPr/>
+          <p:nvPr/>
+        </p:nvSpPr>
+        <p:spPr>
+          <a:xfrm>
+            <a:off x="7908916" y="2312117"/>
+            <a:ext cx="91440" cy="91440"/>
+          </a:xfrm>
+          <a:prstGeom prst="ellipse">
+            <a:avLst/>
+          </a:prstGeom>
+          <a:solidFill>
+            <a:schemeClr val="tx1"/>
+          </a:solidFill>
+          <a:ln>
+            <a:solidFill>
+              <a:schemeClr val="tx1"/>
+            </a:solidFill>
+          </a:ln>
+        </p:spPr>
+        <p:style>
+          <a:lnRef idx="2">
+            <a:schemeClr val="accent1">
+              <a:shade val="50000"/>
+            </a:schemeClr>
+          </a:lnRef>
+          <a:fillRef idx="1">
+            <a:schemeClr val="accent1"/>
+          </a:fillRef>
+          <a:effectRef idx="0">
+            <a:schemeClr val="accent1"/>
+          </a:effectRef>
+          <a:fontRef idx="minor">
+            <a:schemeClr val="lt1"/>
+          </a:fontRef>
+        </p:style>
+        <p:txBody>
+          <a:bodyPr rtlCol="0" anchor="ctr"/>
+          <a:lstStyle/>
+          <a:p>
+            <a:pPr algn="ctr"/>
+            <a:endParaRPr lang="en-US"/>
+          </a:p>
+        </p:txBody>
+      </p:sp>
+      <p:sp>
+        <p:nvSpPr>
+          <p:cNvPr id="54" name="Oval 53"/>
+          <p:cNvSpPr/>
+          <p:nvPr/>
+        </p:nvSpPr>
+        <p:spPr>
+          <a:xfrm>
+            <a:off x="7901232" y="3009527"/>
+            <a:ext cx="91440" cy="91440"/>
+          </a:xfrm>
+          <a:prstGeom prst="ellipse">
+            <a:avLst/>
+          </a:prstGeom>
+          <a:solidFill>
+            <a:schemeClr val="tx1"/>
+          </a:solidFill>
+          <a:ln>
+            <a:solidFill>
+              <a:schemeClr val="tx1"/>
+            </a:solidFill>
+          </a:ln>
+        </p:spPr>
+        <p:style>
+          <a:lnRef idx="2">
+            <a:schemeClr val="accent1">
+              <a:shade val="50000"/>
+            </a:schemeClr>
+          </a:lnRef>
+          <a:fillRef idx="1">
+            <a:schemeClr val="accent1"/>
+          </a:fillRef>
+          <a:effectRef idx="0">
+            <a:schemeClr val="accent1"/>
+          </a:effectRef>
+          <a:fontRef idx="minor">
+            <a:schemeClr val="lt1"/>
+          </a:fontRef>
+        </p:style>
+        <p:txBody>
+          <a:bodyPr rtlCol="0" anchor="ctr"/>
+          <a:lstStyle/>
+          <a:p>
+            <a:pPr algn="ctr"/>
+            <a:endParaRPr lang="en-US"/>
+          </a:p>
+        </p:txBody>
+      </p:sp>
+      <p:sp>
+        <p:nvSpPr>
+          <p:cNvPr id="55" name="Oval 54"/>
+          <p:cNvSpPr/>
+          <p:nvPr/>
+        </p:nvSpPr>
+        <p:spPr>
+          <a:xfrm>
+            <a:off x="7904691" y="3380473"/>
+            <a:ext cx="91440" cy="91440"/>
+          </a:xfrm>
+          <a:prstGeom prst="ellipse">
+            <a:avLst/>
+          </a:prstGeom>
+          <a:solidFill>
+            <a:schemeClr val="tx1"/>
+          </a:solidFill>
+          <a:ln>
+            <a:solidFill>
+              <a:schemeClr val="tx1"/>
+            </a:solidFill>
+          </a:ln>
+        </p:spPr>
+        <p:style>
+          <a:lnRef idx="2">
+            <a:schemeClr val="accent1">
+              <a:shade val="50000"/>
+            </a:schemeClr>
+          </a:lnRef>
+          <a:fillRef idx="1">
+            <a:schemeClr val="accent1"/>
+          </a:fillRef>
+          <a:effectRef idx="0">
+            <a:schemeClr val="accent1"/>
+          </a:effectRef>
+          <a:fontRef idx="minor">
+            <a:schemeClr val="lt1"/>
+          </a:fontRef>
+        </p:style>
+        <p:txBody>
+          <a:bodyPr rtlCol="0" anchor="ctr"/>
+          <a:lstStyle/>
+          <a:p>
+            <a:pPr algn="ctr"/>
+            <a:endParaRPr lang="en-US"/>
+          </a:p>
+        </p:txBody>
+      </p:sp>
+      <p:sp>
+        <p:nvSpPr>
+          <p:cNvPr id="56" name="Oval 55"/>
+          <p:cNvSpPr/>
+          <p:nvPr/>
+        </p:nvSpPr>
+        <p:spPr>
+          <a:xfrm>
+            <a:off x="7906355" y="1600931"/>
+            <a:ext cx="91440" cy="91440"/>
+          </a:xfrm>
+          <a:prstGeom prst="ellipse">
+            <a:avLst/>
+          </a:prstGeom>
+          <a:solidFill>
+            <a:schemeClr val="tx1"/>
+          </a:solidFill>
+          <a:ln>
+            <a:solidFill>
+              <a:schemeClr val="tx1"/>
+            </a:solidFill>
+          </a:ln>
+        </p:spPr>
+        <p:style>
+          <a:lnRef idx="2">
+            <a:schemeClr val="accent1">
+              <a:shade val="50000"/>
+            </a:schemeClr>
+          </a:lnRef>
+          <a:fillRef idx="1">
+            <a:schemeClr val="accent1"/>
+          </a:fillRef>
+          <a:effectRef idx="0">
+            <a:schemeClr val="accent1"/>
+          </a:effectRef>
+          <a:fontRef idx="minor">
+            <a:schemeClr val="lt1"/>
+          </a:fontRef>
+        </p:style>
+        <p:txBody>
+          <a:bodyPr rtlCol="0" anchor="ctr"/>
+          <a:lstStyle/>
+          <a:p>
+            <a:pPr algn="ctr"/>
+            <a:endParaRPr lang="en-US"/>
+          </a:p>
+        </p:txBody>
+      </p:sp>
+      <p:sp>
+        <p:nvSpPr>
+          <p:cNvPr id="57" name="Oval 56"/>
+          <p:cNvSpPr/>
+          <p:nvPr/>
+        </p:nvSpPr>
+        <p:spPr>
+          <a:xfrm>
+            <a:off x="7905202" y="1960044"/>
+            <a:ext cx="91440" cy="91440"/>
+          </a:xfrm>
+          <a:prstGeom prst="ellipse">
+            <a:avLst/>
+          </a:prstGeom>
+          <a:solidFill>
+            <a:schemeClr val="tx1"/>
+          </a:solidFill>
+          <a:ln>
+            <a:solidFill>
+              <a:schemeClr val="tx1"/>
+            </a:solidFill>
+          </a:ln>
+        </p:spPr>
+        <p:style>
+          <a:lnRef idx="2">
+            <a:schemeClr val="accent1">
+              <a:shade val="50000"/>
+            </a:schemeClr>
+          </a:lnRef>
+          <a:fillRef idx="1">
+            <a:schemeClr val="accent1"/>
+          </a:fillRef>
+          <a:effectRef idx="0">
+            <a:schemeClr val="accent1"/>
+          </a:effectRef>
+          <a:fontRef idx="minor">
+            <a:schemeClr val="lt1"/>
+          </a:fontRef>
+        </p:style>
+        <p:txBody>
+          <a:bodyPr rtlCol="0" anchor="ctr"/>
+          <a:lstStyle/>
+          <a:p>
+            <a:pPr algn="ctr"/>
+            <a:endParaRPr lang="en-US"/>
+          </a:p>
+        </p:txBody>
+      </p:sp>
+      <p:sp>
+        <p:nvSpPr>
+          <p:cNvPr id="58" name="Oval 57"/>
+          <p:cNvSpPr/>
+          <p:nvPr/>
+        </p:nvSpPr>
+        <p:spPr>
+          <a:xfrm>
+            <a:off x="7904691" y="2741943"/>
+            <a:ext cx="91440" cy="91440"/>
+          </a:xfrm>
+          <a:prstGeom prst="ellipse">
+            <a:avLst/>
+          </a:prstGeom>
+          <a:solidFill>
+            <a:schemeClr val="tx1"/>
+          </a:solidFill>
+          <a:ln>
+            <a:solidFill>
+              <a:schemeClr val="tx1"/>
+            </a:solidFill>
+          </a:ln>
+        </p:spPr>
+        <p:style>
+          <a:lnRef idx="2">
+            <a:schemeClr val="accent1">
+              <a:shade val="50000"/>
+            </a:schemeClr>
+          </a:lnRef>
+          <a:fillRef idx="1">
+            <a:schemeClr val="accent1"/>
+          </a:fillRef>
+          <a:effectRef idx="0">
+            <a:schemeClr val="accent1"/>
+          </a:effectRef>
+          <a:fontRef idx="minor">
+            <a:schemeClr val="lt1"/>
+          </a:fontRef>
+        </p:style>
+        <p:txBody>
+          <a:bodyPr rtlCol="0" anchor="ctr"/>
+          <a:lstStyle/>
+          <a:p>
+            <a:pPr algn="ctr"/>
+            <a:endParaRPr lang="en-US"/>
+          </a:p>
+        </p:txBody>
+      </p:sp>
+      <p:sp>
+        <p:nvSpPr>
+          <p:cNvPr id="59" name="Oval 58"/>
+          <p:cNvSpPr/>
+          <p:nvPr/>
+        </p:nvSpPr>
+        <p:spPr>
+          <a:xfrm>
+            <a:off x="7904691" y="2220677"/>
+            <a:ext cx="91440" cy="91440"/>
+          </a:xfrm>
+          <a:prstGeom prst="ellipse">
+            <a:avLst/>
+          </a:prstGeom>
+          <a:solidFill>
+            <a:schemeClr val="tx1"/>
+          </a:solidFill>
+          <a:ln>
+            <a:solidFill>
+              <a:schemeClr val="tx1"/>
+            </a:solidFill>
+          </a:ln>
+        </p:spPr>
+        <p:style>
+          <a:lnRef idx="2">
+            <a:schemeClr val="accent1">
+              <a:shade val="50000"/>
+            </a:schemeClr>
+          </a:lnRef>
+          <a:fillRef idx="1">
+            <a:schemeClr val="accent1"/>
+          </a:fillRef>
+          <a:effectRef idx="0">
+            <a:schemeClr val="accent1"/>
+          </a:effectRef>
+          <a:fontRef idx="minor">
+            <a:schemeClr val="lt1"/>
+          </a:fontRef>
+        </p:style>
+        <p:txBody>
+          <a:bodyPr rtlCol="0" anchor="ctr"/>
+          <a:lstStyle/>
+          <a:p>
+            <a:pPr algn="ctr"/>
+            <a:endParaRPr lang="en-US"/>
+          </a:p>
+        </p:txBody>
+      </p:sp>
+      <p:sp>
+        <p:nvSpPr>
+          <p:cNvPr id="60" name="Oval 59"/>
+          <p:cNvSpPr/>
+          <p:nvPr/>
+        </p:nvSpPr>
+        <p:spPr>
+          <a:xfrm>
+            <a:off x="7906869" y="2386382"/>
+            <a:ext cx="91440" cy="91440"/>
+          </a:xfrm>
+          <a:prstGeom prst="ellipse">
+            <a:avLst/>
+          </a:prstGeom>
+          <a:solidFill>
+            <a:schemeClr val="tx1"/>
+          </a:solidFill>
+          <a:ln>
+            <a:solidFill>
+              <a:schemeClr val="tx1"/>
+            </a:solidFill>
+          </a:ln>
+        </p:spPr>
+        <p:style>
+          <a:lnRef idx="2">
+            <a:schemeClr val="accent1">
+              <a:shade val="50000"/>
+            </a:schemeClr>
+          </a:lnRef>
+          <a:fillRef idx="1">
+            <a:schemeClr val="accent1"/>
+          </a:fillRef>
+          <a:effectRef idx="0">
+            <a:schemeClr val="accent1"/>
+          </a:effectRef>
+          <a:fontRef idx="minor">
+            <a:schemeClr val="lt1"/>
+          </a:fontRef>
+        </p:style>
+        <p:txBody>
+          <a:bodyPr rtlCol="0" anchor="ctr"/>
+          <a:lstStyle/>
+          <a:p>
+            <a:pPr algn="ctr"/>
+            <a:endParaRPr lang="en-US"/>
+          </a:p>
+        </p:txBody>
+      </p:sp>
+      <p:sp>
+        <p:nvSpPr>
+          <p:cNvPr id="61" name="Oval 60"/>
+          <p:cNvSpPr/>
+          <p:nvPr/>
+        </p:nvSpPr>
+        <p:spPr>
+          <a:xfrm>
+            <a:off x="2737945" y="4454914"/>
+            <a:ext cx="91440" cy="91440"/>
+          </a:xfrm>
+          <a:prstGeom prst="ellipse">
+            <a:avLst/>
+          </a:prstGeom>
+          <a:solidFill>
+            <a:schemeClr val="accent6">
+              <a:lumMod val="75000"/>
+            </a:schemeClr>
+          </a:solidFill>
+          <a:ln>
+            <a:solidFill>
+              <a:schemeClr val="accent6">
+                <a:lumMod val="75000"/>
+              </a:schemeClr>
+            </a:solidFill>
+          </a:ln>
+        </p:spPr>
+        <p:style>
+          <a:lnRef idx="2">
+            <a:schemeClr val="accent1">
+              <a:shade val="50000"/>
+            </a:schemeClr>
+          </a:lnRef>
+          <a:fillRef idx="1">
+            <a:schemeClr val="accent1"/>
+          </a:fillRef>
+          <a:effectRef idx="0">
+            <a:schemeClr val="accent1"/>
+          </a:effectRef>
+          <a:fontRef idx="minor">
+            <a:schemeClr val="lt1"/>
+          </a:fontRef>
+        </p:style>
+        <p:txBody>
+          <a:bodyPr rtlCol="0" anchor="ctr"/>
+          <a:lstStyle/>
+          <a:p>
+            <a:pPr algn="ctr"/>
+            <a:endParaRPr lang="en-US"/>
+          </a:p>
+        </p:txBody>
+      </p:sp>
+      <p:sp>
+        <p:nvSpPr>
+          <p:cNvPr id="62" name="Oval 61"/>
+          <p:cNvSpPr/>
+          <p:nvPr/>
+        </p:nvSpPr>
+        <p:spPr>
+          <a:xfrm>
+            <a:off x="5325926" y="3470635"/>
+            <a:ext cx="91440" cy="91440"/>
+          </a:xfrm>
+          <a:prstGeom prst="ellipse">
+            <a:avLst/>
+          </a:prstGeom>
+          <a:solidFill>
+            <a:schemeClr val="accent6">
+              <a:lumMod val="75000"/>
+            </a:schemeClr>
+          </a:solidFill>
+          <a:ln>
+            <a:solidFill>
+              <a:schemeClr val="accent6">
+                <a:lumMod val="75000"/>
+              </a:schemeClr>
+            </a:solidFill>
+          </a:ln>
+        </p:spPr>
+        <p:style>
+          <a:lnRef idx="2">
+            <a:schemeClr val="accent1">
+              <a:shade val="50000"/>
+            </a:schemeClr>
+          </a:lnRef>
+          <a:fillRef idx="1">
+            <a:schemeClr val="accent1"/>
+          </a:fillRef>
+          <a:effectRef idx="0">
+            <a:schemeClr val="accent1"/>
+          </a:effectRef>
+          <a:fontRef idx="minor">
+            <a:schemeClr val="lt1"/>
+          </a:fontRef>
+        </p:style>
+        <p:txBody>
+          <a:bodyPr rtlCol="0" anchor="ctr"/>
+          <a:lstStyle/>
+          <a:p>
+            <a:pPr algn="ctr"/>
+            <a:endParaRPr lang="en-US"/>
+          </a:p>
+        </p:txBody>
+      </p:sp>
+      <p:sp>
+        <p:nvSpPr>
+          <p:cNvPr id="63" name="Oval 62"/>
+          <p:cNvSpPr/>
+          <p:nvPr/>
+        </p:nvSpPr>
+        <p:spPr>
+          <a:xfrm>
+            <a:off x="7907688" y="2494503"/>
+            <a:ext cx="91440" cy="91440"/>
+          </a:xfrm>
+          <a:prstGeom prst="ellipse">
+            <a:avLst/>
+          </a:prstGeom>
+          <a:solidFill>
+            <a:schemeClr val="accent6">
+              <a:lumMod val="75000"/>
+            </a:schemeClr>
+          </a:solidFill>
+          <a:ln>
+            <a:solidFill>
+              <a:schemeClr val="accent6">
+                <a:lumMod val="75000"/>
+              </a:schemeClr>
+            </a:solidFill>
+          </a:ln>
+        </p:spPr>
+        <p:style>
+          <a:lnRef idx="2">
+            <a:schemeClr val="accent1">
+              <a:shade val="50000"/>
+            </a:schemeClr>
+          </a:lnRef>
+          <a:fillRef idx="1">
+            <a:schemeClr val="accent1"/>
+          </a:fillRef>
+          <a:effectRef idx="0">
+            <a:schemeClr val="accent1"/>
+          </a:effectRef>
+          <a:fontRef idx="minor">
+            <a:schemeClr val="lt1"/>
+          </a:fontRef>
+        </p:style>
+        <p:txBody>
+          <a:bodyPr rtlCol="0" anchor="ctr"/>
+          <a:lstStyle/>
+          <a:p>
+            <a:pPr algn="ctr"/>
+            <a:endParaRPr lang="en-US"/>
+          </a:p>
+        </p:txBody>
+      </p:sp>
+      <p:grpSp>
+        <p:nvGrpSpPr>
+          <p:cNvPr id="23" name="Group 22"/>
+          <p:cNvGrpSpPr/>
+          <p:nvPr/>
+        </p:nvGrpSpPr>
+        <p:grpSpPr>
+          <a:xfrm>
+            <a:off x="2948683" y="3440054"/>
+            <a:ext cx="856719" cy="2100134"/>
+            <a:chOff x="3050561" y="3409318"/>
+            <a:chExt cx="856719" cy="2100134"/>
+          </a:xfrm>
+        </p:grpSpPr>
+        <p:sp>
+          <p:nvSpPr>
+            <p:cNvPr id="14" name="Right Brace 13"/>
+            <p:cNvSpPr/>
+            <p:nvPr/>
+          </p:nvSpPr>
+          <p:spPr>
+            <a:xfrm>
+              <a:off x="3050561" y="3409318"/>
+              <a:ext cx="422622" cy="2100134"/>
+            </a:xfrm>
+            <a:prstGeom prst="rightBrace">
+              <a:avLst/>
+            </a:prstGeom>
+            <a:ln w="12700">
+              <a:solidFill>
+                <a:schemeClr val="accent2"/>
+              </a:solidFill>
+            </a:ln>
+          </p:spPr>
+          <p:style>
+            <a:lnRef idx="1">
+              <a:schemeClr val="accent1"/>
+            </a:lnRef>
+            <a:fillRef idx="0">
+              <a:schemeClr val="accent1"/>
+            </a:fillRef>
+            <a:effectRef idx="0">
+              <a:schemeClr val="accent1"/>
+            </a:effectRef>
+            <a:fontRef idx="minor">
+              <a:schemeClr val="tx1"/>
+            </a:fontRef>
+          </p:style>
+          <p:txBody>
+            <a:bodyPr rtlCol="0" anchor="ctr"/>
+            <a:lstStyle/>
+            <a:p>
+              <a:pPr algn="ctr"/>
+              <a:endParaRPr lang="en-US"/>
+            </a:p>
+          </p:txBody>
+        </p:sp>
+        <p:sp>
+          <p:nvSpPr>
+            <p:cNvPr id="16" name="TextBox 15"/>
+            <p:cNvSpPr txBox="1"/>
+            <p:nvPr/>
+          </p:nvSpPr>
+          <p:spPr>
+            <a:xfrm rot="5400000">
+              <a:off x="2744461" y="4274452"/>
+              <a:ext cx="1956305" cy="369332"/>
+            </a:xfrm>
+            <a:prstGeom prst="rect">
+              <a:avLst/>
+            </a:prstGeom>
+            <a:noFill/>
+          </p:spPr>
+          <p:txBody>
+            <a:bodyPr wrap="none" rtlCol="0">
+              <a:spAutoFit/>
+            </a:bodyPr>
+            <a:lstStyle/>
+            <a:p>
+              <a:r>
+                <a:rPr lang="en-US" dirty="0" smtClean="0">
+                  <a:solidFill>
+                    <a:schemeClr val="accent2"/>
+                  </a:solidFill>
+                </a:rPr>
+                <a:t>Variability in Errors</a:t>
+              </a:r>
+              <a:endParaRPr lang="en-US" dirty="0">
+                <a:solidFill>
+                  <a:schemeClr val="accent2"/>
+                </a:solidFill>
+              </a:endParaRPr>
+            </a:p>
+          </p:txBody>
+        </p:sp>
+      </p:grpSp>
+      <p:grpSp>
+        <p:nvGrpSpPr>
+          <p:cNvPr id="64" name="Group 63"/>
+          <p:cNvGrpSpPr/>
+          <p:nvPr/>
+        </p:nvGrpSpPr>
+        <p:grpSpPr>
+          <a:xfrm>
+            <a:off x="5529657" y="2457345"/>
+            <a:ext cx="856719" cy="2100134"/>
+            <a:chOff x="3050561" y="3409318"/>
+            <a:chExt cx="856719" cy="2100134"/>
+          </a:xfrm>
+        </p:grpSpPr>
+        <p:sp>
+          <p:nvSpPr>
+            <p:cNvPr id="65" name="Right Brace 64"/>
+            <p:cNvSpPr/>
+            <p:nvPr/>
+          </p:nvSpPr>
+          <p:spPr>
+            <a:xfrm>
+              <a:off x="3050561" y="3409318"/>
+              <a:ext cx="422622" cy="2100134"/>
+            </a:xfrm>
+            <a:prstGeom prst="rightBrace">
+              <a:avLst/>
+            </a:prstGeom>
+            <a:ln w="12700">
+              <a:solidFill>
+                <a:schemeClr val="accent2"/>
+              </a:solidFill>
+            </a:ln>
+          </p:spPr>
+          <p:style>
+            <a:lnRef idx="1">
+              <a:schemeClr val="accent1"/>
+            </a:lnRef>
+            <a:fillRef idx="0">
+              <a:schemeClr val="accent1"/>
+            </a:fillRef>
+            <a:effectRef idx="0">
+              <a:schemeClr val="accent1"/>
+            </a:effectRef>
+            <a:fontRef idx="minor">
+              <a:schemeClr val="tx1"/>
+            </a:fontRef>
+          </p:style>
+          <p:txBody>
+            <a:bodyPr rtlCol="0" anchor="ctr"/>
+            <a:lstStyle/>
+            <a:p>
+              <a:pPr algn="ctr"/>
+              <a:endParaRPr lang="en-US"/>
+            </a:p>
+          </p:txBody>
+        </p:sp>
+        <p:sp>
+          <p:nvSpPr>
+            <p:cNvPr id="66" name="TextBox 65"/>
+            <p:cNvSpPr txBox="1"/>
+            <p:nvPr/>
+          </p:nvSpPr>
+          <p:spPr>
+            <a:xfrm rot="5400000">
+              <a:off x="2744461" y="4274452"/>
+              <a:ext cx="1956305" cy="369332"/>
+            </a:xfrm>
+            <a:prstGeom prst="rect">
+              <a:avLst/>
+            </a:prstGeom>
+            <a:noFill/>
+          </p:spPr>
+          <p:txBody>
+            <a:bodyPr wrap="none" rtlCol="0">
+              <a:spAutoFit/>
+            </a:bodyPr>
+            <a:lstStyle/>
+            <a:p>
+              <a:r>
+                <a:rPr lang="en-US" dirty="0" smtClean="0">
+                  <a:solidFill>
+                    <a:schemeClr val="accent2"/>
+                  </a:solidFill>
+                </a:rPr>
+                <a:t>Variability in Errors</a:t>
+              </a:r>
+              <a:endParaRPr lang="en-US" dirty="0">
+                <a:solidFill>
+                  <a:schemeClr val="accent2"/>
+                </a:solidFill>
+              </a:endParaRPr>
+            </a:p>
+          </p:txBody>
+        </p:sp>
+      </p:grpSp>
+      <p:grpSp>
+        <p:nvGrpSpPr>
+          <p:cNvPr id="67" name="Group 66"/>
+          <p:cNvGrpSpPr/>
+          <p:nvPr/>
+        </p:nvGrpSpPr>
+        <p:grpSpPr>
+          <a:xfrm>
+            <a:off x="8110478" y="1480481"/>
+            <a:ext cx="856719" cy="2100134"/>
+            <a:chOff x="3050561" y="3409318"/>
+            <a:chExt cx="856719" cy="2100134"/>
+          </a:xfrm>
+        </p:grpSpPr>
+        <p:sp>
+          <p:nvSpPr>
+            <p:cNvPr id="68" name="Right Brace 67"/>
+            <p:cNvSpPr/>
+            <p:nvPr/>
+          </p:nvSpPr>
+          <p:spPr>
+            <a:xfrm>
+              <a:off x="3050561" y="3409318"/>
+              <a:ext cx="422622" cy="2100134"/>
+            </a:xfrm>
+            <a:prstGeom prst="rightBrace">
+              <a:avLst/>
+            </a:prstGeom>
+            <a:ln w="12700">
+              <a:solidFill>
+                <a:schemeClr val="accent2"/>
+              </a:solidFill>
+            </a:ln>
+          </p:spPr>
+          <p:style>
+            <a:lnRef idx="1">
+              <a:schemeClr val="accent1"/>
+            </a:lnRef>
+            <a:fillRef idx="0">
+              <a:schemeClr val="accent1"/>
+            </a:fillRef>
+            <a:effectRef idx="0">
+              <a:schemeClr val="accent1"/>
+            </a:effectRef>
+            <a:fontRef idx="minor">
+              <a:schemeClr val="tx1"/>
+            </a:fontRef>
+          </p:style>
+          <p:txBody>
+            <a:bodyPr rtlCol="0" anchor="ctr"/>
+            <a:lstStyle/>
+            <a:p>
+              <a:pPr algn="ctr"/>
+              <a:endParaRPr lang="en-US"/>
+            </a:p>
+          </p:txBody>
+        </p:sp>
+        <p:sp>
+          <p:nvSpPr>
+            <p:cNvPr id="69" name="TextBox 68"/>
+            <p:cNvSpPr txBox="1"/>
+            <p:nvPr/>
+          </p:nvSpPr>
+          <p:spPr>
+            <a:xfrm rot="5400000">
+              <a:off x="2744461" y="4274452"/>
+              <a:ext cx="1956305" cy="369332"/>
+            </a:xfrm>
+            <a:prstGeom prst="rect">
+              <a:avLst/>
+            </a:prstGeom>
+            <a:noFill/>
+          </p:spPr>
+          <p:txBody>
+            <a:bodyPr wrap="none" rtlCol="0">
+              <a:spAutoFit/>
+            </a:bodyPr>
+            <a:lstStyle/>
+            <a:p>
+              <a:r>
+                <a:rPr lang="en-US" dirty="0" smtClean="0">
+                  <a:solidFill>
+                    <a:schemeClr val="accent2"/>
+                  </a:solidFill>
+                </a:rPr>
+                <a:t>Variability in Errors</a:t>
+              </a:r>
+              <a:endParaRPr lang="en-US" dirty="0">
+                <a:solidFill>
+                  <a:schemeClr val="accent2"/>
+                </a:solidFill>
+              </a:endParaRPr>
+            </a:p>
+          </p:txBody>
+        </p:sp>
+      </p:grpSp>
+      <p:sp>
+        <p:nvSpPr>
+          <p:cNvPr id="24" name="Freeform 23"/>
+          <p:cNvSpPr/>
+          <p:nvPr/>
+        </p:nvSpPr>
+        <p:spPr>
+          <a:xfrm>
+            <a:off x="8344861" y="852928"/>
+            <a:ext cx="315351" cy="1529122"/>
+          </a:xfrm>
+          <a:custGeom>
+            <a:avLst/>
+            <a:gdLst>
+              <a:gd name="connsiteX0" fmla="*/ 0 w 315351"/>
+              <a:gd name="connsiteY0" fmla="*/ 0 h 1529122"/>
+              <a:gd name="connsiteX1" fmla="*/ 315045 w 315351"/>
+              <a:gd name="connsiteY1" fmla="*/ 307361 h 1529122"/>
+              <a:gd name="connsiteX2" fmla="*/ 46104 w 315351"/>
+              <a:gd name="connsiteY2" fmla="*/ 1529122 h 1529122"/>
+            </a:gdLst>
+            <a:ahLst/>
+            <a:cxnLst>
+              <a:cxn ang="0">
+                <a:pos x="connsiteX0" y="connsiteY0"/>
+              </a:cxn>
+              <a:cxn ang="0">
+                <a:pos x="connsiteX1" y="connsiteY1"/>
+              </a:cxn>
+              <a:cxn ang="0">
+                <a:pos x="connsiteX2" y="connsiteY2"/>
+              </a:cxn>
+            </a:cxnLst>
+            <a:rect l="l" t="t" r="r" b="b"/>
+            <a:pathLst>
+              <a:path w="315351" h="1529122">
+                <a:moveTo>
+                  <a:pt x="0" y="0"/>
+                </a:moveTo>
+                <a:cubicBezTo>
+                  <a:pt x="153680" y="26254"/>
+                  <a:pt x="307361" y="52508"/>
+                  <a:pt x="315045" y="307361"/>
+                </a:cubicBezTo>
+                <a:cubicBezTo>
+                  <a:pt x="322729" y="562214"/>
+                  <a:pt x="184416" y="1045668"/>
+                  <a:pt x="46104" y="1529122"/>
+                </a:cubicBezTo>
+              </a:path>
+            </a:pathLst>
+          </a:custGeom>
+          <a:noFill/>
+          <a:ln>
+            <a:solidFill>
+              <a:schemeClr val="accent5"/>
+            </a:solidFill>
+          </a:ln>
+        </p:spPr>
+        <p:style>
+          <a:lnRef idx="2">
+            <a:schemeClr val="accent1">
+              <a:shade val="50000"/>
+            </a:schemeClr>
+          </a:lnRef>
+          <a:fillRef idx="1">
+            <a:schemeClr val="accent1"/>
+          </a:fillRef>
+          <a:effectRef idx="0">
+            <a:schemeClr val="accent1"/>
+          </a:effectRef>
+          <a:fontRef idx="minor">
+            <a:schemeClr val="lt1"/>
+          </a:fontRef>
+        </p:style>
+        <p:txBody>
+          <a:bodyPr rtlCol="0" anchor="ctr"/>
+          <a:lstStyle/>
+          <a:p>
+            <a:pPr algn="ctr"/>
+            <a:endParaRPr lang="en-US"/>
+          </a:p>
+        </p:txBody>
+      </p:sp>
+      <p:cxnSp>
+        <p:nvCxnSpPr>
+          <p:cNvPr id="70" name="Straight Connector 69"/>
+          <p:cNvCxnSpPr>
+            <a:stCxn id="30" idx="6"/>
+          </p:cNvCxnSpPr>
+          <p:nvPr/>
+        </p:nvCxnSpPr>
+        <p:spPr>
+          <a:xfrm flipV="1">
+            <a:off x="2827722" y="2051484"/>
+            <a:ext cx="608347" cy="1559270"/>
+          </a:xfrm>
+          <a:prstGeom prst="line">
+            <a:avLst/>
+          </a:prstGeom>
+          <a:ln w="12700">
+            <a:solidFill>
+              <a:srgbClr val="7030A0"/>
+            </a:solidFill>
+          </a:ln>
+        </p:spPr>
+        <p:style>
+          <a:lnRef idx="1">
+            <a:schemeClr val="accent1"/>
+          </a:lnRef>
+          <a:fillRef idx="0">
+            <a:schemeClr val="accent1"/>
+          </a:fillRef>
+          <a:effectRef idx="0">
+            <a:schemeClr val="accent1"/>
+          </a:effectRef>
+          <a:fontRef idx="minor">
+            <a:schemeClr val="tx1"/>
+          </a:fontRef>
+        </p:style>
+      </p:cxnSp>
+      <p:cxnSp>
+        <p:nvCxnSpPr>
+          <p:cNvPr id="72" name="Straight Connector 71"/>
+          <p:cNvCxnSpPr>
+            <a:endCxn id="41" idx="0"/>
+          </p:cNvCxnSpPr>
+          <p:nvPr/>
+        </p:nvCxnSpPr>
+        <p:spPr>
+          <a:xfrm>
+            <a:off x="3424122" y="2051484"/>
+            <a:ext cx="1945861" cy="523301"/>
+          </a:xfrm>
+          <a:prstGeom prst="line">
+            <a:avLst/>
+          </a:prstGeom>
+          <a:ln w="12700">
+            <a:solidFill>
+              <a:srgbClr val="7030A0"/>
+            </a:solidFill>
+          </a:ln>
+        </p:spPr>
+        <p:style>
+          <a:lnRef idx="1">
+            <a:schemeClr val="accent1"/>
+          </a:lnRef>
+          <a:fillRef idx="0">
+            <a:schemeClr val="accent1"/>
+          </a:fillRef>
+          <a:effectRef idx="0">
+            <a:schemeClr val="accent1"/>
+          </a:effectRef>
+          <a:fontRef idx="minor">
+            <a:schemeClr val="tx1"/>
+          </a:fontRef>
+        </p:style>
+      </p:cxnSp>
+      <p:cxnSp>
+        <p:nvCxnSpPr>
+          <p:cNvPr id="74" name="Straight Connector 73"/>
+          <p:cNvCxnSpPr>
+            <a:endCxn id="42" idx="7"/>
+          </p:cNvCxnSpPr>
+          <p:nvPr/>
+        </p:nvCxnSpPr>
+        <p:spPr>
+          <a:xfrm>
+            <a:off x="3424122" y="2047198"/>
+            <a:ext cx="1977037" cy="900091"/>
+          </a:xfrm>
+          <a:prstGeom prst="line">
+            <a:avLst/>
+          </a:prstGeom>
+          <a:ln w="12700">
+            <a:solidFill>
+              <a:srgbClr val="7030A0"/>
+            </a:solidFill>
+          </a:ln>
+        </p:spPr>
+        <p:style>
+          <a:lnRef idx="1">
+            <a:schemeClr val="accent1"/>
+          </a:lnRef>
+          <a:fillRef idx="0">
+            <a:schemeClr val="accent1"/>
+          </a:fillRef>
+          <a:effectRef idx="0">
+            <a:schemeClr val="accent1"/>
+          </a:effectRef>
+          <a:fontRef idx="minor">
+            <a:schemeClr val="tx1"/>
+          </a:fontRef>
+        </p:style>
+      </p:cxnSp>
+      <p:sp>
+        <p:nvSpPr>
+          <p:cNvPr id="75" name="TextBox 74"/>
+          <p:cNvSpPr txBox="1"/>
+          <p:nvPr/>
+        </p:nvSpPr>
+        <p:spPr>
+          <a:xfrm>
+            <a:off x="2592985" y="1669163"/>
+            <a:ext cx="1686167" cy="369332"/>
+          </a:xfrm>
+          <a:prstGeom prst="rect">
+            <a:avLst/>
+          </a:prstGeom>
+          <a:noFill/>
+        </p:spPr>
+        <p:txBody>
+          <a:bodyPr wrap="none" rtlCol="0">
+            <a:spAutoFit/>
+          </a:bodyPr>
+          <a:lstStyle/>
+          <a:p>
+            <a:r>
+              <a:rPr lang="en-US" dirty="0" smtClean="0">
+                <a:solidFill>
+                  <a:srgbClr val="7030A0"/>
+                </a:solidFill>
+              </a:rPr>
+              <a:t>All Independent</a:t>
+            </a:r>
+            <a:endParaRPr lang="en-US" dirty="0">
+              <a:solidFill>
+                <a:srgbClr val="7030A0"/>
+              </a:solidFill>
+            </a:endParaRPr>
+          </a:p>
+        </p:txBody>
+      </p:sp>
+    </p:spTree>
+    <p:extLst>
+      <p:ext uri="{BB962C8B-B14F-4D97-AF65-F5344CB8AC3E}">
+        <p14:creationId xmlns:p14="http://schemas.microsoft.com/office/powerpoint/2010/main" val="375539876"/>
+      </p:ext>
+    </p:extLst>
+  </p:cSld>
+  <p:clrMapOvr>
+    <a:masterClrMapping/>
+  </p:clrMapOvr>
+</p:sld>
+</file>
+
+<file path=ppt/slides/slide13.xml><?xml version="1.0" encoding="utf-8"?>
+<p:sld xmlns:a="http://schemas.openxmlformats.org/drawingml/2006/main" xmlns:r="http://schemas.openxmlformats.org/officeDocument/2006/relationships" xmlns:p="http://schemas.openxmlformats.org/presentationml/2006/main">
+  <p:cSld>
+    <p:spTree>
+      <p:nvGrpSpPr>
+        <p:cNvPr id="1" name=""/>
+        <p:cNvGrpSpPr/>
+        <p:nvPr/>
+      </p:nvGrpSpPr>
+      <p:grpSpPr>
+        <a:xfrm>
+          <a:off x="0" y="0"/>
+          <a:ext cx="0" cy="0"/>
+          <a:chOff x="0" y="0"/>
+          <a:chExt cx="0" cy="0"/>
+        </a:xfrm>
+      </p:grpSpPr>
+      <mc:AlternateContent xmlns:mc="http://schemas.openxmlformats.org/markup-compatibility/2006">
+        <mc:Choice xmlns:a14="http://schemas.microsoft.com/office/drawing/2010/main" Requires="a14">
+          <p:graphicFrame>
+            <p:nvGraphicFramePr>
+              <p:cNvPr id="4" name="Table 3"/>
+              <p:cNvGraphicFramePr>
+                <a:graphicFrameLocks noGrp="1"/>
+              </p:cNvGraphicFramePr>
+              <p:nvPr>
+                <p:extLst>
+                  <p:ext uri="{D42A27DB-BD31-4B8C-83A1-F6EECF244321}">
+                    <p14:modId xmlns:p14="http://schemas.microsoft.com/office/powerpoint/2010/main" val="2849903791"/>
+                  </p:ext>
+                </p:extLst>
+              </p:nvPr>
+            </p:nvGraphicFramePr>
+            <p:xfrm>
+              <a:off x="452077" y="504163"/>
+              <a:ext cx="3270837" cy="4079240"/>
+            </p:xfrm>
+            <a:graphic>
+              <a:graphicData uri="http://schemas.openxmlformats.org/drawingml/2006/table">
+                <a:tbl>
+                  <a:tblPr firstRow="1" bandRow="1">
+                    <a:tableStyleId>{5C22544A-7EE6-4342-B048-85BDC9FD1C3A}</a:tableStyleId>
+                  </a:tblPr>
+                  <a:tblGrid>
+                    <a:gridCol w="1090279">
+                      <a:extLst>
+                        <a:ext uri="{9D8B030D-6E8A-4147-A177-3AD203B41FA5}">
+                          <a16:colId xmlns:a16="http://schemas.microsoft.com/office/drawing/2014/main" val="2798032220"/>
+                        </a:ext>
+                      </a:extLst>
+                    </a:gridCol>
+                    <a:gridCol w="1090279">
+                      <a:extLst>
+                        <a:ext uri="{9D8B030D-6E8A-4147-A177-3AD203B41FA5}">
+                          <a16:colId xmlns:a16="http://schemas.microsoft.com/office/drawing/2014/main" val="238849839"/>
+                        </a:ext>
+                      </a:extLst>
+                    </a:gridCol>
+                    <a:gridCol w="1090279">
+                      <a:extLst>
+                        <a:ext uri="{9D8B030D-6E8A-4147-A177-3AD203B41FA5}">
+                          <a16:colId xmlns:a16="http://schemas.microsoft.com/office/drawing/2014/main" val="3482188272"/>
+                        </a:ext>
+                      </a:extLst>
+                    </a:gridCol>
+                  </a:tblGrid>
+                  <a:tr h="370840">
+                    <a:tc>
+                      <a:txBody>
+                        <a:bodyPr/>
+                        <a:lstStyle/>
+                        <a:p>
+                          <a:pPr algn="ctr"/>
+                          <a:r>
+                            <a:rPr lang="en-US" sz="1400" dirty="0" smtClean="0"/>
+                            <a:t>Observation</a:t>
+                          </a:r>
+                          <a:endParaRPr lang="en-US" sz="1400" dirty="0"/>
+                        </a:p>
+                      </a:txBody>
+                      <a:tcPr/>
+                    </a:tc>
+                    <a:tc>
+                      <a:txBody>
+                        <a:bodyPr/>
+                        <a:lstStyle/>
+                        <a:p>
+                          <a:pPr algn="ctr"/>
+                          <a:r>
+                            <a:rPr lang="en-US" sz="1400" dirty="0" smtClean="0"/>
+                            <a:t>Response</a:t>
+                          </a:r>
+                          <a:endParaRPr lang="en-US" sz="1400" dirty="0"/>
+                        </a:p>
+                      </a:txBody>
+                      <a:tcPr/>
+                    </a:tc>
+                    <a:tc>
+                      <a:txBody>
+                        <a:bodyPr/>
+                        <a:lstStyle/>
+                        <a:p>
+                          <a:pPr algn="ctr"/>
+                          <a:r>
+                            <a:rPr lang="en-US" sz="1400" dirty="0" smtClean="0"/>
+                            <a:t>Predictor</a:t>
+                          </a:r>
+                          <a:endParaRPr lang="en-US" sz="1400" dirty="0"/>
+                        </a:p>
+                      </a:txBody>
+                      <a:tcPr/>
+                    </a:tc>
+                    <a:extLst>
+                      <a:ext uri="{0D108BD9-81ED-4DB2-BD59-A6C34878D82A}">
+                        <a16:rowId xmlns:a16="http://schemas.microsoft.com/office/drawing/2014/main" val="937365165"/>
+                      </a:ext>
+                    </a:extLst>
+                  </a:tr>
+                  <a:tr h="370840">
+                    <a:tc>
+                      <a:txBody>
+                        <a:bodyPr/>
+                        <a:lstStyle/>
+                        <a:p>
+                          <a:pPr algn="ctr"/>
+                          <a:r>
+                            <a:rPr lang="en-US" sz="1400" dirty="0" smtClean="0"/>
+                            <a:t>1</a:t>
+                          </a:r>
+                          <a:endParaRPr lang="en-US" sz="1400" dirty="0"/>
+                        </a:p>
+                      </a:txBody>
+                      <a:tcPr/>
+                    </a:tc>
+                    <a:tc>
+                      <a:txBody>
+                        <a:bodyPr/>
+                        <a:lstStyle/>
+                        <a:p>
+                          <a14:m>
+                            <m:oMathPara xmlns:m="http://schemas.openxmlformats.org/officeDocument/2006/math">
+                              <m:oMathParaPr>
+                                <m:jc m:val="centerGroup"/>
+                              </m:oMathParaPr>
+                              <m:oMath xmlns:m="http://schemas.openxmlformats.org/officeDocument/2006/math">
+                                <m:sSub>
+                                  <m:sSubPr>
+                                    <m:ctrlPr>
+                                      <a:rPr lang="en-US" sz="1400" b="0" i="1" smtClean="0">
+                                        <a:latin typeface="Cambria Math" panose="02040503050406030204" pitchFamily="18" charset="0"/>
+                                      </a:rPr>
+                                    </m:ctrlPr>
+                                  </m:sSubPr>
+                                  <m:e>
+                                    <m:r>
+                                      <a:rPr lang="en-US" sz="1400" b="0" i="1" smtClean="0">
+                                        <a:latin typeface="Cambria Math" panose="02040503050406030204" pitchFamily="18" charset="0"/>
+                                      </a:rPr>
+                                      <m:t>𝑦</m:t>
+                                    </m:r>
+                                  </m:e>
+                                  <m:sub>
+                                    <m:r>
+                                      <a:rPr lang="en-US" sz="1400" b="0" i="1" smtClean="0">
+                                        <a:latin typeface="Cambria Math" panose="02040503050406030204" pitchFamily="18" charset="0"/>
+                                      </a:rPr>
+                                      <m:t>1</m:t>
+                                    </m:r>
+                                  </m:sub>
+                                </m:sSub>
+                              </m:oMath>
+                            </m:oMathPara>
+                          </a14:m>
+                          <a:endParaRPr lang="en-US" sz="1400" b="0" dirty="0" smtClean="0"/>
+                        </a:p>
+                      </a:txBody>
+                      <a:tcPr/>
+                    </a:tc>
+                    <a:tc>
+                      <a:txBody>
+                        <a:bodyPr/>
+                        <a:lstStyle/>
+                        <a:p>
+                          <a14:m>
+                            <m:oMathPara xmlns:m="http://schemas.openxmlformats.org/officeDocument/2006/math">
+                              <m:oMathParaPr>
+                                <m:jc m:val="centerGroup"/>
+                              </m:oMathParaPr>
+                              <m:oMath xmlns:m="http://schemas.openxmlformats.org/officeDocument/2006/math">
+                                <m:sSub>
+                                  <m:sSubPr>
+                                    <m:ctrlPr>
+                                      <a:rPr lang="en-US" sz="1400" b="0" i="1" smtClean="0">
+                                        <a:latin typeface="Cambria Math" panose="02040503050406030204" pitchFamily="18" charset="0"/>
+                                      </a:rPr>
+                                    </m:ctrlPr>
+                                  </m:sSubPr>
+                                  <m:e>
+                                    <m:r>
+                                      <a:rPr lang="en-US" sz="1400" b="0" i="1" smtClean="0">
+                                        <a:latin typeface="Cambria Math" panose="02040503050406030204" pitchFamily="18" charset="0"/>
+                                      </a:rPr>
+                                      <m:t>𝑥</m:t>
+                                    </m:r>
+                                  </m:e>
+                                  <m:sub>
+                                    <m:r>
+                                      <a:rPr lang="en-US" sz="1400" b="0" i="1" smtClean="0">
+                                        <a:latin typeface="Cambria Math" panose="02040503050406030204" pitchFamily="18" charset="0"/>
+                                      </a:rPr>
+                                      <m:t>1</m:t>
+                                    </m:r>
+                                  </m:sub>
+                                </m:sSub>
+                              </m:oMath>
+                            </m:oMathPara>
+                          </a14:m>
+                          <a:endParaRPr lang="en-US" sz="1400" dirty="0"/>
+                        </a:p>
+                      </a:txBody>
+                      <a:tcPr/>
+                    </a:tc>
+                    <a:extLst>
+                      <a:ext uri="{0D108BD9-81ED-4DB2-BD59-A6C34878D82A}">
+                        <a16:rowId xmlns:a16="http://schemas.microsoft.com/office/drawing/2014/main" val="1885797726"/>
+                      </a:ext>
+                    </a:extLst>
+                  </a:tr>
+                  <a:tr h="370840">
+                    <a:tc>
+                      <a:txBody>
+                        <a:bodyPr/>
+                        <a:lstStyle/>
+                        <a:p>
+                          <a:pPr algn="ctr"/>
+                          <a:r>
+                            <a:rPr lang="en-US" sz="1400" dirty="0" smtClean="0"/>
+                            <a:t>2</a:t>
+                          </a:r>
+                          <a:endParaRPr lang="en-US" sz="1400" dirty="0"/>
+                        </a:p>
+                      </a:txBody>
+                      <a:tcPr/>
+                    </a:tc>
+                    <a:tc>
+                      <a:txBody>
+                        <a:bodyPr/>
+                        <a:lstStyle/>
+                        <a:p>
+                          <a14:m>
+                            <m:oMathPara xmlns:m="http://schemas.openxmlformats.org/officeDocument/2006/math">
+                              <m:oMathParaPr>
+                                <m:jc m:val="centerGroup"/>
+                              </m:oMathParaPr>
+                              <m:oMath xmlns:m="http://schemas.openxmlformats.org/officeDocument/2006/math">
+                                <m:sSub>
+                                  <m:sSubPr>
+                                    <m:ctrlPr>
+                                      <a:rPr lang="en-US" sz="1400" b="0" i="1" smtClean="0">
+                                        <a:latin typeface="Cambria Math" panose="02040503050406030204" pitchFamily="18" charset="0"/>
+                                      </a:rPr>
+                                    </m:ctrlPr>
+                                  </m:sSubPr>
+                                  <m:e>
+                                    <m:r>
+                                      <a:rPr lang="en-US" sz="1400" b="0" i="1" smtClean="0">
+                                        <a:latin typeface="Cambria Math" panose="02040503050406030204" pitchFamily="18" charset="0"/>
+                                      </a:rPr>
+                                      <m:t>𝑦</m:t>
+                                    </m:r>
+                                  </m:e>
+                                  <m:sub>
+                                    <m:r>
+                                      <a:rPr lang="en-US" sz="1400" b="0" i="1" smtClean="0">
+                                        <a:latin typeface="Cambria Math" panose="02040503050406030204" pitchFamily="18" charset="0"/>
+                                      </a:rPr>
+                                      <m:t>2</m:t>
+                                    </m:r>
+                                  </m:sub>
+                                </m:sSub>
+                              </m:oMath>
+                            </m:oMathPara>
+                          </a14:m>
+                          <a:endParaRPr lang="en-US" sz="1400" dirty="0"/>
+                        </a:p>
+                      </a:txBody>
+                      <a:tcPr/>
+                    </a:tc>
+                    <a:tc>
+                      <a:txBody>
+                        <a:bodyPr/>
+                        <a:lstStyle/>
+                        <a:p>
+                          <a14:m>
+                            <m:oMathPara xmlns:m="http://schemas.openxmlformats.org/officeDocument/2006/math">
+                              <m:oMathParaPr>
+                                <m:jc m:val="centerGroup"/>
+                              </m:oMathParaPr>
+                              <m:oMath xmlns:m="http://schemas.openxmlformats.org/officeDocument/2006/math">
+                                <m:sSub>
+                                  <m:sSubPr>
+                                    <m:ctrlPr>
+                                      <a:rPr lang="en-US" sz="1400" b="0" i="1" smtClean="0">
+                                        <a:latin typeface="Cambria Math" panose="02040503050406030204" pitchFamily="18" charset="0"/>
+                                      </a:rPr>
+                                    </m:ctrlPr>
+                                  </m:sSubPr>
+                                  <m:e>
+                                    <m:r>
+                                      <a:rPr lang="en-US" sz="1400" b="0" i="1" smtClean="0">
+                                        <a:latin typeface="Cambria Math" panose="02040503050406030204" pitchFamily="18" charset="0"/>
+                                      </a:rPr>
+                                      <m:t>𝑥</m:t>
+                                    </m:r>
+                                  </m:e>
+                                  <m:sub>
+                                    <m:r>
+                                      <a:rPr lang="en-US" sz="1400" b="0" i="1" smtClean="0">
+                                        <a:latin typeface="Cambria Math" panose="02040503050406030204" pitchFamily="18" charset="0"/>
+                                      </a:rPr>
+                                      <m:t>2</m:t>
+                                    </m:r>
+                                  </m:sub>
+                                </m:sSub>
+                              </m:oMath>
+                            </m:oMathPara>
+                          </a14:m>
+                          <a:endParaRPr lang="en-US" sz="1400" dirty="0"/>
+                        </a:p>
+                      </a:txBody>
+                      <a:tcPr/>
+                    </a:tc>
+                    <a:extLst>
+                      <a:ext uri="{0D108BD9-81ED-4DB2-BD59-A6C34878D82A}">
+                        <a16:rowId xmlns:a16="http://schemas.microsoft.com/office/drawing/2014/main" val="908516571"/>
+                      </a:ext>
+                    </a:extLst>
+                  </a:tr>
+                  <a:tr h="370840">
+                    <a:tc>
+                      <a:txBody>
+                        <a:bodyPr/>
+                        <a:lstStyle/>
+                        <a:p>
+                          <a:pPr algn="ctr"/>
+                          <a:r>
+                            <a:rPr lang="en-US" sz="1400" dirty="0" smtClean="0"/>
+                            <a:t>3</a:t>
+                          </a:r>
+                          <a:endParaRPr lang="en-US" sz="1400" dirty="0"/>
+                        </a:p>
+                      </a:txBody>
+                      <a:tcPr/>
+                    </a:tc>
+                    <a:tc>
+                      <a:txBody>
+                        <a:bodyPr/>
+                        <a:lstStyle/>
+                        <a:p>
+                          <a14:m>
+                            <m:oMathPara xmlns:m="http://schemas.openxmlformats.org/officeDocument/2006/math">
+                              <m:oMathParaPr>
+                                <m:jc m:val="centerGroup"/>
+                              </m:oMathParaPr>
+                              <m:oMath xmlns:m="http://schemas.openxmlformats.org/officeDocument/2006/math">
+                                <m:sSub>
+                                  <m:sSubPr>
+                                    <m:ctrlPr>
+                                      <a:rPr lang="en-US" sz="1400" b="0" i="1" smtClean="0">
+                                        <a:latin typeface="Cambria Math" panose="02040503050406030204" pitchFamily="18" charset="0"/>
+                                      </a:rPr>
+                                    </m:ctrlPr>
+                                  </m:sSubPr>
+                                  <m:e>
+                                    <m:r>
+                                      <a:rPr lang="en-US" sz="1400" b="0" i="1" smtClean="0">
+                                        <a:latin typeface="Cambria Math" panose="02040503050406030204" pitchFamily="18" charset="0"/>
+                                      </a:rPr>
+                                      <m:t>𝑦</m:t>
+                                    </m:r>
+                                  </m:e>
+                                  <m:sub>
+                                    <m:r>
+                                      <a:rPr lang="en-US" sz="1400" b="0" i="1" smtClean="0">
+                                        <a:latin typeface="Cambria Math" panose="02040503050406030204" pitchFamily="18" charset="0"/>
+                                      </a:rPr>
+                                      <m:t>3</m:t>
+                                    </m:r>
+                                  </m:sub>
+                                </m:sSub>
+                              </m:oMath>
+                            </m:oMathPara>
+                          </a14:m>
+                          <a:endParaRPr lang="en-US" sz="1400" dirty="0"/>
+                        </a:p>
+                      </a:txBody>
+                      <a:tcPr/>
+                    </a:tc>
+                    <a:tc>
+                      <a:txBody>
+                        <a:bodyPr/>
+                        <a:lstStyle/>
+                        <a:p>
+                          <a14:m>
+                            <m:oMathPara xmlns:m="http://schemas.openxmlformats.org/officeDocument/2006/math">
+                              <m:oMathParaPr>
+                                <m:jc m:val="centerGroup"/>
+                              </m:oMathParaPr>
+                              <m:oMath xmlns:m="http://schemas.openxmlformats.org/officeDocument/2006/math">
+                                <m:sSub>
+                                  <m:sSubPr>
+                                    <m:ctrlPr>
+                                      <a:rPr lang="en-US" sz="1400" b="0" i="1" smtClean="0">
+                                        <a:latin typeface="Cambria Math" panose="02040503050406030204" pitchFamily="18" charset="0"/>
+                                      </a:rPr>
+                                    </m:ctrlPr>
+                                  </m:sSubPr>
+                                  <m:e>
+                                    <m:r>
+                                      <a:rPr lang="en-US" sz="1400" b="0" i="1" smtClean="0">
+                                        <a:latin typeface="Cambria Math" panose="02040503050406030204" pitchFamily="18" charset="0"/>
+                                      </a:rPr>
+                                      <m:t>𝑥</m:t>
+                                    </m:r>
+                                  </m:e>
+                                  <m:sub>
+                                    <m:r>
+                                      <a:rPr lang="en-US" sz="1400" b="0" i="1" smtClean="0">
+                                        <a:latin typeface="Cambria Math" panose="02040503050406030204" pitchFamily="18" charset="0"/>
+                                      </a:rPr>
+                                      <m:t>3</m:t>
+                                    </m:r>
+                                  </m:sub>
+                                </m:sSub>
+                              </m:oMath>
+                            </m:oMathPara>
+                          </a14:m>
+                          <a:endParaRPr lang="en-US" sz="1400" dirty="0"/>
+                        </a:p>
+                      </a:txBody>
+                      <a:tcPr/>
+                    </a:tc>
+                    <a:extLst>
+                      <a:ext uri="{0D108BD9-81ED-4DB2-BD59-A6C34878D82A}">
+                        <a16:rowId xmlns:a16="http://schemas.microsoft.com/office/drawing/2014/main" val="1086493391"/>
+                      </a:ext>
+                    </a:extLst>
+                  </a:tr>
+                  <a:tr h="370840">
+                    <a:tc>
+                      <a:txBody>
+                        <a:bodyPr/>
+                        <a:lstStyle/>
+                        <a:p>
+                          <a:pPr algn="ctr"/>
+                          <a:r>
+                            <a:rPr lang="en-US" sz="1400" dirty="0" smtClean="0"/>
+                            <a:t>4</a:t>
+                          </a:r>
+                          <a:endParaRPr lang="en-US" sz="1400" dirty="0"/>
+                        </a:p>
+                      </a:txBody>
+                      <a:tcPr/>
+                    </a:tc>
+                    <a:tc>
+                      <a:txBody>
+                        <a:bodyPr/>
+                        <a:lstStyle/>
+                        <a:p>
+                          <a14:m>
+                            <m:oMathPara xmlns:m="http://schemas.openxmlformats.org/officeDocument/2006/math">
+                              <m:oMathParaPr>
+                                <m:jc m:val="centerGroup"/>
+                              </m:oMathParaPr>
+                              <m:oMath xmlns:m="http://schemas.openxmlformats.org/officeDocument/2006/math">
+                                <m:sSub>
+                                  <m:sSubPr>
+                                    <m:ctrlPr>
+                                      <a:rPr lang="en-US" sz="1400" b="0" i="1" smtClean="0">
+                                        <a:latin typeface="Cambria Math" panose="02040503050406030204" pitchFamily="18" charset="0"/>
+                                      </a:rPr>
+                                    </m:ctrlPr>
+                                  </m:sSubPr>
+                                  <m:e>
+                                    <m:r>
+                                      <a:rPr lang="en-US" sz="1400" b="0" i="1" smtClean="0">
+                                        <a:latin typeface="Cambria Math" panose="02040503050406030204" pitchFamily="18" charset="0"/>
+                                      </a:rPr>
+                                      <m:t>𝑦</m:t>
+                                    </m:r>
+                                  </m:e>
+                                  <m:sub>
+                                    <m:r>
+                                      <a:rPr lang="en-US" sz="1400" b="0" i="1" smtClean="0">
+                                        <a:latin typeface="Cambria Math" panose="02040503050406030204" pitchFamily="18" charset="0"/>
+                                      </a:rPr>
+                                      <m:t>4</m:t>
+                                    </m:r>
+                                  </m:sub>
+                                </m:sSub>
+                              </m:oMath>
+                            </m:oMathPara>
+                          </a14:m>
+                          <a:endParaRPr lang="en-US" sz="1400" dirty="0"/>
+                        </a:p>
+                      </a:txBody>
+                      <a:tcPr/>
+                    </a:tc>
+                    <a:tc>
+                      <a:txBody>
+                        <a:bodyPr/>
+                        <a:lstStyle/>
+                        <a:p>
+                          <a14:m>
+                            <m:oMathPara xmlns:m="http://schemas.openxmlformats.org/officeDocument/2006/math">
+                              <m:oMathParaPr>
+                                <m:jc m:val="centerGroup"/>
+                              </m:oMathParaPr>
+                              <m:oMath xmlns:m="http://schemas.openxmlformats.org/officeDocument/2006/math">
+                                <m:sSub>
+                                  <m:sSubPr>
+                                    <m:ctrlPr>
+                                      <a:rPr lang="en-US" sz="1400" b="0" i="1" smtClean="0">
+                                        <a:latin typeface="Cambria Math" panose="02040503050406030204" pitchFamily="18" charset="0"/>
+                                      </a:rPr>
+                                    </m:ctrlPr>
+                                  </m:sSubPr>
+                                  <m:e>
+                                    <m:r>
+                                      <a:rPr lang="en-US" sz="1400" b="0" i="1" smtClean="0">
+                                        <a:latin typeface="Cambria Math" panose="02040503050406030204" pitchFamily="18" charset="0"/>
+                                      </a:rPr>
+                                      <m:t>𝑥</m:t>
+                                    </m:r>
+                                  </m:e>
+                                  <m:sub>
+                                    <m:r>
+                                      <a:rPr lang="en-US" sz="1400" b="0" i="1" smtClean="0">
+                                        <a:latin typeface="Cambria Math" panose="02040503050406030204" pitchFamily="18" charset="0"/>
+                                      </a:rPr>
+                                      <m:t>4</m:t>
+                                    </m:r>
+                                  </m:sub>
+                                </m:sSub>
+                              </m:oMath>
+                            </m:oMathPara>
+                          </a14:m>
+                          <a:endParaRPr lang="en-US" sz="1400" dirty="0"/>
+                        </a:p>
+                      </a:txBody>
+                      <a:tcPr/>
+                    </a:tc>
+                    <a:extLst>
+                      <a:ext uri="{0D108BD9-81ED-4DB2-BD59-A6C34878D82A}">
+                        <a16:rowId xmlns:a16="http://schemas.microsoft.com/office/drawing/2014/main" val="985469397"/>
+                      </a:ext>
+                    </a:extLst>
+                  </a:tr>
+                  <a:tr h="370840">
+                    <a:tc>
+                      <a:txBody>
+                        <a:bodyPr/>
+                        <a:lstStyle/>
+                        <a:p>
+                          <a:pPr algn="ctr"/>
+                          <a:r>
+                            <a:rPr lang="en-US" sz="1400" dirty="0" smtClean="0"/>
+                            <a:t>5</a:t>
+                          </a:r>
+                          <a:endParaRPr lang="en-US" sz="1400" dirty="0"/>
+                        </a:p>
+                      </a:txBody>
+                      <a:tcPr/>
+                    </a:tc>
+                    <a:tc>
+                      <a:txBody>
+                        <a:bodyPr/>
+                        <a:lstStyle/>
+                        <a:p>
+                          <a14:m>
+                            <m:oMathPara xmlns:m="http://schemas.openxmlformats.org/officeDocument/2006/math">
+                              <m:oMathParaPr>
+                                <m:jc m:val="centerGroup"/>
+                              </m:oMathParaPr>
+                              <m:oMath xmlns:m="http://schemas.openxmlformats.org/officeDocument/2006/math">
+                                <m:sSub>
+                                  <m:sSubPr>
+                                    <m:ctrlPr>
+                                      <a:rPr lang="en-US" sz="1400" b="0" i="1" smtClean="0">
+                                        <a:latin typeface="Cambria Math" panose="02040503050406030204" pitchFamily="18" charset="0"/>
+                                      </a:rPr>
+                                    </m:ctrlPr>
+                                  </m:sSubPr>
+                                  <m:e>
+                                    <m:r>
+                                      <a:rPr lang="en-US" sz="1400" b="0" i="1" smtClean="0">
+                                        <a:latin typeface="Cambria Math" panose="02040503050406030204" pitchFamily="18" charset="0"/>
+                                      </a:rPr>
+                                      <m:t>𝑦</m:t>
+                                    </m:r>
+                                  </m:e>
+                                  <m:sub>
+                                    <m:r>
+                                      <a:rPr lang="en-US" sz="1400" b="0" i="1" smtClean="0">
+                                        <a:latin typeface="Cambria Math" panose="02040503050406030204" pitchFamily="18" charset="0"/>
+                                      </a:rPr>
+                                      <m:t>5</m:t>
+                                    </m:r>
+                                  </m:sub>
+                                </m:sSub>
+                              </m:oMath>
+                            </m:oMathPara>
+                          </a14:m>
+                          <a:endParaRPr lang="en-US" sz="1400" dirty="0"/>
+                        </a:p>
+                      </a:txBody>
+                      <a:tcPr/>
+                    </a:tc>
+                    <a:tc>
+                      <a:txBody>
+                        <a:bodyPr/>
+                        <a:lstStyle/>
+                        <a:p>
+                          <a14:m>
+                            <m:oMathPara xmlns:m="http://schemas.openxmlformats.org/officeDocument/2006/math">
+                              <m:oMathParaPr>
+                                <m:jc m:val="centerGroup"/>
+                              </m:oMathParaPr>
+                              <m:oMath xmlns:m="http://schemas.openxmlformats.org/officeDocument/2006/math">
+                                <m:sSub>
+                                  <m:sSubPr>
+                                    <m:ctrlPr>
+                                      <a:rPr lang="en-US" sz="1400" b="0" i="1" smtClean="0">
+                                        <a:latin typeface="Cambria Math" panose="02040503050406030204" pitchFamily="18" charset="0"/>
+                                      </a:rPr>
+                                    </m:ctrlPr>
+                                  </m:sSubPr>
+                                  <m:e>
+                                    <m:r>
+                                      <a:rPr lang="en-US" sz="1400" b="0" i="1" smtClean="0">
+                                        <a:latin typeface="Cambria Math" panose="02040503050406030204" pitchFamily="18" charset="0"/>
+                                      </a:rPr>
+                                      <m:t>𝑥</m:t>
+                                    </m:r>
+                                  </m:e>
+                                  <m:sub>
+                                    <m:r>
+                                      <a:rPr lang="en-US" sz="1400" b="0" i="1" smtClean="0">
+                                        <a:latin typeface="Cambria Math" panose="02040503050406030204" pitchFamily="18" charset="0"/>
+                                      </a:rPr>
+                                      <m:t>5</m:t>
+                                    </m:r>
+                                  </m:sub>
+                                </m:sSub>
+                              </m:oMath>
+                            </m:oMathPara>
+                          </a14:m>
+                          <a:endParaRPr lang="en-US" sz="1400" dirty="0"/>
+                        </a:p>
+                      </a:txBody>
+                      <a:tcPr/>
+                    </a:tc>
+                    <a:extLst>
+                      <a:ext uri="{0D108BD9-81ED-4DB2-BD59-A6C34878D82A}">
+                        <a16:rowId xmlns:a16="http://schemas.microsoft.com/office/drawing/2014/main" val="3806550600"/>
+                      </a:ext>
+                    </a:extLst>
+                  </a:tr>
+                  <a:tr h="370840">
+                    <a:tc>
+                      <a:txBody>
+                        <a:bodyPr/>
+                        <a:lstStyle/>
+                        <a:p>
+                          <a:pPr algn="ctr"/>
+                          <a:r>
+                            <a:rPr lang="en-US" sz="1400" dirty="0" smtClean="0"/>
+                            <a:t>6</a:t>
+                          </a:r>
+                          <a:endParaRPr lang="en-US" sz="1400" dirty="0"/>
+                        </a:p>
+                      </a:txBody>
+                      <a:tcPr/>
+                    </a:tc>
+                    <a:tc>
+                      <a:txBody>
+                        <a:bodyPr/>
+                        <a:lstStyle/>
+                        <a:p>
+                          <a14:m>
+                            <m:oMathPara xmlns:m="http://schemas.openxmlformats.org/officeDocument/2006/math">
+                              <m:oMathParaPr>
+                                <m:jc m:val="centerGroup"/>
+                              </m:oMathParaPr>
+                              <m:oMath xmlns:m="http://schemas.openxmlformats.org/officeDocument/2006/math">
+                                <m:sSub>
+                                  <m:sSubPr>
+                                    <m:ctrlPr>
+                                      <a:rPr lang="en-US" sz="1400" b="0" i="1" smtClean="0">
+                                        <a:latin typeface="Cambria Math" panose="02040503050406030204" pitchFamily="18" charset="0"/>
+                                      </a:rPr>
+                                    </m:ctrlPr>
+                                  </m:sSubPr>
+                                  <m:e>
+                                    <m:r>
+                                      <a:rPr lang="en-US" sz="1400" b="0" i="1" smtClean="0">
+                                        <a:latin typeface="Cambria Math" panose="02040503050406030204" pitchFamily="18" charset="0"/>
+                                      </a:rPr>
+                                      <m:t>𝑦</m:t>
+                                    </m:r>
+                                  </m:e>
+                                  <m:sub>
+                                    <m:r>
+                                      <a:rPr lang="en-US" sz="1400" b="0" i="1" smtClean="0">
+                                        <a:latin typeface="Cambria Math" panose="02040503050406030204" pitchFamily="18" charset="0"/>
+                                      </a:rPr>
+                                      <m:t>6</m:t>
+                                    </m:r>
+                                  </m:sub>
+                                </m:sSub>
+                              </m:oMath>
+                            </m:oMathPara>
+                          </a14:m>
+                          <a:endParaRPr lang="en-US" sz="1400" dirty="0"/>
+                        </a:p>
+                      </a:txBody>
+                      <a:tcPr/>
+                    </a:tc>
+                    <a:tc>
+                      <a:txBody>
+                        <a:bodyPr/>
+                        <a:lstStyle/>
+                        <a:p>
+                          <a14:m>
+                            <m:oMathPara xmlns:m="http://schemas.openxmlformats.org/officeDocument/2006/math">
+                              <m:oMathParaPr>
+                                <m:jc m:val="centerGroup"/>
+                              </m:oMathParaPr>
+                              <m:oMath xmlns:m="http://schemas.openxmlformats.org/officeDocument/2006/math">
+                                <m:sSub>
+                                  <m:sSubPr>
+                                    <m:ctrlPr>
+                                      <a:rPr lang="en-US" sz="1400" b="0" i="1" smtClean="0">
+                                        <a:latin typeface="Cambria Math" panose="02040503050406030204" pitchFamily="18" charset="0"/>
+                                      </a:rPr>
+                                    </m:ctrlPr>
+                                  </m:sSubPr>
+                                  <m:e>
+                                    <m:r>
+                                      <a:rPr lang="en-US" sz="1400" b="0" i="1" smtClean="0">
+                                        <a:latin typeface="Cambria Math" panose="02040503050406030204" pitchFamily="18" charset="0"/>
+                                      </a:rPr>
+                                      <m:t>𝑥</m:t>
+                                    </m:r>
+                                  </m:e>
+                                  <m:sub>
+                                    <m:r>
+                                      <a:rPr lang="en-US" sz="1400" b="0" i="1" smtClean="0">
+                                        <a:latin typeface="Cambria Math" panose="02040503050406030204" pitchFamily="18" charset="0"/>
+                                      </a:rPr>
+                                      <m:t>6</m:t>
+                                    </m:r>
+                                  </m:sub>
+                                </m:sSub>
+                              </m:oMath>
+                            </m:oMathPara>
+                          </a14:m>
+                          <a:endParaRPr lang="en-US" sz="1400" dirty="0"/>
+                        </a:p>
+                      </a:txBody>
+                      <a:tcPr/>
+                    </a:tc>
+                    <a:extLst>
+                      <a:ext uri="{0D108BD9-81ED-4DB2-BD59-A6C34878D82A}">
+                        <a16:rowId xmlns:a16="http://schemas.microsoft.com/office/drawing/2014/main" val="1956036147"/>
+                      </a:ext>
+                    </a:extLst>
+                  </a:tr>
+                  <a:tr h="370840">
+                    <a:tc>
+                      <a:txBody>
+                        <a:bodyPr/>
+                        <a:lstStyle/>
+                        <a:p>
+                          <a:pPr algn="ctr"/>
+                          <a:r>
+                            <a:rPr lang="en-US" sz="1400" dirty="0" smtClean="0"/>
+                            <a:t>7</a:t>
+                          </a:r>
+                          <a:endParaRPr lang="en-US" sz="1400" dirty="0"/>
+                        </a:p>
+                      </a:txBody>
+                      <a:tcPr/>
+                    </a:tc>
+                    <a:tc>
+                      <a:txBody>
+                        <a:bodyPr/>
+                        <a:lstStyle/>
+                        <a:p>
+                          <a14:m>
+                            <m:oMathPara xmlns:m="http://schemas.openxmlformats.org/officeDocument/2006/math">
+                              <m:oMathParaPr>
+                                <m:jc m:val="centerGroup"/>
+                              </m:oMathParaPr>
+                              <m:oMath xmlns:m="http://schemas.openxmlformats.org/officeDocument/2006/math">
+                                <m:sSub>
+                                  <m:sSubPr>
+                                    <m:ctrlPr>
+                                      <a:rPr lang="en-US" sz="1400" b="0" i="1" smtClean="0">
+                                        <a:latin typeface="Cambria Math" panose="02040503050406030204" pitchFamily="18" charset="0"/>
+                                      </a:rPr>
+                                    </m:ctrlPr>
+                                  </m:sSubPr>
+                                  <m:e>
+                                    <m:r>
+                                      <a:rPr lang="en-US" sz="1400" b="0" i="1" smtClean="0">
+                                        <a:latin typeface="Cambria Math" panose="02040503050406030204" pitchFamily="18" charset="0"/>
+                                      </a:rPr>
+                                      <m:t>𝑦</m:t>
+                                    </m:r>
+                                  </m:e>
+                                  <m:sub>
+                                    <m:r>
+                                      <a:rPr lang="en-US" sz="1400" b="0" i="1" smtClean="0">
+                                        <a:latin typeface="Cambria Math" panose="02040503050406030204" pitchFamily="18" charset="0"/>
+                                      </a:rPr>
+                                      <m:t>7</m:t>
+                                    </m:r>
+                                  </m:sub>
+                                </m:sSub>
+                              </m:oMath>
+                            </m:oMathPara>
+                          </a14:m>
+                          <a:endParaRPr lang="en-US" sz="1400" dirty="0"/>
+                        </a:p>
+                      </a:txBody>
+                      <a:tcPr/>
+                    </a:tc>
+                    <a:tc>
+                      <a:txBody>
+                        <a:bodyPr/>
+                        <a:lstStyle/>
+                        <a:p>
+                          <a14:m>
+                            <m:oMathPara xmlns:m="http://schemas.openxmlformats.org/officeDocument/2006/math">
+                              <m:oMathParaPr>
+                                <m:jc m:val="centerGroup"/>
+                              </m:oMathParaPr>
+                              <m:oMath xmlns:m="http://schemas.openxmlformats.org/officeDocument/2006/math">
+                                <m:sSub>
+                                  <m:sSubPr>
+                                    <m:ctrlPr>
+                                      <a:rPr lang="en-US" sz="1400" b="0" i="1" smtClean="0">
+                                        <a:latin typeface="Cambria Math" panose="02040503050406030204" pitchFamily="18" charset="0"/>
+                                      </a:rPr>
+                                    </m:ctrlPr>
+                                  </m:sSubPr>
+                                  <m:e>
+                                    <m:r>
+                                      <a:rPr lang="en-US" sz="1400" b="0" i="1" smtClean="0">
+                                        <a:latin typeface="Cambria Math" panose="02040503050406030204" pitchFamily="18" charset="0"/>
+                                      </a:rPr>
+                                      <m:t>𝑥</m:t>
+                                    </m:r>
+                                  </m:e>
+                                  <m:sub>
+                                    <m:r>
+                                      <a:rPr lang="en-US" sz="1400" b="0" i="1" smtClean="0">
+                                        <a:latin typeface="Cambria Math" panose="02040503050406030204" pitchFamily="18" charset="0"/>
+                                      </a:rPr>
+                                      <m:t>7</m:t>
+                                    </m:r>
+                                  </m:sub>
+                                </m:sSub>
+                              </m:oMath>
+                            </m:oMathPara>
+                          </a14:m>
+                          <a:endParaRPr lang="en-US" sz="1400" dirty="0"/>
+                        </a:p>
+                      </a:txBody>
+                      <a:tcPr/>
+                    </a:tc>
+                    <a:extLst>
+                      <a:ext uri="{0D108BD9-81ED-4DB2-BD59-A6C34878D82A}">
+                        <a16:rowId xmlns:a16="http://schemas.microsoft.com/office/drawing/2014/main" val="1736308519"/>
+                      </a:ext>
+                    </a:extLst>
+                  </a:tr>
+                  <a:tr h="370840">
+                    <a:tc>
+                      <a:txBody>
+                        <a:bodyPr/>
+                        <a:lstStyle/>
+                        <a:p>
+                          <a:pPr algn="ctr"/>
+                          <a:r>
+                            <a:rPr lang="en-US" sz="1400" dirty="0" smtClean="0"/>
+                            <a:t>8</a:t>
+                          </a:r>
+                          <a:endParaRPr lang="en-US" sz="1400" dirty="0"/>
+                        </a:p>
+                      </a:txBody>
+                      <a:tcPr/>
+                    </a:tc>
+                    <a:tc>
+                      <a:txBody>
+                        <a:bodyPr/>
+                        <a:lstStyle/>
+                        <a:p>
+                          <a14:m>
+                            <m:oMathPara xmlns:m="http://schemas.openxmlformats.org/officeDocument/2006/math">
+                              <m:oMathParaPr>
+                                <m:jc m:val="centerGroup"/>
+                              </m:oMathParaPr>
+                              <m:oMath xmlns:m="http://schemas.openxmlformats.org/officeDocument/2006/math">
+                                <m:sSub>
+                                  <m:sSubPr>
+                                    <m:ctrlPr>
+                                      <a:rPr lang="en-US" sz="1400" b="0" i="1" smtClean="0">
+                                        <a:latin typeface="Cambria Math" panose="02040503050406030204" pitchFamily="18" charset="0"/>
+                                      </a:rPr>
+                                    </m:ctrlPr>
+                                  </m:sSubPr>
+                                  <m:e>
+                                    <m:r>
+                                      <a:rPr lang="en-US" sz="1400" b="0" i="1" smtClean="0">
+                                        <a:latin typeface="Cambria Math" panose="02040503050406030204" pitchFamily="18" charset="0"/>
+                                      </a:rPr>
+                                      <m:t>𝑦</m:t>
+                                    </m:r>
+                                  </m:e>
+                                  <m:sub>
+                                    <m:r>
+                                      <a:rPr lang="en-US" sz="1400" b="0" i="1" smtClean="0">
+                                        <a:latin typeface="Cambria Math" panose="02040503050406030204" pitchFamily="18" charset="0"/>
+                                      </a:rPr>
+                                      <m:t>8</m:t>
+                                    </m:r>
+                                  </m:sub>
+                                </m:sSub>
+                              </m:oMath>
+                            </m:oMathPara>
+                          </a14:m>
+                          <a:endParaRPr lang="en-US" sz="1400" dirty="0"/>
+                        </a:p>
+                      </a:txBody>
+                      <a:tcPr/>
+                    </a:tc>
+                    <a:tc>
+                      <a:txBody>
+                        <a:bodyPr/>
+                        <a:lstStyle/>
+                        <a:p>
+                          <a14:m>
+                            <m:oMathPara xmlns:m="http://schemas.openxmlformats.org/officeDocument/2006/math">
+                              <m:oMathParaPr>
+                                <m:jc m:val="centerGroup"/>
+                              </m:oMathParaPr>
+                              <m:oMath xmlns:m="http://schemas.openxmlformats.org/officeDocument/2006/math">
+                                <m:sSub>
+                                  <m:sSubPr>
+                                    <m:ctrlPr>
+                                      <a:rPr lang="en-US" sz="1400" b="0" i="1" smtClean="0">
+                                        <a:latin typeface="Cambria Math" panose="02040503050406030204" pitchFamily="18" charset="0"/>
+                                      </a:rPr>
+                                    </m:ctrlPr>
+                                  </m:sSubPr>
+                                  <m:e>
+                                    <m:r>
+                                      <a:rPr lang="en-US" sz="1400" b="0" i="1" smtClean="0">
+                                        <a:latin typeface="Cambria Math" panose="02040503050406030204" pitchFamily="18" charset="0"/>
+                                      </a:rPr>
+                                      <m:t>𝑥</m:t>
+                                    </m:r>
+                                  </m:e>
+                                  <m:sub>
+                                    <m:r>
+                                      <a:rPr lang="en-US" sz="1400" b="0" i="1" smtClean="0">
+                                        <a:latin typeface="Cambria Math" panose="02040503050406030204" pitchFamily="18" charset="0"/>
+                                      </a:rPr>
+                                      <m:t>8</m:t>
+                                    </m:r>
+                                  </m:sub>
+                                </m:sSub>
+                              </m:oMath>
+                            </m:oMathPara>
+                          </a14:m>
+                          <a:endParaRPr lang="en-US" sz="1400" dirty="0"/>
+                        </a:p>
+                      </a:txBody>
+                      <a:tcPr/>
+                    </a:tc>
+                    <a:extLst>
+                      <a:ext uri="{0D108BD9-81ED-4DB2-BD59-A6C34878D82A}">
+                        <a16:rowId xmlns:a16="http://schemas.microsoft.com/office/drawing/2014/main" val="92930244"/>
+                      </a:ext>
+                    </a:extLst>
+                  </a:tr>
+                  <a:tr h="370840">
+                    <a:tc>
+                      <a:txBody>
+                        <a:bodyPr/>
+                        <a:lstStyle/>
+                        <a:p>
+                          <a:pPr algn="ctr"/>
+                          <a:r>
+                            <a:rPr lang="en-US" sz="1400" dirty="0" smtClean="0"/>
+                            <a:t>9</a:t>
+                          </a:r>
+                          <a:endParaRPr lang="en-US" sz="1400" dirty="0"/>
+                        </a:p>
+                      </a:txBody>
+                      <a:tcPr/>
+                    </a:tc>
+                    <a:tc>
+                      <a:txBody>
+                        <a:bodyPr/>
+                        <a:lstStyle/>
+                        <a:p>
+                          <a14:m>
+                            <m:oMathPara xmlns:m="http://schemas.openxmlformats.org/officeDocument/2006/math">
+                              <m:oMathParaPr>
+                                <m:jc m:val="centerGroup"/>
+                              </m:oMathParaPr>
+                              <m:oMath xmlns:m="http://schemas.openxmlformats.org/officeDocument/2006/math">
+                                <m:sSub>
+                                  <m:sSubPr>
+                                    <m:ctrlPr>
+                                      <a:rPr lang="en-US" sz="1400" b="0" i="1" smtClean="0">
+                                        <a:latin typeface="Cambria Math" panose="02040503050406030204" pitchFamily="18" charset="0"/>
+                                      </a:rPr>
+                                    </m:ctrlPr>
+                                  </m:sSubPr>
+                                  <m:e>
+                                    <m:r>
+                                      <a:rPr lang="en-US" sz="1400" b="0" i="1" smtClean="0">
+                                        <a:latin typeface="Cambria Math" panose="02040503050406030204" pitchFamily="18" charset="0"/>
+                                      </a:rPr>
+                                      <m:t>𝑦</m:t>
+                                    </m:r>
+                                  </m:e>
+                                  <m:sub>
+                                    <m:r>
+                                      <a:rPr lang="en-US" sz="1400" b="0" i="1" smtClean="0">
+                                        <a:latin typeface="Cambria Math" panose="02040503050406030204" pitchFamily="18" charset="0"/>
+                                      </a:rPr>
+                                      <m:t>9</m:t>
+                                    </m:r>
+                                  </m:sub>
+                                </m:sSub>
+                              </m:oMath>
+                            </m:oMathPara>
+                          </a14:m>
+                          <a:endParaRPr lang="en-US" sz="1400" dirty="0"/>
+                        </a:p>
+                      </a:txBody>
+                      <a:tcPr/>
+                    </a:tc>
+                    <a:tc>
+                      <a:txBody>
+                        <a:bodyPr/>
+                        <a:lstStyle/>
+                        <a:p>
+                          <a14:m>
+                            <m:oMathPara xmlns:m="http://schemas.openxmlformats.org/officeDocument/2006/math">
+                              <m:oMathParaPr>
+                                <m:jc m:val="centerGroup"/>
+                              </m:oMathParaPr>
+                              <m:oMath xmlns:m="http://schemas.openxmlformats.org/officeDocument/2006/math">
+                                <m:sSub>
+                                  <m:sSubPr>
+                                    <m:ctrlPr>
+                                      <a:rPr lang="en-US" sz="1400" b="0" i="1" smtClean="0">
+                                        <a:latin typeface="Cambria Math" panose="02040503050406030204" pitchFamily="18" charset="0"/>
+                                      </a:rPr>
+                                    </m:ctrlPr>
+                                  </m:sSubPr>
+                                  <m:e>
+                                    <m:r>
+                                      <a:rPr lang="en-US" sz="1400" b="0" i="1" smtClean="0">
+                                        <a:latin typeface="Cambria Math" panose="02040503050406030204" pitchFamily="18" charset="0"/>
+                                      </a:rPr>
+                                      <m:t>𝑥</m:t>
+                                    </m:r>
+                                  </m:e>
+                                  <m:sub>
+                                    <m:r>
+                                      <a:rPr lang="en-US" sz="1400" b="0" i="1" smtClean="0">
+                                        <a:latin typeface="Cambria Math" panose="02040503050406030204" pitchFamily="18" charset="0"/>
+                                      </a:rPr>
+                                      <m:t>9</m:t>
+                                    </m:r>
+                                  </m:sub>
+                                </m:sSub>
+                              </m:oMath>
+                            </m:oMathPara>
+                          </a14:m>
+                          <a:endParaRPr lang="en-US" sz="1400" dirty="0"/>
+                        </a:p>
+                      </a:txBody>
+                      <a:tcPr/>
+                    </a:tc>
+                    <a:extLst>
+                      <a:ext uri="{0D108BD9-81ED-4DB2-BD59-A6C34878D82A}">
+                        <a16:rowId xmlns:a16="http://schemas.microsoft.com/office/drawing/2014/main" val="4132066038"/>
+                      </a:ext>
+                    </a:extLst>
+                  </a:tr>
+                  <a:tr h="370840">
+                    <a:tc>
+                      <a:txBody>
+                        <a:bodyPr/>
+                        <a:lstStyle/>
+                        <a:p>
+                          <a:pPr algn="ctr"/>
+                          <a:r>
+                            <a:rPr lang="en-US" sz="1400" dirty="0" smtClean="0"/>
+                            <a:t>10</a:t>
+                          </a:r>
+                          <a:endParaRPr lang="en-US" sz="1400" dirty="0"/>
+                        </a:p>
+                      </a:txBody>
+                      <a:tcPr/>
+                    </a:tc>
+                    <a:tc>
+                      <a:txBody>
+                        <a:bodyPr/>
+                        <a:lstStyle/>
+                        <a:p>
+                          <a14:m>
+                            <m:oMathPara xmlns:m="http://schemas.openxmlformats.org/officeDocument/2006/math">
+                              <m:oMathParaPr>
+                                <m:jc m:val="centerGroup"/>
+                              </m:oMathParaPr>
+                              <m:oMath xmlns:m="http://schemas.openxmlformats.org/officeDocument/2006/math">
+                                <m:sSub>
+                                  <m:sSubPr>
+                                    <m:ctrlPr>
+                                      <a:rPr lang="en-US" sz="1400" b="0" i="1" smtClean="0">
+                                        <a:latin typeface="Cambria Math" panose="02040503050406030204" pitchFamily="18" charset="0"/>
+                                      </a:rPr>
+                                    </m:ctrlPr>
+                                  </m:sSubPr>
+                                  <m:e>
+                                    <m:r>
+                                      <a:rPr lang="en-US" sz="1400" b="0" i="1" smtClean="0">
+                                        <a:latin typeface="Cambria Math" panose="02040503050406030204" pitchFamily="18" charset="0"/>
+                                      </a:rPr>
+                                      <m:t>𝑦</m:t>
+                                    </m:r>
+                                  </m:e>
+                                  <m:sub>
+                                    <m:r>
+                                      <a:rPr lang="en-US" sz="1400" b="0" i="1" smtClean="0">
+                                        <a:latin typeface="Cambria Math" panose="02040503050406030204" pitchFamily="18" charset="0"/>
+                                      </a:rPr>
+                                      <m:t>10</m:t>
+                                    </m:r>
+                                  </m:sub>
+                                </m:sSub>
+                              </m:oMath>
+                            </m:oMathPara>
+                          </a14:m>
+                          <a:endParaRPr lang="en-US" sz="1400" dirty="0"/>
+                        </a:p>
+                      </a:txBody>
+                      <a:tcPr/>
+                    </a:tc>
+                    <a:tc>
+                      <a:txBody>
+                        <a:bodyPr/>
+                        <a:lstStyle/>
+                        <a:p>
+                          <a14:m>
+                            <m:oMathPara xmlns:m="http://schemas.openxmlformats.org/officeDocument/2006/math">
+                              <m:oMathParaPr>
+                                <m:jc m:val="centerGroup"/>
+                              </m:oMathParaPr>
+                              <m:oMath xmlns:m="http://schemas.openxmlformats.org/officeDocument/2006/math">
+                                <m:sSub>
+                                  <m:sSubPr>
+                                    <m:ctrlPr>
+                                      <a:rPr lang="en-US" sz="1400" b="0" i="1" smtClean="0">
+                                        <a:latin typeface="Cambria Math" panose="02040503050406030204" pitchFamily="18" charset="0"/>
+                                      </a:rPr>
+                                    </m:ctrlPr>
+                                  </m:sSubPr>
+                                  <m:e>
+                                    <m:r>
+                                      <a:rPr lang="en-US" sz="1400" b="0" i="1" smtClean="0">
+                                        <a:latin typeface="Cambria Math" panose="02040503050406030204" pitchFamily="18" charset="0"/>
+                                      </a:rPr>
+                                      <m:t>𝑥</m:t>
+                                    </m:r>
+                                  </m:e>
+                                  <m:sub>
+                                    <m:r>
+                                      <a:rPr lang="en-US" sz="1400" b="0" i="1" smtClean="0">
+                                        <a:latin typeface="Cambria Math" panose="02040503050406030204" pitchFamily="18" charset="0"/>
+                                      </a:rPr>
+                                      <m:t>10</m:t>
+                                    </m:r>
+                                  </m:sub>
+                                </m:sSub>
+                              </m:oMath>
+                            </m:oMathPara>
+                          </a14:m>
+                          <a:endParaRPr lang="en-US" sz="1400" dirty="0"/>
+                        </a:p>
+                      </a:txBody>
+                      <a:tcPr/>
+                    </a:tc>
+                    <a:extLst>
+                      <a:ext uri="{0D108BD9-81ED-4DB2-BD59-A6C34878D82A}">
+                        <a16:rowId xmlns:a16="http://schemas.microsoft.com/office/drawing/2014/main" val="1886657499"/>
+                      </a:ext>
+                    </a:extLst>
+                  </a:tr>
+                </a:tbl>
+              </a:graphicData>
+            </a:graphic>
+          </p:graphicFrame>
+        </mc:Choice>
+        <mc:Fallback>
+          <p:graphicFrame>
+            <p:nvGraphicFramePr>
+              <p:cNvPr id="4" name="Table 3"/>
+              <p:cNvGraphicFramePr>
+                <a:graphicFrameLocks noGrp="1"/>
+              </p:cNvGraphicFramePr>
+              <p:nvPr>
+                <p:extLst>
+                  <p:ext uri="{D42A27DB-BD31-4B8C-83A1-F6EECF244321}">
+                    <p14:modId xmlns:p14="http://schemas.microsoft.com/office/powerpoint/2010/main" val="2849903791"/>
+                  </p:ext>
+                </p:extLst>
+              </p:nvPr>
+            </p:nvGraphicFramePr>
+            <p:xfrm>
+              <a:off x="452077" y="504163"/>
+              <a:ext cx="3270837" cy="4079240"/>
+            </p:xfrm>
+            <a:graphic>
+              <a:graphicData uri="http://schemas.openxmlformats.org/drawingml/2006/table">
+                <a:tbl>
+                  <a:tblPr firstRow="1" bandRow="1">
+                    <a:tableStyleId>{5C22544A-7EE6-4342-B048-85BDC9FD1C3A}</a:tableStyleId>
+                  </a:tblPr>
+                  <a:tblGrid>
+                    <a:gridCol w="1090279">
+                      <a:extLst>
+                        <a:ext uri="{9D8B030D-6E8A-4147-A177-3AD203B41FA5}">
+                          <a16:colId xmlns:a16="http://schemas.microsoft.com/office/drawing/2014/main" val="2798032220"/>
+                        </a:ext>
+                      </a:extLst>
+                    </a:gridCol>
+                    <a:gridCol w="1090279">
+                      <a:extLst>
+                        <a:ext uri="{9D8B030D-6E8A-4147-A177-3AD203B41FA5}">
+                          <a16:colId xmlns:a16="http://schemas.microsoft.com/office/drawing/2014/main" val="238849839"/>
+                        </a:ext>
+                      </a:extLst>
+                    </a:gridCol>
+                    <a:gridCol w="1090279">
+                      <a:extLst>
+                        <a:ext uri="{9D8B030D-6E8A-4147-A177-3AD203B41FA5}">
+                          <a16:colId xmlns:a16="http://schemas.microsoft.com/office/drawing/2014/main" val="3482188272"/>
+                        </a:ext>
+                      </a:extLst>
+                    </a:gridCol>
+                  </a:tblGrid>
+                  <a:tr h="370840">
+                    <a:tc>
+                      <a:txBody>
+                        <a:bodyPr/>
+                        <a:lstStyle/>
+                        <a:p>
+                          <a:pPr algn="ctr"/>
+                          <a:r>
+                            <a:rPr lang="en-US" sz="1400" dirty="0" smtClean="0"/>
+                            <a:t>Observation</a:t>
+                          </a:r>
+                          <a:endParaRPr lang="en-US" sz="1400" dirty="0"/>
+                        </a:p>
+                      </a:txBody>
+                      <a:tcPr/>
+                    </a:tc>
+                    <a:tc>
+                      <a:txBody>
+                        <a:bodyPr/>
+                        <a:lstStyle/>
+                        <a:p>
+                          <a:pPr algn="ctr"/>
+                          <a:r>
+                            <a:rPr lang="en-US" sz="1400" dirty="0" smtClean="0"/>
+                            <a:t>Response</a:t>
+                          </a:r>
+                          <a:endParaRPr lang="en-US" sz="1400" dirty="0"/>
+                        </a:p>
+                      </a:txBody>
+                      <a:tcPr/>
+                    </a:tc>
+                    <a:tc>
+                      <a:txBody>
+                        <a:bodyPr/>
+                        <a:lstStyle/>
+                        <a:p>
+                          <a:pPr algn="ctr"/>
+                          <a:r>
+                            <a:rPr lang="en-US" sz="1400" dirty="0" smtClean="0"/>
+                            <a:t>Predictor</a:t>
+                          </a:r>
+                          <a:endParaRPr lang="en-US" sz="1400" dirty="0"/>
+                        </a:p>
+                      </a:txBody>
+                      <a:tcPr/>
+                    </a:tc>
+                    <a:extLst>
+                      <a:ext uri="{0D108BD9-81ED-4DB2-BD59-A6C34878D82A}">
+                        <a16:rowId xmlns:a16="http://schemas.microsoft.com/office/drawing/2014/main" val="937365165"/>
+                      </a:ext>
+                    </a:extLst>
+                  </a:tr>
+                  <a:tr h="370840">
+                    <a:tc>
+                      <a:txBody>
+                        <a:bodyPr/>
+                        <a:lstStyle/>
+                        <a:p>
+                          <a:pPr algn="ctr"/>
+                          <a:r>
+                            <a:rPr lang="en-US" sz="1400" dirty="0" smtClean="0"/>
+                            <a:t>1</a:t>
+                          </a:r>
+                          <a:endParaRPr lang="en-US" sz="1400" dirty="0"/>
+                        </a:p>
+                      </a:txBody>
+                      <a:tcPr/>
+                    </a:tc>
+                    <a:tc>
+                      <a:txBody>
+                        <a:bodyPr/>
+                        <a:lstStyle/>
+                        <a:p>
+                          <a:endParaRPr lang="en-US"/>
+                        </a:p>
+                      </a:txBody>
+                      <a:tcPr>
+                        <a:blipFill>
+                          <a:blip r:embed="rId2"/>
+                          <a:stretch>
+                            <a:fillRect l="-100559" t="-101639" r="-102235" b="-901639"/>
+                          </a:stretch>
+                        </a:blipFill>
+                      </a:tcPr>
+                    </a:tc>
+                    <a:tc>
+                      <a:txBody>
+                        <a:bodyPr/>
+                        <a:lstStyle/>
+                        <a:p>
+                          <a:endParaRPr lang="en-US"/>
+                        </a:p>
+                      </a:txBody>
+                      <a:tcPr>
+                        <a:blipFill>
+                          <a:blip r:embed="rId2"/>
+                          <a:stretch>
+                            <a:fillRect l="-200559" t="-101639" r="-2235" b="-901639"/>
+                          </a:stretch>
+                        </a:blipFill>
+                      </a:tcPr>
+                    </a:tc>
+                    <a:extLst>
+                      <a:ext uri="{0D108BD9-81ED-4DB2-BD59-A6C34878D82A}">
+                        <a16:rowId xmlns:a16="http://schemas.microsoft.com/office/drawing/2014/main" val="1885797726"/>
+                      </a:ext>
+                    </a:extLst>
+                  </a:tr>
+                  <a:tr h="370840">
+                    <a:tc>
+                      <a:txBody>
+                        <a:bodyPr/>
+                        <a:lstStyle/>
+                        <a:p>
+                          <a:pPr algn="ctr"/>
+                          <a:r>
+                            <a:rPr lang="en-US" sz="1400" dirty="0" smtClean="0"/>
+                            <a:t>2</a:t>
+                          </a:r>
+                          <a:endParaRPr lang="en-US" sz="1400" dirty="0"/>
+                        </a:p>
+                      </a:txBody>
+                      <a:tcPr/>
+                    </a:tc>
+                    <a:tc>
+                      <a:txBody>
+                        <a:bodyPr/>
+                        <a:lstStyle/>
+                        <a:p>
+                          <a:endParaRPr lang="en-US"/>
+                        </a:p>
+                      </a:txBody>
+                      <a:tcPr>
+                        <a:blipFill>
+                          <a:blip r:embed="rId2"/>
+                          <a:stretch>
+                            <a:fillRect l="-100559" t="-201639" r="-102235" b="-801639"/>
+                          </a:stretch>
+                        </a:blipFill>
+                      </a:tcPr>
+                    </a:tc>
+                    <a:tc>
+                      <a:txBody>
+                        <a:bodyPr/>
+                        <a:lstStyle/>
+                        <a:p>
+                          <a:endParaRPr lang="en-US"/>
+                        </a:p>
+                      </a:txBody>
+                      <a:tcPr>
+                        <a:blipFill>
+                          <a:blip r:embed="rId2"/>
+                          <a:stretch>
+                            <a:fillRect l="-200559" t="-201639" r="-2235" b="-801639"/>
+                          </a:stretch>
+                        </a:blipFill>
+                      </a:tcPr>
+                    </a:tc>
+                    <a:extLst>
+                      <a:ext uri="{0D108BD9-81ED-4DB2-BD59-A6C34878D82A}">
+                        <a16:rowId xmlns:a16="http://schemas.microsoft.com/office/drawing/2014/main" val="908516571"/>
+                      </a:ext>
+                    </a:extLst>
+                  </a:tr>
+                  <a:tr h="370840">
+                    <a:tc>
+                      <a:txBody>
+                        <a:bodyPr/>
+                        <a:lstStyle/>
+                        <a:p>
+                          <a:pPr algn="ctr"/>
+                          <a:r>
+                            <a:rPr lang="en-US" sz="1400" dirty="0" smtClean="0"/>
+                            <a:t>3</a:t>
+                          </a:r>
+                          <a:endParaRPr lang="en-US" sz="1400" dirty="0"/>
+                        </a:p>
+                      </a:txBody>
+                      <a:tcPr/>
+                    </a:tc>
+                    <a:tc>
+                      <a:txBody>
+                        <a:bodyPr/>
+                        <a:lstStyle/>
+                        <a:p>
+                          <a:endParaRPr lang="en-US"/>
+                        </a:p>
+                      </a:txBody>
+                      <a:tcPr>
+                        <a:blipFill>
+                          <a:blip r:embed="rId2"/>
+                          <a:stretch>
+                            <a:fillRect l="-100559" t="-301639" r="-102235" b="-701639"/>
+                          </a:stretch>
+                        </a:blipFill>
+                      </a:tcPr>
+                    </a:tc>
+                    <a:tc>
+                      <a:txBody>
+                        <a:bodyPr/>
+                        <a:lstStyle/>
+                        <a:p>
+                          <a:endParaRPr lang="en-US"/>
+                        </a:p>
+                      </a:txBody>
+                      <a:tcPr>
+                        <a:blipFill>
+                          <a:blip r:embed="rId2"/>
+                          <a:stretch>
+                            <a:fillRect l="-200559" t="-301639" r="-2235" b="-701639"/>
+                          </a:stretch>
+                        </a:blipFill>
+                      </a:tcPr>
+                    </a:tc>
+                    <a:extLst>
+                      <a:ext uri="{0D108BD9-81ED-4DB2-BD59-A6C34878D82A}">
+                        <a16:rowId xmlns:a16="http://schemas.microsoft.com/office/drawing/2014/main" val="1086493391"/>
+                      </a:ext>
+                    </a:extLst>
+                  </a:tr>
+                  <a:tr h="370840">
+                    <a:tc>
+                      <a:txBody>
+                        <a:bodyPr/>
+                        <a:lstStyle/>
+                        <a:p>
+                          <a:pPr algn="ctr"/>
+                          <a:r>
+                            <a:rPr lang="en-US" sz="1400" dirty="0" smtClean="0"/>
+                            <a:t>4</a:t>
+                          </a:r>
+                          <a:endParaRPr lang="en-US" sz="1400" dirty="0"/>
+                        </a:p>
+                      </a:txBody>
+                      <a:tcPr/>
+                    </a:tc>
+                    <a:tc>
+                      <a:txBody>
+                        <a:bodyPr/>
+                        <a:lstStyle/>
+                        <a:p>
+                          <a:endParaRPr lang="en-US"/>
+                        </a:p>
+                      </a:txBody>
+                      <a:tcPr>
+                        <a:blipFill>
+                          <a:blip r:embed="rId2"/>
+                          <a:stretch>
+                            <a:fillRect l="-100559" t="-401639" r="-102235" b="-601639"/>
+                          </a:stretch>
+                        </a:blipFill>
+                      </a:tcPr>
+                    </a:tc>
+                    <a:tc>
+                      <a:txBody>
+                        <a:bodyPr/>
+                        <a:lstStyle/>
+                        <a:p>
+                          <a:endParaRPr lang="en-US"/>
+                        </a:p>
+                      </a:txBody>
+                      <a:tcPr>
+                        <a:blipFill>
+                          <a:blip r:embed="rId2"/>
+                          <a:stretch>
+                            <a:fillRect l="-200559" t="-401639" r="-2235" b="-601639"/>
+                          </a:stretch>
+                        </a:blipFill>
+                      </a:tcPr>
+                    </a:tc>
+                    <a:extLst>
+                      <a:ext uri="{0D108BD9-81ED-4DB2-BD59-A6C34878D82A}">
+                        <a16:rowId xmlns:a16="http://schemas.microsoft.com/office/drawing/2014/main" val="985469397"/>
+                      </a:ext>
+                    </a:extLst>
+                  </a:tr>
+                  <a:tr h="370840">
+                    <a:tc>
+                      <a:txBody>
+                        <a:bodyPr/>
+                        <a:lstStyle/>
+                        <a:p>
+                          <a:pPr algn="ctr"/>
+                          <a:r>
+                            <a:rPr lang="en-US" sz="1400" dirty="0" smtClean="0"/>
+                            <a:t>5</a:t>
+                          </a:r>
+                          <a:endParaRPr lang="en-US" sz="1400" dirty="0"/>
+                        </a:p>
+                      </a:txBody>
+                      <a:tcPr/>
+                    </a:tc>
+                    <a:tc>
+                      <a:txBody>
+                        <a:bodyPr/>
+                        <a:lstStyle/>
+                        <a:p>
+                          <a:endParaRPr lang="en-US"/>
+                        </a:p>
+                      </a:txBody>
+                      <a:tcPr>
+                        <a:blipFill>
+                          <a:blip r:embed="rId2"/>
+                          <a:stretch>
+                            <a:fillRect l="-100559" t="-510000" r="-102235" b="-511667"/>
+                          </a:stretch>
+                        </a:blipFill>
+                      </a:tcPr>
+                    </a:tc>
+                    <a:tc>
+                      <a:txBody>
+                        <a:bodyPr/>
+                        <a:lstStyle/>
+                        <a:p>
+                          <a:endParaRPr lang="en-US"/>
+                        </a:p>
+                      </a:txBody>
+                      <a:tcPr>
+                        <a:blipFill>
+                          <a:blip r:embed="rId2"/>
+                          <a:stretch>
+                            <a:fillRect l="-200559" t="-510000" r="-2235" b="-511667"/>
+                          </a:stretch>
+                        </a:blipFill>
+                      </a:tcPr>
+                    </a:tc>
+                    <a:extLst>
+                      <a:ext uri="{0D108BD9-81ED-4DB2-BD59-A6C34878D82A}">
+                        <a16:rowId xmlns:a16="http://schemas.microsoft.com/office/drawing/2014/main" val="3806550600"/>
+                      </a:ext>
+                    </a:extLst>
+                  </a:tr>
+                  <a:tr h="370840">
+                    <a:tc>
+                      <a:txBody>
+                        <a:bodyPr/>
+                        <a:lstStyle/>
+                        <a:p>
+                          <a:pPr algn="ctr"/>
+                          <a:r>
+                            <a:rPr lang="en-US" sz="1400" dirty="0" smtClean="0"/>
+                            <a:t>6</a:t>
+                          </a:r>
+                          <a:endParaRPr lang="en-US" sz="1400" dirty="0"/>
+                        </a:p>
+                      </a:txBody>
+                      <a:tcPr/>
+                    </a:tc>
+                    <a:tc>
+                      <a:txBody>
+                        <a:bodyPr/>
+                        <a:lstStyle/>
+                        <a:p>
+                          <a:endParaRPr lang="en-US"/>
+                        </a:p>
+                      </a:txBody>
+                      <a:tcPr>
+                        <a:blipFill>
+                          <a:blip r:embed="rId2"/>
+                          <a:stretch>
+                            <a:fillRect l="-100559" t="-600000" r="-102235" b="-403279"/>
+                          </a:stretch>
+                        </a:blipFill>
+                      </a:tcPr>
+                    </a:tc>
+                    <a:tc>
+                      <a:txBody>
+                        <a:bodyPr/>
+                        <a:lstStyle/>
+                        <a:p>
+                          <a:endParaRPr lang="en-US"/>
+                        </a:p>
+                      </a:txBody>
+                      <a:tcPr>
+                        <a:blipFill>
+                          <a:blip r:embed="rId2"/>
+                          <a:stretch>
+                            <a:fillRect l="-200559" t="-600000" r="-2235" b="-403279"/>
+                          </a:stretch>
+                        </a:blipFill>
+                      </a:tcPr>
+                    </a:tc>
+                    <a:extLst>
+                      <a:ext uri="{0D108BD9-81ED-4DB2-BD59-A6C34878D82A}">
+                        <a16:rowId xmlns:a16="http://schemas.microsoft.com/office/drawing/2014/main" val="1956036147"/>
+                      </a:ext>
+                    </a:extLst>
+                  </a:tr>
+                  <a:tr h="370840">
+                    <a:tc>
+                      <a:txBody>
+                        <a:bodyPr/>
+                        <a:lstStyle/>
+                        <a:p>
+                          <a:pPr algn="ctr"/>
+                          <a:r>
+                            <a:rPr lang="en-US" sz="1400" dirty="0" smtClean="0"/>
+                            <a:t>7</a:t>
+                          </a:r>
+                          <a:endParaRPr lang="en-US" sz="1400" dirty="0"/>
+                        </a:p>
+                      </a:txBody>
+                      <a:tcPr/>
+                    </a:tc>
+                    <a:tc>
+                      <a:txBody>
+                        <a:bodyPr/>
+                        <a:lstStyle/>
+                        <a:p>
+                          <a:endParaRPr lang="en-US"/>
+                        </a:p>
+                      </a:txBody>
+                      <a:tcPr>
+                        <a:blipFill>
+                          <a:blip r:embed="rId2"/>
+                          <a:stretch>
+                            <a:fillRect l="-100559" t="-700000" r="-102235" b="-303279"/>
+                          </a:stretch>
+                        </a:blipFill>
+                      </a:tcPr>
+                    </a:tc>
+                    <a:tc>
+                      <a:txBody>
+                        <a:bodyPr/>
+                        <a:lstStyle/>
+                        <a:p>
+                          <a:endParaRPr lang="en-US"/>
+                        </a:p>
+                      </a:txBody>
+                      <a:tcPr>
+                        <a:blipFill>
+                          <a:blip r:embed="rId2"/>
+                          <a:stretch>
+                            <a:fillRect l="-200559" t="-700000" r="-2235" b="-303279"/>
+                          </a:stretch>
+                        </a:blipFill>
+                      </a:tcPr>
+                    </a:tc>
+                    <a:extLst>
+                      <a:ext uri="{0D108BD9-81ED-4DB2-BD59-A6C34878D82A}">
+                        <a16:rowId xmlns:a16="http://schemas.microsoft.com/office/drawing/2014/main" val="1736308519"/>
+                      </a:ext>
+                    </a:extLst>
+                  </a:tr>
+                  <a:tr h="370840">
+                    <a:tc>
+                      <a:txBody>
+                        <a:bodyPr/>
+                        <a:lstStyle/>
+                        <a:p>
+                          <a:pPr algn="ctr"/>
+                          <a:r>
+                            <a:rPr lang="en-US" sz="1400" dirty="0" smtClean="0"/>
+                            <a:t>8</a:t>
+                          </a:r>
+                          <a:endParaRPr lang="en-US" sz="1400" dirty="0"/>
+                        </a:p>
+                      </a:txBody>
+                      <a:tcPr/>
+                    </a:tc>
+                    <a:tc>
+                      <a:txBody>
+                        <a:bodyPr/>
+                        <a:lstStyle/>
+                        <a:p>
+                          <a:endParaRPr lang="en-US"/>
+                        </a:p>
+                      </a:txBody>
+                      <a:tcPr>
+                        <a:blipFill>
+                          <a:blip r:embed="rId2"/>
+                          <a:stretch>
+                            <a:fillRect l="-100559" t="-800000" r="-102235" b="-203279"/>
+                          </a:stretch>
+                        </a:blipFill>
+                      </a:tcPr>
+                    </a:tc>
+                    <a:tc>
+                      <a:txBody>
+                        <a:bodyPr/>
+                        <a:lstStyle/>
+                        <a:p>
+                          <a:endParaRPr lang="en-US"/>
+                        </a:p>
+                      </a:txBody>
+                      <a:tcPr>
+                        <a:blipFill>
+                          <a:blip r:embed="rId2"/>
+                          <a:stretch>
+                            <a:fillRect l="-200559" t="-800000" r="-2235" b="-203279"/>
+                          </a:stretch>
+                        </a:blipFill>
+                      </a:tcPr>
+                    </a:tc>
+                    <a:extLst>
+                      <a:ext uri="{0D108BD9-81ED-4DB2-BD59-A6C34878D82A}">
+                        <a16:rowId xmlns:a16="http://schemas.microsoft.com/office/drawing/2014/main" val="92930244"/>
+                      </a:ext>
+                    </a:extLst>
+                  </a:tr>
+                  <a:tr h="370840">
+                    <a:tc>
+                      <a:txBody>
+                        <a:bodyPr/>
+                        <a:lstStyle/>
+                        <a:p>
+                          <a:pPr algn="ctr"/>
+                          <a:r>
+                            <a:rPr lang="en-US" sz="1400" dirty="0" smtClean="0"/>
+                            <a:t>9</a:t>
+                          </a:r>
+                          <a:endParaRPr lang="en-US" sz="1400" dirty="0"/>
+                        </a:p>
+                      </a:txBody>
+                      <a:tcPr/>
+                    </a:tc>
+                    <a:tc>
+                      <a:txBody>
+                        <a:bodyPr/>
+                        <a:lstStyle/>
+                        <a:p>
+                          <a:endParaRPr lang="en-US"/>
+                        </a:p>
+                      </a:txBody>
+                      <a:tcPr>
+                        <a:blipFill>
+                          <a:blip r:embed="rId2"/>
+                          <a:stretch>
+                            <a:fillRect l="-100559" t="-900000" r="-102235" b="-103279"/>
+                          </a:stretch>
+                        </a:blipFill>
+                      </a:tcPr>
+                    </a:tc>
+                    <a:tc>
+                      <a:txBody>
+                        <a:bodyPr/>
+                        <a:lstStyle/>
+                        <a:p>
+                          <a:endParaRPr lang="en-US"/>
+                        </a:p>
+                      </a:txBody>
+                      <a:tcPr>
+                        <a:blipFill>
+                          <a:blip r:embed="rId2"/>
+                          <a:stretch>
+                            <a:fillRect l="-200559" t="-900000" r="-2235" b="-103279"/>
+                          </a:stretch>
+                        </a:blipFill>
+                      </a:tcPr>
+                    </a:tc>
+                    <a:extLst>
+                      <a:ext uri="{0D108BD9-81ED-4DB2-BD59-A6C34878D82A}">
+                        <a16:rowId xmlns:a16="http://schemas.microsoft.com/office/drawing/2014/main" val="4132066038"/>
+                      </a:ext>
+                    </a:extLst>
+                  </a:tr>
+                  <a:tr h="370840">
+                    <a:tc>
+                      <a:txBody>
+                        <a:bodyPr/>
+                        <a:lstStyle/>
+                        <a:p>
+                          <a:pPr algn="ctr"/>
+                          <a:r>
+                            <a:rPr lang="en-US" sz="1400" dirty="0" smtClean="0"/>
+                            <a:t>10</a:t>
+                          </a:r>
+                          <a:endParaRPr lang="en-US" sz="1400" dirty="0"/>
+                        </a:p>
+                      </a:txBody>
+                      <a:tcPr/>
+                    </a:tc>
+                    <a:tc>
+                      <a:txBody>
+                        <a:bodyPr/>
+                        <a:lstStyle/>
+                        <a:p>
+                          <a:endParaRPr lang="en-US"/>
+                        </a:p>
+                      </a:txBody>
+                      <a:tcPr>
+                        <a:blipFill>
+                          <a:blip r:embed="rId2"/>
+                          <a:stretch>
+                            <a:fillRect l="-100559" t="-1000000" r="-102235" b="-3279"/>
+                          </a:stretch>
+                        </a:blipFill>
+                      </a:tcPr>
+                    </a:tc>
+                    <a:tc>
+                      <a:txBody>
+                        <a:bodyPr/>
+                        <a:lstStyle/>
+                        <a:p>
+                          <a:endParaRPr lang="en-US"/>
+                        </a:p>
+                      </a:txBody>
+                      <a:tcPr>
+                        <a:blipFill>
+                          <a:blip r:embed="rId2"/>
+                          <a:stretch>
+                            <a:fillRect l="-200559" t="-1000000" r="-2235" b="-3279"/>
+                          </a:stretch>
+                        </a:blipFill>
+                      </a:tcPr>
+                    </a:tc>
+                    <a:extLst>
+                      <a:ext uri="{0D108BD9-81ED-4DB2-BD59-A6C34878D82A}">
+                        <a16:rowId xmlns:a16="http://schemas.microsoft.com/office/drawing/2014/main" val="1886657499"/>
+                      </a:ext>
+                    </a:extLst>
+                  </a:tr>
+                </a:tbl>
+              </a:graphicData>
+            </a:graphic>
+          </p:graphicFrame>
+        </mc:Fallback>
+      </mc:AlternateContent>
+      <p:sp>
+        <p:nvSpPr>
+          <p:cNvPr id="8" name="TextBox 7"/>
+          <p:cNvSpPr txBox="1"/>
+          <p:nvPr/>
+        </p:nvSpPr>
+        <p:spPr>
+          <a:xfrm>
+            <a:off x="1240149" y="146500"/>
+            <a:ext cx="1694695" cy="369332"/>
+          </a:xfrm>
+          <a:prstGeom prst="rect">
+            <a:avLst/>
+          </a:prstGeom>
+          <a:noFill/>
+        </p:spPr>
+        <p:txBody>
+          <a:bodyPr wrap="none" rtlCol="0">
+            <a:spAutoFit/>
+          </a:bodyPr>
+          <a:lstStyle/>
+          <a:p>
+            <a:r>
+              <a:rPr lang="en-US" b="1" dirty="0" smtClean="0"/>
+              <a:t>Original Sample</a:t>
+            </a:r>
+            <a:endParaRPr lang="en-US" b="1" dirty="0"/>
+          </a:p>
+        </p:txBody>
+      </p:sp>
+      <p:sp>
+        <p:nvSpPr>
+          <p:cNvPr id="9" name="TextBox 8"/>
+          <p:cNvSpPr txBox="1"/>
+          <p:nvPr/>
+        </p:nvSpPr>
+        <p:spPr>
+          <a:xfrm>
+            <a:off x="5580223" y="150702"/>
+            <a:ext cx="2970493" cy="369332"/>
+          </a:xfrm>
+          <a:prstGeom prst="rect">
+            <a:avLst/>
+          </a:prstGeom>
+          <a:noFill/>
+        </p:spPr>
+        <p:txBody>
+          <a:bodyPr wrap="none" rtlCol="0">
+            <a:spAutoFit/>
+          </a:bodyPr>
+          <a:lstStyle/>
+          <a:p>
+            <a:r>
+              <a:rPr lang="en-US" b="1" dirty="0" smtClean="0"/>
+              <a:t>Example Bootstrap Resample</a:t>
+            </a:r>
+            <a:endParaRPr lang="en-US" b="1" dirty="0"/>
+          </a:p>
+        </p:txBody>
+      </p:sp>
+      <mc:AlternateContent xmlns:mc="http://schemas.openxmlformats.org/markup-compatibility/2006">
+        <mc:Choice xmlns:a14="http://schemas.microsoft.com/office/drawing/2010/main" Requires="a14">
+          <p:graphicFrame>
+            <p:nvGraphicFramePr>
+              <p:cNvPr id="11" name="Table 10"/>
+              <p:cNvGraphicFramePr>
+                <a:graphicFrameLocks noGrp="1"/>
+              </p:cNvGraphicFramePr>
+              <p:nvPr>
+                <p:extLst>
+                  <p:ext uri="{D42A27DB-BD31-4B8C-83A1-F6EECF244321}">
+                    <p14:modId xmlns:p14="http://schemas.microsoft.com/office/powerpoint/2010/main" val="2332523977"/>
+                  </p:ext>
+                </p:extLst>
+              </p:nvPr>
+            </p:nvGraphicFramePr>
+            <p:xfrm>
+              <a:off x="5430050" y="504163"/>
+              <a:ext cx="3270837" cy="4079240"/>
+            </p:xfrm>
+            <a:graphic>
+              <a:graphicData uri="http://schemas.openxmlformats.org/drawingml/2006/table">
+                <a:tbl>
+                  <a:tblPr firstRow="1" bandRow="1">
+                    <a:tableStyleId>{5C22544A-7EE6-4342-B048-85BDC9FD1C3A}</a:tableStyleId>
+                  </a:tblPr>
+                  <a:tblGrid>
+                    <a:gridCol w="1090279">
+                      <a:extLst>
+                        <a:ext uri="{9D8B030D-6E8A-4147-A177-3AD203B41FA5}">
+                          <a16:colId xmlns:a16="http://schemas.microsoft.com/office/drawing/2014/main" val="2798032220"/>
+                        </a:ext>
+                      </a:extLst>
+                    </a:gridCol>
+                    <a:gridCol w="1090279">
+                      <a:extLst>
+                        <a:ext uri="{9D8B030D-6E8A-4147-A177-3AD203B41FA5}">
+                          <a16:colId xmlns:a16="http://schemas.microsoft.com/office/drawing/2014/main" val="238849839"/>
+                        </a:ext>
+                      </a:extLst>
+                    </a:gridCol>
+                    <a:gridCol w="1090279">
+                      <a:extLst>
+                        <a:ext uri="{9D8B030D-6E8A-4147-A177-3AD203B41FA5}">
+                          <a16:colId xmlns:a16="http://schemas.microsoft.com/office/drawing/2014/main" val="3482188272"/>
+                        </a:ext>
+                      </a:extLst>
+                    </a:gridCol>
+                  </a:tblGrid>
+                  <a:tr h="370840">
+                    <a:tc>
+                      <a:txBody>
+                        <a:bodyPr/>
+                        <a:lstStyle/>
+                        <a:p>
+                          <a:pPr algn="ctr"/>
+                          <a:r>
+                            <a:rPr lang="en-US" sz="1400" dirty="0" smtClean="0"/>
+                            <a:t>Observation</a:t>
+                          </a:r>
+                          <a:endParaRPr lang="en-US" sz="1400" dirty="0"/>
+                        </a:p>
+                      </a:txBody>
+                      <a:tcPr/>
+                    </a:tc>
+                    <a:tc>
+                      <a:txBody>
+                        <a:bodyPr/>
+                        <a:lstStyle/>
+                        <a:p>
+                          <a:pPr algn="ctr"/>
+                          <a:r>
+                            <a:rPr lang="en-US" sz="1400" dirty="0" smtClean="0"/>
+                            <a:t>Response</a:t>
+                          </a:r>
+                          <a:endParaRPr lang="en-US" sz="1400" dirty="0"/>
+                        </a:p>
+                      </a:txBody>
+                      <a:tcPr/>
+                    </a:tc>
+                    <a:tc>
+                      <a:txBody>
+                        <a:bodyPr/>
+                        <a:lstStyle/>
+                        <a:p>
+                          <a:pPr algn="ctr"/>
+                          <a:r>
+                            <a:rPr lang="en-US" sz="1400" dirty="0" smtClean="0"/>
+                            <a:t>Predictor</a:t>
+                          </a:r>
+                          <a:endParaRPr lang="en-US" sz="1400" dirty="0"/>
+                        </a:p>
+                      </a:txBody>
+                      <a:tcPr/>
+                    </a:tc>
+                    <a:extLst>
+                      <a:ext uri="{0D108BD9-81ED-4DB2-BD59-A6C34878D82A}">
+                        <a16:rowId xmlns:a16="http://schemas.microsoft.com/office/drawing/2014/main" val="937365165"/>
+                      </a:ext>
+                    </a:extLst>
+                  </a:tr>
+                  <a:tr h="370840">
+                    <a:tc>
+                      <a:txBody>
+                        <a:bodyPr/>
+                        <a:lstStyle/>
+                        <a:p>
+                          <a:pPr algn="ctr"/>
+                          <a:r>
+                            <a:rPr lang="en-US" sz="1400" dirty="0" smtClean="0"/>
+                            <a:t>4</a:t>
+                          </a:r>
+                          <a:endParaRPr lang="en-US" sz="1400" dirty="0"/>
+                        </a:p>
+                      </a:txBody>
+                      <a:tcPr/>
+                    </a:tc>
+                    <a:tc>
+                      <a:txBody>
+                        <a:bodyPr/>
+                        <a:lstStyle/>
+                        <a:p>
+                          <a:pPr/>
+                          <a14:m>
+                            <m:oMathPara xmlns:m="http://schemas.openxmlformats.org/officeDocument/2006/math">
+                              <m:oMathParaPr>
+                                <m:jc m:val="centerGroup"/>
+                              </m:oMathParaPr>
+                              <m:oMath xmlns:m="http://schemas.openxmlformats.org/officeDocument/2006/math">
+                                <m:sSub>
+                                  <m:sSubPr>
+                                    <m:ctrlPr>
+                                      <a:rPr lang="en-US" sz="1400" b="0" i="1" smtClean="0">
+                                        <a:latin typeface="Cambria Math" panose="02040503050406030204" pitchFamily="18" charset="0"/>
+                                      </a:rPr>
+                                    </m:ctrlPr>
+                                  </m:sSubPr>
+                                  <m:e>
+                                    <m:r>
+                                      <a:rPr lang="en-US" sz="1400" b="0" i="1" smtClean="0">
+                                        <a:latin typeface="Cambria Math" panose="02040503050406030204" pitchFamily="18" charset="0"/>
+                                      </a:rPr>
+                                      <m:t>𝑦</m:t>
+                                    </m:r>
+                                  </m:e>
+                                  <m:sub>
+                                    <m:r>
+                                      <a:rPr lang="en-US" sz="1400" b="0" i="1" smtClean="0">
+                                        <a:latin typeface="Cambria Math" panose="02040503050406030204" pitchFamily="18" charset="0"/>
+                                      </a:rPr>
+                                      <m:t>4</m:t>
+                                    </m:r>
+                                  </m:sub>
+                                </m:sSub>
+                              </m:oMath>
+                            </m:oMathPara>
+                          </a14:m>
+                          <a:endParaRPr lang="en-US" sz="1400" dirty="0"/>
+                        </a:p>
+                      </a:txBody>
+                      <a:tcPr/>
+                    </a:tc>
+                    <a:tc>
+                      <a:txBody>
+                        <a:bodyPr/>
+                        <a:lstStyle/>
+                        <a:p>
+                          <a:pPr/>
+                          <a14:m>
+                            <m:oMathPara xmlns:m="http://schemas.openxmlformats.org/officeDocument/2006/math">
+                              <m:oMathParaPr>
+                                <m:jc m:val="centerGroup"/>
+                              </m:oMathParaPr>
+                              <m:oMath xmlns:m="http://schemas.openxmlformats.org/officeDocument/2006/math">
+                                <m:sSub>
+                                  <m:sSubPr>
+                                    <m:ctrlPr>
+                                      <a:rPr lang="en-US" sz="1400" b="0" i="1" smtClean="0">
+                                        <a:latin typeface="Cambria Math" panose="02040503050406030204" pitchFamily="18" charset="0"/>
+                                      </a:rPr>
+                                    </m:ctrlPr>
+                                  </m:sSubPr>
+                                  <m:e>
+                                    <m:r>
+                                      <a:rPr lang="en-US" sz="1400" b="0" i="1" smtClean="0">
+                                        <a:latin typeface="Cambria Math" panose="02040503050406030204" pitchFamily="18" charset="0"/>
+                                      </a:rPr>
+                                      <m:t>𝑥</m:t>
+                                    </m:r>
+                                  </m:e>
+                                  <m:sub>
+                                    <m:r>
+                                      <a:rPr lang="en-US" sz="1400" b="0" i="1" smtClean="0">
+                                        <a:latin typeface="Cambria Math" panose="02040503050406030204" pitchFamily="18" charset="0"/>
+                                      </a:rPr>
+                                      <m:t>4</m:t>
+                                    </m:r>
+                                  </m:sub>
+                                </m:sSub>
+                              </m:oMath>
+                            </m:oMathPara>
+                          </a14:m>
+                          <a:endParaRPr lang="en-US" sz="1400" dirty="0"/>
+                        </a:p>
+                      </a:txBody>
+                      <a:tcPr/>
+                    </a:tc>
+                    <a:extLst>
+                      <a:ext uri="{0D108BD9-81ED-4DB2-BD59-A6C34878D82A}">
+                        <a16:rowId xmlns:a16="http://schemas.microsoft.com/office/drawing/2014/main" val="1885797726"/>
+                      </a:ext>
+                    </a:extLst>
+                  </a:tr>
+                  <a:tr h="370840">
+                    <a:tc>
+                      <a:txBody>
+                        <a:bodyPr/>
+                        <a:lstStyle/>
+                        <a:p>
+                          <a:pPr algn="ctr"/>
+                          <a:r>
+                            <a:rPr lang="en-US" sz="1400" dirty="0" smtClean="0"/>
+                            <a:t>3</a:t>
+                          </a:r>
+                          <a:endParaRPr lang="en-US" sz="1400" dirty="0"/>
+                        </a:p>
+                      </a:txBody>
+                      <a:tcPr/>
+                    </a:tc>
+                    <a:tc>
+                      <a:txBody>
+                        <a:bodyPr/>
+                        <a:lstStyle/>
+                        <a:p>
+                          <a:pPr/>
+                          <a14:m>
+                            <m:oMathPara xmlns:m="http://schemas.openxmlformats.org/officeDocument/2006/math">
+                              <m:oMathParaPr>
+                                <m:jc m:val="centerGroup"/>
+                              </m:oMathParaPr>
+                              <m:oMath xmlns:m="http://schemas.openxmlformats.org/officeDocument/2006/math">
+                                <m:sSub>
+                                  <m:sSubPr>
+                                    <m:ctrlPr>
+                                      <a:rPr lang="en-US" sz="1400" b="0" i="1" smtClean="0">
+                                        <a:latin typeface="Cambria Math" panose="02040503050406030204" pitchFamily="18" charset="0"/>
+                                      </a:rPr>
+                                    </m:ctrlPr>
+                                  </m:sSubPr>
+                                  <m:e>
+                                    <m:r>
+                                      <a:rPr lang="en-US" sz="1400" b="0" i="1" smtClean="0">
+                                        <a:latin typeface="Cambria Math" panose="02040503050406030204" pitchFamily="18" charset="0"/>
+                                      </a:rPr>
+                                      <m:t>𝑦</m:t>
+                                    </m:r>
+                                  </m:e>
+                                  <m:sub>
+                                    <m:r>
+                                      <a:rPr lang="en-US" sz="1400" b="0" i="1" smtClean="0">
+                                        <a:latin typeface="Cambria Math" panose="02040503050406030204" pitchFamily="18" charset="0"/>
+                                      </a:rPr>
+                                      <m:t>3</m:t>
+                                    </m:r>
+                                  </m:sub>
+                                </m:sSub>
+                              </m:oMath>
+                            </m:oMathPara>
+                          </a14:m>
+                          <a:endParaRPr lang="en-US" sz="1400" dirty="0"/>
+                        </a:p>
+                      </a:txBody>
+                      <a:tcPr/>
+                    </a:tc>
+                    <a:tc>
+                      <a:txBody>
+                        <a:bodyPr/>
+                        <a:lstStyle/>
+                        <a:p>
+                          <a:pPr/>
+                          <a14:m>
+                            <m:oMathPara xmlns:m="http://schemas.openxmlformats.org/officeDocument/2006/math">
+                              <m:oMathParaPr>
+                                <m:jc m:val="centerGroup"/>
+                              </m:oMathParaPr>
+                              <m:oMath xmlns:m="http://schemas.openxmlformats.org/officeDocument/2006/math">
+                                <m:sSub>
+                                  <m:sSubPr>
+                                    <m:ctrlPr>
+                                      <a:rPr lang="en-US" sz="1400" b="0" i="1" smtClean="0">
+                                        <a:latin typeface="Cambria Math" panose="02040503050406030204" pitchFamily="18" charset="0"/>
+                                      </a:rPr>
+                                    </m:ctrlPr>
+                                  </m:sSubPr>
+                                  <m:e>
+                                    <m:r>
+                                      <a:rPr lang="en-US" sz="1400" b="0" i="1" smtClean="0">
+                                        <a:latin typeface="Cambria Math" panose="02040503050406030204" pitchFamily="18" charset="0"/>
+                                      </a:rPr>
+                                      <m:t>𝑥</m:t>
+                                    </m:r>
+                                  </m:e>
+                                  <m:sub>
+                                    <m:r>
+                                      <a:rPr lang="en-US" sz="1400" b="0" i="1" smtClean="0">
+                                        <a:latin typeface="Cambria Math" panose="02040503050406030204" pitchFamily="18" charset="0"/>
+                                      </a:rPr>
+                                      <m:t>3</m:t>
+                                    </m:r>
+                                  </m:sub>
+                                </m:sSub>
+                              </m:oMath>
+                            </m:oMathPara>
+                          </a14:m>
+                          <a:endParaRPr lang="en-US" sz="1400" dirty="0"/>
+                        </a:p>
+                      </a:txBody>
+                      <a:tcPr/>
+                    </a:tc>
+                    <a:extLst>
+                      <a:ext uri="{0D108BD9-81ED-4DB2-BD59-A6C34878D82A}">
+                        <a16:rowId xmlns:a16="http://schemas.microsoft.com/office/drawing/2014/main" val="908516571"/>
+                      </a:ext>
+                    </a:extLst>
+                  </a:tr>
+                  <a:tr h="370840">
+                    <a:tc>
+                      <a:txBody>
+                        <a:bodyPr/>
+                        <a:lstStyle/>
+                        <a:p>
+                          <a:pPr algn="ctr"/>
+                          <a:r>
+                            <a:rPr lang="en-US" sz="1400" dirty="0" smtClean="0"/>
+                            <a:t>8</a:t>
+                          </a:r>
+                          <a:endParaRPr lang="en-US" sz="1400" dirty="0"/>
+                        </a:p>
+                      </a:txBody>
+                      <a:tcPr/>
+                    </a:tc>
+                    <a:tc>
+                      <a:txBody>
+                        <a:bodyPr/>
+                        <a:lstStyle/>
+                        <a:p>
+                          <a:pPr/>
+                          <a14:m>
+                            <m:oMathPara xmlns:m="http://schemas.openxmlformats.org/officeDocument/2006/math">
+                              <m:oMathParaPr>
+                                <m:jc m:val="centerGroup"/>
+                              </m:oMathParaPr>
+                              <m:oMath xmlns:m="http://schemas.openxmlformats.org/officeDocument/2006/math">
+                                <m:sSub>
+                                  <m:sSubPr>
+                                    <m:ctrlPr>
+                                      <a:rPr lang="en-US" sz="1400" b="0" i="1" smtClean="0">
+                                        <a:latin typeface="Cambria Math" panose="02040503050406030204" pitchFamily="18" charset="0"/>
+                                      </a:rPr>
+                                    </m:ctrlPr>
+                                  </m:sSubPr>
+                                  <m:e>
+                                    <m:r>
+                                      <a:rPr lang="en-US" sz="1400" b="0" i="1" smtClean="0">
+                                        <a:latin typeface="Cambria Math" panose="02040503050406030204" pitchFamily="18" charset="0"/>
+                                      </a:rPr>
+                                      <m:t>𝑦</m:t>
+                                    </m:r>
+                                  </m:e>
+                                  <m:sub>
+                                    <m:r>
+                                      <a:rPr lang="en-US" sz="1400" b="0" i="1" smtClean="0">
+                                        <a:latin typeface="Cambria Math" panose="02040503050406030204" pitchFamily="18" charset="0"/>
+                                      </a:rPr>
+                                      <m:t>8</m:t>
+                                    </m:r>
+                                  </m:sub>
+                                </m:sSub>
+                              </m:oMath>
+                            </m:oMathPara>
+                          </a14:m>
+                          <a:endParaRPr lang="en-US" sz="1400" dirty="0"/>
+                        </a:p>
+                      </a:txBody>
+                      <a:tcPr/>
+                    </a:tc>
+                    <a:tc>
+                      <a:txBody>
+                        <a:bodyPr/>
+                        <a:lstStyle/>
+                        <a:p>
+                          <a:pPr/>
+                          <a14:m>
+                            <m:oMathPara xmlns:m="http://schemas.openxmlformats.org/officeDocument/2006/math">
+                              <m:oMathParaPr>
+                                <m:jc m:val="centerGroup"/>
+                              </m:oMathParaPr>
+                              <m:oMath xmlns:m="http://schemas.openxmlformats.org/officeDocument/2006/math">
+                                <m:sSub>
+                                  <m:sSubPr>
+                                    <m:ctrlPr>
+                                      <a:rPr lang="en-US" sz="1400" b="0" i="1" smtClean="0">
+                                        <a:latin typeface="Cambria Math" panose="02040503050406030204" pitchFamily="18" charset="0"/>
+                                      </a:rPr>
+                                    </m:ctrlPr>
+                                  </m:sSubPr>
+                                  <m:e>
+                                    <m:r>
+                                      <a:rPr lang="en-US" sz="1400" b="0" i="1" smtClean="0">
+                                        <a:latin typeface="Cambria Math" panose="02040503050406030204" pitchFamily="18" charset="0"/>
+                                      </a:rPr>
+                                      <m:t>𝑥</m:t>
+                                    </m:r>
+                                  </m:e>
+                                  <m:sub>
+                                    <m:r>
+                                      <a:rPr lang="en-US" sz="1400" b="0" i="1" smtClean="0">
+                                        <a:latin typeface="Cambria Math" panose="02040503050406030204" pitchFamily="18" charset="0"/>
+                                      </a:rPr>
+                                      <m:t>8</m:t>
+                                    </m:r>
+                                  </m:sub>
+                                </m:sSub>
+                              </m:oMath>
+                            </m:oMathPara>
+                          </a14:m>
+                          <a:endParaRPr lang="en-US" sz="1400" dirty="0"/>
+                        </a:p>
+                      </a:txBody>
+                      <a:tcPr/>
+                    </a:tc>
+                    <a:extLst>
+                      <a:ext uri="{0D108BD9-81ED-4DB2-BD59-A6C34878D82A}">
+                        <a16:rowId xmlns:a16="http://schemas.microsoft.com/office/drawing/2014/main" val="1086493391"/>
+                      </a:ext>
+                    </a:extLst>
+                  </a:tr>
+                  <a:tr h="370840">
+                    <a:tc>
+                      <a:txBody>
+                        <a:bodyPr/>
+                        <a:lstStyle/>
+                        <a:p>
+                          <a:pPr algn="ctr"/>
+                          <a:r>
+                            <a:rPr lang="en-US" sz="1400" dirty="0" smtClean="0"/>
+                            <a:t>4</a:t>
+                          </a:r>
+                          <a:endParaRPr lang="en-US" sz="1400" dirty="0"/>
+                        </a:p>
+                      </a:txBody>
+                      <a:tcPr/>
+                    </a:tc>
+                    <a:tc>
+                      <a:txBody>
+                        <a:bodyPr/>
+                        <a:lstStyle/>
+                        <a:p>
+                          <a:pPr/>
+                          <a14:m>
+                            <m:oMathPara xmlns:m="http://schemas.openxmlformats.org/officeDocument/2006/math">
+                              <m:oMathParaPr>
+                                <m:jc m:val="centerGroup"/>
+                              </m:oMathParaPr>
+                              <m:oMath xmlns:m="http://schemas.openxmlformats.org/officeDocument/2006/math">
+                                <m:sSub>
+                                  <m:sSubPr>
+                                    <m:ctrlPr>
+                                      <a:rPr lang="en-US" sz="1400" b="0" i="1" smtClean="0">
+                                        <a:latin typeface="Cambria Math" panose="02040503050406030204" pitchFamily="18" charset="0"/>
+                                      </a:rPr>
+                                    </m:ctrlPr>
+                                  </m:sSubPr>
+                                  <m:e>
+                                    <m:r>
+                                      <a:rPr lang="en-US" sz="1400" b="0" i="1" smtClean="0">
+                                        <a:latin typeface="Cambria Math" panose="02040503050406030204" pitchFamily="18" charset="0"/>
+                                      </a:rPr>
+                                      <m:t>𝑦</m:t>
+                                    </m:r>
+                                  </m:e>
+                                  <m:sub>
+                                    <m:r>
+                                      <a:rPr lang="en-US" sz="1400" b="0" i="1" smtClean="0">
+                                        <a:latin typeface="Cambria Math" panose="02040503050406030204" pitchFamily="18" charset="0"/>
+                                      </a:rPr>
+                                      <m:t>4</m:t>
+                                    </m:r>
+                                  </m:sub>
+                                </m:sSub>
+                              </m:oMath>
+                            </m:oMathPara>
+                          </a14:m>
+                          <a:endParaRPr lang="en-US" sz="1400" dirty="0"/>
+                        </a:p>
+                      </a:txBody>
+                      <a:tcPr/>
+                    </a:tc>
+                    <a:tc>
+                      <a:txBody>
+                        <a:bodyPr/>
+                        <a:lstStyle/>
+                        <a:p>
+                          <a:pPr/>
+                          <a14:m>
+                            <m:oMathPara xmlns:m="http://schemas.openxmlformats.org/officeDocument/2006/math">
+                              <m:oMathParaPr>
+                                <m:jc m:val="centerGroup"/>
+                              </m:oMathParaPr>
+                              <m:oMath xmlns:m="http://schemas.openxmlformats.org/officeDocument/2006/math">
+                                <m:sSub>
+                                  <m:sSubPr>
+                                    <m:ctrlPr>
+                                      <a:rPr lang="en-US" sz="1400" b="0" i="1" smtClean="0">
+                                        <a:latin typeface="Cambria Math" panose="02040503050406030204" pitchFamily="18" charset="0"/>
+                                      </a:rPr>
+                                    </m:ctrlPr>
+                                  </m:sSubPr>
+                                  <m:e>
+                                    <m:r>
+                                      <a:rPr lang="en-US" sz="1400" b="0" i="1" smtClean="0">
+                                        <a:latin typeface="Cambria Math" panose="02040503050406030204" pitchFamily="18" charset="0"/>
+                                      </a:rPr>
+                                      <m:t>𝑥</m:t>
+                                    </m:r>
+                                  </m:e>
+                                  <m:sub>
+                                    <m:r>
+                                      <a:rPr lang="en-US" sz="1400" b="0" i="1" smtClean="0">
+                                        <a:latin typeface="Cambria Math" panose="02040503050406030204" pitchFamily="18" charset="0"/>
+                                      </a:rPr>
+                                      <m:t>4</m:t>
+                                    </m:r>
+                                  </m:sub>
+                                </m:sSub>
+                              </m:oMath>
+                            </m:oMathPara>
+                          </a14:m>
+                          <a:endParaRPr lang="en-US" sz="1400" dirty="0"/>
+                        </a:p>
+                      </a:txBody>
+                      <a:tcPr/>
+                    </a:tc>
+                    <a:extLst>
+                      <a:ext uri="{0D108BD9-81ED-4DB2-BD59-A6C34878D82A}">
+                        <a16:rowId xmlns:a16="http://schemas.microsoft.com/office/drawing/2014/main" val="985469397"/>
+                      </a:ext>
+                    </a:extLst>
+                  </a:tr>
+                  <a:tr h="370840">
+                    <a:tc>
+                      <a:txBody>
+                        <a:bodyPr/>
+                        <a:lstStyle/>
+                        <a:p>
+                          <a:pPr algn="ctr"/>
+                          <a:r>
+                            <a:rPr lang="en-US" sz="1400" dirty="0" smtClean="0"/>
+                            <a:t>1</a:t>
+                          </a:r>
+                          <a:endParaRPr lang="en-US" sz="1400" dirty="0"/>
+                        </a:p>
+                      </a:txBody>
+                      <a:tcPr/>
+                    </a:tc>
+                    <a:tc>
+                      <a:txBody>
+                        <a:bodyPr/>
+                        <a:lstStyle/>
+                        <a:p>
+                          <a:pPr/>
+                          <a14:m>
+                            <m:oMathPara xmlns:m="http://schemas.openxmlformats.org/officeDocument/2006/math">
+                              <m:oMathParaPr>
+                                <m:jc m:val="centerGroup"/>
+                              </m:oMathParaPr>
+                              <m:oMath xmlns:m="http://schemas.openxmlformats.org/officeDocument/2006/math">
+                                <m:sSub>
+                                  <m:sSubPr>
+                                    <m:ctrlPr>
+                                      <a:rPr lang="en-US" sz="1400" b="0" i="1" smtClean="0">
+                                        <a:latin typeface="Cambria Math" panose="02040503050406030204" pitchFamily="18" charset="0"/>
+                                      </a:rPr>
+                                    </m:ctrlPr>
+                                  </m:sSubPr>
+                                  <m:e>
+                                    <m:r>
+                                      <a:rPr lang="en-US" sz="1400" b="0" i="1" smtClean="0">
+                                        <a:latin typeface="Cambria Math" panose="02040503050406030204" pitchFamily="18" charset="0"/>
+                                      </a:rPr>
+                                      <m:t>𝑦</m:t>
+                                    </m:r>
+                                  </m:e>
+                                  <m:sub>
+                                    <m:r>
+                                      <a:rPr lang="en-US" sz="1400" b="0" i="1" smtClean="0">
+                                        <a:latin typeface="Cambria Math" panose="02040503050406030204" pitchFamily="18" charset="0"/>
+                                      </a:rPr>
+                                      <m:t>1</m:t>
+                                    </m:r>
+                                  </m:sub>
+                                </m:sSub>
+                              </m:oMath>
+                            </m:oMathPara>
+                          </a14:m>
+                          <a:endParaRPr lang="en-US" sz="1400" b="0" dirty="0" smtClean="0"/>
+                        </a:p>
+                      </a:txBody>
+                      <a:tcPr/>
+                    </a:tc>
+                    <a:tc>
+                      <a:txBody>
+                        <a:bodyPr/>
+                        <a:lstStyle/>
+                        <a:p>
+                          <a:pPr/>
+                          <a14:m>
+                            <m:oMathPara xmlns:m="http://schemas.openxmlformats.org/officeDocument/2006/math">
+                              <m:oMathParaPr>
+                                <m:jc m:val="centerGroup"/>
+                              </m:oMathParaPr>
+                              <m:oMath xmlns:m="http://schemas.openxmlformats.org/officeDocument/2006/math">
+                                <m:sSub>
+                                  <m:sSubPr>
+                                    <m:ctrlPr>
+                                      <a:rPr lang="en-US" sz="1400" b="0" i="1" smtClean="0">
+                                        <a:latin typeface="Cambria Math" panose="02040503050406030204" pitchFamily="18" charset="0"/>
+                                      </a:rPr>
+                                    </m:ctrlPr>
+                                  </m:sSubPr>
+                                  <m:e>
+                                    <m:r>
+                                      <a:rPr lang="en-US" sz="1400" b="0" i="1" smtClean="0">
+                                        <a:latin typeface="Cambria Math" panose="02040503050406030204" pitchFamily="18" charset="0"/>
+                                      </a:rPr>
+                                      <m:t>𝑥</m:t>
+                                    </m:r>
+                                  </m:e>
+                                  <m:sub>
+                                    <m:r>
+                                      <a:rPr lang="en-US" sz="1400" b="0" i="1" smtClean="0">
+                                        <a:latin typeface="Cambria Math" panose="02040503050406030204" pitchFamily="18" charset="0"/>
+                                      </a:rPr>
+                                      <m:t>1</m:t>
+                                    </m:r>
+                                  </m:sub>
+                                </m:sSub>
+                              </m:oMath>
+                            </m:oMathPara>
+                          </a14:m>
+                          <a:endParaRPr lang="en-US" sz="1400" dirty="0"/>
+                        </a:p>
+                      </a:txBody>
+                      <a:tcPr/>
+                    </a:tc>
+                    <a:extLst>
+                      <a:ext uri="{0D108BD9-81ED-4DB2-BD59-A6C34878D82A}">
+                        <a16:rowId xmlns:a16="http://schemas.microsoft.com/office/drawing/2014/main" val="3806550600"/>
+                      </a:ext>
+                    </a:extLst>
+                  </a:tr>
+                  <a:tr h="370840">
+                    <a:tc>
+                      <a:txBody>
+                        <a:bodyPr/>
+                        <a:lstStyle/>
+                        <a:p>
+                          <a:pPr algn="ctr"/>
+                          <a:r>
+                            <a:rPr lang="en-US" sz="1400" dirty="0" smtClean="0"/>
+                            <a:t>2</a:t>
+                          </a:r>
+                          <a:endParaRPr lang="en-US" sz="1400" dirty="0"/>
+                        </a:p>
+                      </a:txBody>
+                      <a:tcPr/>
+                    </a:tc>
+                    <a:tc>
+                      <a:txBody>
+                        <a:bodyPr/>
+                        <a:lstStyle/>
+                        <a:p>
+                          <a:pPr/>
+                          <a14:m>
+                            <m:oMathPara xmlns:m="http://schemas.openxmlformats.org/officeDocument/2006/math">
+                              <m:oMathParaPr>
+                                <m:jc m:val="centerGroup"/>
+                              </m:oMathParaPr>
+                              <m:oMath xmlns:m="http://schemas.openxmlformats.org/officeDocument/2006/math">
+                                <m:sSub>
+                                  <m:sSubPr>
+                                    <m:ctrlPr>
+                                      <a:rPr lang="en-US" sz="1400" b="0" i="1" smtClean="0">
+                                        <a:latin typeface="Cambria Math" panose="02040503050406030204" pitchFamily="18" charset="0"/>
+                                      </a:rPr>
+                                    </m:ctrlPr>
+                                  </m:sSubPr>
+                                  <m:e>
+                                    <m:r>
+                                      <a:rPr lang="en-US" sz="1400" b="0" i="1" smtClean="0">
+                                        <a:latin typeface="Cambria Math" panose="02040503050406030204" pitchFamily="18" charset="0"/>
+                                      </a:rPr>
+                                      <m:t>𝑦</m:t>
+                                    </m:r>
+                                  </m:e>
+                                  <m:sub>
+                                    <m:r>
+                                      <a:rPr lang="en-US" sz="1400" b="0" i="1" smtClean="0">
+                                        <a:latin typeface="Cambria Math" panose="02040503050406030204" pitchFamily="18" charset="0"/>
+                                      </a:rPr>
+                                      <m:t>2</m:t>
+                                    </m:r>
+                                  </m:sub>
+                                </m:sSub>
+                              </m:oMath>
+                            </m:oMathPara>
+                          </a14:m>
+                          <a:endParaRPr lang="en-US" sz="1400" dirty="0"/>
+                        </a:p>
+                      </a:txBody>
+                      <a:tcPr/>
+                    </a:tc>
+                    <a:tc>
+                      <a:txBody>
+                        <a:bodyPr/>
+                        <a:lstStyle/>
+                        <a:p>
+                          <a:pPr/>
+                          <a14:m>
+                            <m:oMathPara xmlns:m="http://schemas.openxmlformats.org/officeDocument/2006/math">
+                              <m:oMathParaPr>
+                                <m:jc m:val="centerGroup"/>
+                              </m:oMathParaPr>
+                              <m:oMath xmlns:m="http://schemas.openxmlformats.org/officeDocument/2006/math">
+                                <m:sSub>
+                                  <m:sSubPr>
+                                    <m:ctrlPr>
+                                      <a:rPr lang="en-US" sz="1400" b="0" i="1" smtClean="0">
+                                        <a:latin typeface="Cambria Math" panose="02040503050406030204" pitchFamily="18" charset="0"/>
+                                      </a:rPr>
+                                    </m:ctrlPr>
+                                  </m:sSubPr>
+                                  <m:e>
+                                    <m:r>
+                                      <a:rPr lang="en-US" sz="1400" b="0" i="1" smtClean="0">
+                                        <a:latin typeface="Cambria Math" panose="02040503050406030204" pitchFamily="18" charset="0"/>
+                                      </a:rPr>
+                                      <m:t>𝑥</m:t>
+                                    </m:r>
+                                  </m:e>
+                                  <m:sub>
+                                    <m:r>
+                                      <a:rPr lang="en-US" sz="1400" b="0" i="1" smtClean="0">
+                                        <a:latin typeface="Cambria Math" panose="02040503050406030204" pitchFamily="18" charset="0"/>
+                                      </a:rPr>
+                                      <m:t>2</m:t>
+                                    </m:r>
+                                  </m:sub>
+                                </m:sSub>
+                              </m:oMath>
+                            </m:oMathPara>
+                          </a14:m>
+                          <a:endParaRPr lang="en-US" sz="1400" dirty="0"/>
+                        </a:p>
+                      </a:txBody>
+                      <a:tcPr/>
+                    </a:tc>
+                    <a:extLst>
+                      <a:ext uri="{0D108BD9-81ED-4DB2-BD59-A6C34878D82A}">
+                        <a16:rowId xmlns:a16="http://schemas.microsoft.com/office/drawing/2014/main" val="1956036147"/>
+                      </a:ext>
+                    </a:extLst>
+                  </a:tr>
+                  <a:tr h="370840">
+                    <a:tc>
+                      <a:txBody>
+                        <a:bodyPr/>
+                        <a:lstStyle/>
+                        <a:p>
+                          <a:pPr algn="ctr"/>
+                          <a:r>
+                            <a:rPr lang="en-US" sz="1400" dirty="0" smtClean="0"/>
+                            <a:t>7</a:t>
+                          </a:r>
+                          <a:endParaRPr lang="en-US" sz="1400" dirty="0"/>
+                        </a:p>
+                      </a:txBody>
+                      <a:tcPr/>
+                    </a:tc>
+                    <a:tc>
+                      <a:txBody>
+                        <a:bodyPr/>
+                        <a:lstStyle/>
+                        <a:p>
+                          <a:pPr/>
+                          <a14:m>
+                            <m:oMathPara xmlns:m="http://schemas.openxmlformats.org/officeDocument/2006/math">
+                              <m:oMathParaPr>
+                                <m:jc m:val="centerGroup"/>
+                              </m:oMathParaPr>
+                              <m:oMath xmlns:m="http://schemas.openxmlformats.org/officeDocument/2006/math">
+                                <m:sSub>
+                                  <m:sSubPr>
+                                    <m:ctrlPr>
+                                      <a:rPr lang="en-US" sz="1400" b="0" i="1" smtClean="0">
+                                        <a:latin typeface="Cambria Math" panose="02040503050406030204" pitchFamily="18" charset="0"/>
+                                      </a:rPr>
+                                    </m:ctrlPr>
+                                  </m:sSubPr>
+                                  <m:e>
+                                    <m:r>
+                                      <a:rPr lang="en-US" sz="1400" b="0" i="1" smtClean="0">
+                                        <a:latin typeface="Cambria Math" panose="02040503050406030204" pitchFamily="18" charset="0"/>
+                                      </a:rPr>
+                                      <m:t>𝑦</m:t>
+                                    </m:r>
+                                  </m:e>
+                                  <m:sub>
+                                    <m:r>
+                                      <a:rPr lang="en-US" sz="1400" b="0" i="1" smtClean="0">
+                                        <a:latin typeface="Cambria Math" panose="02040503050406030204" pitchFamily="18" charset="0"/>
+                                      </a:rPr>
+                                      <m:t>7</m:t>
+                                    </m:r>
+                                  </m:sub>
+                                </m:sSub>
+                              </m:oMath>
+                            </m:oMathPara>
+                          </a14:m>
+                          <a:endParaRPr lang="en-US" sz="1400" dirty="0"/>
+                        </a:p>
+                      </a:txBody>
+                      <a:tcPr/>
+                    </a:tc>
+                    <a:tc>
+                      <a:txBody>
+                        <a:bodyPr/>
+                        <a:lstStyle/>
+                        <a:p>
+                          <a:pPr/>
+                          <a14:m>
+                            <m:oMathPara xmlns:m="http://schemas.openxmlformats.org/officeDocument/2006/math">
+                              <m:oMathParaPr>
+                                <m:jc m:val="centerGroup"/>
+                              </m:oMathParaPr>
+                              <m:oMath xmlns:m="http://schemas.openxmlformats.org/officeDocument/2006/math">
+                                <m:sSub>
+                                  <m:sSubPr>
+                                    <m:ctrlPr>
+                                      <a:rPr lang="en-US" sz="1400" b="0" i="1" smtClean="0">
+                                        <a:latin typeface="Cambria Math" panose="02040503050406030204" pitchFamily="18" charset="0"/>
+                                      </a:rPr>
+                                    </m:ctrlPr>
+                                  </m:sSubPr>
+                                  <m:e>
+                                    <m:r>
+                                      <a:rPr lang="en-US" sz="1400" b="0" i="1" smtClean="0">
+                                        <a:latin typeface="Cambria Math" panose="02040503050406030204" pitchFamily="18" charset="0"/>
+                                      </a:rPr>
+                                      <m:t>𝑥</m:t>
+                                    </m:r>
+                                  </m:e>
+                                  <m:sub>
+                                    <m:r>
+                                      <a:rPr lang="en-US" sz="1400" b="0" i="1" smtClean="0">
+                                        <a:latin typeface="Cambria Math" panose="02040503050406030204" pitchFamily="18" charset="0"/>
+                                      </a:rPr>
+                                      <m:t>7</m:t>
+                                    </m:r>
+                                  </m:sub>
+                                </m:sSub>
+                              </m:oMath>
+                            </m:oMathPara>
+                          </a14:m>
+                          <a:endParaRPr lang="en-US" sz="1400" dirty="0"/>
+                        </a:p>
+                      </a:txBody>
+                      <a:tcPr/>
+                    </a:tc>
+                    <a:extLst>
+                      <a:ext uri="{0D108BD9-81ED-4DB2-BD59-A6C34878D82A}">
+                        <a16:rowId xmlns:a16="http://schemas.microsoft.com/office/drawing/2014/main" val="1736308519"/>
+                      </a:ext>
+                    </a:extLst>
+                  </a:tr>
+                  <a:tr h="370840">
+                    <a:tc>
+                      <a:txBody>
+                        <a:bodyPr/>
+                        <a:lstStyle/>
+                        <a:p>
+                          <a:pPr algn="ctr"/>
+                          <a:r>
+                            <a:rPr lang="en-US" sz="1400" dirty="0" smtClean="0"/>
+                            <a:t>6</a:t>
+                          </a:r>
+                          <a:endParaRPr lang="en-US" sz="1400" dirty="0"/>
+                        </a:p>
+                      </a:txBody>
+                      <a:tcPr/>
+                    </a:tc>
+                    <a:tc>
+                      <a:txBody>
+                        <a:bodyPr/>
+                        <a:lstStyle/>
+                        <a:p>
+                          <a:pPr/>
+                          <a14:m>
+                            <m:oMathPara xmlns:m="http://schemas.openxmlformats.org/officeDocument/2006/math">
+                              <m:oMathParaPr>
+                                <m:jc m:val="centerGroup"/>
+                              </m:oMathParaPr>
+                              <m:oMath xmlns:m="http://schemas.openxmlformats.org/officeDocument/2006/math">
+                                <m:sSub>
+                                  <m:sSubPr>
+                                    <m:ctrlPr>
+                                      <a:rPr lang="en-US" sz="1400" b="0" i="1" smtClean="0">
+                                        <a:latin typeface="Cambria Math" panose="02040503050406030204" pitchFamily="18" charset="0"/>
+                                      </a:rPr>
+                                    </m:ctrlPr>
+                                  </m:sSubPr>
+                                  <m:e>
+                                    <m:r>
+                                      <a:rPr lang="en-US" sz="1400" b="0" i="1" smtClean="0">
+                                        <a:latin typeface="Cambria Math" panose="02040503050406030204" pitchFamily="18" charset="0"/>
+                                      </a:rPr>
+                                      <m:t>𝑦</m:t>
+                                    </m:r>
+                                  </m:e>
+                                  <m:sub>
+                                    <m:r>
+                                      <a:rPr lang="en-US" sz="1400" b="0" i="1" smtClean="0">
+                                        <a:latin typeface="Cambria Math" panose="02040503050406030204" pitchFamily="18" charset="0"/>
+                                      </a:rPr>
+                                      <m:t>6</m:t>
+                                    </m:r>
+                                  </m:sub>
+                                </m:sSub>
+                              </m:oMath>
+                            </m:oMathPara>
+                          </a14:m>
+                          <a:endParaRPr lang="en-US" sz="1400" dirty="0"/>
+                        </a:p>
+                      </a:txBody>
+                      <a:tcPr/>
+                    </a:tc>
+                    <a:tc>
+                      <a:txBody>
+                        <a:bodyPr/>
+                        <a:lstStyle/>
+                        <a:p>
+                          <a:pPr/>
+                          <a14:m>
+                            <m:oMathPara xmlns:m="http://schemas.openxmlformats.org/officeDocument/2006/math">
+                              <m:oMathParaPr>
+                                <m:jc m:val="centerGroup"/>
+                              </m:oMathParaPr>
+                              <m:oMath xmlns:m="http://schemas.openxmlformats.org/officeDocument/2006/math">
+                                <m:sSub>
+                                  <m:sSubPr>
+                                    <m:ctrlPr>
+                                      <a:rPr lang="en-US" sz="1400" b="0" i="1" smtClean="0">
+                                        <a:latin typeface="Cambria Math" panose="02040503050406030204" pitchFamily="18" charset="0"/>
+                                      </a:rPr>
+                                    </m:ctrlPr>
+                                  </m:sSubPr>
+                                  <m:e>
+                                    <m:r>
+                                      <a:rPr lang="en-US" sz="1400" b="0" i="1" smtClean="0">
+                                        <a:latin typeface="Cambria Math" panose="02040503050406030204" pitchFamily="18" charset="0"/>
+                                      </a:rPr>
+                                      <m:t>𝑥</m:t>
+                                    </m:r>
+                                  </m:e>
+                                  <m:sub>
+                                    <m:r>
+                                      <a:rPr lang="en-US" sz="1400" b="0" i="1" smtClean="0">
+                                        <a:latin typeface="Cambria Math" panose="02040503050406030204" pitchFamily="18" charset="0"/>
+                                      </a:rPr>
+                                      <m:t>6</m:t>
+                                    </m:r>
+                                  </m:sub>
+                                </m:sSub>
+                              </m:oMath>
+                            </m:oMathPara>
+                          </a14:m>
+                          <a:endParaRPr lang="en-US" sz="1400" dirty="0"/>
+                        </a:p>
+                      </a:txBody>
+                      <a:tcPr/>
+                    </a:tc>
+                    <a:extLst>
+                      <a:ext uri="{0D108BD9-81ED-4DB2-BD59-A6C34878D82A}">
+                        <a16:rowId xmlns:a16="http://schemas.microsoft.com/office/drawing/2014/main" val="92930244"/>
+                      </a:ext>
+                    </a:extLst>
+                  </a:tr>
+                  <a:tr h="370840">
+                    <a:tc>
+                      <a:txBody>
+                        <a:bodyPr/>
+                        <a:lstStyle/>
+                        <a:p>
+                          <a:pPr algn="ctr"/>
+                          <a:r>
+                            <a:rPr lang="en-US" sz="1400" dirty="0" smtClean="0"/>
+                            <a:t>1</a:t>
+                          </a:r>
+                          <a:endParaRPr lang="en-US" sz="1400" dirty="0"/>
+                        </a:p>
+                      </a:txBody>
+                      <a:tcPr/>
+                    </a:tc>
+                    <a:tc>
+                      <a:txBody>
+                        <a:bodyPr/>
+                        <a:lstStyle/>
+                        <a:p>
+                          <a:pPr/>
+                          <a14:m>
+                            <m:oMathPara xmlns:m="http://schemas.openxmlformats.org/officeDocument/2006/math">
+                              <m:oMathParaPr>
+                                <m:jc m:val="centerGroup"/>
+                              </m:oMathParaPr>
+                              <m:oMath xmlns:m="http://schemas.openxmlformats.org/officeDocument/2006/math">
+                                <m:sSub>
+                                  <m:sSubPr>
+                                    <m:ctrlPr>
+                                      <a:rPr lang="en-US" sz="1400" b="0" i="1" smtClean="0">
+                                        <a:latin typeface="Cambria Math" panose="02040503050406030204" pitchFamily="18" charset="0"/>
+                                      </a:rPr>
+                                    </m:ctrlPr>
+                                  </m:sSubPr>
+                                  <m:e>
+                                    <m:r>
+                                      <a:rPr lang="en-US" sz="1400" b="0" i="1" smtClean="0">
+                                        <a:latin typeface="Cambria Math" panose="02040503050406030204" pitchFamily="18" charset="0"/>
+                                      </a:rPr>
+                                      <m:t>𝑦</m:t>
+                                    </m:r>
+                                  </m:e>
+                                  <m:sub>
+                                    <m:r>
+                                      <a:rPr lang="en-US" sz="1400" b="0" i="1" smtClean="0">
+                                        <a:latin typeface="Cambria Math" panose="02040503050406030204" pitchFamily="18" charset="0"/>
+                                      </a:rPr>
+                                      <m:t>1</m:t>
+                                    </m:r>
+                                  </m:sub>
+                                </m:sSub>
+                              </m:oMath>
+                            </m:oMathPara>
+                          </a14:m>
+                          <a:endParaRPr lang="en-US" sz="1400" b="0" dirty="0" smtClean="0"/>
+                        </a:p>
+                      </a:txBody>
+                      <a:tcPr/>
+                    </a:tc>
+                    <a:tc>
+                      <a:txBody>
+                        <a:bodyPr/>
+                        <a:lstStyle/>
+                        <a:p>
+                          <a:pPr/>
+                          <a14:m>
+                            <m:oMathPara xmlns:m="http://schemas.openxmlformats.org/officeDocument/2006/math">
+                              <m:oMathParaPr>
+                                <m:jc m:val="centerGroup"/>
+                              </m:oMathParaPr>
+                              <m:oMath xmlns:m="http://schemas.openxmlformats.org/officeDocument/2006/math">
+                                <m:sSub>
+                                  <m:sSubPr>
+                                    <m:ctrlPr>
+                                      <a:rPr lang="en-US" sz="1400" b="0" i="1" smtClean="0">
+                                        <a:latin typeface="Cambria Math" panose="02040503050406030204" pitchFamily="18" charset="0"/>
+                                      </a:rPr>
+                                    </m:ctrlPr>
+                                  </m:sSubPr>
+                                  <m:e>
+                                    <m:r>
+                                      <a:rPr lang="en-US" sz="1400" b="0" i="1" smtClean="0">
+                                        <a:latin typeface="Cambria Math" panose="02040503050406030204" pitchFamily="18" charset="0"/>
+                                      </a:rPr>
+                                      <m:t>𝑥</m:t>
+                                    </m:r>
+                                  </m:e>
+                                  <m:sub>
+                                    <m:r>
+                                      <a:rPr lang="en-US" sz="1400" b="0" i="1" smtClean="0">
+                                        <a:latin typeface="Cambria Math" panose="02040503050406030204" pitchFamily="18" charset="0"/>
+                                      </a:rPr>
+                                      <m:t>1</m:t>
+                                    </m:r>
+                                  </m:sub>
+                                </m:sSub>
+                              </m:oMath>
+                            </m:oMathPara>
+                          </a14:m>
+                          <a:endParaRPr lang="en-US" sz="1400" dirty="0"/>
+                        </a:p>
+                      </a:txBody>
+                      <a:tcPr/>
+                    </a:tc>
+                    <a:extLst>
+                      <a:ext uri="{0D108BD9-81ED-4DB2-BD59-A6C34878D82A}">
+                        <a16:rowId xmlns:a16="http://schemas.microsoft.com/office/drawing/2014/main" val="4132066038"/>
+                      </a:ext>
+                    </a:extLst>
+                  </a:tr>
+                  <a:tr h="370840">
+                    <a:tc>
+                      <a:txBody>
+                        <a:bodyPr/>
+                        <a:lstStyle/>
+                        <a:p>
+                          <a:pPr algn="ctr"/>
+                          <a:r>
+                            <a:rPr lang="en-US" sz="1400" dirty="0" smtClean="0"/>
+                            <a:t>9</a:t>
+                          </a:r>
+                          <a:endParaRPr lang="en-US" sz="1400" dirty="0"/>
+                        </a:p>
+                      </a:txBody>
+                      <a:tcPr/>
+                    </a:tc>
+                    <a:tc>
+                      <a:txBody>
+                        <a:bodyPr/>
+                        <a:lstStyle/>
+                        <a:p>
+                          <a:pPr/>
+                          <a14:m>
+                            <m:oMathPara xmlns:m="http://schemas.openxmlformats.org/officeDocument/2006/math">
+                              <m:oMathParaPr>
+                                <m:jc m:val="centerGroup"/>
+                              </m:oMathParaPr>
+                              <m:oMath xmlns:m="http://schemas.openxmlformats.org/officeDocument/2006/math">
+                                <m:sSub>
+                                  <m:sSubPr>
+                                    <m:ctrlPr>
+                                      <a:rPr lang="en-US" sz="1400" b="0" i="1" smtClean="0">
+                                        <a:latin typeface="Cambria Math" panose="02040503050406030204" pitchFamily="18" charset="0"/>
+                                      </a:rPr>
+                                    </m:ctrlPr>
+                                  </m:sSubPr>
+                                  <m:e>
+                                    <m:r>
+                                      <a:rPr lang="en-US" sz="1400" b="0" i="1" smtClean="0">
+                                        <a:latin typeface="Cambria Math" panose="02040503050406030204" pitchFamily="18" charset="0"/>
+                                      </a:rPr>
+                                      <m:t>𝑦</m:t>
+                                    </m:r>
+                                  </m:e>
+                                  <m:sub>
+                                    <m:r>
+                                      <a:rPr lang="en-US" sz="1400" b="0" i="1" smtClean="0">
+                                        <a:latin typeface="Cambria Math" panose="02040503050406030204" pitchFamily="18" charset="0"/>
+                                      </a:rPr>
+                                      <m:t>9</m:t>
+                                    </m:r>
+                                  </m:sub>
+                                </m:sSub>
+                              </m:oMath>
+                            </m:oMathPara>
+                          </a14:m>
+                          <a:endParaRPr lang="en-US" sz="1400" dirty="0"/>
+                        </a:p>
+                      </a:txBody>
+                      <a:tcPr/>
+                    </a:tc>
+                    <a:tc>
+                      <a:txBody>
+                        <a:bodyPr/>
+                        <a:lstStyle/>
+                        <a:p>
+                          <a:pPr/>
+                          <a14:m>
+                            <m:oMathPara xmlns:m="http://schemas.openxmlformats.org/officeDocument/2006/math">
+                              <m:oMathParaPr>
+                                <m:jc m:val="centerGroup"/>
+                              </m:oMathParaPr>
+                              <m:oMath xmlns:m="http://schemas.openxmlformats.org/officeDocument/2006/math">
+                                <m:sSub>
+                                  <m:sSubPr>
+                                    <m:ctrlPr>
+                                      <a:rPr lang="en-US" sz="1400" b="0" i="1" smtClean="0">
+                                        <a:latin typeface="Cambria Math" panose="02040503050406030204" pitchFamily="18" charset="0"/>
+                                      </a:rPr>
+                                    </m:ctrlPr>
+                                  </m:sSubPr>
+                                  <m:e>
+                                    <m:r>
+                                      <a:rPr lang="en-US" sz="1400" b="0" i="1" smtClean="0">
+                                        <a:latin typeface="Cambria Math" panose="02040503050406030204" pitchFamily="18" charset="0"/>
+                                      </a:rPr>
+                                      <m:t>𝑥</m:t>
+                                    </m:r>
+                                  </m:e>
+                                  <m:sub>
+                                    <m:r>
+                                      <a:rPr lang="en-US" sz="1400" b="0" i="1" smtClean="0">
+                                        <a:latin typeface="Cambria Math" panose="02040503050406030204" pitchFamily="18" charset="0"/>
+                                      </a:rPr>
+                                      <m:t>9</m:t>
+                                    </m:r>
+                                  </m:sub>
+                                </m:sSub>
+                              </m:oMath>
+                            </m:oMathPara>
+                          </a14:m>
+                          <a:endParaRPr lang="en-US" sz="1400" dirty="0"/>
+                        </a:p>
+                      </a:txBody>
+                      <a:tcPr/>
+                    </a:tc>
+                    <a:extLst>
+                      <a:ext uri="{0D108BD9-81ED-4DB2-BD59-A6C34878D82A}">
+                        <a16:rowId xmlns:a16="http://schemas.microsoft.com/office/drawing/2014/main" val="1886657499"/>
+                      </a:ext>
+                    </a:extLst>
+                  </a:tr>
+                </a:tbl>
+              </a:graphicData>
+            </a:graphic>
+          </p:graphicFrame>
+        </mc:Choice>
+        <mc:Fallback>
+          <p:graphicFrame>
+            <p:nvGraphicFramePr>
+              <p:cNvPr id="11" name="Table 10"/>
+              <p:cNvGraphicFramePr>
+                <a:graphicFrameLocks noGrp="1"/>
+              </p:cNvGraphicFramePr>
+              <p:nvPr>
+                <p:extLst>
+                  <p:ext uri="{D42A27DB-BD31-4B8C-83A1-F6EECF244321}">
+                    <p14:modId xmlns:p14="http://schemas.microsoft.com/office/powerpoint/2010/main" val="2332523977"/>
+                  </p:ext>
+                </p:extLst>
+              </p:nvPr>
+            </p:nvGraphicFramePr>
+            <p:xfrm>
+              <a:off x="5430050" y="504163"/>
+              <a:ext cx="3270837" cy="4079240"/>
+            </p:xfrm>
+            <a:graphic>
+              <a:graphicData uri="http://schemas.openxmlformats.org/drawingml/2006/table">
+                <a:tbl>
+                  <a:tblPr firstRow="1" bandRow="1">
+                    <a:tableStyleId>{5C22544A-7EE6-4342-B048-85BDC9FD1C3A}</a:tableStyleId>
+                  </a:tblPr>
+                  <a:tblGrid>
+                    <a:gridCol w="1090279">
+                      <a:extLst>
+                        <a:ext uri="{9D8B030D-6E8A-4147-A177-3AD203B41FA5}">
+                          <a16:colId xmlns:a16="http://schemas.microsoft.com/office/drawing/2014/main" val="2798032220"/>
+                        </a:ext>
+                      </a:extLst>
+                    </a:gridCol>
+                    <a:gridCol w="1090279">
+                      <a:extLst>
+                        <a:ext uri="{9D8B030D-6E8A-4147-A177-3AD203B41FA5}">
+                          <a16:colId xmlns:a16="http://schemas.microsoft.com/office/drawing/2014/main" val="238849839"/>
+                        </a:ext>
+                      </a:extLst>
+                    </a:gridCol>
+                    <a:gridCol w="1090279">
+                      <a:extLst>
+                        <a:ext uri="{9D8B030D-6E8A-4147-A177-3AD203B41FA5}">
+                          <a16:colId xmlns:a16="http://schemas.microsoft.com/office/drawing/2014/main" val="3482188272"/>
+                        </a:ext>
+                      </a:extLst>
+                    </a:gridCol>
+                  </a:tblGrid>
+                  <a:tr h="370840">
+                    <a:tc>
+                      <a:txBody>
+                        <a:bodyPr/>
+                        <a:lstStyle/>
+                        <a:p>
+                          <a:pPr algn="ctr"/>
+                          <a:r>
+                            <a:rPr lang="en-US" sz="1400" dirty="0" smtClean="0"/>
+                            <a:t>Observation</a:t>
+                          </a:r>
+                          <a:endParaRPr lang="en-US" sz="1400" dirty="0"/>
+                        </a:p>
+                      </a:txBody>
+                      <a:tcPr/>
+                    </a:tc>
+                    <a:tc>
+                      <a:txBody>
+                        <a:bodyPr/>
+                        <a:lstStyle/>
+                        <a:p>
+                          <a:pPr algn="ctr"/>
+                          <a:r>
+                            <a:rPr lang="en-US" sz="1400" dirty="0" smtClean="0"/>
+                            <a:t>Response</a:t>
+                          </a:r>
+                          <a:endParaRPr lang="en-US" sz="1400" dirty="0"/>
+                        </a:p>
+                      </a:txBody>
+                      <a:tcPr/>
+                    </a:tc>
+                    <a:tc>
+                      <a:txBody>
+                        <a:bodyPr/>
+                        <a:lstStyle/>
+                        <a:p>
+                          <a:pPr algn="ctr"/>
+                          <a:r>
+                            <a:rPr lang="en-US" sz="1400" dirty="0" smtClean="0"/>
+                            <a:t>Predictor</a:t>
+                          </a:r>
+                          <a:endParaRPr lang="en-US" sz="1400" dirty="0"/>
+                        </a:p>
+                      </a:txBody>
+                      <a:tcPr/>
+                    </a:tc>
+                    <a:extLst>
+                      <a:ext uri="{0D108BD9-81ED-4DB2-BD59-A6C34878D82A}">
+                        <a16:rowId xmlns:a16="http://schemas.microsoft.com/office/drawing/2014/main" val="937365165"/>
+                      </a:ext>
+                    </a:extLst>
+                  </a:tr>
+                  <a:tr h="370840">
+                    <a:tc>
+                      <a:txBody>
+                        <a:bodyPr/>
+                        <a:lstStyle/>
+                        <a:p>
+                          <a:pPr algn="ctr"/>
+                          <a:r>
+                            <a:rPr lang="en-US" sz="1400" dirty="0" smtClean="0"/>
+                            <a:t>4</a:t>
+                          </a:r>
+                          <a:endParaRPr lang="en-US" sz="1400" dirty="0"/>
+                        </a:p>
+                      </a:txBody>
+                      <a:tcPr/>
+                    </a:tc>
+                    <a:tc>
+                      <a:txBody>
+                        <a:bodyPr/>
+                        <a:lstStyle/>
+                        <a:p>
+                          <a:endParaRPr lang="en-US"/>
+                        </a:p>
+                      </a:txBody>
+                      <a:tcPr>
+                        <a:blipFill>
+                          <a:blip r:embed="rId3"/>
+                          <a:stretch>
+                            <a:fillRect l="-100000" t="-101639" r="-101667" b="-901639"/>
+                          </a:stretch>
+                        </a:blipFill>
+                      </a:tcPr>
+                    </a:tc>
+                    <a:tc>
+                      <a:txBody>
+                        <a:bodyPr/>
+                        <a:lstStyle/>
+                        <a:p>
+                          <a:endParaRPr lang="en-US"/>
+                        </a:p>
+                      </a:txBody>
+                      <a:tcPr>
+                        <a:blipFill>
+                          <a:blip r:embed="rId3"/>
+                          <a:stretch>
+                            <a:fillRect l="-201117" t="-101639" r="-2235" b="-901639"/>
+                          </a:stretch>
+                        </a:blipFill>
+                      </a:tcPr>
+                    </a:tc>
+                    <a:extLst>
+                      <a:ext uri="{0D108BD9-81ED-4DB2-BD59-A6C34878D82A}">
+                        <a16:rowId xmlns:a16="http://schemas.microsoft.com/office/drawing/2014/main" val="1885797726"/>
+                      </a:ext>
+                    </a:extLst>
+                  </a:tr>
+                  <a:tr h="370840">
+                    <a:tc>
+                      <a:txBody>
+                        <a:bodyPr/>
+                        <a:lstStyle/>
+                        <a:p>
+                          <a:pPr algn="ctr"/>
+                          <a:r>
+                            <a:rPr lang="en-US" sz="1400" dirty="0" smtClean="0"/>
+                            <a:t>3</a:t>
+                          </a:r>
+                          <a:endParaRPr lang="en-US" sz="1400" dirty="0"/>
+                        </a:p>
+                      </a:txBody>
+                      <a:tcPr/>
+                    </a:tc>
+                    <a:tc>
+                      <a:txBody>
+                        <a:bodyPr/>
+                        <a:lstStyle/>
+                        <a:p>
+                          <a:endParaRPr lang="en-US"/>
+                        </a:p>
+                      </a:txBody>
+                      <a:tcPr>
+                        <a:blipFill>
+                          <a:blip r:embed="rId3"/>
+                          <a:stretch>
+                            <a:fillRect l="-100000" t="-201639" r="-101667" b="-801639"/>
+                          </a:stretch>
+                        </a:blipFill>
+                      </a:tcPr>
+                    </a:tc>
+                    <a:tc>
+                      <a:txBody>
+                        <a:bodyPr/>
+                        <a:lstStyle/>
+                        <a:p>
+                          <a:endParaRPr lang="en-US"/>
+                        </a:p>
+                      </a:txBody>
+                      <a:tcPr>
+                        <a:blipFill>
+                          <a:blip r:embed="rId3"/>
+                          <a:stretch>
+                            <a:fillRect l="-201117" t="-201639" r="-2235" b="-801639"/>
+                          </a:stretch>
+                        </a:blipFill>
+                      </a:tcPr>
+                    </a:tc>
+                    <a:extLst>
+                      <a:ext uri="{0D108BD9-81ED-4DB2-BD59-A6C34878D82A}">
+                        <a16:rowId xmlns:a16="http://schemas.microsoft.com/office/drawing/2014/main" val="908516571"/>
+                      </a:ext>
+                    </a:extLst>
+                  </a:tr>
+                  <a:tr h="370840">
+                    <a:tc>
+                      <a:txBody>
+                        <a:bodyPr/>
+                        <a:lstStyle/>
+                        <a:p>
+                          <a:pPr algn="ctr"/>
+                          <a:r>
+                            <a:rPr lang="en-US" sz="1400" dirty="0" smtClean="0"/>
+                            <a:t>8</a:t>
+                          </a:r>
+                          <a:endParaRPr lang="en-US" sz="1400" dirty="0"/>
+                        </a:p>
+                      </a:txBody>
+                      <a:tcPr/>
+                    </a:tc>
+                    <a:tc>
+                      <a:txBody>
+                        <a:bodyPr/>
+                        <a:lstStyle/>
+                        <a:p>
+                          <a:endParaRPr lang="en-US"/>
+                        </a:p>
+                      </a:txBody>
+                      <a:tcPr>
+                        <a:blipFill>
+                          <a:blip r:embed="rId3"/>
+                          <a:stretch>
+                            <a:fillRect l="-100000" t="-301639" r="-101667" b="-701639"/>
+                          </a:stretch>
+                        </a:blipFill>
+                      </a:tcPr>
+                    </a:tc>
+                    <a:tc>
+                      <a:txBody>
+                        <a:bodyPr/>
+                        <a:lstStyle/>
+                        <a:p>
+                          <a:endParaRPr lang="en-US"/>
+                        </a:p>
+                      </a:txBody>
+                      <a:tcPr>
+                        <a:blipFill>
+                          <a:blip r:embed="rId3"/>
+                          <a:stretch>
+                            <a:fillRect l="-201117" t="-301639" r="-2235" b="-701639"/>
+                          </a:stretch>
+                        </a:blipFill>
+                      </a:tcPr>
+                    </a:tc>
+                    <a:extLst>
+                      <a:ext uri="{0D108BD9-81ED-4DB2-BD59-A6C34878D82A}">
+                        <a16:rowId xmlns:a16="http://schemas.microsoft.com/office/drawing/2014/main" val="1086493391"/>
+                      </a:ext>
+                    </a:extLst>
+                  </a:tr>
+                  <a:tr h="370840">
+                    <a:tc>
+                      <a:txBody>
+                        <a:bodyPr/>
+                        <a:lstStyle/>
+                        <a:p>
+                          <a:pPr algn="ctr"/>
+                          <a:r>
+                            <a:rPr lang="en-US" sz="1400" dirty="0" smtClean="0"/>
+                            <a:t>4</a:t>
+                          </a:r>
+                          <a:endParaRPr lang="en-US" sz="1400" dirty="0"/>
+                        </a:p>
+                      </a:txBody>
+                      <a:tcPr/>
+                    </a:tc>
+                    <a:tc>
+                      <a:txBody>
+                        <a:bodyPr/>
+                        <a:lstStyle/>
+                        <a:p>
+                          <a:endParaRPr lang="en-US"/>
+                        </a:p>
+                      </a:txBody>
+                      <a:tcPr>
+                        <a:blipFill>
+                          <a:blip r:embed="rId3"/>
+                          <a:stretch>
+                            <a:fillRect l="-100000" t="-401639" r="-101667" b="-601639"/>
+                          </a:stretch>
+                        </a:blipFill>
+                      </a:tcPr>
+                    </a:tc>
+                    <a:tc>
+                      <a:txBody>
+                        <a:bodyPr/>
+                        <a:lstStyle/>
+                        <a:p>
+                          <a:endParaRPr lang="en-US"/>
+                        </a:p>
+                      </a:txBody>
+                      <a:tcPr>
+                        <a:blipFill>
+                          <a:blip r:embed="rId3"/>
+                          <a:stretch>
+                            <a:fillRect l="-201117" t="-401639" r="-2235" b="-601639"/>
+                          </a:stretch>
+                        </a:blipFill>
+                      </a:tcPr>
+                    </a:tc>
+                    <a:extLst>
+                      <a:ext uri="{0D108BD9-81ED-4DB2-BD59-A6C34878D82A}">
+                        <a16:rowId xmlns:a16="http://schemas.microsoft.com/office/drawing/2014/main" val="985469397"/>
+                      </a:ext>
+                    </a:extLst>
+                  </a:tr>
+                  <a:tr h="370840">
+                    <a:tc>
+                      <a:txBody>
+                        <a:bodyPr/>
+                        <a:lstStyle/>
+                        <a:p>
+                          <a:pPr algn="ctr"/>
+                          <a:r>
+                            <a:rPr lang="en-US" sz="1400" dirty="0" smtClean="0"/>
+                            <a:t>1</a:t>
+                          </a:r>
+                          <a:endParaRPr lang="en-US" sz="1400" dirty="0"/>
+                        </a:p>
+                      </a:txBody>
+                      <a:tcPr/>
+                    </a:tc>
+                    <a:tc>
+                      <a:txBody>
+                        <a:bodyPr/>
+                        <a:lstStyle/>
+                        <a:p>
+                          <a:endParaRPr lang="en-US"/>
+                        </a:p>
+                      </a:txBody>
+                      <a:tcPr>
+                        <a:blipFill>
+                          <a:blip r:embed="rId3"/>
+                          <a:stretch>
+                            <a:fillRect l="-100000" t="-510000" r="-101667" b="-511667"/>
+                          </a:stretch>
+                        </a:blipFill>
+                      </a:tcPr>
+                    </a:tc>
+                    <a:tc>
+                      <a:txBody>
+                        <a:bodyPr/>
+                        <a:lstStyle/>
+                        <a:p>
+                          <a:endParaRPr lang="en-US"/>
+                        </a:p>
+                      </a:txBody>
+                      <a:tcPr>
+                        <a:blipFill>
+                          <a:blip r:embed="rId3"/>
+                          <a:stretch>
+                            <a:fillRect l="-201117" t="-510000" r="-2235" b="-511667"/>
+                          </a:stretch>
+                        </a:blipFill>
+                      </a:tcPr>
+                    </a:tc>
+                    <a:extLst>
+                      <a:ext uri="{0D108BD9-81ED-4DB2-BD59-A6C34878D82A}">
+                        <a16:rowId xmlns:a16="http://schemas.microsoft.com/office/drawing/2014/main" val="3806550600"/>
+                      </a:ext>
+                    </a:extLst>
+                  </a:tr>
+                  <a:tr h="370840">
+                    <a:tc>
+                      <a:txBody>
+                        <a:bodyPr/>
+                        <a:lstStyle/>
+                        <a:p>
+                          <a:pPr algn="ctr"/>
+                          <a:r>
+                            <a:rPr lang="en-US" sz="1400" dirty="0" smtClean="0"/>
+                            <a:t>2</a:t>
+                          </a:r>
+                          <a:endParaRPr lang="en-US" sz="1400" dirty="0"/>
+                        </a:p>
+                      </a:txBody>
+                      <a:tcPr/>
+                    </a:tc>
+                    <a:tc>
+                      <a:txBody>
+                        <a:bodyPr/>
+                        <a:lstStyle/>
+                        <a:p>
+                          <a:endParaRPr lang="en-US"/>
+                        </a:p>
+                      </a:txBody>
+                      <a:tcPr>
+                        <a:blipFill>
+                          <a:blip r:embed="rId3"/>
+                          <a:stretch>
+                            <a:fillRect l="-100000" t="-600000" r="-101667" b="-403279"/>
+                          </a:stretch>
+                        </a:blipFill>
+                      </a:tcPr>
+                    </a:tc>
+                    <a:tc>
+                      <a:txBody>
+                        <a:bodyPr/>
+                        <a:lstStyle/>
+                        <a:p>
+                          <a:endParaRPr lang="en-US"/>
+                        </a:p>
+                      </a:txBody>
+                      <a:tcPr>
+                        <a:blipFill>
+                          <a:blip r:embed="rId3"/>
+                          <a:stretch>
+                            <a:fillRect l="-201117" t="-600000" r="-2235" b="-403279"/>
+                          </a:stretch>
+                        </a:blipFill>
+                      </a:tcPr>
+                    </a:tc>
+                    <a:extLst>
+                      <a:ext uri="{0D108BD9-81ED-4DB2-BD59-A6C34878D82A}">
+                        <a16:rowId xmlns:a16="http://schemas.microsoft.com/office/drawing/2014/main" val="1956036147"/>
+                      </a:ext>
+                    </a:extLst>
+                  </a:tr>
+                  <a:tr h="370840">
+                    <a:tc>
+                      <a:txBody>
+                        <a:bodyPr/>
+                        <a:lstStyle/>
+                        <a:p>
+                          <a:pPr algn="ctr"/>
+                          <a:r>
+                            <a:rPr lang="en-US" sz="1400" dirty="0" smtClean="0"/>
+                            <a:t>7</a:t>
+                          </a:r>
+                          <a:endParaRPr lang="en-US" sz="1400" dirty="0"/>
+                        </a:p>
+                      </a:txBody>
+                      <a:tcPr/>
+                    </a:tc>
+                    <a:tc>
+                      <a:txBody>
+                        <a:bodyPr/>
+                        <a:lstStyle/>
+                        <a:p>
+                          <a:endParaRPr lang="en-US"/>
+                        </a:p>
+                      </a:txBody>
+                      <a:tcPr>
+                        <a:blipFill>
+                          <a:blip r:embed="rId3"/>
+                          <a:stretch>
+                            <a:fillRect l="-100000" t="-700000" r="-101667" b="-303279"/>
+                          </a:stretch>
+                        </a:blipFill>
+                      </a:tcPr>
+                    </a:tc>
+                    <a:tc>
+                      <a:txBody>
+                        <a:bodyPr/>
+                        <a:lstStyle/>
+                        <a:p>
+                          <a:endParaRPr lang="en-US"/>
+                        </a:p>
+                      </a:txBody>
+                      <a:tcPr>
+                        <a:blipFill>
+                          <a:blip r:embed="rId3"/>
+                          <a:stretch>
+                            <a:fillRect l="-201117" t="-700000" r="-2235" b="-303279"/>
+                          </a:stretch>
+                        </a:blipFill>
+                      </a:tcPr>
+                    </a:tc>
+                    <a:extLst>
+                      <a:ext uri="{0D108BD9-81ED-4DB2-BD59-A6C34878D82A}">
+                        <a16:rowId xmlns:a16="http://schemas.microsoft.com/office/drawing/2014/main" val="1736308519"/>
+                      </a:ext>
+                    </a:extLst>
+                  </a:tr>
+                  <a:tr h="370840">
+                    <a:tc>
+                      <a:txBody>
+                        <a:bodyPr/>
+                        <a:lstStyle/>
+                        <a:p>
+                          <a:pPr algn="ctr"/>
+                          <a:r>
+                            <a:rPr lang="en-US" sz="1400" dirty="0" smtClean="0"/>
+                            <a:t>6</a:t>
+                          </a:r>
+                          <a:endParaRPr lang="en-US" sz="1400" dirty="0"/>
+                        </a:p>
+                      </a:txBody>
+                      <a:tcPr/>
+                    </a:tc>
+                    <a:tc>
+                      <a:txBody>
+                        <a:bodyPr/>
+                        <a:lstStyle/>
+                        <a:p>
+                          <a:endParaRPr lang="en-US"/>
+                        </a:p>
+                      </a:txBody>
+                      <a:tcPr>
+                        <a:blipFill>
+                          <a:blip r:embed="rId3"/>
+                          <a:stretch>
+                            <a:fillRect l="-100000" t="-800000" r="-101667" b="-203279"/>
+                          </a:stretch>
+                        </a:blipFill>
+                      </a:tcPr>
+                    </a:tc>
+                    <a:tc>
+                      <a:txBody>
+                        <a:bodyPr/>
+                        <a:lstStyle/>
+                        <a:p>
+                          <a:endParaRPr lang="en-US"/>
+                        </a:p>
+                      </a:txBody>
+                      <a:tcPr>
+                        <a:blipFill>
+                          <a:blip r:embed="rId3"/>
+                          <a:stretch>
+                            <a:fillRect l="-201117" t="-800000" r="-2235" b="-203279"/>
+                          </a:stretch>
+                        </a:blipFill>
+                      </a:tcPr>
+                    </a:tc>
+                    <a:extLst>
+                      <a:ext uri="{0D108BD9-81ED-4DB2-BD59-A6C34878D82A}">
+                        <a16:rowId xmlns:a16="http://schemas.microsoft.com/office/drawing/2014/main" val="92930244"/>
+                      </a:ext>
+                    </a:extLst>
+                  </a:tr>
+                  <a:tr h="370840">
+                    <a:tc>
+                      <a:txBody>
+                        <a:bodyPr/>
+                        <a:lstStyle/>
+                        <a:p>
+                          <a:pPr algn="ctr"/>
+                          <a:r>
+                            <a:rPr lang="en-US" sz="1400" dirty="0" smtClean="0"/>
+                            <a:t>1</a:t>
+                          </a:r>
+                          <a:endParaRPr lang="en-US" sz="1400" dirty="0"/>
+                        </a:p>
+                      </a:txBody>
+                      <a:tcPr/>
+                    </a:tc>
+                    <a:tc>
+                      <a:txBody>
+                        <a:bodyPr/>
+                        <a:lstStyle/>
+                        <a:p>
+                          <a:endParaRPr lang="en-US"/>
+                        </a:p>
+                      </a:txBody>
+                      <a:tcPr>
+                        <a:blipFill>
+                          <a:blip r:embed="rId3"/>
+                          <a:stretch>
+                            <a:fillRect l="-100000" t="-900000" r="-101667" b="-103279"/>
+                          </a:stretch>
+                        </a:blipFill>
+                      </a:tcPr>
+                    </a:tc>
+                    <a:tc>
+                      <a:txBody>
+                        <a:bodyPr/>
+                        <a:lstStyle/>
+                        <a:p>
+                          <a:endParaRPr lang="en-US"/>
+                        </a:p>
+                      </a:txBody>
+                      <a:tcPr>
+                        <a:blipFill>
+                          <a:blip r:embed="rId3"/>
+                          <a:stretch>
+                            <a:fillRect l="-201117" t="-900000" r="-2235" b="-103279"/>
+                          </a:stretch>
+                        </a:blipFill>
+                      </a:tcPr>
+                    </a:tc>
+                    <a:extLst>
+                      <a:ext uri="{0D108BD9-81ED-4DB2-BD59-A6C34878D82A}">
+                        <a16:rowId xmlns:a16="http://schemas.microsoft.com/office/drawing/2014/main" val="4132066038"/>
+                      </a:ext>
+                    </a:extLst>
+                  </a:tr>
+                  <a:tr h="370840">
+                    <a:tc>
+                      <a:txBody>
+                        <a:bodyPr/>
+                        <a:lstStyle/>
+                        <a:p>
+                          <a:pPr algn="ctr"/>
+                          <a:r>
+                            <a:rPr lang="en-US" sz="1400" dirty="0" smtClean="0"/>
+                            <a:t>9</a:t>
+                          </a:r>
+                          <a:endParaRPr lang="en-US" sz="1400" dirty="0"/>
+                        </a:p>
+                      </a:txBody>
+                      <a:tcPr/>
+                    </a:tc>
+                    <a:tc>
+                      <a:txBody>
+                        <a:bodyPr/>
+                        <a:lstStyle/>
+                        <a:p>
+                          <a:endParaRPr lang="en-US"/>
+                        </a:p>
+                      </a:txBody>
+                      <a:tcPr>
+                        <a:blipFill>
+                          <a:blip r:embed="rId3"/>
+                          <a:stretch>
+                            <a:fillRect l="-100000" t="-1000000" r="-101667" b="-3279"/>
+                          </a:stretch>
+                        </a:blipFill>
+                      </a:tcPr>
+                    </a:tc>
+                    <a:tc>
+                      <a:txBody>
+                        <a:bodyPr/>
+                        <a:lstStyle/>
+                        <a:p>
+                          <a:endParaRPr lang="en-US"/>
+                        </a:p>
+                      </a:txBody>
+                      <a:tcPr>
+                        <a:blipFill>
+                          <a:blip r:embed="rId3"/>
+                          <a:stretch>
+                            <a:fillRect l="-201117" t="-1000000" r="-2235" b="-3279"/>
+                          </a:stretch>
+                        </a:blipFill>
+                      </a:tcPr>
+                    </a:tc>
+                    <a:extLst>
+                      <a:ext uri="{0D108BD9-81ED-4DB2-BD59-A6C34878D82A}">
+                        <a16:rowId xmlns:a16="http://schemas.microsoft.com/office/drawing/2014/main" val="1886657499"/>
+                      </a:ext>
+                    </a:extLst>
+                  </a:tr>
+                </a:tbl>
+              </a:graphicData>
+            </a:graphic>
+          </p:graphicFrame>
+        </mc:Fallback>
+      </mc:AlternateContent>
+      <p:sp>
+        <p:nvSpPr>
+          <p:cNvPr id="6" name="Right Arrow 5"/>
+          <p:cNvSpPr/>
+          <p:nvPr/>
+        </p:nvSpPr>
+        <p:spPr>
+          <a:xfrm>
+            <a:off x="3634548" y="2305215"/>
+            <a:ext cx="2065786" cy="852928"/>
+          </a:xfrm>
+          <a:prstGeom prst="rightArrow">
+            <a:avLst/>
+          </a:prstGeom>
+          <a:solidFill>
+            <a:schemeClr val="accent6"/>
+          </a:solidFill>
+          <a:ln>
+            <a:solidFill>
+              <a:schemeClr val="accent6"/>
+            </a:solidFill>
+          </a:ln>
+        </p:spPr>
+        <p:style>
+          <a:lnRef idx="2">
+            <a:schemeClr val="accent1">
+              <a:shade val="50000"/>
+            </a:schemeClr>
+          </a:lnRef>
+          <a:fillRef idx="1">
+            <a:schemeClr val="accent1"/>
+          </a:fillRef>
+          <a:effectRef idx="0">
+            <a:schemeClr val="accent1"/>
+          </a:effectRef>
+          <a:fontRef idx="minor">
+            <a:schemeClr val="lt1"/>
+          </a:fontRef>
+        </p:style>
+        <p:txBody>
+          <a:bodyPr rtlCol="0" anchor="ctr"/>
+          <a:lstStyle/>
+          <a:p>
+            <a:pPr algn="ctr"/>
+            <a:endParaRPr lang="en-US"/>
+          </a:p>
+        </p:txBody>
+      </p:sp>
+      <p:sp>
+        <p:nvSpPr>
+          <p:cNvPr id="7" name="TextBox 6"/>
+          <p:cNvSpPr txBox="1"/>
+          <p:nvPr/>
+        </p:nvSpPr>
+        <p:spPr>
+          <a:xfrm>
+            <a:off x="3566608" y="2543783"/>
+            <a:ext cx="2133726" cy="369332"/>
+          </a:xfrm>
+          <a:prstGeom prst="rect">
+            <a:avLst/>
+          </a:prstGeom>
+          <a:noFill/>
+        </p:spPr>
+        <p:txBody>
+          <a:bodyPr wrap="none" rtlCol="0">
+            <a:spAutoFit/>
+          </a:bodyPr>
+          <a:lstStyle/>
+          <a:p>
+            <a:r>
+              <a:rPr lang="en-US" b="1" dirty="0" smtClean="0">
+                <a:solidFill>
+                  <a:schemeClr val="bg1"/>
+                </a:solidFill>
+              </a:rPr>
+              <a:t>Randomly Resample</a:t>
+            </a:r>
+            <a:endParaRPr lang="en-US" b="1" dirty="0">
+              <a:solidFill>
+                <a:schemeClr val="bg1"/>
+              </a:solidFill>
+            </a:endParaRPr>
+          </a:p>
+        </p:txBody>
+      </p:sp>
+      <p:cxnSp>
+        <p:nvCxnSpPr>
+          <p:cNvPr id="13" name="Straight Connector 12"/>
+          <p:cNvCxnSpPr/>
+          <p:nvPr/>
+        </p:nvCxnSpPr>
+        <p:spPr>
+          <a:xfrm>
+            <a:off x="452077" y="4710312"/>
+            <a:ext cx="0" cy="1882588"/>
+          </a:xfrm>
+          <a:prstGeom prst="line">
+            <a:avLst/>
+          </a:prstGeom>
+          <a:ln w="25400">
+            <a:solidFill>
+              <a:schemeClr val="tx1"/>
+            </a:solidFill>
+          </a:ln>
+        </p:spPr>
+        <p:style>
+          <a:lnRef idx="1">
+            <a:schemeClr val="accent1"/>
+          </a:lnRef>
+          <a:fillRef idx="0">
+            <a:schemeClr val="accent1"/>
+          </a:fillRef>
+          <a:effectRef idx="0">
+            <a:schemeClr val="accent1"/>
+          </a:effectRef>
+          <a:fontRef idx="minor">
+            <a:schemeClr val="tx1"/>
+          </a:fontRef>
+        </p:style>
+      </p:cxnSp>
+      <p:cxnSp>
+        <p:nvCxnSpPr>
+          <p:cNvPr id="14" name="Straight Connector 13"/>
+          <p:cNvCxnSpPr/>
+          <p:nvPr/>
+        </p:nvCxnSpPr>
+        <p:spPr>
+          <a:xfrm>
+            <a:off x="452077" y="6592900"/>
+            <a:ext cx="3270837" cy="0"/>
+          </a:xfrm>
+          <a:prstGeom prst="line">
+            <a:avLst/>
+          </a:prstGeom>
+          <a:ln w="25400">
+            <a:solidFill>
+              <a:schemeClr val="tx1"/>
+            </a:solidFill>
+          </a:ln>
+        </p:spPr>
+        <p:style>
+          <a:lnRef idx="1">
+            <a:schemeClr val="accent1"/>
+          </a:lnRef>
+          <a:fillRef idx="0">
+            <a:schemeClr val="accent1"/>
+          </a:fillRef>
+          <a:effectRef idx="0">
+            <a:schemeClr val="accent1"/>
+          </a:effectRef>
+          <a:fontRef idx="minor">
+            <a:schemeClr val="tx1"/>
+          </a:fontRef>
+        </p:style>
+      </p:cxnSp>
+      <p:sp>
+        <p:nvSpPr>
+          <p:cNvPr id="17" name="Oval 16"/>
+          <p:cNvSpPr/>
+          <p:nvPr/>
+        </p:nvSpPr>
+        <p:spPr>
+          <a:xfrm>
+            <a:off x="644243" y="6121869"/>
+            <a:ext cx="91440" cy="91440"/>
+          </a:xfrm>
+          <a:prstGeom prst="ellipse">
+            <a:avLst/>
+          </a:prstGeom>
+          <a:solidFill>
+            <a:schemeClr val="tx1"/>
+          </a:solidFill>
+          <a:ln>
+            <a:solidFill>
+              <a:schemeClr val="tx1"/>
+            </a:solidFill>
+          </a:ln>
+        </p:spPr>
+        <p:style>
+          <a:lnRef idx="2">
+            <a:schemeClr val="accent1">
+              <a:shade val="50000"/>
+            </a:schemeClr>
+          </a:lnRef>
+          <a:fillRef idx="1">
+            <a:schemeClr val="accent1"/>
+          </a:fillRef>
+          <a:effectRef idx="0">
+            <a:schemeClr val="accent1"/>
+          </a:effectRef>
+          <a:fontRef idx="minor">
+            <a:schemeClr val="lt1"/>
+          </a:fontRef>
+        </p:style>
+        <p:txBody>
+          <a:bodyPr rtlCol="0" anchor="ctr"/>
+          <a:lstStyle/>
+          <a:p>
+            <a:pPr algn="ctr"/>
+            <a:endParaRPr lang="en-US"/>
+          </a:p>
+        </p:txBody>
+      </p:sp>
+      <p:sp>
+        <p:nvSpPr>
+          <p:cNvPr id="18" name="Oval 17"/>
+          <p:cNvSpPr/>
+          <p:nvPr/>
+        </p:nvSpPr>
+        <p:spPr>
+          <a:xfrm>
+            <a:off x="974171" y="6297227"/>
+            <a:ext cx="91440" cy="91440"/>
+          </a:xfrm>
+          <a:prstGeom prst="ellipse">
+            <a:avLst/>
+          </a:prstGeom>
+          <a:solidFill>
+            <a:schemeClr val="tx1"/>
+          </a:solidFill>
+          <a:ln>
+            <a:solidFill>
+              <a:schemeClr val="tx1"/>
+            </a:solidFill>
+          </a:ln>
+        </p:spPr>
+        <p:style>
+          <a:lnRef idx="2">
+            <a:schemeClr val="accent1">
+              <a:shade val="50000"/>
+            </a:schemeClr>
+          </a:lnRef>
+          <a:fillRef idx="1">
+            <a:schemeClr val="accent1"/>
+          </a:fillRef>
+          <a:effectRef idx="0">
+            <a:schemeClr val="accent1"/>
+          </a:effectRef>
+          <a:fontRef idx="minor">
+            <a:schemeClr val="lt1"/>
+          </a:fontRef>
+        </p:style>
+        <p:txBody>
+          <a:bodyPr rtlCol="0" anchor="ctr"/>
+          <a:lstStyle/>
+          <a:p>
+            <a:pPr algn="ctr"/>
+            <a:endParaRPr lang="en-US"/>
+          </a:p>
+        </p:txBody>
+      </p:sp>
+      <p:sp>
+        <p:nvSpPr>
+          <p:cNvPr id="19" name="Oval 18"/>
+          <p:cNvSpPr/>
+          <p:nvPr/>
+        </p:nvSpPr>
+        <p:spPr>
+          <a:xfrm>
+            <a:off x="1484612" y="6217313"/>
+            <a:ext cx="91440" cy="91440"/>
+          </a:xfrm>
+          <a:prstGeom prst="ellipse">
+            <a:avLst/>
+          </a:prstGeom>
+          <a:solidFill>
+            <a:schemeClr val="tx1"/>
+          </a:solidFill>
+          <a:ln>
+            <a:solidFill>
+              <a:schemeClr val="tx1"/>
+            </a:solidFill>
+          </a:ln>
+        </p:spPr>
+        <p:style>
+          <a:lnRef idx="2">
+            <a:schemeClr val="accent1">
+              <a:shade val="50000"/>
+            </a:schemeClr>
+          </a:lnRef>
+          <a:fillRef idx="1">
+            <a:schemeClr val="accent1"/>
+          </a:fillRef>
+          <a:effectRef idx="0">
+            <a:schemeClr val="accent1"/>
+          </a:effectRef>
+          <a:fontRef idx="minor">
+            <a:schemeClr val="lt1"/>
+          </a:fontRef>
+        </p:style>
+        <p:txBody>
+          <a:bodyPr rtlCol="0" anchor="ctr"/>
+          <a:lstStyle/>
+          <a:p>
+            <a:pPr algn="ctr"/>
+            <a:endParaRPr lang="en-US"/>
+          </a:p>
+        </p:txBody>
+      </p:sp>
+      <p:sp>
+        <p:nvSpPr>
+          <p:cNvPr id="20" name="Oval 19"/>
+          <p:cNvSpPr/>
+          <p:nvPr/>
+        </p:nvSpPr>
+        <p:spPr>
+          <a:xfrm>
+            <a:off x="1094076" y="5698641"/>
+            <a:ext cx="91440" cy="91440"/>
+          </a:xfrm>
+          <a:prstGeom prst="ellipse">
+            <a:avLst/>
+          </a:prstGeom>
+          <a:solidFill>
+            <a:schemeClr val="tx1"/>
+          </a:solidFill>
+          <a:ln>
+            <a:solidFill>
+              <a:schemeClr val="tx1"/>
+            </a:solidFill>
+          </a:ln>
+        </p:spPr>
+        <p:style>
+          <a:lnRef idx="2">
+            <a:schemeClr val="accent1">
+              <a:shade val="50000"/>
+            </a:schemeClr>
+          </a:lnRef>
+          <a:fillRef idx="1">
+            <a:schemeClr val="accent1"/>
+          </a:fillRef>
+          <a:effectRef idx="0">
+            <a:schemeClr val="accent1"/>
+          </a:effectRef>
+          <a:fontRef idx="minor">
+            <a:schemeClr val="lt1"/>
+          </a:fontRef>
+        </p:style>
+        <p:txBody>
+          <a:bodyPr rtlCol="0" anchor="ctr"/>
+          <a:lstStyle/>
+          <a:p>
+            <a:pPr algn="ctr"/>
+            <a:endParaRPr lang="en-US"/>
+          </a:p>
+        </p:txBody>
+      </p:sp>
+      <p:sp>
+        <p:nvSpPr>
+          <p:cNvPr id="21" name="Oval 20"/>
+          <p:cNvSpPr/>
+          <p:nvPr/>
+        </p:nvSpPr>
+        <p:spPr>
+          <a:xfrm>
+            <a:off x="2889124" y="4955696"/>
+            <a:ext cx="91440" cy="91440"/>
+          </a:xfrm>
+          <a:prstGeom prst="ellipse">
+            <a:avLst/>
+          </a:prstGeom>
+          <a:solidFill>
+            <a:schemeClr val="tx1"/>
+          </a:solidFill>
+          <a:ln>
+            <a:solidFill>
+              <a:schemeClr val="tx1"/>
+            </a:solidFill>
+          </a:ln>
+        </p:spPr>
+        <p:style>
+          <a:lnRef idx="2">
+            <a:schemeClr val="accent1">
+              <a:shade val="50000"/>
+            </a:schemeClr>
+          </a:lnRef>
+          <a:fillRef idx="1">
+            <a:schemeClr val="accent1"/>
+          </a:fillRef>
+          <a:effectRef idx="0">
+            <a:schemeClr val="accent1"/>
+          </a:effectRef>
+          <a:fontRef idx="minor">
+            <a:schemeClr val="lt1"/>
+          </a:fontRef>
+        </p:style>
+        <p:txBody>
+          <a:bodyPr rtlCol="0" anchor="ctr"/>
+          <a:lstStyle/>
+          <a:p>
+            <a:pPr algn="ctr"/>
+            <a:endParaRPr lang="en-US"/>
+          </a:p>
+        </p:txBody>
+      </p:sp>
+      <p:sp>
+        <p:nvSpPr>
+          <p:cNvPr id="22" name="Oval 21"/>
+          <p:cNvSpPr/>
+          <p:nvPr/>
+        </p:nvSpPr>
+        <p:spPr>
+          <a:xfrm>
+            <a:off x="2219272" y="5652921"/>
+            <a:ext cx="91440" cy="91440"/>
+          </a:xfrm>
+          <a:prstGeom prst="ellipse">
+            <a:avLst/>
+          </a:prstGeom>
+          <a:solidFill>
+            <a:schemeClr val="tx1"/>
+          </a:solidFill>
+          <a:ln>
+            <a:solidFill>
+              <a:schemeClr val="tx1"/>
+            </a:solidFill>
+          </a:ln>
+        </p:spPr>
+        <p:style>
+          <a:lnRef idx="2">
+            <a:schemeClr val="accent1">
+              <a:shade val="50000"/>
+            </a:schemeClr>
+          </a:lnRef>
+          <a:fillRef idx="1">
+            <a:schemeClr val="accent1"/>
+          </a:fillRef>
+          <a:effectRef idx="0">
+            <a:schemeClr val="accent1"/>
+          </a:effectRef>
+          <a:fontRef idx="minor">
+            <a:schemeClr val="lt1"/>
+          </a:fontRef>
+        </p:style>
+        <p:txBody>
+          <a:bodyPr rtlCol="0" anchor="ctr"/>
+          <a:lstStyle/>
+          <a:p>
+            <a:pPr algn="ctr"/>
+            <a:endParaRPr lang="en-US"/>
+          </a:p>
+        </p:txBody>
+      </p:sp>
+      <p:sp>
+        <p:nvSpPr>
+          <p:cNvPr id="23" name="Oval 22"/>
+          <p:cNvSpPr/>
+          <p:nvPr/>
+        </p:nvSpPr>
+        <p:spPr>
+          <a:xfrm>
+            <a:off x="1932406" y="5542431"/>
+            <a:ext cx="91440" cy="91440"/>
+          </a:xfrm>
+          <a:prstGeom prst="ellipse">
+            <a:avLst/>
+          </a:prstGeom>
+          <a:solidFill>
+            <a:schemeClr val="tx1"/>
+          </a:solidFill>
+          <a:ln>
+            <a:solidFill>
+              <a:schemeClr val="tx1"/>
+            </a:solidFill>
+          </a:ln>
+        </p:spPr>
+        <p:style>
+          <a:lnRef idx="2">
+            <a:schemeClr val="accent1">
+              <a:shade val="50000"/>
+            </a:schemeClr>
+          </a:lnRef>
+          <a:fillRef idx="1">
+            <a:schemeClr val="accent1"/>
+          </a:fillRef>
+          <a:effectRef idx="0">
+            <a:schemeClr val="accent1"/>
+          </a:effectRef>
+          <a:fontRef idx="minor">
+            <a:schemeClr val="lt1"/>
+          </a:fontRef>
+        </p:style>
+        <p:txBody>
+          <a:bodyPr rtlCol="0" anchor="ctr"/>
+          <a:lstStyle/>
+          <a:p>
+            <a:pPr algn="ctr"/>
+            <a:endParaRPr lang="en-US"/>
+          </a:p>
+        </p:txBody>
+      </p:sp>
+      <p:sp>
+        <p:nvSpPr>
+          <p:cNvPr id="24" name="Oval 23"/>
+          <p:cNvSpPr/>
+          <p:nvPr/>
+        </p:nvSpPr>
+        <p:spPr>
+          <a:xfrm>
+            <a:off x="1633814" y="5633871"/>
+            <a:ext cx="91440" cy="91440"/>
+          </a:xfrm>
+          <a:prstGeom prst="ellipse">
+            <a:avLst/>
+          </a:prstGeom>
+          <a:solidFill>
+            <a:schemeClr val="tx1"/>
+          </a:solidFill>
+          <a:ln>
+            <a:solidFill>
+              <a:schemeClr val="tx1"/>
+            </a:solidFill>
+          </a:ln>
+        </p:spPr>
+        <p:style>
+          <a:lnRef idx="2">
+            <a:schemeClr val="accent1">
+              <a:shade val="50000"/>
+            </a:schemeClr>
+          </a:lnRef>
+          <a:fillRef idx="1">
+            <a:schemeClr val="accent1"/>
+          </a:fillRef>
+          <a:effectRef idx="0">
+            <a:schemeClr val="accent1"/>
+          </a:effectRef>
+          <a:fontRef idx="minor">
+            <a:schemeClr val="lt1"/>
+          </a:fontRef>
+        </p:style>
+        <p:txBody>
+          <a:bodyPr rtlCol="0" anchor="ctr"/>
+          <a:lstStyle/>
+          <a:p>
+            <a:pPr algn="ctr"/>
+            <a:endParaRPr lang="en-US"/>
+          </a:p>
+        </p:txBody>
+      </p:sp>
+      <p:sp>
+        <p:nvSpPr>
+          <p:cNvPr id="25" name="Oval 24"/>
+          <p:cNvSpPr/>
+          <p:nvPr/>
+        </p:nvSpPr>
+        <p:spPr>
+          <a:xfrm>
+            <a:off x="3394297" y="5124037"/>
+            <a:ext cx="91440" cy="91440"/>
+          </a:xfrm>
+          <a:prstGeom prst="ellipse">
+            <a:avLst/>
+          </a:prstGeom>
+          <a:solidFill>
+            <a:schemeClr val="tx1"/>
+          </a:solidFill>
+          <a:ln>
+            <a:solidFill>
+              <a:schemeClr val="tx1"/>
+            </a:solidFill>
+          </a:ln>
+        </p:spPr>
+        <p:style>
+          <a:lnRef idx="2">
+            <a:schemeClr val="accent1">
+              <a:shade val="50000"/>
+            </a:schemeClr>
+          </a:lnRef>
+          <a:fillRef idx="1">
+            <a:schemeClr val="accent1"/>
+          </a:fillRef>
+          <a:effectRef idx="0">
+            <a:schemeClr val="accent1"/>
+          </a:effectRef>
+          <a:fontRef idx="minor">
+            <a:schemeClr val="lt1"/>
+          </a:fontRef>
+        </p:style>
+        <p:txBody>
+          <a:bodyPr rtlCol="0" anchor="ctr"/>
+          <a:lstStyle/>
+          <a:p>
+            <a:pPr algn="ctr"/>
+            <a:endParaRPr lang="en-US"/>
+          </a:p>
+        </p:txBody>
+      </p:sp>
+      <p:sp>
+        <p:nvSpPr>
+          <p:cNvPr id="26" name="Oval 25"/>
+          <p:cNvSpPr/>
+          <p:nvPr/>
+        </p:nvSpPr>
+        <p:spPr>
+          <a:xfrm>
+            <a:off x="2633576" y="5600477"/>
+            <a:ext cx="91440" cy="91440"/>
+          </a:xfrm>
+          <a:prstGeom prst="ellipse">
+            <a:avLst/>
+          </a:prstGeom>
+          <a:solidFill>
+            <a:schemeClr val="tx1"/>
+          </a:solidFill>
+          <a:ln>
+            <a:solidFill>
+              <a:schemeClr val="tx1"/>
+            </a:solidFill>
+          </a:ln>
+        </p:spPr>
+        <p:style>
+          <a:lnRef idx="2">
+            <a:schemeClr val="accent1">
+              <a:shade val="50000"/>
+            </a:schemeClr>
+          </a:lnRef>
+          <a:fillRef idx="1">
+            <a:schemeClr val="accent1"/>
+          </a:fillRef>
+          <a:effectRef idx="0">
+            <a:schemeClr val="accent1"/>
+          </a:effectRef>
+          <a:fontRef idx="minor">
+            <a:schemeClr val="lt1"/>
+          </a:fontRef>
+        </p:style>
+        <p:txBody>
+          <a:bodyPr rtlCol="0" anchor="ctr"/>
+          <a:lstStyle/>
+          <a:p>
+            <a:pPr algn="ctr"/>
+            <a:endParaRPr lang="en-US"/>
+          </a:p>
+        </p:txBody>
+      </p:sp>
+      <p:cxnSp>
+        <p:nvCxnSpPr>
+          <p:cNvPr id="28" name="Straight Connector 27"/>
+          <p:cNvCxnSpPr/>
+          <p:nvPr/>
+        </p:nvCxnSpPr>
+        <p:spPr>
+          <a:xfrm flipV="1">
+            <a:off x="553250" y="5032597"/>
+            <a:ext cx="2942985" cy="1318641"/>
+          </a:xfrm>
+          <a:prstGeom prst="line">
+            <a:avLst/>
+          </a:prstGeom>
+          <a:ln w="12700"/>
+        </p:spPr>
+        <p:style>
+          <a:lnRef idx="1">
+            <a:schemeClr val="accent1"/>
+          </a:lnRef>
+          <a:fillRef idx="0">
+            <a:schemeClr val="accent1"/>
+          </a:fillRef>
+          <a:effectRef idx="0">
+            <a:schemeClr val="accent1"/>
+          </a:effectRef>
+          <a:fontRef idx="minor">
+            <a:schemeClr val="tx1"/>
+          </a:fontRef>
+        </p:style>
+      </p:cxnSp>
+      <p:cxnSp>
+        <p:nvCxnSpPr>
+          <p:cNvPr id="29" name="Straight Connector 28"/>
+          <p:cNvCxnSpPr/>
+          <p:nvPr/>
+        </p:nvCxnSpPr>
+        <p:spPr>
+          <a:xfrm>
+            <a:off x="5432978" y="4715751"/>
+            <a:ext cx="0" cy="1882588"/>
+          </a:xfrm>
+          <a:prstGeom prst="line">
+            <a:avLst/>
+          </a:prstGeom>
+          <a:ln w="25400">
+            <a:solidFill>
+              <a:schemeClr val="tx1"/>
+            </a:solidFill>
+          </a:ln>
+        </p:spPr>
+        <p:style>
+          <a:lnRef idx="1">
+            <a:schemeClr val="accent1"/>
+          </a:lnRef>
+          <a:fillRef idx="0">
+            <a:schemeClr val="accent1"/>
+          </a:fillRef>
+          <a:effectRef idx="0">
+            <a:schemeClr val="accent1"/>
+          </a:effectRef>
+          <a:fontRef idx="minor">
+            <a:schemeClr val="tx1"/>
+          </a:fontRef>
+        </p:style>
+      </p:cxnSp>
+      <p:cxnSp>
+        <p:nvCxnSpPr>
+          <p:cNvPr id="30" name="Straight Connector 29"/>
+          <p:cNvCxnSpPr/>
+          <p:nvPr/>
+        </p:nvCxnSpPr>
+        <p:spPr>
+          <a:xfrm>
+            <a:off x="5432978" y="6598339"/>
+            <a:ext cx="3270837" cy="0"/>
+          </a:xfrm>
+          <a:prstGeom prst="line">
+            <a:avLst/>
+          </a:prstGeom>
+          <a:ln w="25400">
+            <a:solidFill>
+              <a:schemeClr val="tx1"/>
+            </a:solidFill>
+          </a:ln>
+        </p:spPr>
+        <p:style>
+          <a:lnRef idx="1">
+            <a:schemeClr val="accent1"/>
+          </a:lnRef>
+          <a:fillRef idx="0">
+            <a:schemeClr val="accent1"/>
+          </a:fillRef>
+          <a:effectRef idx="0">
+            <a:schemeClr val="accent1"/>
+          </a:effectRef>
+          <a:fontRef idx="minor">
+            <a:schemeClr val="tx1"/>
+          </a:fontRef>
+        </p:style>
+      </p:cxnSp>
+      <p:sp>
+        <p:nvSpPr>
+          <p:cNvPr id="31" name="Oval 30"/>
+          <p:cNvSpPr/>
+          <p:nvPr/>
+        </p:nvSpPr>
+        <p:spPr>
+          <a:xfrm>
+            <a:off x="5625144" y="6127308"/>
+            <a:ext cx="91440" cy="91440"/>
+          </a:xfrm>
+          <a:prstGeom prst="ellipse">
+            <a:avLst/>
+          </a:prstGeom>
+          <a:solidFill>
+            <a:schemeClr val="tx1"/>
+          </a:solidFill>
+          <a:ln>
+            <a:solidFill>
+              <a:schemeClr val="tx1"/>
+            </a:solidFill>
+          </a:ln>
+        </p:spPr>
+        <p:style>
+          <a:lnRef idx="2">
+            <a:schemeClr val="accent1">
+              <a:shade val="50000"/>
+            </a:schemeClr>
+          </a:lnRef>
+          <a:fillRef idx="1">
+            <a:schemeClr val="accent1"/>
+          </a:fillRef>
+          <a:effectRef idx="0">
+            <a:schemeClr val="accent1"/>
+          </a:effectRef>
+          <a:fontRef idx="minor">
+            <a:schemeClr val="lt1"/>
+          </a:fontRef>
+        </p:style>
+        <p:txBody>
+          <a:bodyPr rtlCol="0" anchor="ctr"/>
+          <a:lstStyle/>
+          <a:p>
+            <a:pPr algn="ctr"/>
+            <a:endParaRPr lang="en-US"/>
+          </a:p>
+        </p:txBody>
+      </p:sp>
+      <p:sp>
+        <p:nvSpPr>
+          <p:cNvPr id="32" name="Oval 31"/>
+          <p:cNvSpPr/>
+          <p:nvPr/>
+        </p:nvSpPr>
+        <p:spPr>
+          <a:xfrm>
+            <a:off x="5955072" y="6302666"/>
+            <a:ext cx="91440" cy="91440"/>
+          </a:xfrm>
+          <a:prstGeom prst="ellipse">
+            <a:avLst/>
+          </a:prstGeom>
+          <a:solidFill>
+            <a:schemeClr val="tx1"/>
+          </a:solidFill>
+          <a:ln>
+            <a:solidFill>
+              <a:schemeClr val="tx1"/>
+            </a:solidFill>
+          </a:ln>
+        </p:spPr>
+        <p:style>
+          <a:lnRef idx="2">
+            <a:schemeClr val="accent1">
+              <a:shade val="50000"/>
+            </a:schemeClr>
+          </a:lnRef>
+          <a:fillRef idx="1">
+            <a:schemeClr val="accent1"/>
+          </a:fillRef>
+          <a:effectRef idx="0">
+            <a:schemeClr val="accent1"/>
+          </a:effectRef>
+          <a:fontRef idx="minor">
+            <a:schemeClr val="lt1"/>
+          </a:fontRef>
+        </p:style>
+        <p:txBody>
+          <a:bodyPr rtlCol="0" anchor="ctr"/>
+          <a:lstStyle/>
+          <a:p>
+            <a:pPr algn="ctr"/>
+            <a:endParaRPr lang="en-US"/>
+          </a:p>
+        </p:txBody>
+      </p:sp>
+      <p:sp>
+        <p:nvSpPr>
+          <p:cNvPr id="33" name="Oval 32"/>
+          <p:cNvSpPr/>
+          <p:nvPr/>
+        </p:nvSpPr>
+        <p:spPr>
+          <a:xfrm>
+            <a:off x="6465513" y="6222752"/>
+            <a:ext cx="91440" cy="91440"/>
+          </a:xfrm>
+          <a:prstGeom prst="ellipse">
+            <a:avLst/>
+          </a:prstGeom>
+          <a:solidFill>
+            <a:schemeClr val="tx1"/>
+          </a:solidFill>
+          <a:ln>
+            <a:solidFill>
+              <a:schemeClr val="tx1"/>
+            </a:solidFill>
+          </a:ln>
+        </p:spPr>
+        <p:style>
+          <a:lnRef idx="2">
+            <a:schemeClr val="accent1">
+              <a:shade val="50000"/>
+            </a:schemeClr>
+          </a:lnRef>
+          <a:fillRef idx="1">
+            <a:schemeClr val="accent1"/>
+          </a:fillRef>
+          <a:effectRef idx="0">
+            <a:schemeClr val="accent1"/>
+          </a:effectRef>
+          <a:fontRef idx="minor">
+            <a:schemeClr val="lt1"/>
+          </a:fontRef>
+        </p:style>
+        <p:txBody>
+          <a:bodyPr rtlCol="0" anchor="ctr"/>
+          <a:lstStyle/>
+          <a:p>
+            <a:pPr algn="ctr"/>
+            <a:endParaRPr lang="en-US"/>
+          </a:p>
+        </p:txBody>
+      </p:sp>
+      <p:sp>
+        <p:nvSpPr>
+          <p:cNvPr id="34" name="Oval 33"/>
+          <p:cNvSpPr/>
+          <p:nvPr/>
+        </p:nvSpPr>
+        <p:spPr>
+          <a:xfrm>
+            <a:off x="6074977" y="5704080"/>
+            <a:ext cx="91440" cy="91440"/>
+          </a:xfrm>
+          <a:prstGeom prst="ellipse">
+            <a:avLst/>
+          </a:prstGeom>
+          <a:solidFill>
+            <a:schemeClr val="tx1"/>
+          </a:solidFill>
+          <a:ln>
+            <a:solidFill>
+              <a:schemeClr val="tx1"/>
+            </a:solidFill>
+          </a:ln>
+        </p:spPr>
+        <p:style>
+          <a:lnRef idx="2">
+            <a:schemeClr val="accent1">
+              <a:shade val="50000"/>
+            </a:schemeClr>
+          </a:lnRef>
+          <a:fillRef idx="1">
+            <a:schemeClr val="accent1"/>
+          </a:fillRef>
+          <a:effectRef idx="0">
+            <a:schemeClr val="accent1"/>
+          </a:effectRef>
+          <a:fontRef idx="minor">
+            <a:schemeClr val="lt1"/>
+          </a:fontRef>
+        </p:style>
+        <p:txBody>
+          <a:bodyPr rtlCol="0" anchor="ctr"/>
+          <a:lstStyle/>
+          <a:p>
+            <a:pPr algn="ctr"/>
+            <a:endParaRPr lang="en-US"/>
+          </a:p>
+        </p:txBody>
+      </p:sp>
+      <p:sp>
+        <p:nvSpPr>
+          <p:cNvPr id="35" name="Oval 34"/>
+          <p:cNvSpPr/>
+          <p:nvPr/>
+        </p:nvSpPr>
+        <p:spPr>
+          <a:xfrm>
+            <a:off x="7870025" y="4961135"/>
+            <a:ext cx="91440" cy="91440"/>
+          </a:xfrm>
+          <a:prstGeom prst="ellipse">
+            <a:avLst/>
+          </a:prstGeom>
+          <a:solidFill>
+            <a:schemeClr val="tx1"/>
+          </a:solidFill>
+          <a:ln>
+            <a:solidFill>
+              <a:schemeClr val="tx1"/>
+            </a:solidFill>
+          </a:ln>
+        </p:spPr>
+        <p:style>
+          <a:lnRef idx="2">
+            <a:schemeClr val="accent1">
+              <a:shade val="50000"/>
+            </a:schemeClr>
+          </a:lnRef>
+          <a:fillRef idx="1">
+            <a:schemeClr val="accent1"/>
+          </a:fillRef>
+          <a:effectRef idx="0">
+            <a:schemeClr val="accent1"/>
+          </a:effectRef>
+          <a:fontRef idx="minor">
+            <a:schemeClr val="lt1"/>
+          </a:fontRef>
+        </p:style>
+        <p:txBody>
+          <a:bodyPr rtlCol="0" anchor="ctr"/>
+          <a:lstStyle/>
+          <a:p>
+            <a:pPr algn="ctr"/>
+            <a:endParaRPr lang="en-US"/>
+          </a:p>
+        </p:txBody>
+      </p:sp>
+      <p:sp>
+        <p:nvSpPr>
+          <p:cNvPr id="36" name="Oval 35"/>
+          <p:cNvSpPr/>
+          <p:nvPr/>
+        </p:nvSpPr>
+        <p:spPr>
+          <a:xfrm>
+            <a:off x="7200173" y="5658360"/>
+            <a:ext cx="91440" cy="91440"/>
+          </a:xfrm>
+          <a:prstGeom prst="ellipse">
+            <a:avLst/>
+          </a:prstGeom>
+          <a:solidFill>
+            <a:schemeClr val="tx1"/>
+          </a:solidFill>
+          <a:ln>
+            <a:solidFill>
+              <a:schemeClr val="tx1"/>
+            </a:solidFill>
+          </a:ln>
+        </p:spPr>
+        <p:style>
+          <a:lnRef idx="2">
+            <a:schemeClr val="accent1">
+              <a:shade val="50000"/>
+            </a:schemeClr>
+          </a:lnRef>
+          <a:fillRef idx="1">
+            <a:schemeClr val="accent1"/>
+          </a:fillRef>
+          <a:effectRef idx="0">
+            <a:schemeClr val="accent1"/>
+          </a:effectRef>
+          <a:fontRef idx="minor">
+            <a:schemeClr val="lt1"/>
+          </a:fontRef>
+        </p:style>
+        <p:txBody>
+          <a:bodyPr rtlCol="0" anchor="ctr"/>
+          <a:lstStyle/>
+          <a:p>
+            <a:pPr algn="ctr"/>
+            <a:endParaRPr lang="en-US"/>
+          </a:p>
+        </p:txBody>
+      </p:sp>
+      <p:sp>
+        <p:nvSpPr>
+          <p:cNvPr id="37" name="Oval 36"/>
+          <p:cNvSpPr/>
+          <p:nvPr/>
+        </p:nvSpPr>
+        <p:spPr>
+          <a:xfrm>
+            <a:off x="6913307" y="5547870"/>
+            <a:ext cx="91440" cy="91440"/>
+          </a:xfrm>
+          <a:prstGeom prst="ellipse">
+            <a:avLst/>
+          </a:prstGeom>
+          <a:solidFill>
+            <a:schemeClr val="tx1"/>
+          </a:solidFill>
+          <a:ln>
+            <a:solidFill>
+              <a:schemeClr val="tx1"/>
+            </a:solidFill>
+          </a:ln>
+        </p:spPr>
+        <p:style>
+          <a:lnRef idx="2">
+            <a:schemeClr val="accent1">
+              <a:shade val="50000"/>
+            </a:schemeClr>
+          </a:lnRef>
+          <a:fillRef idx="1">
+            <a:schemeClr val="accent1"/>
+          </a:fillRef>
+          <a:effectRef idx="0">
+            <a:schemeClr val="accent1"/>
+          </a:effectRef>
+          <a:fontRef idx="minor">
+            <a:schemeClr val="lt1"/>
+          </a:fontRef>
+        </p:style>
+        <p:txBody>
+          <a:bodyPr rtlCol="0" anchor="ctr"/>
+          <a:lstStyle/>
+          <a:p>
+            <a:pPr algn="ctr"/>
+            <a:endParaRPr lang="en-US"/>
+          </a:p>
+        </p:txBody>
+      </p:sp>
+      <p:sp>
+        <p:nvSpPr>
+          <p:cNvPr id="40" name="Oval 39"/>
+          <p:cNvSpPr/>
+          <p:nvPr/>
+        </p:nvSpPr>
+        <p:spPr>
+          <a:xfrm>
+            <a:off x="7614477" y="5605916"/>
+            <a:ext cx="91440" cy="91440"/>
+          </a:xfrm>
+          <a:prstGeom prst="ellipse">
+            <a:avLst/>
+          </a:prstGeom>
+          <a:solidFill>
+            <a:schemeClr val="tx1"/>
+          </a:solidFill>
+          <a:ln>
+            <a:solidFill>
+              <a:schemeClr val="tx1"/>
+            </a:solidFill>
+          </a:ln>
+        </p:spPr>
+        <p:style>
+          <a:lnRef idx="2">
+            <a:schemeClr val="accent1">
+              <a:shade val="50000"/>
+            </a:schemeClr>
+          </a:lnRef>
+          <a:fillRef idx="1">
+            <a:schemeClr val="accent1"/>
+          </a:fillRef>
+          <a:effectRef idx="0">
+            <a:schemeClr val="accent1"/>
+          </a:effectRef>
+          <a:fontRef idx="minor">
+            <a:schemeClr val="lt1"/>
+          </a:fontRef>
+        </p:style>
+        <p:txBody>
+          <a:bodyPr rtlCol="0" anchor="ctr"/>
+          <a:lstStyle/>
+          <a:p>
+            <a:pPr algn="ctr"/>
+            <a:endParaRPr lang="en-US"/>
+          </a:p>
+        </p:txBody>
+      </p:sp>
+      <p:cxnSp>
+        <p:nvCxnSpPr>
+          <p:cNvPr id="41" name="Straight Connector 40"/>
+          <p:cNvCxnSpPr/>
+          <p:nvPr/>
+        </p:nvCxnSpPr>
+        <p:spPr>
+          <a:xfrm flipV="1">
+            <a:off x="5534151" y="5038036"/>
+            <a:ext cx="2942985" cy="1318641"/>
+          </a:xfrm>
+          <a:prstGeom prst="line">
+            <a:avLst/>
+          </a:prstGeom>
+          <a:ln w="12700"/>
+        </p:spPr>
+        <p:style>
+          <a:lnRef idx="1">
+            <a:schemeClr val="accent1"/>
+          </a:lnRef>
+          <a:fillRef idx="0">
+            <a:schemeClr val="accent1"/>
+          </a:fillRef>
+          <a:effectRef idx="0">
+            <a:schemeClr val="accent1"/>
+          </a:effectRef>
+          <a:fontRef idx="minor">
+            <a:schemeClr val="tx1"/>
+          </a:fontRef>
+        </p:style>
+      </p:cxnSp>
+      <p:cxnSp>
+        <p:nvCxnSpPr>
+          <p:cNvPr id="42" name="Straight Connector 41"/>
+          <p:cNvCxnSpPr/>
+          <p:nvPr/>
+        </p:nvCxnSpPr>
+        <p:spPr>
+          <a:xfrm flipV="1">
+            <a:off x="5566063" y="4959195"/>
+            <a:ext cx="2900574" cy="1434912"/>
+          </a:xfrm>
+          <a:prstGeom prst="line">
+            <a:avLst/>
+          </a:prstGeom>
+          <a:ln w="12700">
+            <a:solidFill>
+              <a:schemeClr val="accent6"/>
+            </a:solidFill>
+          </a:ln>
+        </p:spPr>
+        <p:style>
+          <a:lnRef idx="1">
+            <a:schemeClr val="accent1"/>
+          </a:lnRef>
+          <a:fillRef idx="0">
+            <a:schemeClr val="accent1"/>
+          </a:fillRef>
+          <a:effectRef idx="0">
+            <a:schemeClr val="accent1"/>
+          </a:effectRef>
+          <a:fontRef idx="minor">
+            <a:schemeClr val="tx1"/>
+          </a:fontRef>
+        </p:style>
+      </p:cxnSp>
+    </p:spTree>
+    <p:extLst>
+      <p:ext uri="{BB962C8B-B14F-4D97-AF65-F5344CB8AC3E}">
+        <p14:creationId xmlns:p14="http://schemas.microsoft.com/office/powerpoint/2010/main" val="8918644"/>
       </p:ext>
     </p:extLst>
   </p:cSld>
@@ -22355,7 +30557,7 @@
                       <m:jc m:val="centerGroup"/>
                     </m:oMathParaPr>
                     <m:oMath xmlns:m="http://schemas.openxmlformats.org/officeDocument/2006/math">
-                      <a:fld id="{8431D92B-D49B-4D02-BF44-CEDC3AB61443}" type="mathplaceholder">
+                      <a:fld id="{044ADA4C-31F6-470C-B1F4-3B7078DE971E}" type="mathplaceholder">
                         <a:rPr lang="en-US" i="1" smtClean="0">
                           <a:latin typeface="Cambria Math" panose="02040503050406030204" pitchFamily="18" charset="0"/>
                         </a:rPr>

--- a/images/00-Custom Images.pptx
+++ b/images/00-Custom Images.pptx
@@ -15,9 +15,13 @@
     <p:sldId id="263" r:id="rId9"/>
     <p:sldId id="264" r:id="rId10"/>
     <p:sldId id="265" r:id="rId11"/>
-    <p:sldId id="267" r:id="rId12"/>
-    <p:sldId id="268" r:id="rId13"/>
-    <p:sldId id="269" r:id="rId14"/>
+    <p:sldId id="271" r:id="rId12"/>
+    <p:sldId id="267" r:id="rId13"/>
+    <p:sldId id="270" r:id="rId14"/>
+    <p:sldId id="268" r:id="rId15"/>
+    <p:sldId id="269" r:id="rId16"/>
+    <p:sldId id="273" r:id="rId17"/>
+    <p:sldId id="274" r:id="rId18"/>
   </p:sldIdLst>
   <p:sldSz cx="9144000" cy="6858000" type="letter"/>
   <p:notesSz cx="6858000" cy="9144000"/>
@@ -253,7 +257,7 @@
           <a:p>
             <a:fld id="{B648C63B-CBF8-4F1F-9EF6-50B27CAA1BF4}" type="datetimeFigureOut">
               <a:rPr lang="en-US" smtClean="0"/>
-              <a:t>9/20/2017</a:t>
+              <a:t>8/1/2018</a:t>
             </a:fld>
             <a:endParaRPr lang="en-US"/>
           </a:p>
@@ -421,7 +425,7 @@
           <a:p>
             <a:fld id="{B648C63B-CBF8-4F1F-9EF6-50B27CAA1BF4}" type="datetimeFigureOut">
               <a:rPr lang="en-US" smtClean="0"/>
-              <a:t>9/20/2017</a:t>
+              <a:t>8/1/2018</a:t>
             </a:fld>
             <a:endParaRPr lang="en-US"/>
           </a:p>
@@ -599,7 +603,7 @@
           <a:p>
             <a:fld id="{B648C63B-CBF8-4F1F-9EF6-50B27CAA1BF4}" type="datetimeFigureOut">
               <a:rPr lang="en-US" smtClean="0"/>
-              <a:t>9/20/2017</a:t>
+              <a:t>8/1/2018</a:t>
             </a:fld>
             <a:endParaRPr lang="en-US"/>
           </a:p>
@@ -767,7 +771,7 @@
           <a:p>
             <a:fld id="{B648C63B-CBF8-4F1F-9EF6-50B27CAA1BF4}" type="datetimeFigureOut">
               <a:rPr lang="en-US" smtClean="0"/>
-              <a:t>9/20/2017</a:t>
+              <a:t>8/1/2018</a:t>
             </a:fld>
             <a:endParaRPr lang="en-US"/>
           </a:p>
@@ -1010,7 +1014,7 @@
           <a:p>
             <a:fld id="{B648C63B-CBF8-4F1F-9EF6-50B27CAA1BF4}" type="datetimeFigureOut">
               <a:rPr lang="en-US" smtClean="0"/>
-              <a:t>9/20/2017</a:t>
+              <a:t>8/1/2018</a:t>
             </a:fld>
             <a:endParaRPr lang="en-US"/>
           </a:p>
@@ -1239,7 +1243,7 @@
           <a:p>
             <a:fld id="{B648C63B-CBF8-4F1F-9EF6-50B27CAA1BF4}" type="datetimeFigureOut">
               <a:rPr lang="en-US" smtClean="0"/>
-              <a:t>9/20/2017</a:t>
+              <a:t>8/1/2018</a:t>
             </a:fld>
             <a:endParaRPr lang="en-US"/>
           </a:p>
@@ -1603,7 +1607,7 @@
           <a:p>
             <a:fld id="{B648C63B-CBF8-4F1F-9EF6-50B27CAA1BF4}" type="datetimeFigureOut">
               <a:rPr lang="en-US" smtClean="0"/>
-              <a:t>9/20/2017</a:t>
+              <a:t>8/1/2018</a:t>
             </a:fld>
             <a:endParaRPr lang="en-US"/>
           </a:p>
@@ -1720,7 +1724,7 @@
           <a:p>
             <a:fld id="{B648C63B-CBF8-4F1F-9EF6-50B27CAA1BF4}" type="datetimeFigureOut">
               <a:rPr lang="en-US" smtClean="0"/>
-              <a:t>9/20/2017</a:t>
+              <a:t>8/1/2018</a:t>
             </a:fld>
             <a:endParaRPr lang="en-US"/>
           </a:p>
@@ -1815,7 +1819,7 @@
           <a:p>
             <a:fld id="{B648C63B-CBF8-4F1F-9EF6-50B27CAA1BF4}" type="datetimeFigureOut">
               <a:rPr lang="en-US" smtClean="0"/>
-              <a:t>9/20/2017</a:t>
+              <a:t>8/1/2018</a:t>
             </a:fld>
             <a:endParaRPr lang="en-US"/>
           </a:p>
@@ -2090,7 +2094,7 @@
           <a:p>
             <a:fld id="{B648C63B-CBF8-4F1F-9EF6-50B27CAA1BF4}" type="datetimeFigureOut">
               <a:rPr lang="en-US" smtClean="0"/>
-              <a:t>9/20/2017</a:t>
+              <a:t>8/1/2018</a:t>
             </a:fld>
             <a:endParaRPr lang="en-US"/>
           </a:p>
@@ -2345,7 +2349,7 @@
           <a:p>
             <a:fld id="{B648C63B-CBF8-4F1F-9EF6-50B27CAA1BF4}" type="datetimeFigureOut">
               <a:rPr lang="en-US" smtClean="0"/>
-              <a:t>9/20/2017</a:t>
+              <a:t>8/1/2018</a:t>
             </a:fld>
             <a:endParaRPr lang="en-US"/>
           </a:p>
@@ -2556,7 +2560,7 @@
           <a:p>
             <a:fld id="{B648C63B-CBF8-4F1F-9EF6-50B27CAA1BF4}" type="datetimeFigureOut">
               <a:rPr lang="en-US" smtClean="0"/>
-              <a:t>9/20/2017</a:t>
+              <a:t>8/1/2018</a:t>
             </a:fld>
             <a:endParaRPr lang="en-US"/>
           </a:p>
@@ -5244,6 +5248,13 @@
   <p:clrMapOvr>
     <a:masterClrMapping/>
   </p:clrMapOvr>
+  <p:timing>
+    <p:tnLst>
+      <p:par>
+        <p:cTn id="1" dur="indefinite" restart="never" nodeType="tmRoot"/>
+      </p:par>
+    </p:tnLst>
+  </p:timing>
 </p:sld>
 </file>
 
@@ -7281,10 +7292,2049 @@
   <p:clrMapOvr>
     <a:masterClrMapping/>
   </p:clrMapOvr>
+  <p:timing>
+    <p:tnLst>
+      <p:par>
+        <p:cTn id="1" dur="indefinite" restart="never" nodeType="tmRoot"/>
+      </p:par>
+    </p:tnLst>
+  </p:timing>
 </p:sld>
 </file>
 
 <file path=ppt/slides/slide11.xml><?xml version="1.0" encoding="utf-8"?>
+<p:sld xmlns:a="http://schemas.openxmlformats.org/drawingml/2006/main" xmlns:r="http://schemas.openxmlformats.org/officeDocument/2006/relationships" xmlns:p="http://schemas.openxmlformats.org/presentationml/2006/main">
+  <p:cSld>
+    <p:spTree>
+      <p:nvGrpSpPr>
+        <p:cNvPr id="1" name=""/>
+        <p:cNvGrpSpPr/>
+        <p:nvPr/>
+      </p:nvGrpSpPr>
+      <p:grpSpPr>
+        <a:xfrm>
+          <a:off x="0" y="0"/>
+          <a:ext cx="0" cy="0"/>
+          <a:chOff x="0" y="0"/>
+          <a:chExt cx="0" cy="0"/>
+        </a:xfrm>
+      </p:grpSpPr>
+      <mc:AlternateContent xmlns:mc="http://schemas.openxmlformats.org/markup-compatibility/2006" xmlns:a14="http://schemas.microsoft.com/office/drawing/2010/main">
+        <mc:Choice Requires="a14">
+          <p:graphicFrame>
+            <p:nvGraphicFramePr>
+              <p:cNvPr id="4" name="Table 3"/>
+              <p:cNvGraphicFramePr>
+                <a:graphicFrameLocks noGrp="1"/>
+              </p:cNvGraphicFramePr>
+              <p:nvPr>
+                <p:extLst>
+                  <p:ext uri="{D42A27DB-BD31-4B8C-83A1-F6EECF244321}">
+                    <p14:modId xmlns:p14="http://schemas.microsoft.com/office/powerpoint/2010/main" val="1411509761"/>
+                  </p:ext>
+                </p:extLst>
+              </p:nvPr>
+            </p:nvGraphicFramePr>
+            <p:xfrm>
+              <a:off x="1152097" y="1986133"/>
+              <a:ext cx="6573006" cy="1719326"/>
+            </p:xfrm>
+            <a:graphic>
+              <a:graphicData uri="http://schemas.openxmlformats.org/drawingml/2006/table">
+                <a:tbl>
+                  <a:tblPr firstRow="1" bandRow="1">
+                    <a:tableStyleId>{5C22544A-7EE6-4342-B048-85BDC9FD1C3A}</a:tableStyleId>
+                  </a:tblPr>
+                  <a:tblGrid>
+                    <a:gridCol w="1095501">
+                      <a:extLst>
+                        <a:ext uri="{9D8B030D-6E8A-4147-A177-3AD203B41FA5}">
+                          <a16:colId xmlns:a16="http://schemas.microsoft.com/office/drawing/2014/main" val="2401570237"/>
+                        </a:ext>
+                      </a:extLst>
+                    </a:gridCol>
+                    <a:gridCol w="1095501">
+                      <a:extLst>
+                        <a:ext uri="{9D8B030D-6E8A-4147-A177-3AD203B41FA5}">
+                          <a16:colId xmlns:a16="http://schemas.microsoft.com/office/drawing/2014/main" val="3747713454"/>
+                        </a:ext>
+                      </a:extLst>
+                    </a:gridCol>
+                    <a:gridCol w="1095501">
+                      <a:extLst>
+                        <a:ext uri="{9D8B030D-6E8A-4147-A177-3AD203B41FA5}">
+                          <a16:colId xmlns:a16="http://schemas.microsoft.com/office/drawing/2014/main" val="828770990"/>
+                        </a:ext>
+                      </a:extLst>
+                    </a:gridCol>
+                    <a:gridCol w="1095501">
+                      <a:extLst>
+                        <a:ext uri="{9D8B030D-6E8A-4147-A177-3AD203B41FA5}">
+                          <a16:colId xmlns:a16="http://schemas.microsoft.com/office/drawing/2014/main" val="2173143747"/>
+                        </a:ext>
+                      </a:extLst>
+                    </a:gridCol>
+                    <a:gridCol w="1095501">
+                      <a:extLst>
+                        <a:ext uri="{9D8B030D-6E8A-4147-A177-3AD203B41FA5}">
+                          <a16:colId xmlns:a16="http://schemas.microsoft.com/office/drawing/2014/main" val="954101634"/>
+                        </a:ext>
+                      </a:extLst>
+                    </a:gridCol>
+                    <a:gridCol w="1095501">
+                      <a:extLst>
+                        <a:ext uri="{9D8B030D-6E8A-4147-A177-3AD203B41FA5}">
+                          <a16:colId xmlns:a16="http://schemas.microsoft.com/office/drawing/2014/main" val="2442471891"/>
+                        </a:ext>
+                      </a:extLst>
+                    </a:gridCol>
+                  </a:tblGrid>
+                  <a:tr h="370840">
+                    <a:tc>
+                      <a:txBody>
+                        <a:bodyPr/>
+                        <a:lstStyle/>
+                        <a:p>
+                          <a:r>
+                            <a:rPr lang="en-US" dirty="0" smtClean="0"/>
+                            <a:t>Source</a:t>
+                          </a:r>
+                          <a:endParaRPr lang="en-US" dirty="0"/>
+                        </a:p>
+                      </a:txBody>
+                      <a:tcPr>
+                        <a:lnL w="12700" cap="flat" cmpd="sng" algn="ctr">
+                          <a:solidFill>
+                            <a:schemeClr val="tx1"/>
+                          </a:solidFill>
+                          <a:prstDash val="solid"/>
+                          <a:round/>
+                          <a:headEnd type="none" w="med" len="med"/>
+                          <a:tailEnd type="none" w="med" len="med"/>
+                        </a:lnL>
+                        <a:lnT w="12700" cap="flat" cmpd="sng" algn="ctr">
+                          <a:solidFill>
+                            <a:schemeClr val="tx1"/>
+                          </a:solidFill>
+                          <a:prstDash val="solid"/>
+                          <a:round/>
+                          <a:headEnd type="none" w="med" len="med"/>
+                          <a:tailEnd type="none" w="med" len="med"/>
+                        </a:lnT>
+                        <a:solidFill>
+                          <a:schemeClr val="bg1">
+                            <a:lumMod val="50000"/>
+                          </a:schemeClr>
+                        </a:solidFill>
+                      </a:tcPr>
+                    </a:tc>
+                    <a:tc>
+                      <a:txBody>
+                        <a:bodyPr/>
+                        <a:lstStyle/>
+                        <a:p>
+                          <a:pPr algn="ctr"/>
+                          <a:r>
+                            <a:rPr lang="en-US" dirty="0" smtClean="0"/>
+                            <a:t>DF</a:t>
+                          </a:r>
+                          <a:endParaRPr lang="en-US" dirty="0"/>
+                        </a:p>
+                      </a:txBody>
+                      <a:tcPr>
+                        <a:lnT w="12700" cap="flat" cmpd="sng" algn="ctr">
+                          <a:solidFill>
+                            <a:schemeClr val="tx1"/>
+                          </a:solidFill>
+                          <a:prstDash val="solid"/>
+                          <a:round/>
+                          <a:headEnd type="none" w="med" len="med"/>
+                          <a:tailEnd type="none" w="med" len="med"/>
+                        </a:lnT>
+                        <a:solidFill>
+                          <a:schemeClr val="bg1">
+                            <a:lumMod val="50000"/>
+                          </a:schemeClr>
+                        </a:solidFill>
+                      </a:tcPr>
+                    </a:tc>
+                    <a:tc>
+                      <a:txBody>
+                        <a:bodyPr/>
+                        <a:lstStyle/>
+                        <a:p>
+                          <a:pPr algn="ctr"/>
+                          <a:r>
+                            <a:rPr lang="en-US" dirty="0" smtClean="0"/>
+                            <a:t>SS</a:t>
+                          </a:r>
+                          <a:endParaRPr lang="en-US" dirty="0"/>
+                        </a:p>
+                      </a:txBody>
+                      <a:tcPr>
+                        <a:lnT w="12700" cap="flat" cmpd="sng" algn="ctr">
+                          <a:solidFill>
+                            <a:schemeClr val="tx1"/>
+                          </a:solidFill>
+                          <a:prstDash val="solid"/>
+                          <a:round/>
+                          <a:headEnd type="none" w="med" len="med"/>
+                          <a:tailEnd type="none" w="med" len="med"/>
+                        </a:lnT>
+                        <a:solidFill>
+                          <a:schemeClr val="bg1">
+                            <a:lumMod val="50000"/>
+                          </a:schemeClr>
+                        </a:solidFill>
+                      </a:tcPr>
+                    </a:tc>
+                    <a:tc>
+                      <a:txBody>
+                        <a:bodyPr/>
+                        <a:lstStyle/>
+                        <a:p>
+                          <a:pPr algn="ctr"/>
+                          <a:r>
+                            <a:rPr lang="en-US" dirty="0" smtClean="0"/>
+                            <a:t>MS</a:t>
+                          </a:r>
+                          <a:endParaRPr lang="en-US" dirty="0"/>
+                        </a:p>
+                      </a:txBody>
+                      <a:tcPr>
+                        <a:lnT w="12700" cap="flat" cmpd="sng" algn="ctr">
+                          <a:solidFill>
+                            <a:schemeClr val="tx1"/>
+                          </a:solidFill>
+                          <a:prstDash val="solid"/>
+                          <a:round/>
+                          <a:headEnd type="none" w="med" len="med"/>
+                          <a:tailEnd type="none" w="med" len="med"/>
+                        </a:lnT>
+                        <a:solidFill>
+                          <a:schemeClr val="bg1">
+                            <a:lumMod val="50000"/>
+                          </a:schemeClr>
+                        </a:solidFill>
+                      </a:tcPr>
+                    </a:tc>
+                    <a:tc>
+                      <a:txBody>
+                        <a:bodyPr/>
+                        <a:lstStyle/>
+                        <a:p>
+                          <a:pPr algn="ctr"/>
+                          <a:r>
+                            <a:rPr lang="en-US" dirty="0" smtClean="0"/>
+                            <a:t>F</a:t>
+                          </a:r>
+                          <a:endParaRPr lang="en-US" dirty="0"/>
+                        </a:p>
+                      </a:txBody>
+                      <a:tcPr>
+                        <a:lnT w="12700" cap="flat" cmpd="sng" algn="ctr">
+                          <a:solidFill>
+                            <a:schemeClr val="tx1"/>
+                          </a:solidFill>
+                          <a:prstDash val="solid"/>
+                          <a:round/>
+                          <a:headEnd type="none" w="med" len="med"/>
+                          <a:tailEnd type="none" w="med" len="med"/>
+                        </a:lnT>
+                        <a:solidFill>
+                          <a:schemeClr val="bg1">
+                            <a:lumMod val="50000"/>
+                          </a:schemeClr>
+                        </a:solidFill>
+                      </a:tcPr>
+                    </a:tc>
+                    <a:tc>
+                      <a:txBody>
+                        <a:bodyPr/>
+                        <a:lstStyle/>
+                        <a:p>
+                          <a:pPr algn="ctr"/>
+                          <a:r>
+                            <a:rPr lang="en-US" dirty="0" smtClean="0"/>
+                            <a:t>P-Value</a:t>
+                          </a:r>
+                          <a:endParaRPr lang="en-US" dirty="0"/>
+                        </a:p>
+                      </a:txBody>
+                      <a:tcPr>
+                        <a:lnR w="12700" cap="flat" cmpd="sng" algn="ctr">
+                          <a:solidFill>
+                            <a:schemeClr val="tx1"/>
+                          </a:solidFill>
+                          <a:prstDash val="solid"/>
+                          <a:round/>
+                          <a:headEnd type="none" w="med" len="med"/>
+                          <a:tailEnd type="none" w="med" len="med"/>
+                        </a:lnR>
+                        <a:lnT w="12700" cap="flat" cmpd="sng" algn="ctr">
+                          <a:solidFill>
+                            <a:schemeClr val="tx1"/>
+                          </a:solidFill>
+                          <a:prstDash val="solid"/>
+                          <a:round/>
+                          <a:headEnd type="none" w="med" len="med"/>
+                          <a:tailEnd type="none" w="med" len="med"/>
+                        </a:lnT>
+                        <a:solidFill>
+                          <a:schemeClr val="bg1">
+                            <a:lumMod val="50000"/>
+                          </a:schemeClr>
+                        </a:solidFill>
+                      </a:tcPr>
+                    </a:tc>
+                    <a:extLst>
+                      <a:ext uri="{0D108BD9-81ED-4DB2-BD59-A6C34878D82A}">
+                        <a16:rowId xmlns:a16="http://schemas.microsoft.com/office/drawing/2014/main" val="2696200524"/>
+                      </a:ext>
+                    </a:extLst>
+                  </a:tr>
+                  <a:tr h="370840">
+                    <a:tc>
+                      <a:txBody>
+                        <a:bodyPr/>
+                        <a:lstStyle/>
+                        <a:p>
+                          <a:r>
+                            <a:rPr lang="en-US" dirty="0" smtClean="0"/>
+                            <a:t>Predictor</a:t>
+                          </a:r>
+                          <a:endParaRPr lang="en-US" dirty="0"/>
+                        </a:p>
+                      </a:txBody>
+                      <a:tcPr>
+                        <a:lnL w="12700" cap="flat" cmpd="sng" algn="ctr">
+                          <a:solidFill>
+                            <a:schemeClr val="tx1"/>
+                          </a:solidFill>
+                          <a:prstDash val="solid"/>
+                          <a:round/>
+                          <a:headEnd type="none" w="med" len="med"/>
+                          <a:tailEnd type="none" w="med" len="med"/>
+                        </a:lnL>
+                        <a:noFill/>
+                      </a:tcPr>
+                    </a:tc>
+                    <a:tc>
+                      <a:txBody>
+                        <a:bodyPr/>
+                        <a:lstStyle/>
+                        <a:p>
+                          <a:pPr algn="ctr"/>
+                          <a14:m>
+                            <m:oMathPara xmlns:m="http://schemas.openxmlformats.org/officeDocument/2006/math">
+                              <m:oMathParaPr>
+                                <m:jc m:val="centerGroup"/>
+                              </m:oMathParaPr>
+                              <m:oMath xmlns:m="http://schemas.openxmlformats.org/officeDocument/2006/math">
+                                <m:r>
+                                  <a:rPr lang="en-US" b="0" i="1" smtClean="0">
+                                    <a:latin typeface="Cambria Math" panose="02040503050406030204" pitchFamily="18" charset="0"/>
+                                  </a:rPr>
+                                  <m:t>1</m:t>
+                                </m:r>
+                              </m:oMath>
+                            </m:oMathPara>
+                          </a14:m>
+                          <a:endParaRPr lang="en-US" dirty="0"/>
+                        </a:p>
+                      </a:txBody>
+                      <a:tcPr>
+                        <a:noFill/>
+                      </a:tcPr>
+                    </a:tc>
+                    <a:tc>
+                      <a:txBody>
+                        <a:bodyPr/>
+                        <a:lstStyle/>
+                        <a:p>
+                          <a:pPr algn="ctr"/>
+                          <a:r>
+                            <a:rPr lang="en-US" dirty="0" smtClean="0"/>
+                            <a:t>SSR</a:t>
+                          </a:r>
+                          <a:endParaRPr lang="en-US" dirty="0"/>
+                        </a:p>
+                      </a:txBody>
+                      <a:tcPr>
+                        <a:noFill/>
+                      </a:tcPr>
+                    </a:tc>
+                    <a:tc>
+                      <a:txBody>
+                        <a:bodyPr/>
+                        <a:lstStyle/>
+                        <a:p>
+                          <a:pPr algn="ctr"/>
+                          <a:r>
+                            <a:rPr lang="en-US" dirty="0" smtClean="0"/>
+                            <a:t>MSR</a:t>
+                          </a:r>
+                          <a:endParaRPr lang="en-US" dirty="0"/>
+                        </a:p>
+                      </a:txBody>
+                      <a:tcPr>
+                        <a:noFill/>
+                      </a:tcPr>
+                    </a:tc>
+                    <a:tc>
+                      <a:txBody>
+                        <a:bodyPr/>
+                        <a:lstStyle/>
+                        <a:p>
+                          <a:pPr algn="ctr"/>
+                          <a14:m>
+                            <m:oMathPara xmlns:m="http://schemas.openxmlformats.org/officeDocument/2006/math">
+                              <m:oMathParaPr>
+                                <m:jc m:val="centerGroup"/>
+                              </m:oMathParaPr>
+                              <m:oMath xmlns:m="http://schemas.openxmlformats.org/officeDocument/2006/math">
+                                <m:f>
+                                  <m:fPr>
+                                    <m:ctrlPr>
+                                      <a:rPr lang="en-US" b="0" i="1" smtClean="0">
+                                        <a:latin typeface="Cambria Math" panose="02040503050406030204" pitchFamily="18" charset="0"/>
+                                      </a:rPr>
+                                    </m:ctrlPr>
+                                  </m:fPr>
+                                  <m:num>
+                                    <m:r>
+                                      <m:rPr>
+                                        <m:nor/>
+                                      </m:rPr>
+                                      <a:rPr lang="en-US" b="0" i="0" smtClean="0">
+                                        <a:latin typeface="Cambria Math" panose="02040503050406030204" pitchFamily="18" charset="0"/>
+                                      </a:rPr>
+                                      <m:t>MSR</m:t>
+                                    </m:r>
+                                  </m:num>
+                                  <m:den>
+                                    <m:r>
+                                      <m:rPr>
+                                        <m:nor/>
+                                      </m:rPr>
+                                      <a:rPr lang="en-US" b="0" i="0" smtClean="0">
+                                        <a:latin typeface="Cambria Math" panose="02040503050406030204" pitchFamily="18" charset="0"/>
+                                      </a:rPr>
+                                      <m:t>MSE</m:t>
+                                    </m:r>
+                                  </m:den>
+                                </m:f>
+                              </m:oMath>
+                            </m:oMathPara>
+                          </a14:m>
+                          <a:endParaRPr lang="en-US" b="0" dirty="0" smtClean="0"/>
+                        </a:p>
+                      </a:txBody>
+                      <a:tcPr>
+                        <a:noFill/>
+                      </a:tcPr>
+                    </a:tc>
+                    <a:tc>
+                      <a:txBody>
+                        <a:bodyPr/>
+                        <a:lstStyle/>
+                        <a:p>
+                          <a:pPr algn="ctr"/>
+                          <a:r>
+                            <a:rPr lang="en-US" dirty="0" smtClean="0"/>
+                            <a:t>p</a:t>
+                          </a:r>
+                          <a:endParaRPr lang="en-US" dirty="0"/>
+                        </a:p>
+                      </a:txBody>
+                      <a:tcPr>
+                        <a:lnR w="12700" cap="flat" cmpd="sng" algn="ctr">
+                          <a:solidFill>
+                            <a:schemeClr val="tx1"/>
+                          </a:solidFill>
+                          <a:prstDash val="solid"/>
+                          <a:round/>
+                          <a:headEnd type="none" w="med" len="med"/>
+                          <a:tailEnd type="none" w="med" len="med"/>
+                        </a:lnR>
+                        <a:noFill/>
+                      </a:tcPr>
+                    </a:tc>
+                    <a:extLst>
+                      <a:ext uri="{0D108BD9-81ED-4DB2-BD59-A6C34878D82A}">
+                        <a16:rowId xmlns:a16="http://schemas.microsoft.com/office/drawing/2014/main" val="141330344"/>
+                      </a:ext>
+                    </a:extLst>
+                  </a:tr>
+                  <a:tr h="370840">
+                    <a:tc>
+                      <a:txBody>
+                        <a:bodyPr/>
+                        <a:lstStyle/>
+                        <a:p>
+                          <a:r>
+                            <a:rPr lang="en-US" dirty="0" smtClean="0"/>
+                            <a:t>Error</a:t>
+                          </a:r>
+                          <a:endParaRPr lang="en-US" dirty="0"/>
+                        </a:p>
+                      </a:txBody>
+                      <a:tcPr>
+                        <a:lnL w="12700" cap="flat" cmpd="sng" algn="ctr">
+                          <a:solidFill>
+                            <a:schemeClr val="tx1"/>
+                          </a:solidFill>
+                          <a:prstDash val="solid"/>
+                          <a:round/>
+                          <a:headEnd type="none" w="med" len="med"/>
+                          <a:tailEnd type="none" w="med" len="med"/>
+                        </a:lnL>
+                        <a:noFill/>
+                      </a:tcPr>
+                    </a:tc>
+                    <a:tc>
+                      <a:txBody>
+                        <a:bodyPr/>
+                        <a:lstStyle/>
+                        <a:p>
+                          <a:pPr algn="ctr"/>
+                          <a14:m>
+                            <m:oMathPara xmlns:m="http://schemas.openxmlformats.org/officeDocument/2006/math">
+                              <m:oMathParaPr>
+                                <m:jc m:val="centerGroup"/>
+                              </m:oMathParaPr>
+                              <m:oMath xmlns:m="http://schemas.openxmlformats.org/officeDocument/2006/math">
+                                <m:r>
+                                  <a:rPr lang="en-US" b="0" i="1" smtClean="0">
+                                    <a:latin typeface="Cambria Math" panose="02040503050406030204" pitchFamily="18" charset="0"/>
+                                  </a:rPr>
+                                  <m:t>𝑛</m:t>
+                                </m:r>
+                                <m:r>
+                                  <a:rPr lang="en-US" b="0" i="1" smtClean="0">
+                                    <a:latin typeface="Cambria Math" panose="02040503050406030204" pitchFamily="18" charset="0"/>
+                                  </a:rPr>
+                                  <m:t> −2</m:t>
+                                </m:r>
+                              </m:oMath>
+                            </m:oMathPara>
+                          </a14:m>
+                          <a:endParaRPr lang="en-US" b="0" dirty="0" smtClean="0"/>
+                        </a:p>
+                      </a:txBody>
+                      <a:tcPr>
+                        <a:noFill/>
+                      </a:tcPr>
+                    </a:tc>
+                    <a:tc>
+                      <a:txBody>
+                        <a:bodyPr/>
+                        <a:lstStyle/>
+                        <a:p>
+                          <a:pPr algn="ctr"/>
+                          <a:r>
+                            <a:rPr lang="en-US" dirty="0" smtClean="0"/>
+                            <a:t>SSE</a:t>
+                          </a:r>
+                          <a:endParaRPr lang="en-US" dirty="0"/>
+                        </a:p>
+                      </a:txBody>
+                      <a:tcPr>
+                        <a:noFill/>
+                      </a:tcPr>
+                    </a:tc>
+                    <a:tc>
+                      <a:txBody>
+                        <a:bodyPr/>
+                        <a:lstStyle/>
+                        <a:p>
+                          <a:pPr algn="ctr"/>
+                          <a:r>
+                            <a:rPr lang="en-US" dirty="0" smtClean="0"/>
+                            <a:t>MSE</a:t>
+                          </a:r>
+                          <a:endParaRPr lang="en-US" dirty="0"/>
+                        </a:p>
+                      </a:txBody>
+                      <a:tcPr>
+                        <a:noFill/>
+                      </a:tcPr>
+                    </a:tc>
+                    <a:tc>
+                      <a:txBody>
+                        <a:bodyPr/>
+                        <a:lstStyle/>
+                        <a:p>
+                          <a:pPr algn="ctr"/>
+                          <a:endParaRPr lang="en-US" dirty="0"/>
+                        </a:p>
+                      </a:txBody>
+                      <a:tcPr>
+                        <a:noFill/>
+                      </a:tcPr>
+                    </a:tc>
+                    <a:tc>
+                      <a:txBody>
+                        <a:bodyPr/>
+                        <a:lstStyle/>
+                        <a:p>
+                          <a:pPr algn="ctr"/>
+                          <a:endParaRPr lang="en-US" dirty="0"/>
+                        </a:p>
+                      </a:txBody>
+                      <a:tcPr>
+                        <a:lnR w="12700" cap="flat" cmpd="sng" algn="ctr">
+                          <a:solidFill>
+                            <a:schemeClr val="tx1"/>
+                          </a:solidFill>
+                          <a:prstDash val="solid"/>
+                          <a:round/>
+                          <a:headEnd type="none" w="med" len="med"/>
+                          <a:tailEnd type="none" w="med" len="med"/>
+                        </a:lnR>
+                        <a:noFill/>
+                      </a:tcPr>
+                    </a:tc>
+                    <a:extLst>
+                      <a:ext uri="{0D108BD9-81ED-4DB2-BD59-A6C34878D82A}">
+                        <a16:rowId xmlns:a16="http://schemas.microsoft.com/office/drawing/2014/main" val="1908871104"/>
+                      </a:ext>
+                    </a:extLst>
+                  </a:tr>
+                  <a:tr h="370840">
+                    <a:tc>
+                      <a:txBody>
+                        <a:bodyPr/>
+                        <a:lstStyle/>
+                        <a:p>
+                          <a:r>
+                            <a:rPr lang="en-US" dirty="0" smtClean="0"/>
+                            <a:t>Total</a:t>
+                          </a:r>
+                          <a:endParaRPr lang="en-US" dirty="0"/>
+                        </a:p>
+                      </a:txBody>
+                      <a:tcPr>
+                        <a:lnL w="12700" cap="flat" cmpd="sng" algn="ctr">
+                          <a:solidFill>
+                            <a:schemeClr val="tx1"/>
+                          </a:solidFill>
+                          <a:prstDash val="solid"/>
+                          <a:round/>
+                          <a:headEnd type="none" w="med" len="med"/>
+                          <a:tailEnd type="none" w="med" len="med"/>
+                        </a:lnL>
+                        <a:lnB w="12700" cap="flat" cmpd="sng" algn="ctr">
+                          <a:solidFill>
+                            <a:schemeClr val="tx1"/>
+                          </a:solidFill>
+                          <a:prstDash val="solid"/>
+                          <a:round/>
+                          <a:headEnd type="none" w="med" len="med"/>
+                          <a:tailEnd type="none" w="med" len="med"/>
+                        </a:lnB>
+                        <a:noFill/>
+                      </a:tcPr>
+                    </a:tc>
+                    <a:tc>
+                      <a:txBody>
+                        <a:bodyPr/>
+                        <a:lstStyle/>
+                        <a:p>
+                          <a:pPr algn="ctr"/>
+                          <a14:m>
+                            <m:oMathPara xmlns:m="http://schemas.openxmlformats.org/officeDocument/2006/math">
+                              <m:oMathParaPr>
+                                <m:jc m:val="centerGroup"/>
+                              </m:oMathParaPr>
+                              <m:oMath xmlns:m="http://schemas.openxmlformats.org/officeDocument/2006/math">
+                                <m:r>
+                                  <a:rPr lang="en-US" b="0" i="1" smtClean="0">
+                                    <a:latin typeface="Cambria Math" panose="02040503050406030204" pitchFamily="18" charset="0"/>
+                                  </a:rPr>
+                                  <m:t>𝑛</m:t>
+                                </m:r>
+                                <m:r>
+                                  <a:rPr lang="en-US" b="0" i="1" smtClean="0">
+                                    <a:latin typeface="Cambria Math" panose="02040503050406030204" pitchFamily="18" charset="0"/>
+                                  </a:rPr>
+                                  <m:t> −1</m:t>
+                                </m:r>
+                              </m:oMath>
+                            </m:oMathPara>
+                          </a14:m>
+                          <a:endParaRPr lang="en-US" dirty="0"/>
+                        </a:p>
+                      </a:txBody>
+                      <a:tcPr>
+                        <a:lnB w="12700" cap="flat" cmpd="sng" algn="ctr">
+                          <a:solidFill>
+                            <a:schemeClr val="tx1"/>
+                          </a:solidFill>
+                          <a:prstDash val="solid"/>
+                          <a:round/>
+                          <a:headEnd type="none" w="med" len="med"/>
+                          <a:tailEnd type="none" w="med" len="med"/>
+                        </a:lnB>
+                        <a:noFill/>
+                      </a:tcPr>
+                    </a:tc>
+                    <a:tc>
+                      <a:txBody>
+                        <a:bodyPr/>
+                        <a:lstStyle/>
+                        <a:p>
+                          <a:pPr algn="ctr"/>
+                          <a:r>
+                            <a:rPr lang="en-US" dirty="0" smtClean="0"/>
+                            <a:t>SST</a:t>
+                          </a:r>
+                          <a:endParaRPr lang="en-US" dirty="0"/>
+                        </a:p>
+                      </a:txBody>
+                      <a:tcPr>
+                        <a:lnB w="12700" cap="flat" cmpd="sng" algn="ctr">
+                          <a:solidFill>
+                            <a:schemeClr val="tx1"/>
+                          </a:solidFill>
+                          <a:prstDash val="solid"/>
+                          <a:round/>
+                          <a:headEnd type="none" w="med" len="med"/>
+                          <a:tailEnd type="none" w="med" len="med"/>
+                        </a:lnB>
+                        <a:noFill/>
+                      </a:tcPr>
+                    </a:tc>
+                    <a:tc>
+                      <a:txBody>
+                        <a:bodyPr/>
+                        <a:lstStyle/>
+                        <a:p>
+                          <a:pPr algn="ctr"/>
+                          <a:endParaRPr lang="en-US" dirty="0"/>
+                        </a:p>
+                      </a:txBody>
+                      <a:tcPr>
+                        <a:lnB w="12700" cap="flat" cmpd="sng" algn="ctr">
+                          <a:solidFill>
+                            <a:schemeClr val="tx1"/>
+                          </a:solidFill>
+                          <a:prstDash val="solid"/>
+                          <a:round/>
+                          <a:headEnd type="none" w="med" len="med"/>
+                          <a:tailEnd type="none" w="med" len="med"/>
+                        </a:lnB>
+                        <a:noFill/>
+                      </a:tcPr>
+                    </a:tc>
+                    <a:tc>
+                      <a:txBody>
+                        <a:bodyPr/>
+                        <a:lstStyle/>
+                        <a:p>
+                          <a:pPr algn="ctr"/>
+                          <a:endParaRPr lang="en-US" dirty="0"/>
+                        </a:p>
+                      </a:txBody>
+                      <a:tcPr>
+                        <a:lnB w="12700" cap="flat" cmpd="sng" algn="ctr">
+                          <a:solidFill>
+                            <a:schemeClr val="tx1"/>
+                          </a:solidFill>
+                          <a:prstDash val="solid"/>
+                          <a:round/>
+                          <a:headEnd type="none" w="med" len="med"/>
+                          <a:tailEnd type="none" w="med" len="med"/>
+                        </a:lnB>
+                        <a:noFill/>
+                      </a:tcPr>
+                    </a:tc>
+                    <a:tc>
+                      <a:txBody>
+                        <a:bodyPr/>
+                        <a:lstStyle/>
+                        <a:p>
+                          <a:pPr algn="ctr"/>
+                          <a:endParaRPr lang="en-US" dirty="0"/>
+                        </a:p>
+                      </a:txBody>
+                      <a:tcPr>
+                        <a:lnR w="12700" cap="flat" cmpd="sng" algn="ctr">
+                          <a:solidFill>
+                            <a:schemeClr val="tx1"/>
+                          </a:solidFill>
+                          <a:prstDash val="solid"/>
+                          <a:round/>
+                          <a:headEnd type="none" w="med" len="med"/>
+                          <a:tailEnd type="none" w="med" len="med"/>
+                        </a:lnR>
+                        <a:lnB w="12700" cap="flat" cmpd="sng" algn="ctr">
+                          <a:solidFill>
+                            <a:schemeClr val="tx1"/>
+                          </a:solidFill>
+                          <a:prstDash val="solid"/>
+                          <a:round/>
+                          <a:headEnd type="none" w="med" len="med"/>
+                          <a:tailEnd type="none" w="med" len="med"/>
+                        </a:lnB>
+                        <a:noFill/>
+                      </a:tcPr>
+                    </a:tc>
+                    <a:extLst>
+                      <a:ext uri="{0D108BD9-81ED-4DB2-BD59-A6C34878D82A}">
+                        <a16:rowId xmlns:a16="http://schemas.microsoft.com/office/drawing/2014/main" val="1305027931"/>
+                      </a:ext>
+                    </a:extLst>
+                  </a:tr>
+                </a:tbl>
+              </a:graphicData>
+            </a:graphic>
+          </p:graphicFrame>
+        </mc:Choice>
+        <mc:Fallback xmlns="">
+          <p:graphicFrame>
+            <p:nvGraphicFramePr>
+              <p:cNvPr id="4" name="Table 3"/>
+              <p:cNvGraphicFramePr>
+                <a:graphicFrameLocks noGrp="1"/>
+              </p:cNvGraphicFramePr>
+              <p:nvPr>
+                <p:extLst>
+                  <p:ext uri="{D42A27DB-BD31-4B8C-83A1-F6EECF244321}">
+                    <p14:modId xmlns:p14="http://schemas.microsoft.com/office/powerpoint/2010/main" val="1411509761"/>
+                  </p:ext>
+                </p:extLst>
+              </p:nvPr>
+            </p:nvGraphicFramePr>
+            <p:xfrm>
+              <a:off x="1152097" y="1986133"/>
+              <a:ext cx="6573006" cy="1719326"/>
+            </p:xfrm>
+            <a:graphic>
+              <a:graphicData uri="http://schemas.openxmlformats.org/drawingml/2006/table">
+                <a:tbl>
+                  <a:tblPr firstRow="1" bandRow="1">
+                    <a:tableStyleId>{5C22544A-7EE6-4342-B048-85BDC9FD1C3A}</a:tableStyleId>
+                  </a:tblPr>
+                  <a:tblGrid>
+                    <a:gridCol w="1095501">
+                      <a:extLst>
+                        <a:ext uri="{9D8B030D-6E8A-4147-A177-3AD203B41FA5}">
+                          <a16:colId xmlns:a16="http://schemas.microsoft.com/office/drawing/2014/main" val="2401570237"/>
+                        </a:ext>
+                      </a:extLst>
+                    </a:gridCol>
+                    <a:gridCol w="1095501">
+                      <a:extLst>
+                        <a:ext uri="{9D8B030D-6E8A-4147-A177-3AD203B41FA5}">
+                          <a16:colId xmlns:a16="http://schemas.microsoft.com/office/drawing/2014/main" val="3747713454"/>
+                        </a:ext>
+                      </a:extLst>
+                    </a:gridCol>
+                    <a:gridCol w="1095501">
+                      <a:extLst>
+                        <a:ext uri="{9D8B030D-6E8A-4147-A177-3AD203B41FA5}">
+                          <a16:colId xmlns:a16="http://schemas.microsoft.com/office/drawing/2014/main" val="828770990"/>
+                        </a:ext>
+                      </a:extLst>
+                    </a:gridCol>
+                    <a:gridCol w="1095501">
+                      <a:extLst>
+                        <a:ext uri="{9D8B030D-6E8A-4147-A177-3AD203B41FA5}">
+                          <a16:colId xmlns:a16="http://schemas.microsoft.com/office/drawing/2014/main" val="2173143747"/>
+                        </a:ext>
+                      </a:extLst>
+                    </a:gridCol>
+                    <a:gridCol w="1095501">
+                      <a:extLst>
+                        <a:ext uri="{9D8B030D-6E8A-4147-A177-3AD203B41FA5}">
+                          <a16:colId xmlns:a16="http://schemas.microsoft.com/office/drawing/2014/main" val="954101634"/>
+                        </a:ext>
+                      </a:extLst>
+                    </a:gridCol>
+                    <a:gridCol w="1095501">
+                      <a:extLst>
+                        <a:ext uri="{9D8B030D-6E8A-4147-A177-3AD203B41FA5}">
+                          <a16:colId xmlns:a16="http://schemas.microsoft.com/office/drawing/2014/main" val="2442471891"/>
+                        </a:ext>
+                      </a:extLst>
+                    </a:gridCol>
+                  </a:tblGrid>
+                  <a:tr h="370840">
+                    <a:tc>
+                      <a:txBody>
+                        <a:bodyPr/>
+                        <a:lstStyle/>
+                        <a:p>
+                          <a:r>
+                            <a:rPr lang="en-US" dirty="0" smtClean="0"/>
+                            <a:t>Source</a:t>
+                          </a:r>
+                          <a:endParaRPr lang="en-US" dirty="0"/>
+                        </a:p>
+                      </a:txBody>
+                      <a:tcPr>
+                        <a:lnL w="12700" cap="flat" cmpd="sng" algn="ctr">
+                          <a:solidFill>
+                            <a:schemeClr val="tx1"/>
+                          </a:solidFill>
+                          <a:prstDash val="solid"/>
+                          <a:round/>
+                          <a:headEnd type="none" w="med" len="med"/>
+                          <a:tailEnd type="none" w="med" len="med"/>
+                        </a:lnL>
+                        <a:lnT w="12700" cap="flat" cmpd="sng" algn="ctr">
+                          <a:solidFill>
+                            <a:schemeClr val="tx1"/>
+                          </a:solidFill>
+                          <a:prstDash val="solid"/>
+                          <a:round/>
+                          <a:headEnd type="none" w="med" len="med"/>
+                          <a:tailEnd type="none" w="med" len="med"/>
+                        </a:lnT>
+                        <a:solidFill>
+                          <a:schemeClr val="bg1">
+                            <a:lumMod val="50000"/>
+                          </a:schemeClr>
+                        </a:solidFill>
+                      </a:tcPr>
+                    </a:tc>
+                    <a:tc>
+                      <a:txBody>
+                        <a:bodyPr/>
+                        <a:lstStyle/>
+                        <a:p>
+                          <a:pPr algn="ctr"/>
+                          <a:r>
+                            <a:rPr lang="en-US" dirty="0" smtClean="0"/>
+                            <a:t>DF</a:t>
+                          </a:r>
+                          <a:endParaRPr lang="en-US" dirty="0"/>
+                        </a:p>
+                      </a:txBody>
+                      <a:tcPr>
+                        <a:lnT w="12700" cap="flat" cmpd="sng" algn="ctr">
+                          <a:solidFill>
+                            <a:schemeClr val="tx1"/>
+                          </a:solidFill>
+                          <a:prstDash val="solid"/>
+                          <a:round/>
+                          <a:headEnd type="none" w="med" len="med"/>
+                          <a:tailEnd type="none" w="med" len="med"/>
+                        </a:lnT>
+                        <a:solidFill>
+                          <a:schemeClr val="bg1">
+                            <a:lumMod val="50000"/>
+                          </a:schemeClr>
+                        </a:solidFill>
+                      </a:tcPr>
+                    </a:tc>
+                    <a:tc>
+                      <a:txBody>
+                        <a:bodyPr/>
+                        <a:lstStyle/>
+                        <a:p>
+                          <a:pPr algn="ctr"/>
+                          <a:r>
+                            <a:rPr lang="en-US" dirty="0" smtClean="0"/>
+                            <a:t>SS</a:t>
+                          </a:r>
+                          <a:endParaRPr lang="en-US" dirty="0"/>
+                        </a:p>
+                      </a:txBody>
+                      <a:tcPr>
+                        <a:lnT w="12700" cap="flat" cmpd="sng" algn="ctr">
+                          <a:solidFill>
+                            <a:schemeClr val="tx1"/>
+                          </a:solidFill>
+                          <a:prstDash val="solid"/>
+                          <a:round/>
+                          <a:headEnd type="none" w="med" len="med"/>
+                          <a:tailEnd type="none" w="med" len="med"/>
+                        </a:lnT>
+                        <a:solidFill>
+                          <a:schemeClr val="bg1">
+                            <a:lumMod val="50000"/>
+                          </a:schemeClr>
+                        </a:solidFill>
+                      </a:tcPr>
+                    </a:tc>
+                    <a:tc>
+                      <a:txBody>
+                        <a:bodyPr/>
+                        <a:lstStyle/>
+                        <a:p>
+                          <a:pPr algn="ctr"/>
+                          <a:r>
+                            <a:rPr lang="en-US" dirty="0" smtClean="0"/>
+                            <a:t>MS</a:t>
+                          </a:r>
+                          <a:endParaRPr lang="en-US" dirty="0"/>
+                        </a:p>
+                      </a:txBody>
+                      <a:tcPr>
+                        <a:lnT w="12700" cap="flat" cmpd="sng" algn="ctr">
+                          <a:solidFill>
+                            <a:schemeClr val="tx1"/>
+                          </a:solidFill>
+                          <a:prstDash val="solid"/>
+                          <a:round/>
+                          <a:headEnd type="none" w="med" len="med"/>
+                          <a:tailEnd type="none" w="med" len="med"/>
+                        </a:lnT>
+                        <a:solidFill>
+                          <a:schemeClr val="bg1">
+                            <a:lumMod val="50000"/>
+                          </a:schemeClr>
+                        </a:solidFill>
+                      </a:tcPr>
+                    </a:tc>
+                    <a:tc>
+                      <a:txBody>
+                        <a:bodyPr/>
+                        <a:lstStyle/>
+                        <a:p>
+                          <a:pPr algn="ctr"/>
+                          <a:r>
+                            <a:rPr lang="en-US" dirty="0" smtClean="0"/>
+                            <a:t>F</a:t>
+                          </a:r>
+                          <a:endParaRPr lang="en-US" dirty="0"/>
+                        </a:p>
+                      </a:txBody>
+                      <a:tcPr>
+                        <a:lnT w="12700" cap="flat" cmpd="sng" algn="ctr">
+                          <a:solidFill>
+                            <a:schemeClr val="tx1"/>
+                          </a:solidFill>
+                          <a:prstDash val="solid"/>
+                          <a:round/>
+                          <a:headEnd type="none" w="med" len="med"/>
+                          <a:tailEnd type="none" w="med" len="med"/>
+                        </a:lnT>
+                        <a:solidFill>
+                          <a:schemeClr val="bg1">
+                            <a:lumMod val="50000"/>
+                          </a:schemeClr>
+                        </a:solidFill>
+                      </a:tcPr>
+                    </a:tc>
+                    <a:tc>
+                      <a:txBody>
+                        <a:bodyPr/>
+                        <a:lstStyle/>
+                        <a:p>
+                          <a:pPr algn="ctr"/>
+                          <a:r>
+                            <a:rPr lang="en-US" dirty="0" smtClean="0"/>
+                            <a:t>P-Value</a:t>
+                          </a:r>
+                          <a:endParaRPr lang="en-US" dirty="0"/>
+                        </a:p>
+                      </a:txBody>
+                      <a:tcPr>
+                        <a:lnR w="12700" cap="flat" cmpd="sng" algn="ctr">
+                          <a:solidFill>
+                            <a:schemeClr val="tx1"/>
+                          </a:solidFill>
+                          <a:prstDash val="solid"/>
+                          <a:round/>
+                          <a:headEnd type="none" w="med" len="med"/>
+                          <a:tailEnd type="none" w="med" len="med"/>
+                        </a:lnR>
+                        <a:lnT w="12700" cap="flat" cmpd="sng" algn="ctr">
+                          <a:solidFill>
+                            <a:schemeClr val="tx1"/>
+                          </a:solidFill>
+                          <a:prstDash val="solid"/>
+                          <a:round/>
+                          <a:headEnd type="none" w="med" len="med"/>
+                          <a:tailEnd type="none" w="med" len="med"/>
+                        </a:lnT>
+                        <a:solidFill>
+                          <a:schemeClr val="bg1">
+                            <a:lumMod val="50000"/>
+                          </a:schemeClr>
+                        </a:solidFill>
+                      </a:tcPr>
+                    </a:tc>
+                    <a:extLst>
+                      <a:ext uri="{0D108BD9-81ED-4DB2-BD59-A6C34878D82A}">
+                        <a16:rowId xmlns:a16="http://schemas.microsoft.com/office/drawing/2014/main" val="2696200524"/>
+                      </a:ext>
+                    </a:extLst>
+                  </a:tr>
+                  <a:tr h="606806">
+                    <a:tc>
+                      <a:txBody>
+                        <a:bodyPr/>
+                        <a:lstStyle/>
+                        <a:p>
+                          <a:r>
+                            <a:rPr lang="en-US" dirty="0" smtClean="0"/>
+                            <a:t>Predictor</a:t>
+                          </a:r>
+                          <a:endParaRPr lang="en-US" dirty="0"/>
+                        </a:p>
+                      </a:txBody>
+                      <a:tcPr>
+                        <a:lnL w="12700" cap="flat" cmpd="sng" algn="ctr">
+                          <a:solidFill>
+                            <a:schemeClr val="tx1"/>
+                          </a:solidFill>
+                          <a:prstDash val="solid"/>
+                          <a:round/>
+                          <a:headEnd type="none" w="med" len="med"/>
+                          <a:tailEnd type="none" w="med" len="med"/>
+                        </a:lnL>
+                        <a:noFill/>
+                      </a:tcPr>
+                    </a:tc>
+                    <a:tc>
+                      <a:txBody>
+                        <a:bodyPr/>
+                        <a:lstStyle/>
+                        <a:p>
+                          <a:endParaRPr lang="en-US"/>
+                        </a:p>
+                      </a:txBody>
+                      <a:tcPr>
+                        <a:blipFill>
+                          <a:blip r:embed="rId2"/>
+                          <a:stretch>
+                            <a:fillRect l="-100556" t="-66000" r="-402222" b="-137000"/>
+                          </a:stretch>
+                        </a:blipFill>
+                      </a:tcPr>
+                    </a:tc>
+                    <a:tc>
+                      <a:txBody>
+                        <a:bodyPr/>
+                        <a:lstStyle/>
+                        <a:p>
+                          <a:pPr algn="ctr"/>
+                          <a:r>
+                            <a:rPr lang="en-US" dirty="0" smtClean="0"/>
+                            <a:t>SSR</a:t>
+                          </a:r>
+                          <a:endParaRPr lang="en-US" dirty="0"/>
+                        </a:p>
+                      </a:txBody>
+                      <a:tcPr>
+                        <a:noFill/>
+                      </a:tcPr>
+                    </a:tc>
+                    <a:tc>
+                      <a:txBody>
+                        <a:bodyPr/>
+                        <a:lstStyle/>
+                        <a:p>
+                          <a:pPr algn="ctr"/>
+                          <a:r>
+                            <a:rPr lang="en-US" dirty="0" smtClean="0"/>
+                            <a:t>MSR</a:t>
+                          </a:r>
+                          <a:endParaRPr lang="en-US" dirty="0"/>
+                        </a:p>
+                      </a:txBody>
+                      <a:tcPr>
+                        <a:noFill/>
+                      </a:tcPr>
+                    </a:tc>
+                    <a:tc>
+                      <a:txBody>
+                        <a:bodyPr/>
+                        <a:lstStyle/>
+                        <a:p>
+                          <a:endParaRPr lang="en-US"/>
+                        </a:p>
+                      </a:txBody>
+                      <a:tcPr>
+                        <a:blipFill>
+                          <a:blip r:embed="rId2"/>
+                          <a:stretch>
+                            <a:fillRect l="-400556" t="-66000" r="-102222" b="-137000"/>
+                          </a:stretch>
+                        </a:blipFill>
+                      </a:tcPr>
+                    </a:tc>
+                    <a:tc>
+                      <a:txBody>
+                        <a:bodyPr/>
+                        <a:lstStyle/>
+                        <a:p>
+                          <a:pPr algn="ctr"/>
+                          <a:r>
+                            <a:rPr lang="en-US" dirty="0" smtClean="0"/>
+                            <a:t>p</a:t>
+                          </a:r>
+                          <a:endParaRPr lang="en-US" dirty="0"/>
+                        </a:p>
+                      </a:txBody>
+                      <a:tcPr>
+                        <a:lnR w="12700" cap="flat" cmpd="sng" algn="ctr">
+                          <a:solidFill>
+                            <a:schemeClr val="tx1"/>
+                          </a:solidFill>
+                          <a:prstDash val="solid"/>
+                          <a:round/>
+                          <a:headEnd type="none" w="med" len="med"/>
+                          <a:tailEnd type="none" w="med" len="med"/>
+                        </a:lnR>
+                        <a:noFill/>
+                      </a:tcPr>
+                    </a:tc>
+                    <a:extLst>
+                      <a:ext uri="{0D108BD9-81ED-4DB2-BD59-A6C34878D82A}">
+                        <a16:rowId xmlns:a16="http://schemas.microsoft.com/office/drawing/2014/main" val="141330344"/>
+                      </a:ext>
+                    </a:extLst>
+                  </a:tr>
+                  <a:tr h="370840">
+                    <a:tc>
+                      <a:txBody>
+                        <a:bodyPr/>
+                        <a:lstStyle/>
+                        <a:p>
+                          <a:r>
+                            <a:rPr lang="en-US" dirty="0" smtClean="0"/>
+                            <a:t>Error</a:t>
+                          </a:r>
+                          <a:endParaRPr lang="en-US" dirty="0"/>
+                        </a:p>
+                      </a:txBody>
+                      <a:tcPr>
+                        <a:lnL w="12700" cap="flat" cmpd="sng" algn="ctr">
+                          <a:solidFill>
+                            <a:schemeClr val="tx1"/>
+                          </a:solidFill>
+                          <a:prstDash val="solid"/>
+                          <a:round/>
+                          <a:headEnd type="none" w="med" len="med"/>
+                          <a:tailEnd type="none" w="med" len="med"/>
+                        </a:lnL>
+                        <a:noFill/>
+                      </a:tcPr>
+                    </a:tc>
+                    <a:tc>
+                      <a:txBody>
+                        <a:bodyPr/>
+                        <a:lstStyle/>
+                        <a:p>
+                          <a:endParaRPr lang="en-US"/>
+                        </a:p>
+                      </a:txBody>
+                      <a:tcPr>
+                        <a:blipFill>
+                          <a:blip r:embed="rId2"/>
+                          <a:stretch>
+                            <a:fillRect l="-100556" t="-272131" r="-402222" b="-124590"/>
+                          </a:stretch>
+                        </a:blipFill>
+                      </a:tcPr>
+                    </a:tc>
+                    <a:tc>
+                      <a:txBody>
+                        <a:bodyPr/>
+                        <a:lstStyle/>
+                        <a:p>
+                          <a:pPr algn="ctr"/>
+                          <a:r>
+                            <a:rPr lang="en-US" dirty="0" smtClean="0"/>
+                            <a:t>SSE</a:t>
+                          </a:r>
+                          <a:endParaRPr lang="en-US" dirty="0"/>
+                        </a:p>
+                      </a:txBody>
+                      <a:tcPr>
+                        <a:noFill/>
+                      </a:tcPr>
+                    </a:tc>
+                    <a:tc>
+                      <a:txBody>
+                        <a:bodyPr/>
+                        <a:lstStyle/>
+                        <a:p>
+                          <a:pPr algn="ctr"/>
+                          <a:r>
+                            <a:rPr lang="en-US" dirty="0" smtClean="0"/>
+                            <a:t>MSE</a:t>
+                          </a:r>
+                          <a:endParaRPr lang="en-US" dirty="0"/>
+                        </a:p>
+                      </a:txBody>
+                      <a:tcPr>
+                        <a:noFill/>
+                      </a:tcPr>
+                    </a:tc>
+                    <a:tc>
+                      <a:txBody>
+                        <a:bodyPr/>
+                        <a:lstStyle/>
+                        <a:p>
+                          <a:pPr algn="ctr"/>
+                          <a:endParaRPr lang="en-US" dirty="0"/>
+                        </a:p>
+                      </a:txBody>
+                      <a:tcPr>
+                        <a:noFill/>
+                      </a:tcPr>
+                    </a:tc>
+                    <a:tc>
+                      <a:txBody>
+                        <a:bodyPr/>
+                        <a:lstStyle/>
+                        <a:p>
+                          <a:pPr algn="ctr"/>
+                          <a:endParaRPr lang="en-US" dirty="0"/>
+                        </a:p>
+                      </a:txBody>
+                      <a:tcPr>
+                        <a:lnR w="12700" cap="flat" cmpd="sng" algn="ctr">
+                          <a:solidFill>
+                            <a:schemeClr val="tx1"/>
+                          </a:solidFill>
+                          <a:prstDash val="solid"/>
+                          <a:round/>
+                          <a:headEnd type="none" w="med" len="med"/>
+                          <a:tailEnd type="none" w="med" len="med"/>
+                        </a:lnR>
+                        <a:noFill/>
+                      </a:tcPr>
+                    </a:tc>
+                    <a:extLst>
+                      <a:ext uri="{0D108BD9-81ED-4DB2-BD59-A6C34878D82A}">
+                        <a16:rowId xmlns:a16="http://schemas.microsoft.com/office/drawing/2014/main" val="1908871104"/>
+                      </a:ext>
+                    </a:extLst>
+                  </a:tr>
+                  <a:tr h="370840">
+                    <a:tc>
+                      <a:txBody>
+                        <a:bodyPr/>
+                        <a:lstStyle/>
+                        <a:p>
+                          <a:r>
+                            <a:rPr lang="en-US" dirty="0" smtClean="0"/>
+                            <a:t>Total</a:t>
+                          </a:r>
+                          <a:endParaRPr lang="en-US" dirty="0"/>
+                        </a:p>
+                      </a:txBody>
+                      <a:tcPr>
+                        <a:lnL w="12700" cap="flat" cmpd="sng" algn="ctr">
+                          <a:solidFill>
+                            <a:schemeClr val="tx1"/>
+                          </a:solidFill>
+                          <a:prstDash val="solid"/>
+                          <a:round/>
+                          <a:headEnd type="none" w="med" len="med"/>
+                          <a:tailEnd type="none" w="med" len="med"/>
+                        </a:lnL>
+                        <a:lnB w="12700" cap="flat" cmpd="sng" algn="ctr">
+                          <a:solidFill>
+                            <a:schemeClr val="tx1"/>
+                          </a:solidFill>
+                          <a:prstDash val="solid"/>
+                          <a:round/>
+                          <a:headEnd type="none" w="med" len="med"/>
+                          <a:tailEnd type="none" w="med" len="med"/>
+                        </a:lnB>
+                        <a:noFill/>
+                      </a:tcPr>
+                    </a:tc>
+                    <a:tc>
+                      <a:txBody>
+                        <a:bodyPr/>
+                        <a:lstStyle/>
+                        <a:p>
+                          <a:endParaRPr lang="en-US"/>
+                        </a:p>
+                      </a:txBody>
+                      <a:tcPr>
+                        <a:lnB w="12700" cap="flat" cmpd="sng" algn="ctr">
+                          <a:solidFill>
+                            <a:schemeClr val="tx1"/>
+                          </a:solidFill>
+                          <a:prstDash val="solid"/>
+                          <a:round/>
+                          <a:headEnd type="none" w="med" len="med"/>
+                          <a:tailEnd type="none" w="med" len="med"/>
+                        </a:lnB>
+                        <a:blipFill>
+                          <a:blip r:embed="rId2"/>
+                          <a:stretch>
+                            <a:fillRect l="-100556" t="-372131" r="-402222" b="-24590"/>
+                          </a:stretch>
+                        </a:blipFill>
+                      </a:tcPr>
+                    </a:tc>
+                    <a:tc>
+                      <a:txBody>
+                        <a:bodyPr/>
+                        <a:lstStyle/>
+                        <a:p>
+                          <a:pPr algn="ctr"/>
+                          <a:r>
+                            <a:rPr lang="en-US" dirty="0" smtClean="0"/>
+                            <a:t>SST</a:t>
+                          </a:r>
+                          <a:endParaRPr lang="en-US" dirty="0"/>
+                        </a:p>
+                      </a:txBody>
+                      <a:tcPr>
+                        <a:lnB w="12700" cap="flat" cmpd="sng" algn="ctr">
+                          <a:solidFill>
+                            <a:schemeClr val="tx1"/>
+                          </a:solidFill>
+                          <a:prstDash val="solid"/>
+                          <a:round/>
+                          <a:headEnd type="none" w="med" len="med"/>
+                          <a:tailEnd type="none" w="med" len="med"/>
+                        </a:lnB>
+                        <a:noFill/>
+                      </a:tcPr>
+                    </a:tc>
+                    <a:tc>
+                      <a:txBody>
+                        <a:bodyPr/>
+                        <a:lstStyle/>
+                        <a:p>
+                          <a:pPr algn="ctr"/>
+                          <a:endParaRPr lang="en-US" dirty="0"/>
+                        </a:p>
+                      </a:txBody>
+                      <a:tcPr>
+                        <a:lnB w="12700" cap="flat" cmpd="sng" algn="ctr">
+                          <a:solidFill>
+                            <a:schemeClr val="tx1"/>
+                          </a:solidFill>
+                          <a:prstDash val="solid"/>
+                          <a:round/>
+                          <a:headEnd type="none" w="med" len="med"/>
+                          <a:tailEnd type="none" w="med" len="med"/>
+                        </a:lnB>
+                        <a:noFill/>
+                      </a:tcPr>
+                    </a:tc>
+                    <a:tc>
+                      <a:txBody>
+                        <a:bodyPr/>
+                        <a:lstStyle/>
+                        <a:p>
+                          <a:pPr algn="ctr"/>
+                          <a:endParaRPr lang="en-US" dirty="0"/>
+                        </a:p>
+                      </a:txBody>
+                      <a:tcPr>
+                        <a:lnB w="12700" cap="flat" cmpd="sng" algn="ctr">
+                          <a:solidFill>
+                            <a:schemeClr val="tx1"/>
+                          </a:solidFill>
+                          <a:prstDash val="solid"/>
+                          <a:round/>
+                          <a:headEnd type="none" w="med" len="med"/>
+                          <a:tailEnd type="none" w="med" len="med"/>
+                        </a:lnB>
+                        <a:noFill/>
+                      </a:tcPr>
+                    </a:tc>
+                    <a:tc>
+                      <a:txBody>
+                        <a:bodyPr/>
+                        <a:lstStyle/>
+                        <a:p>
+                          <a:pPr algn="ctr"/>
+                          <a:endParaRPr lang="en-US" dirty="0"/>
+                        </a:p>
+                      </a:txBody>
+                      <a:tcPr>
+                        <a:lnR w="12700" cap="flat" cmpd="sng" algn="ctr">
+                          <a:solidFill>
+                            <a:schemeClr val="tx1"/>
+                          </a:solidFill>
+                          <a:prstDash val="solid"/>
+                          <a:round/>
+                          <a:headEnd type="none" w="med" len="med"/>
+                          <a:tailEnd type="none" w="med" len="med"/>
+                        </a:lnR>
+                        <a:lnB w="12700" cap="flat" cmpd="sng" algn="ctr">
+                          <a:solidFill>
+                            <a:schemeClr val="tx1"/>
+                          </a:solidFill>
+                          <a:prstDash val="solid"/>
+                          <a:round/>
+                          <a:headEnd type="none" w="med" len="med"/>
+                          <a:tailEnd type="none" w="med" len="med"/>
+                        </a:lnB>
+                        <a:noFill/>
+                      </a:tcPr>
+                    </a:tc>
+                    <a:extLst>
+                      <a:ext uri="{0D108BD9-81ED-4DB2-BD59-A6C34878D82A}">
+                        <a16:rowId xmlns:a16="http://schemas.microsoft.com/office/drawing/2014/main" val="1305027931"/>
+                      </a:ext>
+                    </a:extLst>
+                  </a:tr>
+                </a:tbl>
+              </a:graphicData>
+            </a:graphic>
+          </p:graphicFrame>
+        </mc:Fallback>
+      </mc:AlternateContent>
+      <p:sp>
+        <p:nvSpPr>
+          <p:cNvPr id="5" name="Oval 4"/>
+          <p:cNvSpPr/>
+          <p:nvPr/>
+        </p:nvSpPr>
+        <p:spPr>
+          <a:xfrm>
+            <a:off x="5603703" y="2339061"/>
+            <a:ext cx="914400" cy="637774"/>
+          </a:xfrm>
+          <a:prstGeom prst="ellipse">
+            <a:avLst/>
+          </a:prstGeom>
+          <a:noFill/>
+          <a:ln>
+            <a:solidFill>
+              <a:srgbClr val="0070C0"/>
+            </a:solidFill>
+          </a:ln>
+        </p:spPr>
+        <p:style>
+          <a:lnRef idx="2">
+            <a:schemeClr val="accent1">
+              <a:shade val="50000"/>
+            </a:schemeClr>
+          </a:lnRef>
+          <a:fillRef idx="1">
+            <a:schemeClr val="accent1"/>
+          </a:fillRef>
+          <a:effectRef idx="0">
+            <a:schemeClr val="accent1"/>
+          </a:effectRef>
+          <a:fontRef idx="minor">
+            <a:schemeClr val="lt1"/>
+          </a:fontRef>
+        </p:style>
+        <p:txBody>
+          <a:bodyPr rtlCol="0" anchor="ctr"/>
+          <a:lstStyle/>
+          <a:p>
+            <a:pPr algn="ctr"/>
+            <a:endParaRPr lang="en-US"/>
+          </a:p>
+        </p:txBody>
+      </p:sp>
+      <p:sp>
+        <p:nvSpPr>
+          <p:cNvPr id="7" name="TextBox 6"/>
+          <p:cNvSpPr txBox="1"/>
+          <p:nvPr/>
+        </p:nvSpPr>
+        <p:spPr>
+          <a:xfrm>
+            <a:off x="6309039" y="4187758"/>
+            <a:ext cx="2190600" cy="369332"/>
+          </a:xfrm>
+          <a:prstGeom prst="rect">
+            <a:avLst/>
+          </a:prstGeom>
+          <a:noFill/>
+        </p:spPr>
+        <p:txBody>
+          <a:bodyPr wrap="none" rtlCol="0">
+            <a:spAutoFit/>
+          </a:bodyPr>
+          <a:lstStyle/>
+          <a:p>
+            <a:r>
+              <a:rPr lang="en-US" dirty="0" smtClean="0">
+                <a:solidFill>
+                  <a:srgbClr val="0070C0"/>
+                </a:solidFill>
+              </a:rPr>
+              <a:t>Standardized Statistic</a:t>
+            </a:r>
+            <a:endParaRPr lang="en-US" dirty="0">
+              <a:solidFill>
+                <a:srgbClr val="0070C0"/>
+              </a:solidFill>
+            </a:endParaRPr>
+          </a:p>
+        </p:txBody>
+      </p:sp>
+      <p:sp>
+        <p:nvSpPr>
+          <p:cNvPr id="8" name="Freeform 7"/>
+          <p:cNvSpPr/>
+          <p:nvPr/>
+        </p:nvSpPr>
+        <p:spPr>
+          <a:xfrm>
+            <a:off x="5513808" y="2968952"/>
+            <a:ext cx="810423" cy="1431501"/>
+          </a:xfrm>
+          <a:custGeom>
+            <a:avLst/>
+            <a:gdLst>
+              <a:gd name="connsiteX0" fmla="*/ 426222 w 810423"/>
+              <a:gd name="connsiteY0" fmla="*/ 0 h 1449983"/>
+              <a:gd name="connsiteX1" fmla="*/ 57388 w 810423"/>
+              <a:gd name="connsiteY1" fmla="*/ 814508 h 1449983"/>
+              <a:gd name="connsiteX2" fmla="*/ 80440 w 810423"/>
+              <a:gd name="connsiteY2" fmla="*/ 1367758 h 1449983"/>
+              <a:gd name="connsiteX3" fmla="*/ 810423 w 810423"/>
+              <a:gd name="connsiteY3" fmla="*/ 1436915 h 1449983"/>
+            </a:gdLst>
+            <a:ahLst/>
+            <a:cxnLst>
+              <a:cxn ang="0">
+                <a:pos x="connsiteX0" y="connsiteY0"/>
+              </a:cxn>
+              <a:cxn ang="0">
+                <a:pos x="connsiteX1" y="connsiteY1"/>
+              </a:cxn>
+              <a:cxn ang="0">
+                <a:pos x="connsiteX2" y="connsiteY2"/>
+              </a:cxn>
+              <a:cxn ang="0">
+                <a:pos x="connsiteX3" y="connsiteY3"/>
+              </a:cxn>
+            </a:cxnLst>
+            <a:rect l="l" t="t" r="r" b="b"/>
+            <a:pathLst>
+              <a:path w="810423" h="1449983">
+                <a:moveTo>
+                  <a:pt x="426222" y="0"/>
+                </a:moveTo>
+                <a:cubicBezTo>
+                  <a:pt x="270620" y="293274"/>
+                  <a:pt x="115018" y="586548"/>
+                  <a:pt x="57388" y="814508"/>
+                </a:cubicBezTo>
+                <a:cubicBezTo>
+                  <a:pt x="-242" y="1042468"/>
+                  <a:pt x="-45066" y="1264024"/>
+                  <a:pt x="80440" y="1367758"/>
+                </a:cubicBezTo>
+                <a:cubicBezTo>
+                  <a:pt x="205946" y="1471492"/>
+                  <a:pt x="508184" y="1454203"/>
+                  <a:pt x="810423" y="1436915"/>
+                </a:cubicBezTo>
+              </a:path>
+            </a:pathLst>
+          </a:custGeom>
+          <a:noFill/>
+          <a:ln>
+            <a:solidFill>
+              <a:srgbClr val="0070C0"/>
+            </a:solidFill>
+          </a:ln>
+        </p:spPr>
+        <p:style>
+          <a:lnRef idx="2">
+            <a:schemeClr val="accent1">
+              <a:shade val="50000"/>
+            </a:schemeClr>
+          </a:lnRef>
+          <a:fillRef idx="1">
+            <a:schemeClr val="accent1"/>
+          </a:fillRef>
+          <a:effectRef idx="0">
+            <a:schemeClr val="accent1"/>
+          </a:effectRef>
+          <a:fontRef idx="minor">
+            <a:schemeClr val="lt1"/>
+          </a:fontRef>
+        </p:style>
+        <p:txBody>
+          <a:bodyPr rtlCol="0" anchor="ctr"/>
+          <a:lstStyle/>
+          <a:p>
+            <a:pPr algn="ctr"/>
+            <a:endParaRPr lang="en-US"/>
+          </a:p>
+        </p:txBody>
+      </p:sp>
+      <p:sp>
+        <p:nvSpPr>
+          <p:cNvPr id="9" name="Oval 8"/>
+          <p:cNvSpPr/>
+          <p:nvPr/>
+        </p:nvSpPr>
+        <p:spPr>
+          <a:xfrm>
+            <a:off x="4670374" y="2958751"/>
+            <a:ext cx="653143" cy="361150"/>
+          </a:xfrm>
+          <a:prstGeom prst="ellipse">
+            <a:avLst/>
+          </a:prstGeom>
+          <a:noFill/>
+          <a:ln>
+            <a:solidFill>
+              <a:schemeClr val="accent6">
+                <a:lumMod val="75000"/>
+              </a:schemeClr>
+            </a:solidFill>
+          </a:ln>
+        </p:spPr>
+        <p:style>
+          <a:lnRef idx="2">
+            <a:schemeClr val="accent1">
+              <a:shade val="50000"/>
+            </a:schemeClr>
+          </a:lnRef>
+          <a:fillRef idx="1">
+            <a:schemeClr val="accent1"/>
+          </a:fillRef>
+          <a:effectRef idx="0">
+            <a:schemeClr val="accent1"/>
+          </a:effectRef>
+          <a:fontRef idx="minor">
+            <a:schemeClr val="lt1"/>
+          </a:fontRef>
+        </p:style>
+        <p:txBody>
+          <a:bodyPr rtlCol="0" anchor="ctr"/>
+          <a:lstStyle/>
+          <a:p>
+            <a:pPr algn="ctr"/>
+            <a:endParaRPr lang="en-US"/>
+          </a:p>
+        </p:txBody>
+      </p:sp>
+      <p:sp>
+        <p:nvSpPr>
+          <p:cNvPr id="10" name="TextBox 9"/>
+          <p:cNvSpPr txBox="1"/>
+          <p:nvPr/>
+        </p:nvSpPr>
+        <p:spPr>
+          <a:xfrm>
+            <a:off x="5791887" y="4877210"/>
+            <a:ext cx="3068469" cy="369332"/>
+          </a:xfrm>
+          <a:prstGeom prst="rect">
+            <a:avLst/>
+          </a:prstGeom>
+          <a:noFill/>
+        </p:spPr>
+        <p:txBody>
+          <a:bodyPr wrap="none" rtlCol="0">
+            <a:spAutoFit/>
+          </a:bodyPr>
+          <a:lstStyle/>
+          <a:p>
+            <a:r>
+              <a:rPr lang="en-US" dirty="0" smtClean="0">
+                <a:solidFill>
+                  <a:schemeClr val="accent6">
+                    <a:lumMod val="75000"/>
+                  </a:schemeClr>
+                </a:solidFill>
+              </a:rPr>
+              <a:t>Estimate of Residual Variability</a:t>
+            </a:r>
+            <a:endParaRPr lang="en-US" dirty="0">
+              <a:solidFill>
+                <a:schemeClr val="accent6">
+                  <a:lumMod val="75000"/>
+                </a:schemeClr>
+              </a:solidFill>
+            </a:endParaRPr>
+          </a:p>
+        </p:txBody>
+      </p:sp>
+      <p:sp>
+        <p:nvSpPr>
+          <p:cNvPr id="11" name="Freeform 10"/>
+          <p:cNvSpPr/>
+          <p:nvPr/>
+        </p:nvSpPr>
+        <p:spPr>
+          <a:xfrm>
+            <a:off x="4444467" y="3304533"/>
+            <a:ext cx="1278620" cy="1820744"/>
+          </a:xfrm>
+          <a:custGeom>
+            <a:avLst/>
+            <a:gdLst>
+              <a:gd name="connsiteX0" fmla="*/ 425692 w 1278620"/>
+              <a:gd name="connsiteY0" fmla="*/ 0 h 1820744"/>
+              <a:gd name="connsiteX1" fmla="*/ 110647 w 1278620"/>
+              <a:gd name="connsiteY1" fmla="*/ 983556 h 1820744"/>
+              <a:gd name="connsiteX2" fmla="*/ 95279 w 1278620"/>
+              <a:gd name="connsiteY2" fmla="*/ 1728907 h 1820744"/>
+              <a:gd name="connsiteX3" fmla="*/ 1278620 w 1278620"/>
+              <a:gd name="connsiteY3" fmla="*/ 1782695 h 1820744"/>
+            </a:gdLst>
+            <a:ahLst/>
+            <a:cxnLst>
+              <a:cxn ang="0">
+                <a:pos x="connsiteX0" y="connsiteY0"/>
+              </a:cxn>
+              <a:cxn ang="0">
+                <a:pos x="connsiteX1" y="connsiteY1"/>
+              </a:cxn>
+              <a:cxn ang="0">
+                <a:pos x="connsiteX2" y="connsiteY2"/>
+              </a:cxn>
+              <a:cxn ang="0">
+                <a:pos x="connsiteX3" y="connsiteY3"/>
+              </a:cxn>
+            </a:cxnLst>
+            <a:rect l="l" t="t" r="r" b="b"/>
+            <a:pathLst>
+              <a:path w="1278620" h="1820744">
+                <a:moveTo>
+                  <a:pt x="425692" y="0"/>
+                </a:moveTo>
+                <a:cubicBezTo>
+                  <a:pt x="295704" y="347702"/>
+                  <a:pt x="165716" y="695405"/>
+                  <a:pt x="110647" y="983556"/>
+                </a:cubicBezTo>
+                <a:cubicBezTo>
+                  <a:pt x="55578" y="1271707"/>
+                  <a:pt x="-99383" y="1595717"/>
+                  <a:pt x="95279" y="1728907"/>
+                </a:cubicBezTo>
+                <a:cubicBezTo>
+                  <a:pt x="289941" y="1862097"/>
+                  <a:pt x="784280" y="1822396"/>
+                  <a:pt x="1278620" y="1782695"/>
+                </a:cubicBezTo>
+              </a:path>
+            </a:pathLst>
+          </a:custGeom>
+          <a:noFill/>
+          <a:ln>
+            <a:solidFill>
+              <a:schemeClr val="accent6">
+                <a:lumMod val="75000"/>
+              </a:schemeClr>
+            </a:solidFill>
+          </a:ln>
+        </p:spPr>
+        <p:style>
+          <a:lnRef idx="2">
+            <a:schemeClr val="accent1">
+              <a:shade val="50000"/>
+            </a:schemeClr>
+          </a:lnRef>
+          <a:fillRef idx="1">
+            <a:schemeClr val="accent1"/>
+          </a:fillRef>
+          <a:effectRef idx="0">
+            <a:schemeClr val="accent1"/>
+          </a:effectRef>
+          <a:fontRef idx="minor">
+            <a:schemeClr val="lt1"/>
+          </a:fontRef>
+        </p:style>
+        <p:txBody>
+          <a:bodyPr rtlCol="0" anchor="ctr"/>
+          <a:lstStyle/>
+          <a:p>
+            <a:pPr algn="ctr"/>
+            <a:endParaRPr lang="en-US"/>
+          </a:p>
+        </p:txBody>
+      </p:sp>
+      <p:sp>
+        <p:nvSpPr>
+          <p:cNvPr id="12" name="Oval 11"/>
+          <p:cNvSpPr/>
+          <p:nvPr/>
+        </p:nvSpPr>
+        <p:spPr>
+          <a:xfrm>
+            <a:off x="1068082" y="1713726"/>
+            <a:ext cx="1206393" cy="2326179"/>
+          </a:xfrm>
+          <a:prstGeom prst="ellipse">
+            <a:avLst/>
+          </a:prstGeom>
+          <a:noFill/>
+          <a:ln>
+            <a:solidFill>
+              <a:schemeClr val="accent2"/>
+            </a:solidFill>
+          </a:ln>
+        </p:spPr>
+        <p:style>
+          <a:lnRef idx="2">
+            <a:schemeClr val="accent1">
+              <a:shade val="50000"/>
+            </a:schemeClr>
+          </a:lnRef>
+          <a:fillRef idx="1">
+            <a:schemeClr val="accent1"/>
+          </a:fillRef>
+          <a:effectRef idx="0">
+            <a:schemeClr val="accent1"/>
+          </a:effectRef>
+          <a:fontRef idx="minor">
+            <a:schemeClr val="lt1"/>
+          </a:fontRef>
+        </p:style>
+        <p:txBody>
+          <a:bodyPr rtlCol="0" anchor="ctr"/>
+          <a:lstStyle/>
+          <a:p>
+            <a:pPr algn="ctr"/>
+            <a:endParaRPr lang="en-US"/>
+          </a:p>
+        </p:txBody>
+      </p:sp>
+      <p:sp>
+        <p:nvSpPr>
+          <p:cNvPr id="13" name="TextBox 12"/>
+          <p:cNvSpPr txBox="1"/>
+          <p:nvPr/>
+        </p:nvSpPr>
+        <p:spPr>
+          <a:xfrm>
+            <a:off x="2374367" y="1344394"/>
+            <a:ext cx="2263633" cy="369332"/>
+          </a:xfrm>
+          <a:prstGeom prst="rect">
+            <a:avLst/>
+          </a:prstGeom>
+          <a:noFill/>
+        </p:spPr>
+        <p:txBody>
+          <a:bodyPr wrap="none" rtlCol="0">
+            <a:spAutoFit/>
+          </a:bodyPr>
+          <a:lstStyle/>
+          <a:p>
+            <a:r>
+              <a:rPr lang="en-US" dirty="0" smtClean="0">
+                <a:solidFill>
+                  <a:schemeClr val="accent2"/>
+                </a:solidFill>
+              </a:rPr>
+              <a:t>Partitioning Variability</a:t>
+            </a:r>
+            <a:endParaRPr lang="en-US" dirty="0">
+              <a:solidFill>
+                <a:schemeClr val="accent2"/>
+              </a:solidFill>
+            </a:endParaRPr>
+          </a:p>
+        </p:txBody>
+      </p:sp>
+      <p:sp>
+        <p:nvSpPr>
+          <p:cNvPr id="14" name="Freeform 13"/>
+          <p:cNvSpPr/>
+          <p:nvPr/>
+        </p:nvSpPr>
+        <p:spPr>
+          <a:xfrm>
+            <a:off x="1775013" y="1520866"/>
+            <a:ext cx="614722" cy="208042"/>
+          </a:xfrm>
+          <a:custGeom>
+            <a:avLst/>
+            <a:gdLst>
+              <a:gd name="connsiteX0" fmla="*/ 0 w 614722"/>
+              <a:gd name="connsiteY0" fmla="*/ 208042 h 208042"/>
+              <a:gd name="connsiteX1" fmla="*/ 222837 w 614722"/>
+              <a:gd name="connsiteY1" fmla="*/ 23625 h 208042"/>
+              <a:gd name="connsiteX2" fmla="*/ 614722 w 614722"/>
+              <a:gd name="connsiteY2" fmla="*/ 8257 h 208042"/>
+            </a:gdLst>
+            <a:ahLst/>
+            <a:cxnLst>
+              <a:cxn ang="0">
+                <a:pos x="connsiteX0" y="connsiteY0"/>
+              </a:cxn>
+              <a:cxn ang="0">
+                <a:pos x="connsiteX1" y="connsiteY1"/>
+              </a:cxn>
+              <a:cxn ang="0">
+                <a:pos x="connsiteX2" y="connsiteY2"/>
+              </a:cxn>
+            </a:cxnLst>
+            <a:rect l="l" t="t" r="r" b="b"/>
+            <a:pathLst>
+              <a:path w="614722" h="208042">
+                <a:moveTo>
+                  <a:pt x="0" y="208042"/>
+                </a:moveTo>
+                <a:cubicBezTo>
+                  <a:pt x="60191" y="132482"/>
+                  <a:pt x="120383" y="56922"/>
+                  <a:pt x="222837" y="23625"/>
+                </a:cubicBezTo>
+                <a:cubicBezTo>
+                  <a:pt x="325291" y="-9672"/>
+                  <a:pt x="470006" y="-708"/>
+                  <a:pt x="614722" y="8257"/>
+                </a:cubicBezTo>
+              </a:path>
+            </a:pathLst>
+          </a:custGeom>
+          <a:noFill/>
+          <a:ln>
+            <a:solidFill>
+              <a:schemeClr val="accent2"/>
+            </a:solidFill>
+          </a:ln>
+        </p:spPr>
+        <p:style>
+          <a:lnRef idx="2">
+            <a:schemeClr val="accent1">
+              <a:shade val="50000"/>
+            </a:schemeClr>
+          </a:lnRef>
+          <a:fillRef idx="1">
+            <a:schemeClr val="accent1"/>
+          </a:fillRef>
+          <a:effectRef idx="0">
+            <a:schemeClr val="accent1"/>
+          </a:effectRef>
+          <a:fontRef idx="minor">
+            <a:schemeClr val="lt1"/>
+          </a:fontRef>
+        </p:style>
+        <p:txBody>
+          <a:bodyPr rtlCol="0" anchor="ctr"/>
+          <a:lstStyle/>
+          <a:p>
+            <a:pPr algn="ctr"/>
+            <a:endParaRPr lang="en-US"/>
+          </a:p>
+        </p:txBody>
+      </p:sp>
+    </p:spTree>
+    <p:extLst>
+      <p:ext uri="{BB962C8B-B14F-4D97-AF65-F5344CB8AC3E}">
+        <p14:creationId xmlns:p14="http://schemas.microsoft.com/office/powerpoint/2010/main" val="870100078"/>
+      </p:ext>
+    </p:extLst>
+  </p:cSld>
+  <p:clrMapOvr>
+    <a:masterClrMapping/>
+  </p:clrMapOvr>
+  <p:timing>
+    <p:tnLst>
+      <p:par>
+        <p:cTn id="1" dur="indefinite" restart="never" nodeType="tmRoot"/>
+      </p:par>
+    </p:tnLst>
+  </p:timing>
+</p:sld>
+</file>
+
+<file path=ppt/slides/slide12.xml><?xml version="1.0" encoding="utf-8"?>
 <p:sld xmlns:a="http://schemas.openxmlformats.org/drawingml/2006/main" xmlns:r="http://schemas.openxmlformats.org/officeDocument/2006/relationships" xmlns:p="http://schemas.openxmlformats.org/presentationml/2006/main">
   <p:cSld>
     <p:spTree>
@@ -7848,7 +9898,1604 @@
 </p:sld>
 </file>
 
-<file path=ppt/slides/slide12.xml><?xml version="1.0" encoding="utf-8"?>
+<file path=ppt/slides/slide13.xml><?xml version="1.0" encoding="utf-8"?>
+<p:sld xmlns:a="http://schemas.openxmlformats.org/drawingml/2006/main" xmlns:r="http://schemas.openxmlformats.org/officeDocument/2006/relationships" xmlns:p="http://schemas.openxmlformats.org/presentationml/2006/main">
+  <p:cSld>
+    <p:spTree>
+      <p:nvGrpSpPr>
+        <p:cNvPr id="1" name=""/>
+        <p:cNvGrpSpPr/>
+        <p:nvPr/>
+      </p:nvGrpSpPr>
+      <p:grpSpPr>
+        <a:xfrm>
+          <a:off x="0" y="0"/>
+          <a:ext cx="0" cy="0"/>
+          <a:chOff x="0" y="0"/>
+          <a:chExt cx="0" cy="0"/>
+        </a:xfrm>
+      </p:grpSpPr>
+      <p:cxnSp>
+        <p:nvCxnSpPr>
+          <p:cNvPr id="5" name="Straight Connector 4"/>
+          <p:cNvCxnSpPr/>
+          <p:nvPr/>
+        </p:nvCxnSpPr>
+        <p:spPr>
+          <a:xfrm>
+            <a:off x="914400" y="666119"/>
+            <a:ext cx="0" cy="5486400"/>
+          </a:xfrm>
+          <a:prstGeom prst="line">
+            <a:avLst/>
+          </a:prstGeom>
+          <a:ln w="38100">
+            <a:solidFill>
+              <a:schemeClr val="tx1"/>
+            </a:solidFill>
+          </a:ln>
+        </p:spPr>
+        <p:style>
+          <a:lnRef idx="1">
+            <a:schemeClr val="accent1"/>
+          </a:lnRef>
+          <a:fillRef idx="0">
+            <a:schemeClr val="accent1"/>
+          </a:fillRef>
+          <a:effectRef idx="0">
+            <a:schemeClr val="accent1"/>
+          </a:effectRef>
+          <a:fontRef idx="minor">
+            <a:schemeClr val="tx1"/>
+          </a:fontRef>
+        </p:style>
+      </p:cxnSp>
+      <p:cxnSp>
+        <p:nvCxnSpPr>
+          <p:cNvPr id="7" name="Straight Connector 6"/>
+          <p:cNvCxnSpPr/>
+          <p:nvPr/>
+        </p:nvCxnSpPr>
+        <p:spPr>
+          <a:xfrm flipV="1">
+            <a:off x="902289" y="6149720"/>
+            <a:ext cx="7315200" cy="0"/>
+          </a:xfrm>
+          <a:prstGeom prst="line">
+            <a:avLst/>
+          </a:prstGeom>
+          <a:ln w="38100">
+            <a:solidFill>
+              <a:schemeClr val="tx1"/>
+            </a:solidFill>
+          </a:ln>
+        </p:spPr>
+        <p:style>
+          <a:lnRef idx="1">
+            <a:schemeClr val="accent1"/>
+          </a:lnRef>
+          <a:fillRef idx="0">
+            <a:schemeClr val="accent1"/>
+          </a:fillRef>
+          <a:effectRef idx="0">
+            <a:schemeClr val="accent1"/>
+          </a:effectRef>
+          <a:fontRef idx="minor">
+            <a:schemeClr val="tx1"/>
+          </a:fontRef>
+        </p:style>
+      </p:cxnSp>
+      <p:sp>
+        <p:nvSpPr>
+          <p:cNvPr id="8" name="TextBox 7"/>
+          <p:cNvSpPr txBox="1"/>
+          <p:nvPr/>
+        </p:nvSpPr>
+        <p:spPr>
+          <a:xfrm rot="16200000">
+            <a:off x="-66614" y="3224652"/>
+            <a:ext cx="1081515" cy="369332"/>
+          </a:xfrm>
+          <a:prstGeom prst="rect">
+            <a:avLst/>
+          </a:prstGeom>
+          <a:noFill/>
+        </p:spPr>
+        <p:txBody>
+          <a:bodyPr wrap="none" rtlCol="0">
+            <a:spAutoFit/>
+          </a:bodyPr>
+          <a:lstStyle/>
+          <a:p>
+            <a:r>
+              <a:rPr lang="en-US" dirty="0" smtClean="0"/>
+              <a:t>Response</a:t>
+            </a:r>
+            <a:endParaRPr lang="en-US" dirty="0"/>
+          </a:p>
+        </p:txBody>
+      </p:sp>
+      <p:sp>
+        <p:nvSpPr>
+          <p:cNvPr id="10" name="TextBox 9"/>
+          <p:cNvSpPr txBox="1"/>
+          <p:nvPr/>
+        </p:nvSpPr>
+        <p:spPr>
+          <a:xfrm>
+            <a:off x="4089504" y="6285743"/>
+            <a:ext cx="1045030" cy="369332"/>
+          </a:xfrm>
+          <a:prstGeom prst="rect">
+            <a:avLst/>
+          </a:prstGeom>
+          <a:noFill/>
+        </p:spPr>
+        <p:txBody>
+          <a:bodyPr wrap="none" rtlCol="0">
+            <a:spAutoFit/>
+          </a:bodyPr>
+          <a:lstStyle/>
+          <a:p>
+            <a:r>
+              <a:rPr lang="en-US" dirty="0" smtClean="0"/>
+              <a:t>Predictor</a:t>
+            </a:r>
+            <a:endParaRPr lang="en-US" dirty="0"/>
+          </a:p>
+        </p:txBody>
+      </p:sp>
+      <p:sp>
+        <p:nvSpPr>
+          <p:cNvPr id="2" name="Oval 1"/>
+          <p:cNvSpPr/>
+          <p:nvPr/>
+        </p:nvSpPr>
+        <p:spPr>
+          <a:xfrm>
+            <a:off x="2689410" y="3633014"/>
+            <a:ext cx="91440" cy="91440"/>
+          </a:xfrm>
+          <a:prstGeom prst="ellipse">
+            <a:avLst/>
+          </a:prstGeom>
+          <a:solidFill>
+            <a:schemeClr val="tx1"/>
+          </a:solidFill>
+          <a:ln>
+            <a:solidFill>
+              <a:schemeClr val="tx1"/>
+            </a:solidFill>
+          </a:ln>
+        </p:spPr>
+        <p:style>
+          <a:lnRef idx="2">
+            <a:schemeClr val="accent1">
+              <a:shade val="50000"/>
+            </a:schemeClr>
+          </a:lnRef>
+          <a:fillRef idx="1">
+            <a:schemeClr val="accent1"/>
+          </a:fillRef>
+          <a:effectRef idx="0">
+            <a:schemeClr val="accent1"/>
+          </a:effectRef>
+          <a:fontRef idx="minor">
+            <a:schemeClr val="lt1"/>
+          </a:fontRef>
+        </p:style>
+        <p:txBody>
+          <a:bodyPr rtlCol="0" anchor="ctr"/>
+          <a:lstStyle/>
+          <a:p>
+            <a:pPr algn="ctr"/>
+            <a:endParaRPr lang="en-US"/>
+          </a:p>
+        </p:txBody>
+      </p:sp>
+      <p:sp>
+        <p:nvSpPr>
+          <p:cNvPr id="33" name="Oval 32"/>
+          <p:cNvSpPr/>
+          <p:nvPr/>
+        </p:nvSpPr>
+        <p:spPr>
+          <a:xfrm>
+            <a:off x="2111827" y="4924184"/>
+            <a:ext cx="91440" cy="91440"/>
+          </a:xfrm>
+          <a:prstGeom prst="ellipse">
+            <a:avLst/>
+          </a:prstGeom>
+          <a:solidFill>
+            <a:schemeClr val="tx1"/>
+          </a:solidFill>
+          <a:ln>
+            <a:solidFill>
+              <a:schemeClr val="tx1"/>
+            </a:solidFill>
+          </a:ln>
+        </p:spPr>
+        <p:style>
+          <a:lnRef idx="2">
+            <a:schemeClr val="accent1">
+              <a:shade val="50000"/>
+            </a:schemeClr>
+          </a:lnRef>
+          <a:fillRef idx="1">
+            <a:schemeClr val="accent1"/>
+          </a:fillRef>
+          <a:effectRef idx="0">
+            <a:schemeClr val="accent1"/>
+          </a:effectRef>
+          <a:fontRef idx="minor">
+            <a:schemeClr val="lt1"/>
+          </a:fontRef>
+        </p:style>
+        <p:txBody>
+          <a:bodyPr rtlCol="0" anchor="ctr"/>
+          <a:lstStyle/>
+          <a:p>
+            <a:pPr algn="ctr"/>
+            <a:endParaRPr lang="en-US"/>
+          </a:p>
+        </p:txBody>
+      </p:sp>
+      <p:sp>
+        <p:nvSpPr>
+          <p:cNvPr id="44" name="Oval 43"/>
+          <p:cNvSpPr/>
+          <p:nvPr/>
+        </p:nvSpPr>
+        <p:spPr>
+          <a:xfrm>
+            <a:off x="4713949" y="3621169"/>
+            <a:ext cx="91440" cy="91440"/>
+          </a:xfrm>
+          <a:prstGeom prst="ellipse">
+            <a:avLst/>
+          </a:prstGeom>
+          <a:solidFill>
+            <a:schemeClr val="tx1"/>
+          </a:solidFill>
+          <a:ln>
+            <a:solidFill>
+              <a:schemeClr val="tx1"/>
+            </a:solidFill>
+          </a:ln>
+        </p:spPr>
+        <p:style>
+          <a:lnRef idx="2">
+            <a:schemeClr val="accent1">
+              <a:shade val="50000"/>
+            </a:schemeClr>
+          </a:lnRef>
+          <a:fillRef idx="1">
+            <a:schemeClr val="accent1"/>
+          </a:fillRef>
+          <a:effectRef idx="0">
+            <a:schemeClr val="accent1"/>
+          </a:effectRef>
+          <a:fontRef idx="minor">
+            <a:schemeClr val="lt1"/>
+          </a:fontRef>
+        </p:style>
+        <p:txBody>
+          <a:bodyPr rtlCol="0" anchor="ctr"/>
+          <a:lstStyle/>
+          <a:p>
+            <a:pPr algn="ctr"/>
+            <a:endParaRPr lang="en-US"/>
+          </a:p>
+        </p:txBody>
+      </p:sp>
+      <p:sp>
+        <p:nvSpPr>
+          <p:cNvPr id="47" name="Oval 46"/>
+          <p:cNvSpPr/>
+          <p:nvPr/>
+        </p:nvSpPr>
+        <p:spPr>
+          <a:xfrm>
+            <a:off x="3982310" y="2801045"/>
+            <a:ext cx="91440" cy="91440"/>
+          </a:xfrm>
+          <a:prstGeom prst="ellipse">
+            <a:avLst/>
+          </a:prstGeom>
+          <a:solidFill>
+            <a:schemeClr val="tx1"/>
+          </a:solidFill>
+          <a:ln>
+            <a:solidFill>
+              <a:schemeClr val="tx1"/>
+            </a:solidFill>
+          </a:ln>
+        </p:spPr>
+        <p:style>
+          <a:lnRef idx="2">
+            <a:schemeClr val="accent1">
+              <a:shade val="50000"/>
+            </a:schemeClr>
+          </a:lnRef>
+          <a:fillRef idx="1">
+            <a:schemeClr val="accent1"/>
+          </a:fillRef>
+          <a:effectRef idx="0">
+            <a:schemeClr val="accent1"/>
+          </a:effectRef>
+          <a:fontRef idx="minor">
+            <a:schemeClr val="lt1"/>
+          </a:fontRef>
+        </p:style>
+        <p:txBody>
+          <a:bodyPr rtlCol="0" anchor="ctr"/>
+          <a:lstStyle/>
+          <a:p>
+            <a:pPr algn="ctr"/>
+            <a:endParaRPr lang="en-US"/>
+          </a:p>
+        </p:txBody>
+      </p:sp>
+      <p:sp>
+        <p:nvSpPr>
+          <p:cNvPr id="48" name="Oval 47"/>
+          <p:cNvSpPr/>
+          <p:nvPr/>
+        </p:nvSpPr>
+        <p:spPr>
+          <a:xfrm>
+            <a:off x="6139540" y="2702528"/>
+            <a:ext cx="91440" cy="91440"/>
+          </a:xfrm>
+          <a:prstGeom prst="ellipse">
+            <a:avLst/>
+          </a:prstGeom>
+          <a:solidFill>
+            <a:schemeClr val="tx1"/>
+          </a:solidFill>
+          <a:ln>
+            <a:solidFill>
+              <a:schemeClr val="tx1"/>
+            </a:solidFill>
+          </a:ln>
+        </p:spPr>
+        <p:style>
+          <a:lnRef idx="2">
+            <a:schemeClr val="accent1">
+              <a:shade val="50000"/>
+            </a:schemeClr>
+          </a:lnRef>
+          <a:fillRef idx="1">
+            <a:schemeClr val="accent1"/>
+          </a:fillRef>
+          <a:effectRef idx="0">
+            <a:schemeClr val="accent1"/>
+          </a:effectRef>
+          <a:fontRef idx="minor">
+            <a:schemeClr val="lt1"/>
+          </a:fontRef>
+        </p:style>
+        <p:txBody>
+          <a:bodyPr rtlCol="0" anchor="ctr"/>
+          <a:lstStyle/>
+          <a:p>
+            <a:pPr algn="ctr"/>
+            <a:endParaRPr lang="en-US"/>
+          </a:p>
+        </p:txBody>
+      </p:sp>
+      <p:sp>
+        <p:nvSpPr>
+          <p:cNvPr id="50" name="Oval 49"/>
+          <p:cNvSpPr/>
+          <p:nvPr/>
+        </p:nvSpPr>
+        <p:spPr>
+          <a:xfrm>
+            <a:off x="6939449" y="1510301"/>
+            <a:ext cx="91440" cy="91440"/>
+          </a:xfrm>
+          <a:prstGeom prst="ellipse">
+            <a:avLst/>
+          </a:prstGeom>
+          <a:solidFill>
+            <a:schemeClr val="tx1"/>
+          </a:solidFill>
+          <a:ln>
+            <a:solidFill>
+              <a:schemeClr val="tx1"/>
+            </a:solidFill>
+          </a:ln>
+        </p:spPr>
+        <p:style>
+          <a:lnRef idx="2">
+            <a:schemeClr val="accent1">
+              <a:shade val="50000"/>
+            </a:schemeClr>
+          </a:lnRef>
+          <a:fillRef idx="1">
+            <a:schemeClr val="accent1"/>
+          </a:fillRef>
+          <a:effectRef idx="0">
+            <a:schemeClr val="accent1"/>
+          </a:effectRef>
+          <a:fontRef idx="minor">
+            <a:schemeClr val="lt1"/>
+          </a:fontRef>
+        </p:style>
+        <p:txBody>
+          <a:bodyPr rtlCol="0" anchor="ctr"/>
+          <a:lstStyle/>
+          <a:p>
+            <a:pPr algn="ctr"/>
+            <a:endParaRPr lang="en-US"/>
+          </a:p>
+        </p:txBody>
+      </p:sp>
+      <p:cxnSp>
+        <p:nvCxnSpPr>
+          <p:cNvPr id="4" name="Straight Connector 3"/>
+          <p:cNvCxnSpPr/>
+          <p:nvPr/>
+        </p:nvCxnSpPr>
+        <p:spPr>
+          <a:xfrm flipV="1">
+            <a:off x="1068081" y="1260182"/>
+            <a:ext cx="7149408" cy="3766857"/>
+          </a:xfrm>
+          <a:prstGeom prst="line">
+            <a:avLst/>
+          </a:prstGeom>
+          <a:ln w="25400"/>
+        </p:spPr>
+        <p:style>
+          <a:lnRef idx="1">
+            <a:schemeClr val="accent1"/>
+          </a:lnRef>
+          <a:fillRef idx="0">
+            <a:schemeClr val="accent1"/>
+          </a:fillRef>
+          <a:effectRef idx="0">
+            <a:schemeClr val="accent1"/>
+          </a:effectRef>
+          <a:fontRef idx="minor">
+            <a:schemeClr val="tx1"/>
+          </a:fontRef>
+        </p:style>
+      </p:cxnSp>
+      <p:cxnSp>
+        <p:nvCxnSpPr>
+          <p:cNvPr id="12" name="Straight Connector 11"/>
+          <p:cNvCxnSpPr/>
+          <p:nvPr/>
+        </p:nvCxnSpPr>
+        <p:spPr>
+          <a:xfrm flipV="1">
+            <a:off x="991772" y="3013211"/>
+            <a:ext cx="7225717" cy="0"/>
+          </a:xfrm>
+          <a:prstGeom prst="line">
+            <a:avLst/>
+          </a:prstGeom>
+          <a:ln w="25400">
+            <a:solidFill>
+              <a:schemeClr val="tx1"/>
+            </a:solidFill>
+            <a:prstDash val="sysDash"/>
+          </a:ln>
+        </p:spPr>
+        <p:style>
+          <a:lnRef idx="1">
+            <a:schemeClr val="accent1"/>
+          </a:lnRef>
+          <a:fillRef idx="0">
+            <a:schemeClr val="accent1"/>
+          </a:fillRef>
+          <a:effectRef idx="0">
+            <a:schemeClr val="accent1"/>
+          </a:effectRef>
+          <a:fontRef idx="minor">
+            <a:schemeClr val="tx1"/>
+          </a:fontRef>
+        </p:style>
+      </p:cxnSp>
+      <p:sp>
+        <p:nvSpPr>
+          <p:cNvPr id="51" name="Oval 50"/>
+          <p:cNvSpPr/>
+          <p:nvPr/>
+        </p:nvSpPr>
+        <p:spPr>
+          <a:xfrm>
+            <a:off x="5715637" y="1674084"/>
+            <a:ext cx="91440" cy="91440"/>
+          </a:xfrm>
+          <a:prstGeom prst="ellipse">
+            <a:avLst/>
+          </a:prstGeom>
+          <a:solidFill>
+            <a:schemeClr val="tx1"/>
+          </a:solidFill>
+          <a:ln>
+            <a:solidFill>
+              <a:schemeClr val="tx1"/>
+            </a:solidFill>
+          </a:ln>
+        </p:spPr>
+        <p:style>
+          <a:lnRef idx="2">
+            <a:schemeClr val="accent1">
+              <a:shade val="50000"/>
+            </a:schemeClr>
+          </a:lnRef>
+          <a:fillRef idx="1">
+            <a:schemeClr val="accent1"/>
+          </a:fillRef>
+          <a:effectRef idx="0">
+            <a:schemeClr val="accent1"/>
+          </a:effectRef>
+          <a:fontRef idx="minor">
+            <a:schemeClr val="lt1"/>
+          </a:fontRef>
+        </p:style>
+        <p:txBody>
+          <a:bodyPr rtlCol="0" anchor="ctr"/>
+          <a:lstStyle/>
+          <a:p>
+            <a:pPr algn="ctr"/>
+            <a:endParaRPr lang="en-US"/>
+          </a:p>
+        </p:txBody>
+      </p:sp>
+      <p:cxnSp>
+        <p:nvCxnSpPr>
+          <p:cNvPr id="17" name="Straight Connector 16"/>
+          <p:cNvCxnSpPr/>
+          <p:nvPr/>
+        </p:nvCxnSpPr>
+        <p:spPr>
+          <a:xfrm flipV="1">
+            <a:off x="2157547" y="3013211"/>
+            <a:ext cx="0" cy="1427791"/>
+          </a:xfrm>
+          <a:prstGeom prst="line">
+            <a:avLst/>
+          </a:prstGeom>
+          <a:ln w="25400">
+            <a:solidFill>
+              <a:schemeClr val="accent6">
+                <a:lumMod val="75000"/>
+              </a:schemeClr>
+            </a:solidFill>
+            <a:prstDash val="sysDash"/>
+          </a:ln>
+        </p:spPr>
+        <p:style>
+          <a:lnRef idx="1">
+            <a:schemeClr val="accent1"/>
+          </a:lnRef>
+          <a:fillRef idx="0">
+            <a:schemeClr val="accent1"/>
+          </a:fillRef>
+          <a:effectRef idx="0">
+            <a:schemeClr val="accent1"/>
+          </a:effectRef>
+          <a:fontRef idx="minor">
+            <a:schemeClr val="tx1"/>
+          </a:fontRef>
+        </p:style>
+      </p:cxnSp>
+      <p:sp>
+        <p:nvSpPr>
+          <p:cNvPr id="15" name="TextBox 14"/>
+          <p:cNvSpPr txBox="1"/>
+          <p:nvPr/>
+        </p:nvSpPr>
+        <p:spPr>
+          <a:xfrm>
+            <a:off x="6404755" y="3072259"/>
+            <a:ext cx="1889043" cy="369332"/>
+          </a:xfrm>
+          <a:prstGeom prst="rect">
+            <a:avLst/>
+          </a:prstGeom>
+          <a:noFill/>
+        </p:spPr>
+        <p:txBody>
+          <a:bodyPr wrap="none" rtlCol="0">
+            <a:spAutoFit/>
+          </a:bodyPr>
+          <a:lstStyle/>
+          <a:p>
+            <a:r>
+              <a:rPr lang="en-US" dirty="0" smtClean="0"/>
+              <a:t>Average Response</a:t>
+            </a:r>
+            <a:endParaRPr lang="en-US" dirty="0"/>
+          </a:p>
+        </p:txBody>
+      </p:sp>
+      <mc:AlternateContent xmlns:mc="http://schemas.openxmlformats.org/markup-compatibility/2006" xmlns:a14="http://schemas.microsoft.com/office/drawing/2010/main">
+        <mc:Choice Requires="a14">
+          <p:sp>
+            <p:nvSpPr>
+              <p:cNvPr id="18" name="TextBox 17"/>
+              <p:cNvSpPr txBox="1"/>
+              <p:nvPr/>
+            </p:nvSpPr>
+            <p:spPr>
+              <a:xfrm>
+                <a:off x="2918404" y="3691698"/>
+                <a:ext cx="5257530" cy="276999"/>
+              </a:xfrm>
+              <a:prstGeom prst="rect">
+                <a:avLst/>
+              </a:prstGeom>
+              <a:solidFill>
+                <a:schemeClr val="bg1">
+                  <a:alpha val="50000"/>
+                </a:schemeClr>
+              </a:solidFill>
+            </p:spPr>
+            <p:txBody>
+              <a:bodyPr wrap="none" lIns="0" tIns="0" rIns="0" bIns="0" rtlCol="0">
+                <a:spAutoFit/>
+              </a:bodyPr>
+              <a:lstStyle/>
+              <a:p>
+                <a:pPr/>
+                <a14:m>
+                  <m:oMathPara xmlns:m="http://schemas.openxmlformats.org/officeDocument/2006/math">
+                    <m:oMathParaPr>
+                      <m:jc m:val="centerGroup"/>
+                    </m:oMathParaPr>
+                    <m:oMath xmlns:m="http://schemas.openxmlformats.org/officeDocument/2006/math">
+                      <m:sSub>
+                        <m:sSubPr>
+                          <m:ctrlPr>
+                            <a:rPr lang="en-US" b="0" i="1" smtClean="0">
+                              <a:solidFill>
+                                <a:schemeClr val="accent6">
+                                  <a:lumMod val="75000"/>
+                                </a:schemeClr>
+                              </a:solidFill>
+                              <a:latin typeface="Cambria Math" panose="02040503050406030204" pitchFamily="18" charset="0"/>
+                            </a:rPr>
+                          </m:ctrlPr>
+                        </m:sSubPr>
+                        <m:e>
+                          <m:d>
+                            <m:dPr>
+                              <m:ctrlPr>
+                                <a:rPr lang="en-US" b="0" i="1" smtClean="0">
+                                  <a:solidFill>
+                                    <a:schemeClr val="accent6">
+                                      <a:lumMod val="75000"/>
+                                    </a:schemeClr>
+                                  </a:solidFill>
+                                  <a:latin typeface="Cambria Math" panose="02040503050406030204" pitchFamily="18" charset="0"/>
+                                </a:rPr>
+                              </m:ctrlPr>
+                            </m:dPr>
+                            <m:e>
+                              <m:r>
+                                <m:rPr>
+                                  <m:nor/>
+                                </m:rPr>
+                                <a:rPr lang="en-US" b="0" i="0" smtClean="0">
+                                  <a:solidFill>
+                                    <a:schemeClr val="accent6">
+                                      <a:lumMod val="75000"/>
+                                    </a:schemeClr>
+                                  </a:solidFill>
+                                  <a:latin typeface="Cambria Math" panose="02040503050406030204" pitchFamily="18" charset="0"/>
+                                </a:rPr>
+                                <m:t>Predicted</m:t>
+                              </m:r>
+                              <m:r>
+                                <m:rPr>
+                                  <m:nor/>
+                                </m:rPr>
+                                <a:rPr lang="en-US" b="0" i="0" smtClean="0">
+                                  <a:solidFill>
+                                    <a:schemeClr val="accent6">
+                                      <a:lumMod val="75000"/>
+                                    </a:schemeClr>
+                                  </a:solidFill>
+                                  <a:latin typeface="Cambria Math" panose="02040503050406030204" pitchFamily="18" charset="0"/>
+                                </a:rPr>
+                                <m:t> </m:t>
+                              </m:r>
+                              <m:r>
+                                <m:rPr>
+                                  <m:nor/>
+                                </m:rPr>
+                                <a:rPr lang="en-US" b="0" i="0" smtClean="0">
+                                  <a:solidFill>
+                                    <a:schemeClr val="accent6">
+                                      <a:lumMod val="75000"/>
+                                    </a:schemeClr>
+                                  </a:solidFill>
+                                  <a:latin typeface="Cambria Math" panose="02040503050406030204" pitchFamily="18" charset="0"/>
+                                </a:rPr>
+                                <m:t>Response</m:t>
+                              </m:r>
+                            </m:e>
+                          </m:d>
+                        </m:e>
+                        <m:sub>
+                          <m:r>
+                            <a:rPr lang="en-US" b="0" i="1" smtClean="0">
+                              <a:solidFill>
+                                <a:schemeClr val="accent6">
+                                  <a:lumMod val="75000"/>
+                                </a:schemeClr>
+                              </a:solidFill>
+                              <a:latin typeface="Cambria Math" panose="02040503050406030204" pitchFamily="18" charset="0"/>
+                            </a:rPr>
+                            <m:t>𝑖</m:t>
+                          </m:r>
+                        </m:sub>
+                      </m:sSub>
+                      <m:r>
+                        <a:rPr lang="en-US" b="0" i="1" smtClean="0">
+                          <a:solidFill>
+                            <a:schemeClr val="accent6">
+                              <a:lumMod val="75000"/>
+                            </a:schemeClr>
+                          </a:solidFill>
+                          <a:latin typeface="Cambria Math" panose="02040503050406030204" pitchFamily="18" charset="0"/>
+                        </a:rPr>
+                        <m:t>−</m:t>
+                      </m:r>
+                      <m:d>
+                        <m:dPr>
+                          <m:ctrlPr>
+                            <a:rPr lang="en-US" b="0" i="1" smtClean="0">
+                              <a:solidFill>
+                                <a:schemeClr val="accent6">
+                                  <a:lumMod val="75000"/>
+                                </a:schemeClr>
+                              </a:solidFill>
+                              <a:latin typeface="Cambria Math" panose="02040503050406030204" pitchFamily="18" charset="0"/>
+                            </a:rPr>
+                          </m:ctrlPr>
+                        </m:dPr>
+                        <m:e>
+                          <m:r>
+                            <m:rPr>
+                              <m:nor/>
+                            </m:rPr>
+                            <a:rPr lang="en-US" b="0" i="0" smtClean="0">
+                              <a:solidFill>
+                                <a:schemeClr val="accent6">
+                                  <a:lumMod val="75000"/>
+                                </a:schemeClr>
+                              </a:solidFill>
+                              <a:latin typeface="Cambria Math" panose="02040503050406030204" pitchFamily="18" charset="0"/>
+                            </a:rPr>
+                            <m:t>Average</m:t>
+                          </m:r>
+                          <m:r>
+                            <m:rPr>
+                              <m:nor/>
+                            </m:rPr>
+                            <a:rPr lang="en-US" b="0" i="0" smtClean="0">
+                              <a:solidFill>
+                                <a:schemeClr val="accent6">
+                                  <a:lumMod val="75000"/>
+                                </a:schemeClr>
+                              </a:solidFill>
+                              <a:latin typeface="Cambria Math" panose="02040503050406030204" pitchFamily="18" charset="0"/>
+                            </a:rPr>
+                            <m:t> </m:t>
+                          </m:r>
+                          <m:r>
+                            <m:rPr>
+                              <m:nor/>
+                            </m:rPr>
+                            <a:rPr lang="en-US" b="0" i="0" smtClean="0">
+                              <a:solidFill>
+                                <a:schemeClr val="accent6">
+                                  <a:lumMod val="75000"/>
+                                </a:schemeClr>
+                              </a:solidFill>
+                              <a:latin typeface="Cambria Math" panose="02040503050406030204" pitchFamily="18" charset="0"/>
+                            </a:rPr>
+                            <m:t>Response</m:t>
+                          </m:r>
+                        </m:e>
+                      </m:d>
+                      <m:r>
+                        <a:rPr lang="en-US" b="0" i="1" smtClean="0">
+                          <a:solidFill>
+                            <a:schemeClr val="accent6">
+                              <a:lumMod val="75000"/>
+                            </a:schemeClr>
+                          </a:solidFill>
+                          <a:latin typeface="Cambria Math" panose="02040503050406030204" pitchFamily="18" charset="0"/>
+                        </a:rPr>
+                        <m:t>→</m:t>
+                      </m:r>
+                      <m:r>
+                        <a:rPr lang="en-US" b="0" i="1" smtClean="0">
+                          <a:solidFill>
+                            <a:schemeClr val="accent6">
+                              <a:lumMod val="75000"/>
+                            </a:schemeClr>
+                          </a:solidFill>
+                          <a:latin typeface="Cambria Math" panose="02040503050406030204" pitchFamily="18" charset="0"/>
+                        </a:rPr>
+                        <m:t>𝑆𝑆𝑅</m:t>
+                      </m:r>
+                    </m:oMath>
+                  </m:oMathPara>
+                </a14:m>
+                <a:endParaRPr lang="en-US" dirty="0"/>
+              </a:p>
+            </p:txBody>
+          </p:sp>
+        </mc:Choice>
+        <mc:Fallback xmlns="">
+          <p:sp>
+            <p:nvSpPr>
+              <p:cNvPr id="18" name="TextBox 17"/>
+              <p:cNvSpPr txBox="1">
+                <a:spLocks noRot="1" noChangeAspect="1" noMove="1" noResize="1" noEditPoints="1" noAdjustHandles="1" noChangeArrowheads="1" noChangeShapeType="1" noTextEdit="1"/>
+              </p:cNvSpPr>
+              <p:nvPr/>
+            </p:nvSpPr>
+            <p:spPr>
+              <a:xfrm>
+                <a:off x="2918404" y="3691698"/>
+                <a:ext cx="5257530" cy="276999"/>
+              </a:xfrm>
+              <a:prstGeom prst="rect">
+                <a:avLst/>
+              </a:prstGeom>
+              <a:blipFill>
+                <a:blip r:embed="rId2"/>
+                <a:stretch>
+                  <a:fillRect r="-464" b="-33333"/>
+                </a:stretch>
+              </a:blipFill>
+            </p:spPr>
+            <p:txBody>
+              <a:bodyPr/>
+              <a:lstStyle/>
+              <a:p>
+                <a:r>
+                  <a:rPr lang="en-US">
+                    <a:noFill/>
+                  </a:rPr>
+                  <a:t> </a:t>
+                </a:r>
+              </a:p>
+            </p:txBody>
+          </p:sp>
+        </mc:Fallback>
+      </mc:AlternateContent>
+      <p:sp>
+        <p:nvSpPr>
+          <p:cNvPr id="19" name="Left Brace 18"/>
+          <p:cNvSpPr/>
+          <p:nvPr/>
+        </p:nvSpPr>
+        <p:spPr>
+          <a:xfrm flipH="1">
+            <a:off x="2174760" y="3013211"/>
+            <a:ext cx="647650" cy="1411471"/>
+          </a:xfrm>
+          <a:prstGeom prst="leftBrace">
+            <a:avLst>
+              <a:gd name="adj1" fmla="val 8333"/>
+              <a:gd name="adj2" fmla="val 58028"/>
+            </a:avLst>
+          </a:prstGeom>
+          <a:ln w="22225">
+            <a:solidFill>
+              <a:schemeClr val="accent6">
+                <a:lumMod val="75000"/>
+              </a:schemeClr>
+            </a:solidFill>
+          </a:ln>
+        </p:spPr>
+        <p:style>
+          <a:lnRef idx="1">
+            <a:schemeClr val="accent1"/>
+          </a:lnRef>
+          <a:fillRef idx="0">
+            <a:schemeClr val="accent1"/>
+          </a:fillRef>
+          <a:effectRef idx="0">
+            <a:schemeClr val="accent1"/>
+          </a:effectRef>
+          <a:fontRef idx="minor">
+            <a:schemeClr val="tx1"/>
+          </a:fontRef>
+        </p:style>
+        <p:txBody>
+          <a:bodyPr rtlCol="0" anchor="ctr"/>
+          <a:lstStyle/>
+          <a:p>
+            <a:pPr algn="ctr"/>
+            <a:endParaRPr lang="en-US"/>
+          </a:p>
+        </p:txBody>
+      </p:sp>
+      <p:cxnSp>
+        <p:nvCxnSpPr>
+          <p:cNvPr id="28" name="Straight Connector 27"/>
+          <p:cNvCxnSpPr>
+            <a:stCxn id="33" idx="0"/>
+          </p:cNvCxnSpPr>
+          <p:nvPr/>
+        </p:nvCxnSpPr>
+        <p:spPr>
+          <a:xfrm flipH="1" flipV="1">
+            <a:off x="2151951" y="4455853"/>
+            <a:ext cx="0" cy="468331"/>
+          </a:xfrm>
+          <a:prstGeom prst="line">
+            <a:avLst/>
+          </a:prstGeom>
+          <a:ln w="25400">
+            <a:solidFill>
+              <a:schemeClr val="accent2">
+                <a:lumMod val="75000"/>
+              </a:schemeClr>
+            </a:solidFill>
+            <a:prstDash val="sysDash"/>
+          </a:ln>
+        </p:spPr>
+        <p:style>
+          <a:lnRef idx="1">
+            <a:schemeClr val="accent1"/>
+          </a:lnRef>
+          <a:fillRef idx="0">
+            <a:schemeClr val="accent1"/>
+          </a:fillRef>
+          <a:effectRef idx="0">
+            <a:schemeClr val="accent1"/>
+          </a:effectRef>
+          <a:fontRef idx="minor">
+            <a:schemeClr val="tx1"/>
+          </a:fontRef>
+        </p:style>
+      </p:cxnSp>
+      <p:sp>
+        <p:nvSpPr>
+          <p:cNvPr id="30" name="Left Brace 29"/>
+          <p:cNvSpPr/>
+          <p:nvPr/>
+        </p:nvSpPr>
+        <p:spPr>
+          <a:xfrm flipH="1">
+            <a:off x="2176272" y="4427647"/>
+            <a:ext cx="649224" cy="544403"/>
+          </a:xfrm>
+          <a:prstGeom prst="leftBrace">
+            <a:avLst>
+              <a:gd name="adj1" fmla="val 8333"/>
+              <a:gd name="adj2" fmla="val 58028"/>
+            </a:avLst>
+          </a:prstGeom>
+          <a:ln w="22225">
+            <a:solidFill>
+              <a:schemeClr val="accent2">
+                <a:lumMod val="75000"/>
+              </a:schemeClr>
+            </a:solidFill>
+          </a:ln>
+        </p:spPr>
+        <p:style>
+          <a:lnRef idx="1">
+            <a:schemeClr val="accent1"/>
+          </a:lnRef>
+          <a:fillRef idx="0">
+            <a:schemeClr val="accent1"/>
+          </a:fillRef>
+          <a:effectRef idx="0">
+            <a:schemeClr val="accent1"/>
+          </a:effectRef>
+          <a:fontRef idx="minor">
+            <a:schemeClr val="tx1"/>
+          </a:fontRef>
+        </p:style>
+        <p:txBody>
+          <a:bodyPr rtlCol="0" anchor="ctr"/>
+          <a:lstStyle/>
+          <a:p>
+            <a:pPr algn="ctr"/>
+            <a:endParaRPr lang="en-US"/>
+          </a:p>
+        </p:txBody>
+      </p:sp>
+      <mc:AlternateContent xmlns:mc="http://schemas.openxmlformats.org/markup-compatibility/2006" xmlns:a14="http://schemas.microsoft.com/office/drawing/2010/main">
+        <mc:Choice Requires="a14">
+          <p:sp>
+            <p:nvSpPr>
+              <p:cNvPr id="22" name="TextBox 21"/>
+              <p:cNvSpPr txBox="1"/>
+              <p:nvPr/>
+            </p:nvSpPr>
+            <p:spPr>
+              <a:xfrm>
+                <a:off x="2916936" y="4590212"/>
+                <a:ext cx="4472058" cy="276999"/>
+              </a:xfrm>
+              <a:prstGeom prst="rect">
+                <a:avLst/>
+              </a:prstGeom>
+              <a:solidFill>
+                <a:schemeClr val="bg1">
+                  <a:alpha val="50000"/>
+                </a:schemeClr>
+              </a:solidFill>
+            </p:spPr>
+            <p:txBody>
+              <a:bodyPr wrap="none" lIns="0" tIns="0" rIns="0" bIns="0" rtlCol="0">
+                <a:spAutoFit/>
+              </a:bodyPr>
+              <a:lstStyle/>
+              <a:p>
+                <a:pPr/>
+                <a14:m>
+                  <m:oMathPara xmlns:m="http://schemas.openxmlformats.org/officeDocument/2006/math">
+                    <m:oMathParaPr>
+                      <m:jc m:val="centerGroup"/>
+                    </m:oMathParaPr>
+                    <m:oMath xmlns:m="http://schemas.openxmlformats.org/officeDocument/2006/math">
+                      <m:sSub>
+                        <m:sSubPr>
+                          <m:ctrlPr>
+                            <a:rPr lang="en-US" b="0" i="1" smtClean="0">
+                              <a:solidFill>
+                                <a:schemeClr val="accent2">
+                                  <a:lumMod val="75000"/>
+                                </a:schemeClr>
+                              </a:solidFill>
+                              <a:latin typeface="Cambria Math" panose="02040503050406030204" pitchFamily="18" charset="0"/>
+                            </a:rPr>
+                          </m:ctrlPr>
+                        </m:sSubPr>
+                        <m:e>
+                          <m:d>
+                            <m:dPr>
+                              <m:ctrlPr>
+                                <a:rPr lang="en-US" b="0" i="1" smtClean="0">
+                                  <a:solidFill>
+                                    <a:schemeClr val="accent2">
+                                      <a:lumMod val="75000"/>
+                                    </a:schemeClr>
+                                  </a:solidFill>
+                                  <a:latin typeface="Cambria Math" panose="02040503050406030204" pitchFamily="18" charset="0"/>
+                                </a:rPr>
+                              </m:ctrlPr>
+                            </m:dPr>
+                            <m:e>
+                              <m:r>
+                                <m:rPr>
+                                  <m:nor/>
+                                </m:rPr>
+                                <a:rPr lang="en-US" b="0" i="0" smtClean="0">
+                                  <a:solidFill>
+                                    <a:schemeClr val="accent2">
+                                      <a:lumMod val="75000"/>
+                                    </a:schemeClr>
+                                  </a:solidFill>
+                                  <a:latin typeface="Cambria Math" panose="02040503050406030204" pitchFamily="18" charset="0"/>
+                                </a:rPr>
+                                <m:t>Response</m:t>
+                              </m:r>
+                            </m:e>
+                          </m:d>
+                        </m:e>
+                        <m:sub>
+                          <m:r>
+                            <a:rPr lang="en-US" b="0" i="1" smtClean="0">
+                              <a:solidFill>
+                                <a:schemeClr val="accent2">
+                                  <a:lumMod val="75000"/>
+                                </a:schemeClr>
+                              </a:solidFill>
+                              <a:latin typeface="Cambria Math" panose="02040503050406030204" pitchFamily="18" charset="0"/>
+                            </a:rPr>
+                            <m:t>𝑖</m:t>
+                          </m:r>
+                        </m:sub>
+                      </m:sSub>
+                      <m:r>
+                        <a:rPr lang="en-US" b="0" i="1" smtClean="0">
+                          <a:solidFill>
+                            <a:schemeClr val="accent2">
+                              <a:lumMod val="75000"/>
+                            </a:schemeClr>
+                          </a:solidFill>
+                          <a:latin typeface="Cambria Math" panose="02040503050406030204" pitchFamily="18" charset="0"/>
+                        </a:rPr>
+                        <m:t>−</m:t>
+                      </m:r>
+                      <m:sSub>
+                        <m:sSubPr>
+                          <m:ctrlPr>
+                            <a:rPr lang="en-US" b="0" i="1" smtClean="0">
+                              <a:solidFill>
+                                <a:schemeClr val="accent2">
+                                  <a:lumMod val="75000"/>
+                                </a:schemeClr>
+                              </a:solidFill>
+                              <a:latin typeface="Cambria Math" panose="02040503050406030204" pitchFamily="18" charset="0"/>
+                            </a:rPr>
+                          </m:ctrlPr>
+                        </m:sSubPr>
+                        <m:e>
+                          <m:d>
+                            <m:dPr>
+                              <m:ctrlPr>
+                                <a:rPr lang="en-US" b="0" i="1" smtClean="0">
+                                  <a:solidFill>
+                                    <a:schemeClr val="accent2">
+                                      <a:lumMod val="75000"/>
+                                    </a:schemeClr>
+                                  </a:solidFill>
+                                  <a:latin typeface="Cambria Math" panose="02040503050406030204" pitchFamily="18" charset="0"/>
+                                </a:rPr>
+                              </m:ctrlPr>
+                            </m:dPr>
+                            <m:e>
+                              <m:r>
+                                <m:rPr>
+                                  <m:nor/>
+                                </m:rPr>
+                                <a:rPr lang="en-US" b="0" i="0" smtClean="0">
+                                  <a:solidFill>
+                                    <a:schemeClr val="accent2">
+                                      <a:lumMod val="75000"/>
+                                    </a:schemeClr>
+                                  </a:solidFill>
+                                  <a:latin typeface="Cambria Math" panose="02040503050406030204" pitchFamily="18" charset="0"/>
+                                </a:rPr>
+                                <m:t>Predicted</m:t>
+                              </m:r>
+                              <m:r>
+                                <m:rPr>
+                                  <m:nor/>
+                                </m:rPr>
+                                <a:rPr lang="en-US" b="0" i="0" smtClean="0">
+                                  <a:solidFill>
+                                    <a:schemeClr val="accent2">
+                                      <a:lumMod val="75000"/>
+                                    </a:schemeClr>
+                                  </a:solidFill>
+                                  <a:latin typeface="Cambria Math" panose="02040503050406030204" pitchFamily="18" charset="0"/>
+                                </a:rPr>
+                                <m:t> </m:t>
+                              </m:r>
+                              <m:r>
+                                <m:rPr>
+                                  <m:nor/>
+                                </m:rPr>
+                                <a:rPr lang="en-US" b="0" i="0" smtClean="0">
+                                  <a:solidFill>
+                                    <a:schemeClr val="accent2">
+                                      <a:lumMod val="75000"/>
+                                    </a:schemeClr>
+                                  </a:solidFill>
+                                  <a:latin typeface="Cambria Math" panose="02040503050406030204" pitchFamily="18" charset="0"/>
+                                </a:rPr>
+                                <m:t>Response</m:t>
+                              </m:r>
+                            </m:e>
+                          </m:d>
+                        </m:e>
+                        <m:sub>
+                          <m:r>
+                            <a:rPr lang="en-US" b="0" i="1" smtClean="0">
+                              <a:solidFill>
+                                <a:schemeClr val="accent2">
+                                  <a:lumMod val="75000"/>
+                                </a:schemeClr>
+                              </a:solidFill>
+                              <a:latin typeface="Cambria Math" panose="02040503050406030204" pitchFamily="18" charset="0"/>
+                            </a:rPr>
+                            <m:t>𝑖</m:t>
+                          </m:r>
+                        </m:sub>
+                      </m:sSub>
+                      <m:r>
+                        <a:rPr lang="en-US" b="0" i="1" smtClean="0">
+                          <a:solidFill>
+                            <a:schemeClr val="accent2">
+                              <a:lumMod val="75000"/>
+                            </a:schemeClr>
+                          </a:solidFill>
+                          <a:latin typeface="Cambria Math" panose="02040503050406030204" pitchFamily="18" charset="0"/>
+                        </a:rPr>
+                        <m:t>→</m:t>
+                      </m:r>
+                      <m:r>
+                        <a:rPr lang="en-US" b="0" i="1" smtClean="0">
+                          <a:solidFill>
+                            <a:schemeClr val="accent2">
+                              <a:lumMod val="75000"/>
+                            </a:schemeClr>
+                          </a:solidFill>
+                          <a:latin typeface="Cambria Math" panose="02040503050406030204" pitchFamily="18" charset="0"/>
+                        </a:rPr>
+                        <m:t>𝑆𝑆𝐸</m:t>
+                      </m:r>
+                    </m:oMath>
+                  </m:oMathPara>
+                </a14:m>
+                <a:endParaRPr lang="en-US" dirty="0">
+                  <a:solidFill>
+                    <a:schemeClr val="accent2">
+                      <a:lumMod val="75000"/>
+                    </a:schemeClr>
+                  </a:solidFill>
+                </a:endParaRPr>
+              </a:p>
+            </p:txBody>
+          </p:sp>
+        </mc:Choice>
+        <mc:Fallback xmlns="">
+          <p:sp>
+            <p:nvSpPr>
+              <p:cNvPr id="22" name="TextBox 21"/>
+              <p:cNvSpPr txBox="1">
+                <a:spLocks noRot="1" noChangeAspect="1" noMove="1" noResize="1" noEditPoints="1" noAdjustHandles="1" noChangeArrowheads="1" noChangeShapeType="1" noTextEdit="1"/>
+              </p:cNvSpPr>
+              <p:nvPr/>
+            </p:nvSpPr>
+            <p:spPr>
+              <a:xfrm>
+                <a:off x="2916936" y="4590212"/>
+                <a:ext cx="4472058" cy="276999"/>
+              </a:xfrm>
+              <a:prstGeom prst="rect">
+                <a:avLst/>
+              </a:prstGeom>
+              <a:blipFill>
+                <a:blip r:embed="rId3"/>
+                <a:stretch>
+                  <a:fillRect r="-682" b="-33333"/>
+                </a:stretch>
+              </a:blipFill>
+            </p:spPr>
+            <p:txBody>
+              <a:bodyPr/>
+              <a:lstStyle/>
+              <a:p>
+                <a:r>
+                  <a:rPr lang="en-US">
+                    <a:noFill/>
+                  </a:rPr>
+                  <a:t> </a:t>
+                </a:r>
+              </a:p>
+            </p:txBody>
+          </p:sp>
+        </mc:Fallback>
+      </mc:AlternateContent>
+      <p:sp>
+        <p:nvSpPr>
+          <p:cNvPr id="32" name="Left Brace 31"/>
+          <p:cNvSpPr/>
+          <p:nvPr/>
+        </p:nvSpPr>
+        <p:spPr>
+          <a:xfrm rot="10800000" flipH="1">
+            <a:off x="1419816" y="3013211"/>
+            <a:ext cx="647650" cy="1958838"/>
+          </a:xfrm>
+          <a:prstGeom prst="leftBrace">
+            <a:avLst>
+              <a:gd name="adj1" fmla="val 8333"/>
+              <a:gd name="adj2" fmla="val 50666"/>
+            </a:avLst>
+          </a:prstGeom>
+          <a:ln w="22225">
+            <a:solidFill>
+              <a:schemeClr val="tx1"/>
+            </a:solidFill>
+          </a:ln>
+        </p:spPr>
+        <p:style>
+          <a:lnRef idx="1">
+            <a:schemeClr val="accent1"/>
+          </a:lnRef>
+          <a:fillRef idx="0">
+            <a:schemeClr val="accent1"/>
+          </a:fillRef>
+          <a:effectRef idx="0">
+            <a:schemeClr val="accent1"/>
+          </a:effectRef>
+          <a:fontRef idx="minor">
+            <a:schemeClr val="tx1"/>
+          </a:fontRef>
+        </p:style>
+        <p:txBody>
+          <a:bodyPr rtlCol="0" anchor="ctr"/>
+          <a:lstStyle/>
+          <a:p>
+            <a:pPr algn="ctr"/>
+            <a:endParaRPr lang="en-US"/>
+          </a:p>
+        </p:txBody>
+      </p:sp>
+      <p:sp>
+        <p:nvSpPr>
+          <p:cNvPr id="24" name="Freeform 23"/>
+          <p:cNvSpPr/>
+          <p:nvPr/>
+        </p:nvSpPr>
+        <p:spPr>
+          <a:xfrm>
+            <a:off x="1017575" y="2072986"/>
+            <a:ext cx="769661" cy="1901537"/>
+          </a:xfrm>
+          <a:custGeom>
+            <a:avLst/>
+            <a:gdLst>
+              <a:gd name="connsiteX0" fmla="*/ 276093 w 769661"/>
+              <a:gd name="connsiteY0" fmla="*/ 1901537 h 1901537"/>
+              <a:gd name="connsiteX1" fmla="*/ 21516 w 769661"/>
+              <a:gd name="connsiteY1" fmla="*/ 935182 h 1901537"/>
+              <a:gd name="connsiteX2" fmla="*/ 769661 w 769661"/>
+              <a:gd name="connsiteY2" fmla="*/ 0 h 1901537"/>
+            </a:gdLst>
+            <a:ahLst/>
+            <a:cxnLst>
+              <a:cxn ang="0">
+                <a:pos x="connsiteX0" y="connsiteY0"/>
+              </a:cxn>
+              <a:cxn ang="0">
+                <a:pos x="connsiteX1" y="connsiteY1"/>
+              </a:cxn>
+              <a:cxn ang="0">
+                <a:pos x="connsiteX2" y="connsiteY2"/>
+              </a:cxn>
+            </a:cxnLst>
+            <a:rect l="l" t="t" r="r" b="b"/>
+            <a:pathLst>
+              <a:path w="769661" h="1901537">
+                <a:moveTo>
+                  <a:pt x="276093" y="1901537"/>
+                </a:moveTo>
+                <a:cubicBezTo>
+                  <a:pt x="107674" y="1576821"/>
+                  <a:pt x="-60745" y="1252105"/>
+                  <a:pt x="21516" y="935182"/>
+                </a:cubicBezTo>
+                <a:cubicBezTo>
+                  <a:pt x="103777" y="618259"/>
+                  <a:pt x="436719" y="309129"/>
+                  <a:pt x="769661" y="0"/>
+                </a:cubicBezTo>
+              </a:path>
+            </a:pathLst>
+          </a:custGeom>
+          <a:noFill/>
+          <a:ln w="22225">
+            <a:solidFill>
+              <a:schemeClr val="tx1"/>
+            </a:solidFill>
+          </a:ln>
+        </p:spPr>
+        <p:style>
+          <a:lnRef idx="2">
+            <a:schemeClr val="accent1">
+              <a:shade val="50000"/>
+            </a:schemeClr>
+          </a:lnRef>
+          <a:fillRef idx="1">
+            <a:schemeClr val="accent1"/>
+          </a:fillRef>
+          <a:effectRef idx="0">
+            <a:schemeClr val="accent1"/>
+          </a:effectRef>
+          <a:fontRef idx="minor">
+            <a:schemeClr val="lt1"/>
+          </a:fontRef>
+        </p:style>
+        <p:txBody>
+          <a:bodyPr rtlCol="0" anchor="ctr"/>
+          <a:lstStyle/>
+          <a:p>
+            <a:pPr algn="ctr"/>
+            <a:endParaRPr lang="en-US"/>
+          </a:p>
+        </p:txBody>
+      </p:sp>
+      <mc:AlternateContent xmlns:mc="http://schemas.openxmlformats.org/markup-compatibility/2006" xmlns:a14="http://schemas.microsoft.com/office/drawing/2010/main">
+        <mc:Choice Requires="a14">
+          <p:sp>
+            <p:nvSpPr>
+              <p:cNvPr id="26" name="TextBox 25"/>
+              <p:cNvSpPr txBox="1"/>
+              <p:nvPr/>
+            </p:nvSpPr>
+            <p:spPr>
+              <a:xfrm>
+                <a:off x="1813039" y="1926261"/>
+                <a:ext cx="4242765" cy="276999"/>
+              </a:xfrm>
+              <a:prstGeom prst="rect">
+                <a:avLst/>
+              </a:prstGeom>
+              <a:noFill/>
+            </p:spPr>
+            <p:txBody>
+              <a:bodyPr wrap="none" lIns="0" tIns="0" rIns="0" bIns="0" rtlCol="0">
+                <a:spAutoFit/>
+              </a:bodyPr>
+              <a:lstStyle/>
+              <a:p>
+                <a:pPr/>
+                <a14:m>
+                  <m:oMathPara xmlns:m="http://schemas.openxmlformats.org/officeDocument/2006/math">
+                    <m:oMathParaPr>
+                      <m:jc m:val="centerGroup"/>
+                    </m:oMathParaPr>
+                    <m:oMath xmlns:m="http://schemas.openxmlformats.org/officeDocument/2006/math">
+                      <m:sSub>
+                        <m:sSubPr>
+                          <m:ctrlPr>
+                            <a:rPr lang="en-US" b="0" i="1" smtClean="0">
+                              <a:latin typeface="Cambria Math" panose="02040503050406030204" pitchFamily="18" charset="0"/>
+                            </a:rPr>
+                          </m:ctrlPr>
+                        </m:sSubPr>
+                        <m:e>
+                          <m:d>
+                            <m:dPr>
+                              <m:ctrlPr>
+                                <a:rPr lang="en-US" b="0" i="1" smtClean="0">
+                                  <a:latin typeface="Cambria Math" panose="02040503050406030204" pitchFamily="18" charset="0"/>
+                                </a:rPr>
+                              </m:ctrlPr>
+                            </m:dPr>
+                            <m:e>
+                              <m:r>
+                                <m:rPr>
+                                  <m:nor/>
+                                </m:rPr>
+                                <a:rPr lang="en-US" b="0" i="0" smtClean="0">
+                                  <a:latin typeface="Cambria Math" panose="02040503050406030204" pitchFamily="18" charset="0"/>
+                                </a:rPr>
+                                <m:t>Response</m:t>
+                              </m:r>
+                            </m:e>
+                          </m:d>
+                        </m:e>
+                        <m:sub>
+                          <m:r>
+                            <a:rPr lang="en-US" b="0" i="1" smtClean="0">
+                              <a:latin typeface="Cambria Math" panose="02040503050406030204" pitchFamily="18" charset="0"/>
+                            </a:rPr>
+                            <m:t>𝑖</m:t>
+                          </m:r>
+                        </m:sub>
+                      </m:sSub>
+                      <m:r>
+                        <a:rPr lang="en-US" b="0" i="1" smtClean="0">
+                          <a:latin typeface="Cambria Math" panose="02040503050406030204" pitchFamily="18" charset="0"/>
+                        </a:rPr>
+                        <m:t>−</m:t>
+                      </m:r>
+                      <m:d>
+                        <m:dPr>
+                          <m:ctrlPr>
+                            <a:rPr lang="en-US" b="0" i="1" smtClean="0">
+                              <a:latin typeface="Cambria Math" panose="02040503050406030204" pitchFamily="18" charset="0"/>
+                            </a:rPr>
+                          </m:ctrlPr>
+                        </m:dPr>
+                        <m:e>
+                          <m:r>
+                            <m:rPr>
+                              <m:nor/>
+                            </m:rPr>
+                            <a:rPr lang="en-US" b="0" i="0" smtClean="0">
+                              <a:latin typeface="Cambria Math" panose="02040503050406030204" pitchFamily="18" charset="0"/>
+                            </a:rPr>
+                            <m:t>Average</m:t>
+                          </m:r>
+                          <m:r>
+                            <m:rPr>
+                              <m:nor/>
+                            </m:rPr>
+                            <a:rPr lang="en-US" b="0" i="0" smtClean="0">
+                              <a:latin typeface="Cambria Math" panose="02040503050406030204" pitchFamily="18" charset="0"/>
+                            </a:rPr>
+                            <m:t> </m:t>
+                          </m:r>
+                          <m:r>
+                            <m:rPr>
+                              <m:nor/>
+                            </m:rPr>
+                            <a:rPr lang="en-US" b="0" i="0" smtClean="0">
+                              <a:latin typeface="Cambria Math" panose="02040503050406030204" pitchFamily="18" charset="0"/>
+                            </a:rPr>
+                            <m:t>Response</m:t>
+                          </m:r>
+                        </m:e>
+                      </m:d>
+                      <m:r>
+                        <a:rPr lang="en-US" b="0" i="1" smtClean="0">
+                          <a:latin typeface="Cambria Math" panose="02040503050406030204" pitchFamily="18" charset="0"/>
+                        </a:rPr>
+                        <m:t>→</m:t>
+                      </m:r>
+                      <m:r>
+                        <a:rPr lang="en-US" b="0" i="1" smtClean="0">
+                          <a:latin typeface="Cambria Math" panose="02040503050406030204" pitchFamily="18" charset="0"/>
+                        </a:rPr>
+                        <m:t>𝑆𝑆𝑇</m:t>
+                      </m:r>
+                    </m:oMath>
+                  </m:oMathPara>
+                </a14:m>
+                <a:endParaRPr lang="en-US" dirty="0"/>
+              </a:p>
+            </p:txBody>
+          </p:sp>
+        </mc:Choice>
+        <mc:Fallback xmlns="">
+          <p:sp>
+            <p:nvSpPr>
+              <p:cNvPr id="26" name="TextBox 25"/>
+              <p:cNvSpPr txBox="1">
+                <a:spLocks noRot="1" noChangeAspect="1" noMove="1" noResize="1" noEditPoints="1" noAdjustHandles="1" noChangeArrowheads="1" noChangeShapeType="1" noTextEdit="1"/>
+              </p:cNvSpPr>
+              <p:nvPr/>
+            </p:nvSpPr>
+            <p:spPr>
+              <a:xfrm>
+                <a:off x="1813039" y="1926261"/>
+                <a:ext cx="4242765" cy="276999"/>
+              </a:xfrm>
+              <a:prstGeom prst="rect">
+                <a:avLst/>
+              </a:prstGeom>
+              <a:blipFill>
+                <a:blip r:embed="rId4"/>
+                <a:stretch>
+                  <a:fillRect r="-862" b="-33333"/>
+                </a:stretch>
+              </a:blipFill>
+            </p:spPr>
+            <p:txBody>
+              <a:bodyPr/>
+              <a:lstStyle/>
+              <a:p>
+                <a:r>
+                  <a:rPr lang="en-US">
+                    <a:noFill/>
+                  </a:rPr>
+                  <a:t> </a:t>
+                </a:r>
+              </a:p>
+            </p:txBody>
+          </p:sp>
+        </mc:Fallback>
+      </mc:AlternateContent>
+    </p:spTree>
+    <p:extLst>
+      <p:ext uri="{BB962C8B-B14F-4D97-AF65-F5344CB8AC3E}">
+        <p14:creationId xmlns:p14="http://schemas.microsoft.com/office/powerpoint/2010/main" val="1563510809"/>
+      </p:ext>
+    </p:extLst>
+  </p:cSld>
+  <p:clrMapOvr>
+    <a:masterClrMapping/>
+  </p:clrMapOvr>
+</p:sld>
+</file>
+
+<file path=ppt/slides/slide14.xml><?xml version="1.0" encoding="utf-8"?>
 <p:sld xmlns:a="http://schemas.openxmlformats.org/drawingml/2006/main" xmlns:r="http://schemas.openxmlformats.org/officeDocument/2006/relationships" xmlns:p="http://schemas.openxmlformats.org/presentationml/2006/main">
   <p:cSld>
     <p:spTree>
@@ -10439,10 +14086,17 @@
   <p:clrMapOvr>
     <a:masterClrMapping/>
   </p:clrMapOvr>
+  <p:timing>
+    <p:tnLst>
+      <p:par>
+        <p:cTn id="1" dur="indefinite" restart="never" nodeType="tmRoot"/>
+      </p:par>
+    </p:tnLst>
+  </p:timing>
 </p:sld>
 </file>
 
-<file path=ppt/slides/slide13.xml><?xml version="1.0" encoding="utf-8"?>
+<file path=ppt/slides/slide15.xml><?xml version="1.0" encoding="utf-8"?>
 <p:sld xmlns:a="http://schemas.openxmlformats.org/drawingml/2006/main" xmlns:r="http://schemas.openxmlformats.org/officeDocument/2006/relationships" xmlns:p="http://schemas.openxmlformats.org/presentationml/2006/main">
   <p:cSld>
     <p:spTree>
@@ -10459,8 +14113,8 @@
           <a:chExt cx="0" cy="0"/>
         </a:xfrm>
       </p:grpSpPr>
-      <mc:AlternateContent xmlns:mc="http://schemas.openxmlformats.org/markup-compatibility/2006">
-        <mc:Choice xmlns:a14="http://schemas.microsoft.com/office/drawing/2010/main" Requires="a14">
+      <mc:AlternateContent xmlns:mc="http://schemas.openxmlformats.org/markup-compatibility/2006" xmlns:a14="http://schemas.microsoft.com/office/drawing/2010/main">
+        <mc:Choice Requires="a14">
           <p:graphicFrame>
             <p:nvGraphicFramePr>
               <p:cNvPr id="4" name="Table 3"/>
@@ -10581,6 +14235,7 @@
                         <a:bodyPr/>
                         <a:lstStyle/>
                         <a:p>
+                          <a:pPr/>
                           <a14:m>
                             <m:oMathPara xmlns:m="http://schemas.openxmlformats.org/officeDocument/2006/math">
                               <m:oMathParaPr>
@@ -10625,6 +14280,7 @@
                         <a:bodyPr/>
                         <a:lstStyle/>
                         <a:p>
+                          <a:pPr/>
                           <a14:m>
                             <m:oMathPara xmlns:m="http://schemas.openxmlformats.org/officeDocument/2006/math">
                               <m:oMathParaPr>
@@ -10691,6 +14347,7 @@
                         <a:bodyPr/>
                         <a:lstStyle/>
                         <a:p>
+                          <a:pPr/>
                           <a14:m>
                             <m:oMathPara xmlns:m="http://schemas.openxmlformats.org/officeDocument/2006/math">
                               <m:oMathParaPr>
@@ -10735,6 +14392,7 @@
                         <a:bodyPr/>
                         <a:lstStyle/>
                         <a:p>
+                          <a:pPr/>
                           <a14:m>
                             <m:oMathPara xmlns:m="http://schemas.openxmlformats.org/officeDocument/2006/math">
                               <m:oMathParaPr>
@@ -10801,6 +14459,7 @@
                         <a:bodyPr/>
                         <a:lstStyle/>
                         <a:p>
+                          <a:pPr/>
                           <a14:m>
                             <m:oMathPara xmlns:m="http://schemas.openxmlformats.org/officeDocument/2006/math">
                               <m:oMathParaPr>
@@ -10845,6 +14504,7 @@
                         <a:bodyPr/>
                         <a:lstStyle/>
                         <a:p>
+                          <a:pPr/>
                           <a14:m>
                             <m:oMathPara xmlns:m="http://schemas.openxmlformats.org/officeDocument/2006/math">
                               <m:oMathParaPr>
@@ -10911,6 +14571,7 @@
                         <a:bodyPr/>
                         <a:lstStyle/>
                         <a:p>
+                          <a:pPr/>
                           <a14:m>
                             <m:oMathPara xmlns:m="http://schemas.openxmlformats.org/officeDocument/2006/math">
                               <m:oMathParaPr>
@@ -10955,6 +14616,7 @@
                         <a:bodyPr/>
                         <a:lstStyle/>
                         <a:p>
+                          <a:pPr/>
                           <a14:m>
                             <m:oMathPara xmlns:m="http://schemas.openxmlformats.org/officeDocument/2006/math">
                               <m:oMathParaPr>
@@ -11021,6 +14683,7 @@
                         <a:bodyPr/>
                         <a:lstStyle/>
                         <a:p>
+                          <a:pPr/>
                           <a14:m>
                             <m:oMathPara xmlns:m="http://schemas.openxmlformats.org/officeDocument/2006/math">
                               <m:oMathParaPr>
@@ -11065,6 +14728,7 @@
                         <a:bodyPr/>
                         <a:lstStyle/>
                         <a:p>
+                          <a:pPr/>
                           <a14:m>
                             <m:oMathPara xmlns:m="http://schemas.openxmlformats.org/officeDocument/2006/math">
                               <m:oMathParaPr>
@@ -11131,6 +14795,7 @@
                         <a:bodyPr/>
                         <a:lstStyle/>
                         <a:p>
+                          <a:pPr/>
                           <a14:m>
                             <m:oMathPara xmlns:m="http://schemas.openxmlformats.org/officeDocument/2006/math">
                               <m:oMathParaPr>
@@ -11175,6 +14840,7 @@
                         <a:bodyPr/>
                         <a:lstStyle/>
                         <a:p>
+                          <a:pPr/>
                           <a14:m>
                             <m:oMathPara xmlns:m="http://schemas.openxmlformats.org/officeDocument/2006/math">
                               <m:oMathParaPr>
@@ -11241,6 +14907,7 @@
                         <a:bodyPr/>
                         <a:lstStyle/>
                         <a:p>
+                          <a:pPr/>
                           <a14:m>
                             <m:oMathPara xmlns:m="http://schemas.openxmlformats.org/officeDocument/2006/math">
                               <m:oMathParaPr>
@@ -11285,6 +14952,7 @@
                         <a:bodyPr/>
                         <a:lstStyle/>
                         <a:p>
+                          <a:pPr/>
                           <a14:m>
                             <m:oMathPara xmlns:m="http://schemas.openxmlformats.org/officeDocument/2006/math">
                               <m:oMathParaPr>
@@ -11351,6 +15019,7 @@
                         <a:bodyPr/>
                         <a:lstStyle/>
                         <a:p>
+                          <a:pPr/>
                           <a14:m>
                             <m:oMathPara xmlns:m="http://schemas.openxmlformats.org/officeDocument/2006/math">
                               <m:oMathParaPr>
@@ -11395,6 +15064,7 @@
                         <a:bodyPr/>
                         <a:lstStyle/>
                         <a:p>
+                          <a:pPr/>
                           <a14:m>
                             <m:oMathPara xmlns:m="http://schemas.openxmlformats.org/officeDocument/2006/math">
                               <m:oMathParaPr>
@@ -11461,6 +15131,7 @@
                         <a:bodyPr/>
                         <a:lstStyle/>
                         <a:p>
+                          <a:pPr/>
                           <a14:m>
                             <m:oMathPara xmlns:m="http://schemas.openxmlformats.org/officeDocument/2006/math">
                               <m:oMathParaPr>
@@ -11505,6 +15176,7 @@
                         <a:bodyPr/>
                         <a:lstStyle/>
                         <a:p>
+                          <a:pPr/>
                           <a14:m>
                             <m:oMathPara xmlns:m="http://schemas.openxmlformats.org/officeDocument/2006/math">
                               <m:oMathParaPr>
@@ -11571,6 +15243,7 @@
                         <a:bodyPr/>
                         <a:lstStyle/>
                         <a:p>
+                          <a:pPr/>
                           <a14:m>
                             <m:oMathPara xmlns:m="http://schemas.openxmlformats.org/officeDocument/2006/math">
                               <m:oMathParaPr>
@@ -11615,6 +15288,7 @@
                         <a:bodyPr/>
                         <a:lstStyle/>
                         <a:p>
+                          <a:pPr/>
                           <a14:m>
                             <m:oMathPara xmlns:m="http://schemas.openxmlformats.org/officeDocument/2006/math">
                               <m:oMathParaPr>
@@ -11665,7 +15339,7 @@
             </a:graphic>
           </p:graphicFrame>
         </mc:Choice>
-        <mc:Fallback>
+        <mc:Fallback xmlns="">
           <p:graphicFrame>
             <p:nvGraphicFramePr>
               <p:cNvPr id="4" name="Table 3"/>
@@ -12391,8 +16065,8 @@
           </a:p>
         </p:txBody>
       </p:sp>
-      <mc:AlternateContent xmlns:mc="http://schemas.openxmlformats.org/markup-compatibility/2006">
-        <mc:Choice xmlns:a14="http://schemas.microsoft.com/office/drawing/2010/main" Requires="a14">
+      <mc:AlternateContent xmlns:mc="http://schemas.openxmlformats.org/markup-compatibility/2006" xmlns:a14="http://schemas.microsoft.com/office/drawing/2010/main">
+        <mc:Choice Requires="a14">
           <p:graphicFrame>
             <p:nvGraphicFramePr>
               <p:cNvPr id="11" name="Table 10"/>
@@ -13617,7 +17291,7 @@
             </a:graphic>
           </p:graphicFrame>
         </mc:Choice>
-        <mc:Fallback>
+        <mc:Fallback xmlns="">
           <p:graphicFrame>
             <p:nvGraphicFramePr>
               <p:cNvPr id="11" name="Table 10"/>
@@ -15480,6 +19154,4536 @@
   <p:clrMapOvr>
     <a:masterClrMapping/>
   </p:clrMapOvr>
+  <p:timing>
+    <p:tnLst>
+      <p:par>
+        <p:cTn id="1" dur="indefinite" restart="never" nodeType="tmRoot"/>
+      </p:par>
+    </p:tnLst>
+  </p:timing>
+</p:sld>
+</file>
+
+<file path=ppt/slides/slide16.xml><?xml version="1.0" encoding="utf-8"?>
+<p:sld xmlns:a="http://schemas.openxmlformats.org/drawingml/2006/main" xmlns:r="http://schemas.openxmlformats.org/officeDocument/2006/relationships" xmlns:p="http://schemas.openxmlformats.org/presentationml/2006/main">
+  <p:cSld>
+    <p:spTree>
+      <p:nvGrpSpPr>
+        <p:cNvPr id="1" name=""/>
+        <p:cNvGrpSpPr/>
+        <p:nvPr/>
+      </p:nvGrpSpPr>
+      <p:grpSpPr>
+        <a:xfrm>
+          <a:off x="0" y="0"/>
+          <a:ext cx="0" cy="0"/>
+          <a:chOff x="0" y="0"/>
+          <a:chExt cx="0" cy="0"/>
+        </a:xfrm>
+      </p:grpSpPr>
+      <p:pic>
+        <p:nvPicPr>
+          <p:cNvPr id="68" name="Picture 67" descr="Clipart - &lt;strong&gt;Gear&lt;/strong&gt; icon"/>
+          <p:cNvPicPr>
+            <a:picLocks noChangeAspect="1"/>
+          </p:cNvPicPr>
+          <p:nvPr/>
+        </p:nvPicPr>
+        <p:blipFill>
+          <a:blip r:embed="rId2" cstate="print">
+            <a:lum bright="70000" contrast="-70000"/>
+            <a:extLst>
+              <a:ext uri="{BEBA8EAE-BF5A-486C-A8C5-ECC9F3942E4B}">
+                <a14:imgProps xmlns:a14="http://schemas.microsoft.com/office/drawing/2010/main">
+                  <a14:imgLayer r:embed="rId3">
+                    <a14:imgEffect>
+                      <a14:sharpenSoften amount="-50000"/>
+                    </a14:imgEffect>
+                    <a14:imgEffect>
+                      <a14:brightnessContrast bright="-40000" contrast="-40000"/>
+                    </a14:imgEffect>
+                  </a14:imgLayer>
+                </a14:imgProps>
+              </a:ext>
+              <a:ext uri="{28A0092B-C50C-407E-A947-70E740481C1C}">
+                <a14:useLocalDpi xmlns:a14="http://schemas.microsoft.com/office/drawing/2010/main" val="0"/>
+              </a:ext>
+            </a:extLst>
+          </a:blip>
+          <a:stretch>
+            <a:fillRect/>
+          </a:stretch>
+        </p:blipFill>
+        <p:spPr>
+          <a:xfrm>
+            <a:off x="1219511" y="2979472"/>
+            <a:ext cx="889523" cy="948825"/>
+          </a:xfrm>
+          <a:prstGeom prst="rect">
+            <a:avLst/>
+          </a:prstGeom>
+        </p:spPr>
+      </p:pic>
+      <p:pic>
+        <p:nvPicPr>
+          <p:cNvPr id="2" name="Picture 1"/>
+          <p:cNvPicPr>
+            <a:picLocks noChangeAspect="1"/>
+          </p:cNvPicPr>
+          <p:nvPr/>
+        </p:nvPicPr>
+        <p:blipFill>
+          <a:blip r:embed="rId4"/>
+          <a:stretch>
+            <a:fillRect/>
+          </a:stretch>
+        </p:blipFill>
+        <p:spPr>
+          <a:xfrm>
+            <a:off x="2919508" y="734755"/>
+            <a:ext cx="796729" cy="989297"/>
+          </a:xfrm>
+          <a:prstGeom prst="rect">
+            <a:avLst/>
+          </a:prstGeom>
+        </p:spPr>
+      </p:pic>
+      <p:sp>
+        <p:nvSpPr>
+          <p:cNvPr id="5" name="TextBox 4"/>
+          <p:cNvSpPr txBox="1"/>
+          <p:nvPr/>
+        </p:nvSpPr>
+        <p:spPr>
+          <a:xfrm>
+            <a:off x="3032186" y="394888"/>
+            <a:ext cx="571375" cy="338554"/>
+          </a:xfrm>
+          <a:prstGeom prst="rect">
+            <a:avLst/>
+          </a:prstGeom>
+          <a:noFill/>
+        </p:spPr>
+        <p:txBody>
+          <a:bodyPr wrap="none" rtlCol="0">
+            <a:spAutoFit/>
+          </a:bodyPr>
+          <a:lstStyle/>
+          <a:p>
+            <a:r>
+              <a:rPr lang="en-US" sz="1600" u="sng" dirty="0" smtClean="0"/>
+              <a:t>Data</a:t>
+            </a:r>
+            <a:endParaRPr lang="en-US" sz="1600" u="sng" dirty="0"/>
+          </a:p>
+        </p:txBody>
+      </p:sp>
+      <p:pic>
+        <p:nvPicPr>
+          <p:cNvPr id="10" name="Picture 9" descr="Clipart - &lt;strong&gt;Gear&lt;/strong&gt; icon"/>
+          <p:cNvPicPr>
+            <a:picLocks noChangeAspect="1"/>
+          </p:cNvPicPr>
+          <p:nvPr/>
+        </p:nvPicPr>
+        <p:blipFill>
+          <a:blip r:embed="rId5" cstate="print">
+            <a:duotone>
+              <a:schemeClr val="accent5">
+                <a:shade val="45000"/>
+                <a:satMod val="135000"/>
+              </a:schemeClr>
+              <a:prstClr val="white"/>
+            </a:duotone>
+            <a:extLst>
+              <a:ext uri="{28A0092B-C50C-407E-A947-70E740481C1C}">
+                <a14:useLocalDpi xmlns:a14="http://schemas.microsoft.com/office/drawing/2010/main" val="0"/>
+              </a:ext>
+            </a:extLst>
+          </a:blip>
+          <a:stretch>
+            <a:fillRect/>
+          </a:stretch>
+        </p:blipFill>
+        <p:spPr>
+          <a:xfrm>
+            <a:off x="665939" y="801364"/>
+            <a:ext cx="889523" cy="948825"/>
+          </a:xfrm>
+          <a:prstGeom prst="rect">
+            <a:avLst/>
+          </a:prstGeom>
+        </p:spPr>
+      </p:pic>
+      <p:sp>
+        <p:nvSpPr>
+          <p:cNvPr id="12" name="TextBox 11"/>
+          <p:cNvSpPr txBox="1"/>
+          <p:nvPr/>
+        </p:nvSpPr>
+        <p:spPr>
+          <a:xfrm>
+            <a:off x="21873" y="394888"/>
+            <a:ext cx="2222596" cy="338554"/>
+          </a:xfrm>
+          <a:prstGeom prst="rect">
+            <a:avLst/>
+          </a:prstGeom>
+          <a:noFill/>
+        </p:spPr>
+        <p:txBody>
+          <a:bodyPr wrap="none" rtlCol="0">
+            <a:spAutoFit/>
+          </a:bodyPr>
+          <a:lstStyle/>
+          <a:p>
+            <a:r>
+              <a:rPr lang="en-US" sz="1600" u="sng" dirty="0" smtClean="0"/>
+              <a:t>Data Generating Process</a:t>
+            </a:r>
+            <a:endParaRPr lang="en-US" sz="1600" u="sng" dirty="0"/>
+          </a:p>
+        </p:txBody>
+      </p:sp>
+      <p:sp>
+        <p:nvSpPr>
+          <p:cNvPr id="43" name="Right Arrow 42"/>
+          <p:cNvSpPr/>
+          <p:nvPr/>
+        </p:nvSpPr>
+        <p:spPr>
+          <a:xfrm rot="3822057">
+            <a:off x="1102324" y="1999602"/>
+            <a:ext cx="542550" cy="318372"/>
+          </a:xfrm>
+          <a:prstGeom prst="rightArrow">
+            <a:avLst/>
+          </a:prstGeom>
+          <a:solidFill>
+            <a:schemeClr val="bg1">
+              <a:lumMod val="65000"/>
+            </a:schemeClr>
+          </a:solidFill>
+          <a:ln>
+            <a:noFill/>
+          </a:ln>
+        </p:spPr>
+        <p:style>
+          <a:lnRef idx="2">
+            <a:schemeClr val="accent1">
+              <a:shade val="50000"/>
+            </a:schemeClr>
+          </a:lnRef>
+          <a:fillRef idx="1">
+            <a:schemeClr val="accent1"/>
+          </a:fillRef>
+          <a:effectRef idx="0">
+            <a:schemeClr val="accent1"/>
+          </a:effectRef>
+          <a:fontRef idx="minor">
+            <a:schemeClr val="lt1"/>
+          </a:fontRef>
+        </p:style>
+        <p:txBody>
+          <a:bodyPr rtlCol="0" anchor="ctr"/>
+          <a:lstStyle/>
+          <a:p>
+            <a:pPr algn="ctr"/>
+            <a:endParaRPr lang="en-US"/>
+          </a:p>
+        </p:txBody>
+      </p:sp>
+      <mc:AlternateContent xmlns:mc="http://schemas.openxmlformats.org/markup-compatibility/2006">
+        <mc:Choice xmlns:a14="http://schemas.microsoft.com/office/drawing/2010/main" Requires="a14">
+          <p:sp>
+            <p:nvSpPr>
+              <p:cNvPr id="39" name="TextBox 38"/>
+              <p:cNvSpPr txBox="1"/>
+              <p:nvPr/>
+            </p:nvSpPr>
+            <p:spPr>
+              <a:xfrm>
+                <a:off x="239627" y="3307608"/>
+                <a:ext cx="2792559" cy="215444"/>
+              </a:xfrm>
+              <a:prstGeom prst="rect">
+                <a:avLst/>
+              </a:prstGeom>
+              <a:solidFill>
+                <a:schemeClr val="bg1">
+                  <a:alpha val="75000"/>
+                </a:schemeClr>
+              </a:solidFill>
+            </p:spPr>
+            <p:txBody>
+              <a:bodyPr wrap="none" lIns="0" tIns="0" rIns="0" bIns="0" rtlCol="0">
+                <a:spAutoFit/>
+              </a:bodyPr>
+              <a:lstStyle/>
+              <a:p>
+                <a14:m>
+                  <m:oMathPara xmlns:m="http://schemas.openxmlformats.org/officeDocument/2006/math">
+                    <m:oMathParaPr>
+                      <m:jc m:val="centerGroup"/>
+                    </m:oMathParaPr>
+                    <m:oMath xmlns:m="http://schemas.openxmlformats.org/officeDocument/2006/math">
+                      <m:sSub>
+                        <m:sSubPr>
+                          <m:ctrlPr>
+                            <a:rPr lang="en-US" sz="1400" b="0" i="1" smtClean="0">
+                              <a:solidFill>
+                                <a:schemeClr val="accent5">
+                                  <a:lumMod val="50000"/>
+                                </a:schemeClr>
+                              </a:solidFill>
+                              <a:latin typeface="Cambria Math" panose="02040503050406030204" pitchFamily="18" charset="0"/>
+                            </a:rPr>
+                          </m:ctrlPr>
+                        </m:sSubPr>
+                        <m:e>
+                          <m:d>
+                            <m:dPr>
+                              <m:ctrlPr>
+                                <a:rPr lang="en-US" sz="1400" b="0" i="1" smtClean="0">
+                                  <a:solidFill>
+                                    <a:schemeClr val="accent5">
+                                      <a:lumMod val="50000"/>
+                                    </a:schemeClr>
+                                  </a:solidFill>
+                                  <a:latin typeface="Cambria Math" panose="02040503050406030204" pitchFamily="18" charset="0"/>
+                                </a:rPr>
+                              </m:ctrlPr>
+                            </m:dPr>
+                            <m:e>
+                              <m:r>
+                                <m:rPr>
+                                  <m:nor/>
+                                </m:rPr>
+                                <a:rPr lang="en-US" sz="1400" b="0" i="0" smtClean="0">
+                                  <a:solidFill>
+                                    <a:schemeClr val="accent5">
+                                      <a:lumMod val="50000"/>
+                                    </a:schemeClr>
+                                  </a:solidFill>
+                                  <a:latin typeface="Cambria Math" panose="02040503050406030204" pitchFamily="18" charset="0"/>
+                                </a:rPr>
+                                <m:t>Response</m:t>
+                              </m:r>
+                            </m:e>
+                          </m:d>
+                        </m:e>
+                        <m:sub>
+                          <m:r>
+                            <a:rPr lang="en-US" sz="1400" b="0" i="1" smtClean="0">
+                              <a:solidFill>
+                                <a:schemeClr val="accent5">
+                                  <a:lumMod val="50000"/>
+                                </a:schemeClr>
+                              </a:solidFill>
+                              <a:latin typeface="Cambria Math" panose="02040503050406030204" pitchFamily="18" charset="0"/>
+                            </a:rPr>
+                            <m:t>𝑖</m:t>
+                          </m:r>
+                        </m:sub>
+                      </m:sSub>
+                      <m:r>
+                        <a:rPr lang="en-US" sz="1400" b="0" i="1" smtClean="0">
+                          <a:solidFill>
+                            <a:schemeClr val="accent5">
+                              <a:lumMod val="50000"/>
+                            </a:schemeClr>
+                          </a:solidFill>
+                          <a:latin typeface="Cambria Math" panose="02040503050406030204" pitchFamily="18" charset="0"/>
+                        </a:rPr>
+                        <m:t>=</m:t>
+                      </m:r>
+                      <m:r>
+                        <a:rPr lang="en-US" sz="1400" b="0" i="1" smtClean="0">
+                          <a:solidFill>
+                            <a:schemeClr val="accent5">
+                              <a:lumMod val="50000"/>
+                            </a:schemeClr>
+                          </a:solidFill>
+                          <a:latin typeface="Cambria Math" panose="02040503050406030204" pitchFamily="18" charset="0"/>
+                        </a:rPr>
+                        <m:t>𝑓</m:t>
+                      </m:r>
+                      <m:d>
+                        <m:dPr>
+                          <m:ctrlPr>
+                            <a:rPr lang="en-US" sz="1400" b="0" i="1" smtClean="0">
+                              <a:solidFill>
+                                <a:schemeClr val="accent5">
+                                  <a:lumMod val="50000"/>
+                                </a:schemeClr>
+                              </a:solidFill>
+                              <a:latin typeface="Cambria Math" panose="02040503050406030204" pitchFamily="18" charset="0"/>
+                            </a:rPr>
+                          </m:ctrlPr>
+                        </m:dPr>
+                        <m:e>
+                          <m:r>
+                            <a:rPr lang="en-US" sz="1400" b="0" i="1" smtClean="0">
+                              <a:solidFill>
+                                <a:schemeClr val="accent5">
+                                  <a:lumMod val="50000"/>
+                                </a:schemeClr>
+                              </a:solidFill>
+                              <a:latin typeface="Cambria Math" panose="02040503050406030204" pitchFamily="18" charset="0"/>
+                            </a:rPr>
+                            <m:t>𝜃</m:t>
+                          </m:r>
+                          <m:r>
+                            <a:rPr lang="en-US" sz="1400" b="0" i="1" smtClean="0">
+                              <a:solidFill>
+                                <a:schemeClr val="accent5">
+                                  <a:lumMod val="50000"/>
+                                </a:schemeClr>
+                              </a:solidFill>
+                              <a:latin typeface="Cambria Math" panose="02040503050406030204" pitchFamily="18" charset="0"/>
+                            </a:rPr>
+                            <m:t>,</m:t>
+                          </m:r>
+                          <m:r>
+                            <m:rPr>
+                              <m:nor/>
+                            </m:rPr>
+                            <a:rPr lang="en-US" sz="1400" b="0" i="0" smtClean="0">
+                              <a:solidFill>
+                                <a:schemeClr val="accent5">
+                                  <a:lumMod val="50000"/>
+                                </a:schemeClr>
+                              </a:solidFill>
+                              <a:latin typeface="Cambria Math" panose="02040503050406030204" pitchFamily="18" charset="0"/>
+                            </a:rPr>
+                            <m:t>Predictors</m:t>
+                          </m:r>
+                        </m:e>
+                      </m:d>
+                      <m:r>
+                        <a:rPr lang="en-US" sz="1400" b="0" i="1" smtClean="0">
+                          <a:solidFill>
+                            <a:schemeClr val="accent5">
+                              <a:lumMod val="50000"/>
+                            </a:schemeClr>
+                          </a:solidFill>
+                          <a:latin typeface="Cambria Math" panose="02040503050406030204" pitchFamily="18" charset="0"/>
+                        </a:rPr>
+                        <m:t>+</m:t>
+                      </m:r>
+                      <m:sSub>
+                        <m:sSubPr>
+                          <m:ctrlPr>
+                            <a:rPr lang="en-US" sz="1400" b="0" i="1" smtClean="0">
+                              <a:solidFill>
+                                <a:schemeClr val="accent5">
+                                  <a:lumMod val="50000"/>
+                                </a:schemeClr>
+                              </a:solidFill>
+                              <a:latin typeface="Cambria Math" panose="02040503050406030204" pitchFamily="18" charset="0"/>
+                            </a:rPr>
+                          </m:ctrlPr>
+                        </m:sSubPr>
+                        <m:e>
+                          <m:r>
+                            <a:rPr lang="en-US" sz="1400" b="0" i="1" smtClean="0">
+                              <a:solidFill>
+                                <a:schemeClr val="accent5">
+                                  <a:lumMod val="50000"/>
+                                </a:schemeClr>
+                              </a:solidFill>
+                              <a:latin typeface="Cambria Math" panose="02040503050406030204" pitchFamily="18" charset="0"/>
+                            </a:rPr>
+                            <m:t>𝜀</m:t>
+                          </m:r>
+                        </m:e>
+                        <m:sub>
+                          <m:r>
+                            <a:rPr lang="en-US" sz="1400" b="0" i="1" smtClean="0">
+                              <a:solidFill>
+                                <a:schemeClr val="accent5">
+                                  <a:lumMod val="50000"/>
+                                </a:schemeClr>
+                              </a:solidFill>
+                              <a:latin typeface="Cambria Math" panose="02040503050406030204" pitchFamily="18" charset="0"/>
+                            </a:rPr>
+                            <m:t>𝑖</m:t>
+                          </m:r>
+                        </m:sub>
+                      </m:sSub>
+                    </m:oMath>
+                  </m:oMathPara>
+                </a14:m>
+                <a:endParaRPr lang="en-US" sz="1400" dirty="0">
+                  <a:solidFill>
+                    <a:schemeClr val="accent5">
+                      <a:lumMod val="50000"/>
+                    </a:schemeClr>
+                  </a:solidFill>
+                </a:endParaRPr>
+              </a:p>
+            </p:txBody>
+          </p:sp>
+        </mc:Choice>
+        <mc:Fallback>
+          <p:sp>
+            <p:nvSpPr>
+              <p:cNvPr id="39" name="TextBox 38"/>
+              <p:cNvSpPr txBox="1">
+                <a:spLocks noRot="1" noChangeAspect="1" noMove="1" noResize="1" noEditPoints="1" noAdjustHandles="1" noChangeArrowheads="1" noChangeShapeType="1" noTextEdit="1"/>
+              </p:cNvSpPr>
+              <p:nvPr/>
+            </p:nvSpPr>
+            <p:spPr>
+              <a:xfrm>
+                <a:off x="239627" y="3307608"/>
+                <a:ext cx="2792559" cy="215444"/>
+              </a:xfrm>
+              <a:prstGeom prst="rect">
+                <a:avLst/>
+              </a:prstGeom>
+              <a:blipFill>
+                <a:blip r:embed="rId6"/>
+                <a:stretch>
+                  <a:fillRect b="-31429"/>
+                </a:stretch>
+              </a:blipFill>
+            </p:spPr>
+            <p:txBody>
+              <a:bodyPr/>
+              <a:lstStyle/>
+              <a:p>
+                <a:r>
+                  <a:rPr lang="en-US">
+                    <a:noFill/>
+                  </a:rPr>
+                  <a:t> </a:t>
+                </a:r>
+              </a:p>
+            </p:txBody>
+          </p:sp>
+        </mc:Fallback>
+      </mc:AlternateContent>
+      <p:sp>
+        <p:nvSpPr>
+          <p:cNvPr id="47" name="TextBox 46"/>
+          <p:cNvSpPr txBox="1"/>
+          <p:nvPr/>
+        </p:nvSpPr>
+        <p:spPr>
+          <a:xfrm>
+            <a:off x="824462" y="2546919"/>
+            <a:ext cx="1855123" cy="338554"/>
+          </a:xfrm>
+          <a:prstGeom prst="rect">
+            <a:avLst/>
+          </a:prstGeom>
+          <a:noFill/>
+        </p:spPr>
+        <p:txBody>
+          <a:bodyPr wrap="none" rtlCol="0">
+            <a:spAutoFit/>
+          </a:bodyPr>
+          <a:lstStyle/>
+          <a:p>
+            <a:r>
+              <a:rPr lang="en-US" sz="1600" u="sng" dirty="0" smtClean="0"/>
+              <a:t>Model for Response</a:t>
+            </a:r>
+            <a:endParaRPr lang="en-US" sz="1600" u="sng" dirty="0"/>
+          </a:p>
+        </p:txBody>
+      </p:sp>
+      <p:grpSp>
+        <p:nvGrpSpPr>
+          <p:cNvPr id="57" name="Group 56"/>
+          <p:cNvGrpSpPr/>
+          <p:nvPr/>
+        </p:nvGrpSpPr>
+        <p:grpSpPr>
+          <a:xfrm>
+            <a:off x="4745625" y="801364"/>
+            <a:ext cx="864390" cy="755103"/>
+            <a:chOff x="5912869" y="3216238"/>
+            <a:chExt cx="1128209" cy="975748"/>
+          </a:xfrm>
+        </p:grpSpPr>
+        <p:grpSp>
+          <p:nvGrpSpPr>
+            <p:cNvPr id="56" name="Group 55"/>
+            <p:cNvGrpSpPr/>
+            <p:nvPr/>
+          </p:nvGrpSpPr>
+          <p:grpSpPr>
+            <a:xfrm>
+              <a:off x="5912869" y="3216238"/>
+              <a:ext cx="1128209" cy="975748"/>
+              <a:chOff x="5912869" y="3216238"/>
+              <a:chExt cx="1128209" cy="975748"/>
+            </a:xfrm>
+          </p:grpSpPr>
+          <p:sp>
+            <p:nvSpPr>
+              <p:cNvPr id="54" name="Trapezoid 53"/>
+              <p:cNvSpPr/>
+              <p:nvPr/>
+            </p:nvSpPr>
+            <p:spPr>
+              <a:xfrm>
+                <a:off x="5912869" y="3216238"/>
+                <a:ext cx="1128209" cy="487874"/>
+              </a:xfrm>
+              <a:prstGeom prst="trapezoid">
+                <a:avLst>
+                  <a:gd name="adj" fmla="val 62162"/>
+                </a:avLst>
+              </a:prstGeom>
+              <a:solidFill>
+                <a:schemeClr val="accent2">
+                  <a:alpha val="50000"/>
+                </a:schemeClr>
+              </a:solidFill>
+              <a:ln w="25400">
+                <a:noFill/>
+              </a:ln>
+            </p:spPr>
+            <p:style>
+              <a:lnRef idx="2">
+                <a:schemeClr val="accent1">
+                  <a:shade val="50000"/>
+                </a:schemeClr>
+              </a:lnRef>
+              <a:fillRef idx="1">
+                <a:schemeClr val="accent1"/>
+              </a:fillRef>
+              <a:effectRef idx="0">
+                <a:schemeClr val="accent1"/>
+              </a:effectRef>
+              <a:fontRef idx="minor">
+                <a:schemeClr val="lt1"/>
+              </a:fontRef>
+            </p:style>
+            <p:txBody>
+              <a:bodyPr rtlCol="0" anchor="ctr"/>
+              <a:lstStyle/>
+              <a:p>
+                <a:pPr algn="ctr"/>
+                <a:endParaRPr lang="en-US"/>
+              </a:p>
+            </p:txBody>
+          </p:sp>
+          <p:sp>
+            <p:nvSpPr>
+              <p:cNvPr id="55" name="Trapezoid 54"/>
+              <p:cNvSpPr/>
+              <p:nvPr/>
+            </p:nvSpPr>
+            <p:spPr>
+              <a:xfrm rot="10800000">
+                <a:off x="5912869" y="3704112"/>
+                <a:ext cx="1128209" cy="487874"/>
+              </a:xfrm>
+              <a:prstGeom prst="trapezoid">
+                <a:avLst>
+                  <a:gd name="adj" fmla="val 62162"/>
+                </a:avLst>
+              </a:prstGeom>
+              <a:solidFill>
+                <a:schemeClr val="accent2">
+                  <a:alpha val="50000"/>
+                </a:schemeClr>
+              </a:solidFill>
+              <a:ln w="25400">
+                <a:noFill/>
+              </a:ln>
+            </p:spPr>
+            <p:style>
+              <a:lnRef idx="2">
+                <a:schemeClr val="accent1">
+                  <a:shade val="50000"/>
+                </a:schemeClr>
+              </a:lnRef>
+              <a:fillRef idx="1">
+                <a:schemeClr val="accent1"/>
+              </a:fillRef>
+              <a:effectRef idx="0">
+                <a:schemeClr val="accent1"/>
+              </a:effectRef>
+              <a:fontRef idx="minor">
+                <a:schemeClr val="lt1"/>
+              </a:fontRef>
+            </p:style>
+            <p:txBody>
+              <a:bodyPr rtlCol="0" anchor="ctr"/>
+              <a:lstStyle/>
+              <a:p>
+                <a:pPr algn="ctr"/>
+                <a:endParaRPr lang="en-US"/>
+              </a:p>
+            </p:txBody>
+          </p:sp>
+        </p:grpSp>
+        <mc:AlternateContent xmlns:mc="http://schemas.openxmlformats.org/markup-compatibility/2006">
+          <mc:Choice xmlns:a14="http://schemas.microsoft.com/office/drawing/2010/main" Requires="a14">
+            <p:sp>
+              <p:nvSpPr>
+                <p:cNvPr id="49" name="TextBox 48"/>
+                <p:cNvSpPr txBox="1"/>
+                <p:nvPr/>
+              </p:nvSpPr>
+              <p:spPr>
+                <a:xfrm>
+                  <a:off x="6357332" y="3498887"/>
+                  <a:ext cx="239282" cy="361744"/>
+                </a:xfrm>
+                <a:prstGeom prst="rect">
+                  <a:avLst/>
+                </a:prstGeom>
+                <a:noFill/>
+              </p:spPr>
+              <p:txBody>
+                <a:bodyPr wrap="square" lIns="0" tIns="0" rIns="0" bIns="0" rtlCol="0">
+                  <a:spAutoFit/>
+                </a:bodyPr>
+                <a:lstStyle/>
+                <a:p>
+                  <a14:m>
+                    <m:oMathPara xmlns:m="http://schemas.openxmlformats.org/officeDocument/2006/math">
+                      <m:oMathParaPr>
+                        <m:jc m:val="centerGroup"/>
+                      </m:oMathParaPr>
+                      <m:oMath xmlns:m="http://schemas.openxmlformats.org/officeDocument/2006/math">
+                        <m:acc>
+                          <m:accPr>
+                            <m:chr m:val="̂"/>
+                            <m:ctrlPr>
+                              <a:rPr lang="en-US" sz="2000" b="0" i="1" smtClean="0">
+                                <a:latin typeface="Cambria Math" panose="02040503050406030204" pitchFamily="18" charset="0"/>
+                              </a:rPr>
+                            </m:ctrlPr>
+                          </m:accPr>
+                          <m:e>
+                            <m:r>
+                              <a:rPr lang="en-US" sz="2000" b="0" i="1" smtClean="0">
+                                <a:latin typeface="Cambria Math" panose="02040503050406030204" pitchFamily="18" charset="0"/>
+                              </a:rPr>
+                              <m:t>𝜃</m:t>
+                            </m:r>
+                          </m:e>
+                        </m:acc>
+                      </m:oMath>
+                    </m:oMathPara>
+                  </a14:m>
+                  <a:endParaRPr lang="en-US" sz="2000" dirty="0"/>
+                </a:p>
+              </p:txBody>
+            </p:sp>
+          </mc:Choice>
+          <mc:Fallback>
+            <p:sp>
+              <p:nvSpPr>
+                <p:cNvPr id="49" name="TextBox 48"/>
+                <p:cNvSpPr txBox="1">
+                  <a:spLocks noRot="1" noChangeAspect="1" noMove="1" noResize="1" noEditPoints="1" noAdjustHandles="1" noChangeArrowheads="1" noChangeShapeType="1" noTextEdit="1"/>
+                </p:cNvSpPr>
+                <p:nvPr/>
+              </p:nvSpPr>
+              <p:spPr>
+                <a:xfrm>
+                  <a:off x="6357332" y="3498887"/>
+                  <a:ext cx="239282" cy="361744"/>
+                </a:xfrm>
+                <a:prstGeom prst="rect">
+                  <a:avLst/>
+                </a:prstGeom>
+                <a:blipFill>
+                  <a:blip r:embed="rId7"/>
+                  <a:stretch>
+                    <a:fillRect l="-40000" t="-23913" r="-83333" b="-21739"/>
+                  </a:stretch>
+                </a:blipFill>
+              </p:spPr>
+              <p:txBody>
+                <a:bodyPr/>
+                <a:lstStyle/>
+                <a:p>
+                  <a:r>
+                    <a:rPr lang="en-US">
+                      <a:noFill/>
+                    </a:rPr>
+                    <a:t> </a:t>
+                  </a:r>
+                </a:p>
+              </p:txBody>
+            </p:sp>
+          </mc:Fallback>
+        </mc:AlternateContent>
+      </p:grpSp>
+      <p:sp>
+        <p:nvSpPr>
+          <p:cNvPr id="50" name="TextBox 49"/>
+          <p:cNvSpPr txBox="1"/>
+          <p:nvPr/>
+        </p:nvSpPr>
+        <p:spPr>
+          <a:xfrm>
+            <a:off x="4759435" y="394888"/>
+            <a:ext cx="836768" cy="338554"/>
+          </a:xfrm>
+          <a:prstGeom prst="rect">
+            <a:avLst/>
+          </a:prstGeom>
+          <a:noFill/>
+        </p:spPr>
+        <p:txBody>
+          <a:bodyPr wrap="none" rtlCol="0">
+            <a:spAutoFit/>
+          </a:bodyPr>
+          <a:lstStyle/>
+          <a:p>
+            <a:r>
+              <a:rPr lang="en-US" sz="1600" u="sng" dirty="0" smtClean="0"/>
+              <a:t>Statistic</a:t>
+            </a:r>
+            <a:endParaRPr lang="en-US" sz="1600" u="sng" dirty="0"/>
+          </a:p>
+        </p:txBody>
+      </p:sp>
+      <p:pic>
+        <p:nvPicPr>
+          <p:cNvPr id="61" name="Picture 60"/>
+          <p:cNvPicPr>
+            <a:picLocks noChangeAspect="1"/>
+          </p:cNvPicPr>
+          <p:nvPr/>
+        </p:nvPicPr>
+        <p:blipFill>
+          <a:blip r:embed="rId8"/>
+          <a:stretch>
+            <a:fillRect/>
+          </a:stretch>
+        </p:blipFill>
+        <p:spPr>
+          <a:xfrm flipH="1">
+            <a:off x="3959656" y="2993818"/>
+            <a:ext cx="460825" cy="267585"/>
+          </a:xfrm>
+          <a:prstGeom prst="rect">
+            <a:avLst/>
+          </a:prstGeom>
+        </p:spPr>
+      </p:pic>
+      <p:pic>
+        <p:nvPicPr>
+          <p:cNvPr id="63" name="Picture 62"/>
+          <p:cNvPicPr>
+            <a:picLocks noChangeAspect="1"/>
+          </p:cNvPicPr>
+          <p:nvPr/>
+        </p:nvPicPr>
+        <p:blipFill>
+          <a:blip r:embed="rId8"/>
+          <a:stretch>
+            <a:fillRect/>
+          </a:stretch>
+        </p:blipFill>
+        <p:spPr>
+          <a:xfrm flipH="1">
+            <a:off x="3961691" y="3298729"/>
+            <a:ext cx="460825" cy="267585"/>
+          </a:xfrm>
+          <a:prstGeom prst="rect">
+            <a:avLst/>
+          </a:prstGeom>
+        </p:spPr>
+      </p:pic>
+      <p:pic>
+        <p:nvPicPr>
+          <p:cNvPr id="64" name="Picture 63"/>
+          <p:cNvPicPr>
+            <a:picLocks noChangeAspect="1"/>
+          </p:cNvPicPr>
+          <p:nvPr/>
+        </p:nvPicPr>
+        <p:blipFill>
+          <a:blip r:embed="rId8"/>
+          <a:stretch>
+            <a:fillRect/>
+          </a:stretch>
+        </p:blipFill>
+        <p:spPr>
+          <a:xfrm flipH="1">
+            <a:off x="3959656" y="3603640"/>
+            <a:ext cx="460825" cy="267585"/>
+          </a:xfrm>
+          <a:prstGeom prst="rect">
+            <a:avLst/>
+          </a:prstGeom>
+        </p:spPr>
+      </p:pic>
+      <p:sp>
+        <p:nvSpPr>
+          <p:cNvPr id="66" name="Right Arrow 65"/>
+          <p:cNvSpPr/>
+          <p:nvPr/>
+        </p:nvSpPr>
+        <p:spPr>
+          <a:xfrm>
+            <a:off x="2137035" y="1057221"/>
+            <a:ext cx="542550" cy="318372"/>
+          </a:xfrm>
+          <a:prstGeom prst="rightArrow">
+            <a:avLst/>
+          </a:prstGeom>
+          <a:solidFill>
+            <a:schemeClr val="bg1">
+              <a:lumMod val="65000"/>
+            </a:schemeClr>
+          </a:solidFill>
+          <a:ln>
+            <a:noFill/>
+          </a:ln>
+        </p:spPr>
+        <p:style>
+          <a:lnRef idx="2">
+            <a:schemeClr val="accent1">
+              <a:shade val="50000"/>
+            </a:schemeClr>
+          </a:lnRef>
+          <a:fillRef idx="1">
+            <a:schemeClr val="accent1"/>
+          </a:fillRef>
+          <a:effectRef idx="0">
+            <a:schemeClr val="accent1"/>
+          </a:effectRef>
+          <a:fontRef idx="minor">
+            <a:schemeClr val="lt1"/>
+          </a:fontRef>
+        </p:style>
+        <p:txBody>
+          <a:bodyPr rtlCol="0" anchor="ctr"/>
+          <a:lstStyle/>
+          <a:p>
+            <a:pPr algn="ctr"/>
+            <a:endParaRPr lang="en-US"/>
+          </a:p>
+        </p:txBody>
+      </p:sp>
+      <p:sp>
+        <p:nvSpPr>
+          <p:cNvPr id="67" name="Right Arrow 66"/>
+          <p:cNvSpPr/>
+          <p:nvPr/>
+        </p:nvSpPr>
+        <p:spPr>
+          <a:xfrm>
+            <a:off x="3959656" y="1057221"/>
+            <a:ext cx="542550" cy="318372"/>
+          </a:xfrm>
+          <a:prstGeom prst="rightArrow">
+            <a:avLst/>
+          </a:prstGeom>
+          <a:solidFill>
+            <a:schemeClr val="bg1">
+              <a:lumMod val="65000"/>
+            </a:schemeClr>
+          </a:solidFill>
+          <a:ln>
+            <a:noFill/>
+          </a:ln>
+        </p:spPr>
+        <p:style>
+          <a:lnRef idx="2">
+            <a:schemeClr val="accent1">
+              <a:shade val="50000"/>
+            </a:schemeClr>
+          </a:lnRef>
+          <a:fillRef idx="1">
+            <a:schemeClr val="accent1"/>
+          </a:fillRef>
+          <a:effectRef idx="0">
+            <a:schemeClr val="accent1"/>
+          </a:effectRef>
+          <a:fontRef idx="minor">
+            <a:schemeClr val="lt1"/>
+          </a:fontRef>
+        </p:style>
+        <p:txBody>
+          <a:bodyPr rtlCol="0" anchor="ctr"/>
+          <a:lstStyle/>
+          <a:p>
+            <a:pPr algn="ctr"/>
+            <a:endParaRPr lang="en-US"/>
+          </a:p>
+        </p:txBody>
+      </p:sp>
+      <p:sp>
+        <p:nvSpPr>
+          <p:cNvPr id="69" name="TextBox 68"/>
+          <p:cNvSpPr txBox="1"/>
+          <p:nvPr/>
+        </p:nvSpPr>
+        <p:spPr>
+          <a:xfrm>
+            <a:off x="3579646" y="2546919"/>
+            <a:ext cx="1448923" cy="338554"/>
+          </a:xfrm>
+          <a:prstGeom prst="rect">
+            <a:avLst/>
+          </a:prstGeom>
+          <a:noFill/>
+        </p:spPr>
+        <p:txBody>
+          <a:bodyPr wrap="none" rtlCol="0">
+            <a:spAutoFit/>
+          </a:bodyPr>
+          <a:lstStyle/>
+          <a:p>
+            <a:r>
+              <a:rPr lang="en-US" sz="1600" u="sng" dirty="0" smtClean="0"/>
+              <a:t>Simulated Data</a:t>
+            </a:r>
+            <a:endParaRPr lang="en-US" sz="1600" u="sng" dirty="0"/>
+          </a:p>
+        </p:txBody>
+      </p:sp>
+      <p:sp>
+        <p:nvSpPr>
+          <p:cNvPr id="71" name="Right Arrow 70"/>
+          <p:cNvSpPr/>
+          <p:nvPr/>
+        </p:nvSpPr>
+        <p:spPr>
+          <a:xfrm>
+            <a:off x="3088848" y="2968425"/>
+            <a:ext cx="542550" cy="318372"/>
+          </a:xfrm>
+          <a:prstGeom prst="rightArrow">
+            <a:avLst/>
+          </a:prstGeom>
+          <a:solidFill>
+            <a:schemeClr val="bg1">
+              <a:lumMod val="65000"/>
+            </a:schemeClr>
+          </a:solidFill>
+          <a:ln>
+            <a:noFill/>
+          </a:ln>
+        </p:spPr>
+        <p:style>
+          <a:lnRef idx="2">
+            <a:schemeClr val="accent1">
+              <a:shade val="50000"/>
+            </a:schemeClr>
+          </a:lnRef>
+          <a:fillRef idx="1">
+            <a:schemeClr val="accent1"/>
+          </a:fillRef>
+          <a:effectRef idx="0">
+            <a:schemeClr val="accent1"/>
+          </a:effectRef>
+          <a:fontRef idx="minor">
+            <a:schemeClr val="lt1"/>
+          </a:fontRef>
+        </p:style>
+        <p:txBody>
+          <a:bodyPr rtlCol="0" anchor="ctr"/>
+          <a:lstStyle/>
+          <a:p>
+            <a:pPr algn="ctr"/>
+            <a:endParaRPr lang="en-US"/>
+          </a:p>
+        </p:txBody>
+      </p:sp>
+      <p:sp>
+        <p:nvSpPr>
+          <p:cNvPr id="72" name="Right Arrow 71"/>
+          <p:cNvSpPr/>
+          <p:nvPr/>
+        </p:nvSpPr>
+        <p:spPr>
+          <a:xfrm>
+            <a:off x="3090438" y="3278601"/>
+            <a:ext cx="542550" cy="318372"/>
+          </a:xfrm>
+          <a:prstGeom prst="rightArrow">
+            <a:avLst/>
+          </a:prstGeom>
+          <a:solidFill>
+            <a:schemeClr val="bg1">
+              <a:lumMod val="65000"/>
+            </a:schemeClr>
+          </a:solidFill>
+          <a:ln>
+            <a:noFill/>
+          </a:ln>
+        </p:spPr>
+        <p:style>
+          <a:lnRef idx="2">
+            <a:schemeClr val="accent1">
+              <a:shade val="50000"/>
+            </a:schemeClr>
+          </a:lnRef>
+          <a:fillRef idx="1">
+            <a:schemeClr val="accent1"/>
+          </a:fillRef>
+          <a:effectRef idx="0">
+            <a:schemeClr val="accent1"/>
+          </a:effectRef>
+          <a:fontRef idx="minor">
+            <a:schemeClr val="lt1"/>
+          </a:fontRef>
+        </p:style>
+        <p:txBody>
+          <a:bodyPr rtlCol="0" anchor="ctr"/>
+          <a:lstStyle/>
+          <a:p>
+            <a:pPr algn="ctr"/>
+            <a:endParaRPr lang="en-US"/>
+          </a:p>
+        </p:txBody>
+      </p:sp>
+      <p:sp>
+        <p:nvSpPr>
+          <p:cNvPr id="73" name="Right Arrow 72"/>
+          <p:cNvSpPr/>
+          <p:nvPr/>
+        </p:nvSpPr>
+        <p:spPr>
+          <a:xfrm>
+            <a:off x="3088848" y="3583512"/>
+            <a:ext cx="542550" cy="318372"/>
+          </a:xfrm>
+          <a:prstGeom prst="rightArrow">
+            <a:avLst/>
+          </a:prstGeom>
+          <a:solidFill>
+            <a:schemeClr val="bg1">
+              <a:lumMod val="65000"/>
+            </a:schemeClr>
+          </a:solidFill>
+          <a:ln>
+            <a:noFill/>
+          </a:ln>
+        </p:spPr>
+        <p:style>
+          <a:lnRef idx="2">
+            <a:schemeClr val="accent1">
+              <a:shade val="50000"/>
+            </a:schemeClr>
+          </a:lnRef>
+          <a:fillRef idx="1">
+            <a:schemeClr val="accent1"/>
+          </a:fillRef>
+          <a:effectRef idx="0">
+            <a:schemeClr val="accent1"/>
+          </a:effectRef>
+          <a:fontRef idx="minor">
+            <a:schemeClr val="lt1"/>
+          </a:fontRef>
+        </p:style>
+        <p:txBody>
+          <a:bodyPr rtlCol="0" anchor="ctr"/>
+          <a:lstStyle/>
+          <a:p>
+            <a:pPr algn="ctr"/>
+            <a:endParaRPr lang="en-US"/>
+          </a:p>
+        </p:txBody>
+      </p:sp>
+      <p:sp>
+        <p:nvSpPr>
+          <p:cNvPr id="74" name="Right Arrow 73"/>
+          <p:cNvSpPr/>
+          <p:nvPr/>
+        </p:nvSpPr>
+        <p:spPr>
+          <a:xfrm rot="18450075">
+            <a:off x="4251092" y="2056948"/>
+            <a:ext cx="542550" cy="318372"/>
+          </a:xfrm>
+          <a:prstGeom prst="rightArrow">
+            <a:avLst/>
+          </a:prstGeom>
+          <a:solidFill>
+            <a:schemeClr val="bg1">
+              <a:lumMod val="65000"/>
+            </a:schemeClr>
+          </a:solidFill>
+          <a:ln>
+            <a:noFill/>
+          </a:ln>
+        </p:spPr>
+        <p:style>
+          <a:lnRef idx="2">
+            <a:schemeClr val="accent1">
+              <a:shade val="50000"/>
+            </a:schemeClr>
+          </a:lnRef>
+          <a:fillRef idx="1">
+            <a:schemeClr val="accent1"/>
+          </a:fillRef>
+          <a:effectRef idx="0">
+            <a:schemeClr val="accent1"/>
+          </a:effectRef>
+          <a:fontRef idx="minor">
+            <a:schemeClr val="lt1"/>
+          </a:fontRef>
+        </p:style>
+        <p:txBody>
+          <a:bodyPr rtlCol="0" anchor="ctr"/>
+          <a:lstStyle/>
+          <a:p>
+            <a:pPr algn="ctr"/>
+            <a:endParaRPr lang="en-US"/>
+          </a:p>
+        </p:txBody>
+      </p:sp>
+      <p:sp>
+        <p:nvSpPr>
+          <p:cNvPr id="76" name="Right Arrow 75"/>
+          <p:cNvSpPr/>
+          <p:nvPr/>
+        </p:nvSpPr>
+        <p:spPr>
+          <a:xfrm rot="18450075">
+            <a:off x="4507563" y="2056947"/>
+            <a:ext cx="542550" cy="318372"/>
+          </a:xfrm>
+          <a:prstGeom prst="rightArrow">
+            <a:avLst/>
+          </a:prstGeom>
+          <a:solidFill>
+            <a:schemeClr val="bg1">
+              <a:lumMod val="65000"/>
+            </a:schemeClr>
+          </a:solidFill>
+          <a:ln>
+            <a:noFill/>
+          </a:ln>
+        </p:spPr>
+        <p:style>
+          <a:lnRef idx="2">
+            <a:schemeClr val="accent1">
+              <a:shade val="50000"/>
+            </a:schemeClr>
+          </a:lnRef>
+          <a:fillRef idx="1">
+            <a:schemeClr val="accent1"/>
+          </a:fillRef>
+          <a:effectRef idx="0">
+            <a:schemeClr val="accent1"/>
+          </a:effectRef>
+          <a:fontRef idx="minor">
+            <a:schemeClr val="lt1"/>
+          </a:fontRef>
+        </p:style>
+        <p:txBody>
+          <a:bodyPr rtlCol="0" anchor="ctr"/>
+          <a:lstStyle/>
+          <a:p>
+            <a:pPr algn="ctr"/>
+            <a:endParaRPr lang="en-US"/>
+          </a:p>
+        </p:txBody>
+      </p:sp>
+      <p:sp>
+        <p:nvSpPr>
+          <p:cNvPr id="77" name="Right Arrow 76"/>
+          <p:cNvSpPr/>
+          <p:nvPr/>
+        </p:nvSpPr>
+        <p:spPr>
+          <a:xfrm rot="18450075">
+            <a:off x="4764035" y="2056948"/>
+            <a:ext cx="542550" cy="318372"/>
+          </a:xfrm>
+          <a:prstGeom prst="rightArrow">
+            <a:avLst/>
+          </a:prstGeom>
+          <a:solidFill>
+            <a:schemeClr val="bg1">
+              <a:lumMod val="65000"/>
+            </a:schemeClr>
+          </a:solidFill>
+          <a:ln>
+            <a:noFill/>
+          </a:ln>
+        </p:spPr>
+        <p:style>
+          <a:lnRef idx="2">
+            <a:schemeClr val="accent1">
+              <a:shade val="50000"/>
+            </a:schemeClr>
+          </a:lnRef>
+          <a:fillRef idx="1">
+            <a:schemeClr val="accent1"/>
+          </a:fillRef>
+          <a:effectRef idx="0">
+            <a:schemeClr val="accent1"/>
+          </a:effectRef>
+          <a:fontRef idx="minor">
+            <a:schemeClr val="lt1"/>
+          </a:fontRef>
+        </p:style>
+        <p:txBody>
+          <a:bodyPr rtlCol="0" anchor="ctr"/>
+          <a:lstStyle/>
+          <a:p>
+            <a:pPr algn="ctr"/>
+            <a:endParaRPr lang="en-US"/>
+          </a:p>
+        </p:txBody>
+      </p:sp>
+      <p:pic>
+        <p:nvPicPr>
+          <p:cNvPr id="78" name="Picture 77" descr="Section Exercises | Introduction to Statistics"/>
+          <p:cNvPicPr>
+            <a:picLocks noChangeAspect="1"/>
+          </p:cNvPicPr>
+          <p:nvPr/>
+        </p:nvPicPr>
+        <p:blipFill>
+          <a:blip r:embed="rId9">
+            <a:extLst>
+              <a:ext uri="{28A0092B-C50C-407E-A947-70E740481C1C}">
+                <a14:useLocalDpi xmlns:a14="http://schemas.microsoft.com/office/drawing/2010/main" val="0"/>
+              </a:ext>
+            </a:extLst>
+          </a:blip>
+          <a:stretch>
+            <a:fillRect/>
+          </a:stretch>
+        </p:blipFill>
+        <p:spPr>
+          <a:xfrm>
+            <a:off x="6319806" y="2077348"/>
+            <a:ext cx="2606389" cy="1337982"/>
+          </a:xfrm>
+          <a:prstGeom prst="rect">
+            <a:avLst/>
+          </a:prstGeom>
+        </p:spPr>
+      </p:pic>
+      <p:sp>
+        <p:nvSpPr>
+          <p:cNvPr id="80" name="Right Arrow 79"/>
+          <p:cNvSpPr/>
+          <p:nvPr/>
+        </p:nvSpPr>
+        <p:spPr>
+          <a:xfrm rot="2144858">
+            <a:off x="5798492" y="1277189"/>
+            <a:ext cx="542550" cy="318372"/>
+          </a:xfrm>
+          <a:prstGeom prst="rightArrow">
+            <a:avLst/>
+          </a:prstGeom>
+          <a:solidFill>
+            <a:schemeClr val="bg1">
+              <a:lumMod val="65000"/>
+            </a:schemeClr>
+          </a:solidFill>
+          <a:ln>
+            <a:noFill/>
+          </a:ln>
+        </p:spPr>
+        <p:style>
+          <a:lnRef idx="2">
+            <a:schemeClr val="accent1">
+              <a:shade val="50000"/>
+            </a:schemeClr>
+          </a:lnRef>
+          <a:fillRef idx="1">
+            <a:schemeClr val="accent1"/>
+          </a:fillRef>
+          <a:effectRef idx="0">
+            <a:schemeClr val="accent1"/>
+          </a:effectRef>
+          <a:fontRef idx="minor">
+            <a:schemeClr val="lt1"/>
+          </a:fontRef>
+        </p:style>
+        <p:txBody>
+          <a:bodyPr rtlCol="0" anchor="ctr"/>
+          <a:lstStyle/>
+          <a:p>
+            <a:pPr algn="ctr"/>
+            <a:endParaRPr lang="en-US"/>
+          </a:p>
+        </p:txBody>
+      </p:sp>
+      <p:sp>
+        <p:nvSpPr>
+          <p:cNvPr id="81" name="Right Arrow 80"/>
+          <p:cNvSpPr/>
+          <p:nvPr/>
+        </p:nvSpPr>
+        <p:spPr>
+          <a:xfrm rot="2144858">
+            <a:off x="5984508" y="1153922"/>
+            <a:ext cx="542550" cy="318372"/>
+          </a:xfrm>
+          <a:prstGeom prst="rightArrow">
+            <a:avLst/>
+          </a:prstGeom>
+          <a:solidFill>
+            <a:schemeClr val="bg1">
+              <a:lumMod val="65000"/>
+            </a:schemeClr>
+          </a:solidFill>
+          <a:ln>
+            <a:noFill/>
+          </a:ln>
+        </p:spPr>
+        <p:style>
+          <a:lnRef idx="2">
+            <a:schemeClr val="accent1">
+              <a:shade val="50000"/>
+            </a:schemeClr>
+          </a:lnRef>
+          <a:fillRef idx="1">
+            <a:schemeClr val="accent1"/>
+          </a:fillRef>
+          <a:effectRef idx="0">
+            <a:schemeClr val="accent1"/>
+          </a:effectRef>
+          <a:fontRef idx="minor">
+            <a:schemeClr val="lt1"/>
+          </a:fontRef>
+        </p:style>
+        <p:txBody>
+          <a:bodyPr rtlCol="0" anchor="ctr"/>
+          <a:lstStyle/>
+          <a:p>
+            <a:pPr algn="ctr"/>
+            <a:endParaRPr lang="en-US"/>
+          </a:p>
+        </p:txBody>
+      </p:sp>
+      <p:sp>
+        <p:nvSpPr>
+          <p:cNvPr id="82" name="Right Arrow 81"/>
+          <p:cNvSpPr/>
+          <p:nvPr/>
+        </p:nvSpPr>
+        <p:spPr>
+          <a:xfrm rot="2144858">
+            <a:off x="6170523" y="1000883"/>
+            <a:ext cx="542550" cy="318372"/>
+          </a:xfrm>
+          <a:prstGeom prst="rightArrow">
+            <a:avLst/>
+          </a:prstGeom>
+          <a:solidFill>
+            <a:schemeClr val="bg1">
+              <a:lumMod val="65000"/>
+            </a:schemeClr>
+          </a:solidFill>
+          <a:ln>
+            <a:noFill/>
+          </a:ln>
+        </p:spPr>
+        <p:style>
+          <a:lnRef idx="2">
+            <a:schemeClr val="accent1">
+              <a:shade val="50000"/>
+            </a:schemeClr>
+          </a:lnRef>
+          <a:fillRef idx="1">
+            <a:schemeClr val="accent1"/>
+          </a:fillRef>
+          <a:effectRef idx="0">
+            <a:schemeClr val="accent1"/>
+          </a:effectRef>
+          <a:fontRef idx="minor">
+            <a:schemeClr val="lt1"/>
+          </a:fontRef>
+        </p:style>
+        <p:txBody>
+          <a:bodyPr rtlCol="0" anchor="ctr"/>
+          <a:lstStyle/>
+          <a:p>
+            <a:pPr algn="ctr"/>
+            <a:endParaRPr lang="en-US"/>
+          </a:p>
+        </p:txBody>
+      </p:sp>
+      <p:sp>
+        <p:nvSpPr>
+          <p:cNvPr id="83" name="TextBox 82"/>
+          <p:cNvSpPr txBox="1"/>
+          <p:nvPr/>
+        </p:nvSpPr>
+        <p:spPr>
+          <a:xfrm>
+            <a:off x="6634941" y="1467970"/>
+            <a:ext cx="1976118" cy="584775"/>
+          </a:xfrm>
+          <a:prstGeom prst="rect">
+            <a:avLst/>
+          </a:prstGeom>
+          <a:noFill/>
+        </p:spPr>
+        <p:txBody>
+          <a:bodyPr wrap="none" rtlCol="0">
+            <a:spAutoFit/>
+          </a:bodyPr>
+          <a:lstStyle/>
+          <a:p>
+            <a:pPr algn="ctr"/>
+            <a:r>
+              <a:rPr lang="en-US" sz="1600" u="sng" dirty="0" smtClean="0"/>
+              <a:t>Model for</a:t>
+            </a:r>
+          </a:p>
+          <a:p>
+            <a:pPr algn="ctr"/>
+            <a:r>
+              <a:rPr lang="en-US" sz="1600" u="sng" dirty="0" smtClean="0"/>
+              <a:t>Sampling Distribution</a:t>
+            </a:r>
+            <a:endParaRPr lang="en-US" sz="1600" u="sng" dirty="0"/>
+          </a:p>
+        </p:txBody>
+      </p:sp>
+      <mc:AlternateContent xmlns:mc="http://schemas.openxmlformats.org/markup-compatibility/2006">
+        <mc:Choice xmlns:a14="http://schemas.microsoft.com/office/drawing/2010/main" Requires="a14">
+          <p:sp>
+            <p:nvSpPr>
+              <p:cNvPr id="84" name="TextBox 83"/>
+              <p:cNvSpPr txBox="1"/>
+              <p:nvPr/>
+            </p:nvSpPr>
+            <p:spPr>
+              <a:xfrm>
+                <a:off x="7177431" y="3358963"/>
+                <a:ext cx="885306" cy="224549"/>
+              </a:xfrm>
+              <a:prstGeom prst="rect">
+                <a:avLst/>
+              </a:prstGeom>
+              <a:noFill/>
+            </p:spPr>
+            <p:txBody>
+              <a:bodyPr wrap="none" lIns="0" tIns="0" rIns="0" bIns="0" rtlCol="0">
+                <a:spAutoFit/>
+              </a:bodyPr>
+              <a:lstStyle/>
+              <a:p>
+                <a14:m>
+                  <m:oMathPara xmlns:m="http://schemas.openxmlformats.org/officeDocument/2006/math">
+                    <m:oMathParaPr>
+                      <m:jc m:val="centerGroup"/>
+                    </m:oMathParaPr>
+                    <m:oMath xmlns:m="http://schemas.openxmlformats.org/officeDocument/2006/math">
+                      <m:r>
+                        <m:rPr>
+                          <m:nor/>
+                        </m:rPr>
+                        <a:rPr lang="en-US" sz="1400" b="0" i="0" smtClean="0">
+                          <a:latin typeface="Cambria Math" panose="02040503050406030204" pitchFamily="18" charset="0"/>
+                        </a:rPr>
+                        <m:t>Values</m:t>
+                      </m:r>
+                      <m:r>
+                        <m:rPr>
+                          <m:nor/>
+                        </m:rPr>
+                        <a:rPr lang="en-US" sz="1400" b="0" i="0" smtClean="0">
+                          <a:latin typeface="Cambria Math" panose="02040503050406030204" pitchFamily="18" charset="0"/>
+                        </a:rPr>
+                        <m:t> </m:t>
+                      </m:r>
+                      <m:r>
+                        <m:rPr>
+                          <m:nor/>
+                        </m:rPr>
+                        <a:rPr lang="en-US" sz="1400" b="0" i="0" smtClean="0">
+                          <a:latin typeface="Cambria Math" panose="02040503050406030204" pitchFamily="18" charset="0"/>
+                        </a:rPr>
+                        <m:t>of</m:t>
+                      </m:r>
+                      <m:r>
+                        <m:rPr>
+                          <m:nor/>
+                        </m:rPr>
+                        <a:rPr lang="en-US" sz="1400" b="0" i="0" smtClean="0">
+                          <a:latin typeface="Cambria Math" panose="02040503050406030204" pitchFamily="18" charset="0"/>
+                        </a:rPr>
+                        <m:t> </m:t>
+                      </m:r>
+                      <m:acc>
+                        <m:accPr>
+                          <m:chr m:val="̂"/>
+                          <m:ctrlPr>
+                            <a:rPr lang="en-US" sz="1400" b="0" i="1" smtClean="0">
+                              <a:latin typeface="Cambria Math" panose="02040503050406030204" pitchFamily="18" charset="0"/>
+                            </a:rPr>
+                          </m:ctrlPr>
+                        </m:accPr>
+                        <m:e>
+                          <m:r>
+                            <a:rPr lang="en-US" sz="1400" b="0" i="1" smtClean="0">
+                              <a:latin typeface="Cambria Math" panose="02040503050406030204" pitchFamily="18" charset="0"/>
+                            </a:rPr>
+                            <m:t>𝜃</m:t>
+                          </m:r>
+                        </m:e>
+                      </m:acc>
+                    </m:oMath>
+                  </m:oMathPara>
+                </a14:m>
+                <a:endParaRPr lang="en-US" sz="1400" dirty="0"/>
+              </a:p>
+            </p:txBody>
+          </p:sp>
+        </mc:Choice>
+        <mc:Fallback>
+          <p:sp>
+            <p:nvSpPr>
+              <p:cNvPr id="84" name="TextBox 83"/>
+              <p:cNvSpPr txBox="1">
+                <a:spLocks noRot="1" noChangeAspect="1" noMove="1" noResize="1" noEditPoints="1" noAdjustHandles="1" noChangeArrowheads="1" noChangeShapeType="1" noTextEdit="1"/>
+              </p:cNvSpPr>
+              <p:nvPr/>
+            </p:nvSpPr>
+            <p:spPr>
+              <a:xfrm>
+                <a:off x="7177431" y="3358963"/>
+                <a:ext cx="885306" cy="224549"/>
+              </a:xfrm>
+              <a:prstGeom prst="rect">
+                <a:avLst/>
+              </a:prstGeom>
+              <a:blipFill>
+                <a:blip r:embed="rId10"/>
+                <a:stretch>
+                  <a:fillRect l="-4110" t="-24324" r="-28082" b="-8108"/>
+                </a:stretch>
+              </a:blipFill>
+            </p:spPr>
+            <p:txBody>
+              <a:bodyPr/>
+              <a:lstStyle/>
+              <a:p>
+                <a:r>
+                  <a:rPr lang="en-US">
+                    <a:noFill/>
+                  </a:rPr>
+                  <a:t> </a:t>
+                </a:r>
+              </a:p>
+            </p:txBody>
+          </p:sp>
+        </mc:Fallback>
+      </mc:AlternateContent>
+      <p:cxnSp>
+        <p:nvCxnSpPr>
+          <p:cNvPr id="86" name="Straight Connector 85"/>
+          <p:cNvCxnSpPr/>
+          <p:nvPr/>
+        </p:nvCxnSpPr>
+        <p:spPr>
+          <a:xfrm flipH="1">
+            <a:off x="6970478" y="2855398"/>
+            <a:ext cx="0" cy="457200"/>
+          </a:xfrm>
+          <a:prstGeom prst="line">
+            <a:avLst/>
+          </a:prstGeom>
+          <a:ln w="12700">
+            <a:solidFill>
+              <a:srgbClr val="C00000"/>
+            </a:solidFill>
+            <a:prstDash val="sysDash"/>
+          </a:ln>
+        </p:spPr>
+        <p:style>
+          <a:lnRef idx="1">
+            <a:schemeClr val="accent1"/>
+          </a:lnRef>
+          <a:fillRef idx="0">
+            <a:schemeClr val="accent1"/>
+          </a:fillRef>
+          <a:effectRef idx="0">
+            <a:schemeClr val="accent1"/>
+          </a:effectRef>
+          <a:fontRef idx="minor">
+            <a:schemeClr val="tx1"/>
+          </a:fontRef>
+        </p:style>
+      </p:cxnSp>
+      <p:cxnSp>
+        <p:nvCxnSpPr>
+          <p:cNvPr id="90" name="Straight Connector 89"/>
+          <p:cNvCxnSpPr/>
+          <p:nvPr/>
+        </p:nvCxnSpPr>
+        <p:spPr>
+          <a:xfrm flipH="1">
+            <a:off x="8278502" y="2852928"/>
+            <a:ext cx="0" cy="457200"/>
+          </a:xfrm>
+          <a:prstGeom prst="line">
+            <a:avLst/>
+          </a:prstGeom>
+          <a:ln w="12700">
+            <a:solidFill>
+              <a:srgbClr val="C00000"/>
+            </a:solidFill>
+            <a:prstDash val="sysDash"/>
+          </a:ln>
+        </p:spPr>
+        <p:style>
+          <a:lnRef idx="1">
+            <a:schemeClr val="accent1"/>
+          </a:lnRef>
+          <a:fillRef idx="0">
+            <a:schemeClr val="accent1"/>
+          </a:fillRef>
+          <a:effectRef idx="0">
+            <a:schemeClr val="accent1"/>
+          </a:effectRef>
+          <a:fontRef idx="minor">
+            <a:schemeClr val="tx1"/>
+          </a:fontRef>
+        </p:style>
+      </p:cxnSp>
+      <p:sp>
+        <p:nvSpPr>
+          <p:cNvPr id="88" name="TextBox 87"/>
+          <p:cNvSpPr txBox="1"/>
+          <p:nvPr/>
+        </p:nvSpPr>
+        <p:spPr>
+          <a:xfrm>
+            <a:off x="7215564" y="2821449"/>
+            <a:ext cx="817853" cy="369332"/>
+          </a:xfrm>
+          <a:prstGeom prst="rect">
+            <a:avLst/>
+          </a:prstGeom>
+          <a:noFill/>
+        </p:spPr>
+        <p:txBody>
+          <a:bodyPr wrap="none" rtlCol="0">
+            <a:spAutoFit/>
+          </a:bodyPr>
+          <a:lstStyle/>
+          <a:p>
+            <a:r>
+              <a:rPr lang="en-US" dirty="0" smtClean="0">
+                <a:solidFill>
+                  <a:srgbClr val="C00000"/>
+                </a:solidFill>
+              </a:rPr>
+              <a:t>95% CI</a:t>
+            </a:r>
+            <a:endParaRPr lang="en-US" dirty="0">
+              <a:solidFill>
+                <a:srgbClr val="C00000"/>
+              </a:solidFill>
+            </a:endParaRPr>
+          </a:p>
+        </p:txBody>
+      </p:sp>
+      <p:cxnSp>
+        <p:nvCxnSpPr>
+          <p:cNvPr id="93" name="Straight Connector 92"/>
+          <p:cNvCxnSpPr>
+            <a:endCxn id="88" idx="1"/>
+          </p:cNvCxnSpPr>
+          <p:nvPr/>
+        </p:nvCxnSpPr>
+        <p:spPr>
+          <a:xfrm flipV="1">
+            <a:off x="6970478" y="3006115"/>
+            <a:ext cx="245086" cy="5798"/>
+          </a:xfrm>
+          <a:prstGeom prst="line">
+            <a:avLst/>
+          </a:prstGeom>
+          <a:ln w="22225" cap="rnd">
+            <a:solidFill>
+              <a:srgbClr val="C00000"/>
+            </a:solidFill>
+            <a:round/>
+          </a:ln>
+        </p:spPr>
+        <p:style>
+          <a:lnRef idx="1">
+            <a:schemeClr val="accent1"/>
+          </a:lnRef>
+          <a:fillRef idx="0">
+            <a:schemeClr val="accent1"/>
+          </a:fillRef>
+          <a:effectRef idx="0">
+            <a:schemeClr val="accent1"/>
+          </a:effectRef>
+          <a:fontRef idx="minor">
+            <a:schemeClr val="tx1"/>
+          </a:fontRef>
+        </p:style>
+      </p:cxnSp>
+      <p:cxnSp>
+        <p:nvCxnSpPr>
+          <p:cNvPr id="95" name="Straight Connector 94"/>
+          <p:cNvCxnSpPr>
+            <a:stCxn id="88" idx="3"/>
+          </p:cNvCxnSpPr>
+          <p:nvPr/>
+        </p:nvCxnSpPr>
+        <p:spPr>
+          <a:xfrm flipV="1">
+            <a:off x="8033417" y="3000600"/>
+            <a:ext cx="245085" cy="5515"/>
+          </a:xfrm>
+          <a:prstGeom prst="line">
+            <a:avLst/>
+          </a:prstGeom>
+          <a:ln w="22225" cap="rnd">
+            <a:solidFill>
+              <a:srgbClr val="C00000"/>
+            </a:solidFill>
+            <a:round/>
+          </a:ln>
+        </p:spPr>
+        <p:style>
+          <a:lnRef idx="1">
+            <a:schemeClr val="accent1"/>
+          </a:lnRef>
+          <a:fillRef idx="0">
+            <a:schemeClr val="accent1"/>
+          </a:fillRef>
+          <a:effectRef idx="0">
+            <a:schemeClr val="accent1"/>
+          </a:effectRef>
+          <a:fontRef idx="minor">
+            <a:schemeClr val="tx1"/>
+          </a:fontRef>
+        </p:style>
+      </p:cxnSp>
+      <p:sp>
+        <p:nvSpPr>
+          <p:cNvPr id="97" name="Curved Up Arrow 96"/>
+          <p:cNvSpPr/>
+          <p:nvPr/>
+        </p:nvSpPr>
+        <p:spPr>
+          <a:xfrm>
+            <a:off x="1555462" y="4056070"/>
+            <a:ext cx="6040229" cy="616908"/>
+          </a:xfrm>
+          <a:prstGeom prst="curvedUpArrow">
+            <a:avLst/>
+          </a:prstGeom>
+          <a:solidFill>
+            <a:schemeClr val="accent6">
+              <a:lumMod val="40000"/>
+              <a:lumOff val="60000"/>
+            </a:schemeClr>
+          </a:solidFill>
+          <a:ln>
+            <a:noFill/>
+          </a:ln>
+        </p:spPr>
+        <p:style>
+          <a:lnRef idx="2">
+            <a:schemeClr val="accent1">
+              <a:shade val="50000"/>
+            </a:schemeClr>
+          </a:lnRef>
+          <a:fillRef idx="1">
+            <a:schemeClr val="accent1"/>
+          </a:fillRef>
+          <a:effectRef idx="0">
+            <a:schemeClr val="accent1"/>
+          </a:effectRef>
+          <a:fontRef idx="minor">
+            <a:schemeClr val="lt1"/>
+          </a:fontRef>
+        </p:style>
+        <p:txBody>
+          <a:bodyPr rtlCol="0" anchor="ctr"/>
+          <a:lstStyle/>
+          <a:p>
+            <a:pPr algn="ctr"/>
+            <a:endParaRPr lang="en-US">
+              <a:solidFill>
+                <a:schemeClr val="tx1"/>
+              </a:solidFill>
+            </a:endParaRPr>
+          </a:p>
+        </p:txBody>
+      </p:sp>
+      <p:sp>
+        <p:nvSpPr>
+          <p:cNvPr id="98" name="TextBox 97"/>
+          <p:cNvSpPr txBox="1"/>
+          <p:nvPr/>
+        </p:nvSpPr>
+        <p:spPr>
+          <a:xfrm>
+            <a:off x="2874986" y="4273615"/>
+            <a:ext cx="3380797" cy="338554"/>
+          </a:xfrm>
+          <a:prstGeom prst="rect">
+            <a:avLst/>
+          </a:prstGeom>
+          <a:noFill/>
+        </p:spPr>
+        <p:txBody>
+          <a:bodyPr wrap="none" rtlCol="0">
+            <a:spAutoFit/>
+          </a:bodyPr>
+          <a:lstStyle/>
+          <a:p>
+            <a:r>
+              <a:rPr lang="en-US" sz="1600" u="sng" dirty="0" smtClean="0"/>
+              <a:t>Classical Modeling Conditions on Error</a:t>
+            </a:r>
+            <a:endParaRPr lang="en-US" sz="1600" u="sng" dirty="0"/>
+          </a:p>
+        </p:txBody>
+      </p:sp>
+    </p:spTree>
+    <p:extLst>
+      <p:ext uri="{BB962C8B-B14F-4D97-AF65-F5344CB8AC3E}">
+        <p14:creationId xmlns:p14="http://schemas.microsoft.com/office/powerpoint/2010/main" val="433992806"/>
+      </p:ext>
+    </p:extLst>
+  </p:cSld>
+  <p:clrMapOvr>
+    <a:masterClrMapping/>
+  </p:clrMapOvr>
+  <p:timing>
+    <p:tnLst>
+      <p:par>
+        <p:cTn id="1" dur="indefinite" restart="never" nodeType="tmRoot"/>
+      </p:par>
+    </p:tnLst>
+  </p:timing>
+</p:sld>
+</file>
+
+<file path=ppt/slides/slide17.xml><?xml version="1.0" encoding="utf-8"?>
+<p:sld xmlns:a="http://schemas.openxmlformats.org/drawingml/2006/main" xmlns:r="http://schemas.openxmlformats.org/officeDocument/2006/relationships" xmlns:p="http://schemas.openxmlformats.org/presentationml/2006/main">
+  <p:cSld>
+    <p:spTree>
+      <p:nvGrpSpPr>
+        <p:cNvPr id="1" name=""/>
+        <p:cNvGrpSpPr/>
+        <p:nvPr/>
+      </p:nvGrpSpPr>
+      <p:grpSpPr>
+        <a:xfrm>
+          <a:off x="0" y="0"/>
+          <a:ext cx="0" cy="0"/>
+          <a:chOff x="0" y="0"/>
+          <a:chExt cx="0" cy="0"/>
+        </a:xfrm>
+      </p:grpSpPr>
+      <p:pic>
+        <p:nvPicPr>
+          <p:cNvPr id="68" name="Picture 67" descr="Clipart - &lt;strong&gt;Gear&lt;/strong&gt; icon"/>
+          <p:cNvPicPr>
+            <a:picLocks noChangeAspect="1"/>
+          </p:cNvPicPr>
+          <p:nvPr/>
+        </p:nvPicPr>
+        <p:blipFill>
+          <a:blip r:embed="rId2" cstate="print">
+            <a:lum bright="70000" contrast="-70000"/>
+            <a:extLst>
+              <a:ext uri="{BEBA8EAE-BF5A-486C-A8C5-ECC9F3942E4B}">
+                <a14:imgProps xmlns:a14="http://schemas.microsoft.com/office/drawing/2010/main">
+                  <a14:imgLayer r:embed="rId3">
+                    <a14:imgEffect>
+                      <a14:sharpenSoften amount="-50000"/>
+                    </a14:imgEffect>
+                    <a14:imgEffect>
+                      <a14:brightnessContrast bright="-40000" contrast="-40000"/>
+                    </a14:imgEffect>
+                  </a14:imgLayer>
+                </a14:imgProps>
+              </a:ext>
+              <a:ext uri="{28A0092B-C50C-407E-A947-70E740481C1C}">
+                <a14:useLocalDpi xmlns:a14="http://schemas.microsoft.com/office/drawing/2010/main" val="0"/>
+              </a:ext>
+            </a:extLst>
+          </a:blip>
+          <a:stretch>
+            <a:fillRect/>
+          </a:stretch>
+        </p:blipFill>
+        <p:spPr>
+          <a:xfrm>
+            <a:off x="1219511" y="2979472"/>
+            <a:ext cx="889523" cy="948825"/>
+          </a:xfrm>
+          <a:prstGeom prst="rect">
+            <a:avLst/>
+          </a:prstGeom>
+        </p:spPr>
+      </p:pic>
+      <p:pic>
+        <p:nvPicPr>
+          <p:cNvPr id="2" name="Picture 1"/>
+          <p:cNvPicPr>
+            <a:picLocks noChangeAspect="1"/>
+          </p:cNvPicPr>
+          <p:nvPr/>
+        </p:nvPicPr>
+        <p:blipFill>
+          <a:blip r:embed="rId4"/>
+          <a:stretch>
+            <a:fillRect/>
+          </a:stretch>
+        </p:blipFill>
+        <p:spPr>
+          <a:xfrm>
+            <a:off x="2919508" y="734755"/>
+            <a:ext cx="796729" cy="989297"/>
+          </a:xfrm>
+          <a:prstGeom prst="rect">
+            <a:avLst/>
+          </a:prstGeom>
+        </p:spPr>
+      </p:pic>
+      <p:sp>
+        <p:nvSpPr>
+          <p:cNvPr id="5" name="TextBox 4"/>
+          <p:cNvSpPr txBox="1"/>
+          <p:nvPr/>
+        </p:nvSpPr>
+        <p:spPr>
+          <a:xfrm>
+            <a:off x="3032186" y="394888"/>
+            <a:ext cx="571375" cy="338554"/>
+          </a:xfrm>
+          <a:prstGeom prst="rect">
+            <a:avLst/>
+          </a:prstGeom>
+          <a:noFill/>
+        </p:spPr>
+        <p:txBody>
+          <a:bodyPr wrap="none" rtlCol="0">
+            <a:spAutoFit/>
+          </a:bodyPr>
+          <a:lstStyle/>
+          <a:p>
+            <a:r>
+              <a:rPr lang="en-US" sz="1600" u="sng" dirty="0" smtClean="0"/>
+              <a:t>Data</a:t>
+            </a:r>
+            <a:endParaRPr lang="en-US" sz="1600" u="sng" dirty="0"/>
+          </a:p>
+        </p:txBody>
+      </p:sp>
+      <p:pic>
+        <p:nvPicPr>
+          <p:cNvPr id="10" name="Picture 9" descr="Clipart - &lt;strong&gt;Gear&lt;/strong&gt; icon"/>
+          <p:cNvPicPr>
+            <a:picLocks noChangeAspect="1"/>
+          </p:cNvPicPr>
+          <p:nvPr/>
+        </p:nvPicPr>
+        <p:blipFill>
+          <a:blip r:embed="rId5" cstate="print">
+            <a:duotone>
+              <a:schemeClr val="accent5">
+                <a:shade val="45000"/>
+                <a:satMod val="135000"/>
+              </a:schemeClr>
+              <a:prstClr val="white"/>
+            </a:duotone>
+            <a:extLst>
+              <a:ext uri="{28A0092B-C50C-407E-A947-70E740481C1C}">
+                <a14:useLocalDpi xmlns:a14="http://schemas.microsoft.com/office/drawing/2010/main" val="0"/>
+              </a:ext>
+            </a:extLst>
+          </a:blip>
+          <a:stretch>
+            <a:fillRect/>
+          </a:stretch>
+        </p:blipFill>
+        <p:spPr>
+          <a:xfrm>
+            <a:off x="665939" y="801364"/>
+            <a:ext cx="889523" cy="948825"/>
+          </a:xfrm>
+          <a:prstGeom prst="rect">
+            <a:avLst/>
+          </a:prstGeom>
+        </p:spPr>
+      </p:pic>
+      <p:sp>
+        <p:nvSpPr>
+          <p:cNvPr id="12" name="TextBox 11"/>
+          <p:cNvSpPr txBox="1"/>
+          <p:nvPr/>
+        </p:nvSpPr>
+        <p:spPr>
+          <a:xfrm>
+            <a:off x="21873" y="394888"/>
+            <a:ext cx="2222596" cy="338554"/>
+          </a:xfrm>
+          <a:prstGeom prst="rect">
+            <a:avLst/>
+          </a:prstGeom>
+          <a:noFill/>
+        </p:spPr>
+        <p:txBody>
+          <a:bodyPr wrap="none" rtlCol="0">
+            <a:spAutoFit/>
+          </a:bodyPr>
+          <a:lstStyle/>
+          <a:p>
+            <a:r>
+              <a:rPr lang="en-US" sz="1600" u="sng" dirty="0" smtClean="0"/>
+              <a:t>Data Generating Process</a:t>
+            </a:r>
+            <a:endParaRPr lang="en-US" sz="1600" u="sng" dirty="0"/>
+          </a:p>
+        </p:txBody>
+      </p:sp>
+      <p:sp>
+        <p:nvSpPr>
+          <p:cNvPr id="43" name="Right Arrow 42"/>
+          <p:cNvSpPr/>
+          <p:nvPr/>
+        </p:nvSpPr>
+        <p:spPr>
+          <a:xfrm rot="3822057">
+            <a:off x="1102324" y="1999602"/>
+            <a:ext cx="542550" cy="318372"/>
+          </a:xfrm>
+          <a:prstGeom prst="rightArrow">
+            <a:avLst/>
+          </a:prstGeom>
+          <a:solidFill>
+            <a:schemeClr val="bg1">
+              <a:lumMod val="65000"/>
+            </a:schemeClr>
+          </a:solidFill>
+          <a:ln>
+            <a:noFill/>
+          </a:ln>
+        </p:spPr>
+        <p:style>
+          <a:lnRef idx="2">
+            <a:schemeClr val="accent1">
+              <a:shade val="50000"/>
+            </a:schemeClr>
+          </a:lnRef>
+          <a:fillRef idx="1">
+            <a:schemeClr val="accent1"/>
+          </a:fillRef>
+          <a:effectRef idx="0">
+            <a:schemeClr val="accent1"/>
+          </a:effectRef>
+          <a:fontRef idx="minor">
+            <a:schemeClr val="lt1"/>
+          </a:fontRef>
+        </p:style>
+        <p:txBody>
+          <a:bodyPr rtlCol="0" anchor="ctr"/>
+          <a:lstStyle/>
+          <a:p>
+            <a:pPr algn="ctr"/>
+            <a:endParaRPr lang="en-US"/>
+          </a:p>
+        </p:txBody>
+      </p:sp>
+      <mc:AlternateContent xmlns:mc="http://schemas.openxmlformats.org/markup-compatibility/2006">
+        <mc:Choice xmlns:a14="http://schemas.microsoft.com/office/drawing/2010/main" Requires="a14">
+          <p:sp>
+            <p:nvSpPr>
+              <p:cNvPr id="39" name="TextBox 38"/>
+              <p:cNvSpPr txBox="1"/>
+              <p:nvPr/>
+            </p:nvSpPr>
+            <p:spPr>
+              <a:xfrm>
+                <a:off x="156863" y="3290975"/>
+                <a:ext cx="2959272" cy="215444"/>
+              </a:xfrm>
+              <a:prstGeom prst="rect">
+                <a:avLst/>
+              </a:prstGeom>
+              <a:solidFill>
+                <a:schemeClr val="bg1">
+                  <a:alpha val="75000"/>
+                </a:schemeClr>
+              </a:solidFill>
+            </p:spPr>
+            <p:txBody>
+              <a:bodyPr wrap="none" lIns="0" tIns="0" rIns="0" bIns="0" rtlCol="0">
+                <a:spAutoFit/>
+              </a:bodyPr>
+              <a:lstStyle/>
+              <a:p>
+                <a14:m>
+                  <m:oMathPara xmlns:m="http://schemas.openxmlformats.org/officeDocument/2006/math">
+                    <m:oMathParaPr>
+                      <m:jc m:val="centerGroup"/>
+                    </m:oMathParaPr>
+                    <m:oMath xmlns:m="http://schemas.openxmlformats.org/officeDocument/2006/math">
+                      <m:sSub>
+                        <m:sSubPr>
+                          <m:ctrlPr>
+                            <a:rPr lang="en-US" sz="1400" b="0" i="1" smtClean="0">
+                              <a:solidFill>
+                                <a:schemeClr val="accent5">
+                                  <a:lumMod val="50000"/>
+                                </a:schemeClr>
+                              </a:solidFill>
+                              <a:latin typeface="Cambria Math" panose="02040503050406030204" pitchFamily="18" charset="0"/>
+                            </a:rPr>
+                          </m:ctrlPr>
+                        </m:sSubPr>
+                        <m:e>
+                          <m:d>
+                            <m:dPr>
+                              <m:ctrlPr>
+                                <a:rPr lang="en-US" sz="1400" b="0" i="1" smtClean="0">
+                                  <a:solidFill>
+                                    <a:schemeClr val="accent5">
+                                      <a:lumMod val="50000"/>
+                                    </a:schemeClr>
+                                  </a:solidFill>
+                                  <a:latin typeface="Cambria Math" panose="02040503050406030204" pitchFamily="18" charset="0"/>
+                                </a:rPr>
+                              </m:ctrlPr>
+                            </m:dPr>
+                            <m:e>
+                              <m:r>
+                                <m:rPr>
+                                  <m:nor/>
+                                </m:rPr>
+                                <a:rPr lang="en-US" sz="1400" b="0" i="0" smtClean="0">
+                                  <a:solidFill>
+                                    <a:schemeClr val="accent5">
+                                      <a:lumMod val="50000"/>
+                                    </a:schemeClr>
+                                  </a:solidFill>
+                                  <a:latin typeface="Cambria Math" panose="02040503050406030204" pitchFamily="18" charset="0"/>
+                                </a:rPr>
+                                <m:t>Response</m:t>
+                              </m:r>
+                            </m:e>
+                          </m:d>
+                        </m:e>
+                        <m:sub>
+                          <m:r>
+                            <a:rPr lang="en-US" sz="1400" b="0" i="1" smtClean="0">
+                              <a:solidFill>
+                                <a:schemeClr val="accent5">
+                                  <a:lumMod val="50000"/>
+                                </a:schemeClr>
+                              </a:solidFill>
+                              <a:latin typeface="Cambria Math" panose="02040503050406030204" pitchFamily="18" charset="0"/>
+                            </a:rPr>
+                            <m:t>𝑖</m:t>
+                          </m:r>
+                        </m:sub>
+                      </m:sSub>
+                      <m:r>
+                        <a:rPr lang="en-US" sz="1400" b="0" i="1" smtClean="0">
+                          <a:solidFill>
+                            <a:schemeClr val="accent5">
+                              <a:lumMod val="50000"/>
+                            </a:schemeClr>
+                          </a:solidFill>
+                          <a:latin typeface="Cambria Math" panose="02040503050406030204" pitchFamily="18" charset="0"/>
+                        </a:rPr>
+                        <m:t>=</m:t>
+                      </m:r>
+                      <m:r>
+                        <a:rPr lang="en-US" sz="1400" b="0" i="1" smtClean="0">
+                          <a:solidFill>
+                            <a:schemeClr val="accent5">
+                              <a:lumMod val="50000"/>
+                            </a:schemeClr>
+                          </a:solidFill>
+                          <a:latin typeface="Cambria Math" panose="02040503050406030204" pitchFamily="18" charset="0"/>
+                        </a:rPr>
+                        <m:t>𝑓</m:t>
+                      </m:r>
+                      <m:d>
+                        <m:dPr>
+                          <m:ctrlPr>
+                            <a:rPr lang="en-US" sz="1400" b="0" i="1" smtClean="0">
+                              <a:solidFill>
+                                <a:schemeClr val="accent5">
+                                  <a:lumMod val="50000"/>
+                                </a:schemeClr>
+                              </a:solidFill>
+                              <a:latin typeface="Cambria Math" panose="02040503050406030204" pitchFamily="18" charset="0"/>
+                            </a:rPr>
+                          </m:ctrlPr>
+                        </m:dPr>
+                        <m:e>
+                          <m:sSub>
+                            <m:sSubPr>
+                              <m:ctrlPr>
+                                <a:rPr lang="en-US" sz="1400" b="0" i="1" smtClean="0">
+                                  <a:solidFill>
+                                    <a:schemeClr val="accent5">
+                                      <a:lumMod val="50000"/>
+                                    </a:schemeClr>
+                                  </a:solidFill>
+                                  <a:latin typeface="Cambria Math" panose="02040503050406030204" pitchFamily="18" charset="0"/>
+                                </a:rPr>
+                              </m:ctrlPr>
+                            </m:sSubPr>
+                            <m:e>
+                              <m:r>
+                                <a:rPr lang="en-US" sz="1400" b="0" i="1" smtClean="0">
+                                  <a:solidFill>
+                                    <a:schemeClr val="accent5">
+                                      <a:lumMod val="50000"/>
+                                    </a:schemeClr>
+                                  </a:solidFill>
+                                  <a:latin typeface="Cambria Math" panose="02040503050406030204" pitchFamily="18" charset="0"/>
+                                </a:rPr>
+                                <m:t>𝜃</m:t>
+                              </m:r>
+                            </m:e>
+                            <m:sub>
+                              <m:r>
+                                <a:rPr lang="en-US" sz="1400" b="0" i="1" smtClean="0">
+                                  <a:solidFill>
+                                    <a:schemeClr val="accent5">
+                                      <a:lumMod val="50000"/>
+                                    </a:schemeClr>
+                                  </a:solidFill>
+                                  <a:latin typeface="Cambria Math" panose="02040503050406030204" pitchFamily="18" charset="0"/>
+                                </a:rPr>
+                                <m:t>0</m:t>
+                              </m:r>
+                            </m:sub>
+                          </m:sSub>
+                          <m:r>
+                            <a:rPr lang="en-US" sz="1400" b="0" i="1" smtClean="0">
+                              <a:solidFill>
+                                <a:schemeClr val="accent5">
+                                  <a:lumMod val="50000"/>
+                                </a:schemeClr>
+                              </a:solidFill>
+                              <a:latin typeface="Cambria Math" panose="02040503050406030204" pitchFamily="18" charset="0"/>
+                            </a:rPr>
+                            <m:t>,</m:t>
+                          </m:r>
+                          <m:r>
+                            <m:rPr>
+                              <m:nor/>
+                            </m:rPr>
+                            <a:rPr lang="en-US" sz="1400" b="0" i="0" smtClean="0">
+                              <a:solidFill>
+                                <a:schemeClr val="accent5">
+                                  <a:lumMod val="50000"/>
+                                </a:schemeClr>
+                              </a:solidFill>
+                              <a:latin typeface="Cambria Math" panose="02040503050406030204" pitchFamily="18" charset="0"/>
+                            </a:rPr>
+                            <m:t>Predictors</m:t>
+                          </m:r>
+                        </m:e>
+                      </m:d>
+                      <m:r>
+                        <a:rPr lang="en-US" sz="1400" b="0" i="1" smtClean="0">
+                          <a:solidFill>
+                            <a:schemeClr val="accent5">
+                              <a:lumMod val="50000"/>
+                            </a:schemeClr>
+                          </a:solidFill>
+                          <a:latin typeface="Cambria Math" panose="02040503050406030204" pitchFamily="18" charset="0"/>
+                        </a:rPr>
+                        <m:t>+</m:t>
+                      </m:r>
+                      <m:sSub>
+                        <m:sSubPr>
+                          <m:ctrlPr>
+                            <a:rPr lang="en-US" sz="1400" b="0" i="1" smtClean="0">
+                              <a:solidFill>
+                                <a:schemeClr val="accent5">
+                                  <a:lumMod val="50000"/>
+                                </a:schemeClr>
+                              </a:solidFill>
+                              <a:latin typeface="Cambria Math" panose="02040503050406030204" pitchFamily="18" charset="0"/>
+                            </a:rPr>
+                          </m:ctrlPr>
+                        </m:sSubPr>
+                        <m:e>
+                          <m:r>
+                            <a:rPr lang="en-US" sz="1400" b="0" i="1" smtClean="0">
+                              <a:solidFill>
+                                <a:schemeClr val="accent5">
+                                  <a:lumMod val="50000"/>
+                                </a:schemeClr>
+                              </a:solidFill>
+                              <a:latin typeface="Cambria Math" panose="02040503050406030204" pitchFamily="18" charset="0"/>
+                            </a:rPr>
+                            <m:t>𝜀</m:t>
+                          </m:r>
+                        </m:e>
+                        <m:sub>
+                          <m:r>
+                            <a:rPr lang="en-US" sz="1400" b="0" i="1" smtClean="0">
+                              <a:solidFill>
+                                <a:schemeClr val="accent5">
+                                  <a:lumMod val="50000"/>
+                                </a:schemeClr>
+                              </a:solidFill>
+                              <a:latin typeface="Cambria Math" panose="02040503050406030204" pitchFamily="18" charset="0"/>
+                            </a:rPr>
+                            <m:t>𝑖</m:t>
+                          </m:r>
+                        </m:sub>
+                      </m:sSub>
+                    </m:oMath>
+                  </m:oMathPara>
+                </a14:m>
+                <a:endParaRPr lang="en-US" sz="1400" dirty="0">
+                  <a:solidFill>
+                    <a:schemeClr val="accent5">
+                      <a:lumMod val="50000"/>
+                    </a:schemeClr>
+                  </a:solidFill>
+                </a:endParaRPr>
+              </a:p>
+            </p:txBody>
+          </p:sp>
+        </mc:Choice>
+        <mc:Fallback>
+          <p:sp>
+            <p:nvSpPr>
+              <p:cNvPr id="39" name="TextBox 38"/>
+              <p:cNvSpPr txBox="1">
+                <a:spLocks noRot="1" noChangeAspect="1" noMove="1" noResize="1" noEditPoints="1" noAdjustHandles="1" noChangeArrowheads="1" noChangeShapeType="1" noTextEdit="1"/>
+              </p:cNvSpPr>
+              <p:nvPr/>
+            </p:nvSpPr>
+            <p:spPr>
+              <a:xfrm>
+                <a:off x="156863" y="3290975"/>
+                <a:ext cx="2959272" cy="215444"/>
+              </a:xfrm>
+              <a:prstGeom prst="rect">
+                <a:avLst/>
+              </a:prstGeom>
+              <a:blipFill>
+                <a:blip r:embed="rId6"/>
+                <a:stretch>
+                  <a:fillRect b="-31429"/>
+                </a:stretch>
+              </a:blipFill>
+            </p:spPr>
+            <p:txBody>
+              <a:bodyPr/>
+              <a:lstStyle/>
+              <a:p>
+                <a:r>
+                  <a:rPr lang="en-US">
+                    <a:noFill/>
+                  </a:rPr>
+                  <a:t> </a:t>
+                </a:r>
+              </a:p>
+            </p:txBody>
+          </p:sp>
+        </mc:Fallback>
+      </mc:AlternateContent>
+      <p:sp>
+        <p:nvSpPr>
+          <p:cNvPr id="47" name="TextBox 46"/>
+          <p:cNvSpPr txBox="1"/>
+          <p:nvPr/>
+        </p:nvSpPr>
+        <p:spPr>
+          <a:xfrm>
+            <a:off x="369048" y="2546486"/>
+            <a:ext cx="2991075" cy="338554"/>
+          </a:xfrm>
+          <a:prstGeom prst="rect">
+            <a:avLst/>
+          </a:prstGeom>
+          <a:noFill/>
+        </p:spPr>
+        <p:txBody>
+          <a:bodyPr wrap="none" rtlCol="0">
+            <a:spAutoFit/>
+          </a:bodyPr>
+          <a:lstStyle/>
+          <a:p>
+            <a:r>
+              <a:rPr lang="en-US" sz="1600" u="sng" dirty="0" smtClean="0"/>
+              <a:t>Model for Response in Null World</a:t>
+            </a:r>
+            <a:endParaRPr lang="en-US" sz="1600" u="sng" baseline="-25000" dirty="0"/>
+          </a:p>
+        </p:txBody>
+      </p:sp>
+      <p:grpSp>
+        <p:nvGrpSpPr>
+          <p:cNvPr id="56" name="Group 55"/>
+          <p:cNvGrpSpPr/>
+          <p:nvPr/>
+        </p:nvGrpSpPr>
+        <p:grpSpPr>
+          <a:xfrm>
+            <a:off x="4745625" y="801364"/>
+            <a:ext cx="864390" cy="755103"/>
+            <a:chOff x="5912869" y="3216238"/>
+            <a:chExt cx="1128209" cy="975748"/>
+          </a:xfrm>
+        </p:grpSpPr>
+        <p:sp>
+          <p:nvSpPr>
+            <p:cNvPr id="54" name="Trapezoid 53"/>
+            <p:cNvSpPr/>
+            <p:nvPr/>
+          </p:nvSpPr>
+          <p:spPr>
+            <a:xfrm>
+              <a:off x="5912869" y="3216238"/>
+              <a:ext cx="1128209" cy="487874"/>
+            </a:xfrm>
+            <a:prstGeom prst="trapezoid">
+              <a:avLst>
+                <a:gd name="adj" fmla="val 62162"/>
+              </a:avLst>
+            </a:prstGeom>
+            <a:solidFill>
+              <a:schemeClr val="accent2">
+                <a:alpha val="50000"/>
+              </a:schemeClr>
+            </a:solidFill>
+            <a:ln w="25400">
+              <a:noFill/>
+            </a:ln>
+          </p:spPr>
+          <p:style>
+            <a:lnRef idx="2">
+              <a:schemeClr val="accent1">
+                <a:shade val="50000"/>
+              </a:schemeClr>
+            </a:lnRef>
+            <a:fillRef idx="1">
+              <a:schemeClr val="accent1"/>
+            </a:fillRef>
+            <a:effectRef idx="0">
+              <a:schemeClr val="accent1"/>
+            </a:effectRef>
+            <a:fontRef idx="minor">
+              <a:schemeClr val="lt1"/>
+            </a:fontRef>
+          </p:style>
+          <p:txBody>
+            <a:bodyPr rtlCol="0" anchor="ctr"/>
+            <a:lstStyle/>
+            <a:p>
+              <a:pPr algn="ctr"/>
+              <a:endParaRPr lang="en-US"/>
+            </a:p>
+          </p:txBody>
+        </p:sp>
+        <p:sp>
+          <p:nvSpPr>
+            <p:cNvPr id="55" name="Trapezoid 54"/>
+            <p:cNvSpPr/>
+            <p:nvPr/>
+          </p:nvSpPr>
+          <p:spPr>
+            <a:xfrm rot="10800000">
+              <a:off x="5912869" y="3704112"/>
+              <a:ext cx="1128209" cy="487874"/>
+            </a:xfrm>
+            <a:prstGeom prst="trapezoid">
+              <a:avLst>
+                <a:gd name="adj" fmla="val 62162"/>
+              </a:avLst>
+            </a:prstGeom>
+            <a:solidFill>
+              <a:schemeClr val="accent2">
+                <a:alpha val="50000"/>
+              </a:schemeClr>
+            </a:solidFill>
+            <a:ln w="25400">
+              <a:noFill/>
+            </a:ln>
+          </p:spPr>
+          <p:style>
+            <a:lnRef idx="2">
+              <a:schemeClr val="accent1">
+                <a:shade val="50000"/>
+              </a:schemeClr>
+            </a:lnRef>
+            <a:fillRef idx="1">
+              <a:schemeClr val="accent1"/>
+            </a:fillRef>
+            <a:effectRef idx="0">
+              <a:schemeClr val="accent1"/>
+            </a:effectRef>
+            <a:fontRef idx="minor">
+              <a:schemeClr val="lt1"/>
+            </a:fontRef>
+          </p:style>
+          <p:txBody>
+            <a:bodyPr rtlCol="0" anchor="ctr"/>
+            <a:lstStyle/>
+            <a:p>
+              <a:pPr algn="ctr"/>
+              <a:endParaRPr lang="en-US"/>
+            </a:p>
+          </p:txBody>
+        </p:sp>
+      </p:grpSp>
+      <p:sp>
+        <p:nvSpPr>
+          <p:cNvPr id="50" name="TextBox 49"/>
+          <p:cNvSpPr txBox="1"/>
+          <p:nvPr/>
+        </p:nvSpPr>
+        <p:spPr>
+          <a:xfrm>
+            <a:off x="4189351" y="394888"/>
+            <a:ext cx="1964961" cy="338554"/>
+          </a:xfrm>
+          <a:prstGeom prst="rect">
+            <a:avLst/>
+          </a:prstGeom>
+          <a:noFill/>
+        </p:spPr>
+        <p:txBody>
+          <a:bodyPr wrap="none" rtlCol="0">
+            <a:spAutoFit/>
+          </a:bodyPr>
+          <a:lstStyle/>
+          <a:p>
+            <a:r>
+              <a:rPr lang="en-US" sz="1600" u="sng" dirty="0" smtClean="0"/>
+              <a:t>Standardized Statistic</a:t>
+            </a:r>
+            <a:endParaRPr lang="en-US" sz="1600" u="sng" dirty="0"/>
+          </a:p>
+        </p:txBody>
+      </p:sp>
+      <p:pic>
+        <p:nvPicPr>
+          <p:cNvPr id="61" name="Picture 60"/>
+          <p:cNvPicPr>
+            <a:picLocks noChangeAspect="1"/>
+          </p:cNvPicPr>
+          <p:nvPr/>
+        </p:nvPicPr>
+        <p:blipFill>
+          <a:blip r:embed="rId7"/>
+          <a:stretch>
+            <a:fillRect/>
+          </a:stretch>
+        </p:blipFill>
+        <p:spPr>
+          <a:xfrm flipH="1">
+            <a:off x="3959656" y="2993818"/>
+            <a:ext cx="460825" cy="267585"/>
+          </a:xfrm>
+          <a:prstGeom prst="rect">
+            <a:avLst/>
+          </a:prstGeom>
+        </p:spPr>
+      </p:pic>
+      <p:pic>
+        <p:nvPicPr>
+          <p:cNvPr id="63" name="Picture 62"/>
+          <p:cNvPicPr>
+            <a:picLocks noChangeAspect="1"/>
+          </p:cNvPicPr>
+          <p:nvPr/>
+        </p:nvPicPr>
+        <p:blipFill>
+          <a:blip r:embed="rId7"/>
+          <a:stretch>
+            <a:fillRect/>
+          </a:stretch>
+        </p:blipFill>
+        <p:spPr>
+          <a:xfrm flipH="1">
+            <a:off x="3961691" y="3298729"/>
+            <a:ext cx="460825" cy="267585"/>
+          </a:xfrm>
+          <a:prstGeom prst="rect">
+            <a:avLst/>
+          </a:prstGeom>
+        </p:spPr>
+      </p:pic>
+      <p:pic>
+        <p:nvPicPr>
+          <p:cNvPr id="64" name="Picture 63"/>
+          <p:cNvPicPr>
+            <a:picLocks noChangeAspect="1"/>
+          </p:cNvPicPr>
+          <p:nvPr/>
+        </p:nvPicPr>
+        <p:blipFill>
+          <a:blip r:embed="rId7"/>
+          <a:stretch>
+            <a:fillRect/>
+          </a:stretch>
+        </p:blipFill>
+        <p:spPr>
+          <a:xfrm flipH="1">
+            <a:off x="3959656" y="3603640"/>
+            <a:ext cx="460825" cy="267585"/>
+          </a:xfrm>
+          <a:prstGeom prst="rect">
+            <a:avLst/>
+          </a:prstGeom>
+        </p:spPr>
+      </p:pic>
+      <p:sp>
+        <p:nvSpPr>
+          <p:cNvPr id="66" name="Right Arrow 65"/>
+          <p:cNvSpPr/>
+          <p:nvPr/>
+        </p:nvSpPr>
+        <p:spPr>
+          <a:xfrm>
+            <a:off x="2137035" y="1057221"/>
+            <a:ext cx="542550" cy="318372"/>
+          </a:xfrm>
+          <a:prstGeom prst="rightArrow">
+            <a:avLst/>
+          </a:prstGeom>
+          <a:solidFill>
+            <a:schemeClr val="bg1">
+              <a:lumMod val="65000"/>
+            </a:schemeClr>
+          </a:solidFill>
+          <a:ln>
+            <a:noFill/>
+          </a:ln>
+        </p:spPr>
+        <p:style>
+          <a:lnRef idx="2">
+            <a:schemeClr val="accent1">
+              <a:shade val="50000"/>
+            </a:schemeClr>
+          </a:lnRef>
+          <a:fillRef idx="1">
+            <a:schemeClr val="accent1"/>
+          </a:fillRef>
+          <a:effectRef idx="0">
+            <a:schemeClr val="accent1"/>
+          </a:effectRef>
+          <a:fontRef idx="minor">
+            <a:schemeClr val="lt1"/>
+          </a:fontRef>
+        </p:style>
+        <p:txBody>
+          <a:bodyPr rtlCol="0" anchor="ctr"/>
+          <a:lstStyle/>
+          <a:p>
+            <a:pPr algn="ctr"/>
+            <a:endParaRPr lang="en-US"/>
+          </a:p>
+        </p:txBody>
+      </p:sp>
+      <p:sp>
+        <p:nvSpPr>
+          <p:cNvPr id="67" name="Right Arrow 66"/>
+          <p:cNvSpPr/>
+          <p:nvPr/>
+        </p:nvSpPr>
+        <p:spPr>
+          <a:xfrm>
+            <a:off x="3959656" y="1057221"/>
+            <a:ext cx="542550" cy="318372"/>
+          </a:xfrm>
+          <a:prstGeom prst="rightArrow">
+            <a:avLst/>
+          </a:prstGeom>
+          <a:solidFill>
+            <a:schemeClr val="bg1">
+              <a:lumMod val="65000"/>
+            </a:schemeClr>
+          </a:solidFill>
+          <a:ln>
+            <a:noFill/>
+          </a:ln>
+        </p:spPr>
+        <p:style>
+          <a:lnRef idx="2">
+            <a:schemeClr val="accent1">
+              <a:shade val="50000"/>
+            </a:schemeClr>
+          </a:lnRef>
+          <a:fillRef idx="1">
+            <a:schemeClr val="accent1"/>
+          </a:fillRef>
+          <a:effectRef idx="0">
+            <a:schemeClr val="accent1"/>
+          </a:effectRef>
+          <a:fontRef idx="minor">
+            <a:schemeClr val="lt1"/>
+          </a:fontRef>
+        </p:style>
+        <p:txBody>
+          <a:bodyPr rtlCol="0" anchor="ctr"/>
+          <a:lstStyle/>
+          <a:p>
+            <a:pPr algn="ctr"/>
+            <a:endParaRPr lang="en-US"/>
+          </a:p>
+        </p:txBody>
+      </p:sp>
+      <p:sp>
+        <p:nvSpPr>
+          <p:cNvPr id="69" name="TextBox 68"/>
+          <p:cNvSpPr txBox="1"/>
+          <p:nvPr/>
+        </p:nvSpPr>
+        <p:spPr>
+          <a:xfrm>
+            <a:off x="3579646" y="2546919"/>
+            <a:ext cx="1448923" cy="338554"/>
+          </a:xfrm>
+          <a:prstGeom prst="rect">
+            <a:avLst/>
+          </a:prstGeom>
+          <a:noFill/>
+        </p:spPr>
+        <p:txBody>
+          <a:bodyPr wrap="none" rtlCol="0">
+            <a:spAutoFit/>
+          </a:bodyPr>
+          <a:lstStyle/>
+          <a:p>
+            <a:r>
+              <a:rPr lang="en-US" sz="1600" u="sng" dirty="0" smtClean="0"/>
+              <a:t>Simulated Data</a:t>
+            </a:r>
+            <a:endParaRPr lang="en-US" sz="1600" u="sng" dirty="0"/>
+          </a:p>
+        </p:txBody>
+      </p:sp>
+      <p:sp>
+        <p:nvSpPr>
+          <p:cNvPr id="71" name="Right Arrow 70"/>
+          <p:cNvSpPr/>
+          <p:nvPr/>
+        </p:nvSpPr>
+        <p:spPr>
+          <a:xfrm>
+            <a:off x="3088848" y="2968425"/>
+            <a:ext cx="542550" cy="318372"/>
+          </a:xfrm>
+          <a:prstGeom prst="rightArrow">
+            <a:avLst/>
+          </a:prstGeom>
+          <a:solidFill>
+            <a:schemeClr val="bg1">
+              <a:lumMod val="65000"/>
+            </a:schemeClr>
+          </a:solidFill>
+          <a:ln>
+            <a:noFill/>
+          </a:ln>
+        </p:spPr>
+        <p:style>
+          <a:lnRef idx="2">
+            <a:schemeClr val="accent1">
+              <a:shade val="50000"/>
+            </a:schemeClr>
+          </a:lnRef>
+          <a:fillRef idx="1">
+            <a:schemeClr val="accent1"/>
+          </a:fillRef>
+          <a:effectRef idx="0">
+            <a:schemeClr val="accent1"/>
+          </a:effectRef>
+          <a:fontRef idx="minor">
+            <a:schemeClr val="lt1"/>
+          </a:fontRef>
+        </p:style>
+        <p:txBody>
+          <a:bodyPr rtlCol="0" anchor="ctr"/>
+          <a:lstStyle/>
+          <a:p>
+            <a:pPr algn="ctr"/>
+            <a:endParaRPr lang="en-US"/>
+          </a:p>
+        </p:txBody>
+      </p:sp>
+      <p:sp>
+        <p:nvSpPr>
+          <p:cNvPr id="72" name="Right Arrow 71"/>
+          <p:cNvSpPr/>
+          <p:nvPr/>
+        </p:nvSpPr>
+        <p:spPr>
+          <a:xfrm>
+            <a:off x="3090438" y="3278601"/>
+            <a:ext cx="542550" cy="318372"/>
+          </a:xfrm>
+          <a:prstGeom prst="rightArrow">
+            <a:avLst/>
+          </a:prstGeom>
+          <a:solidFill>
+            <a:schemeClr val="bg1">
+              <a:lumMod val="65000"/>
+            </a:schemeClr>
+          </a:solidFill>
+          <a:ln>
+            <a:noFill/>
+          </a:ln>
+        </p:spPr>
+        <p:style>
+          <a:lnRef idx="2">
+            <a:schemeClr val="accent1">
+              <a:shade val="50000"/>
+            </a:schemeClr>
+          </a:lnRef>
+          <a:fillRef idx="1">
+            <a:schemeClr val="accent1"/>
+          </a:fillRef>
+          <a:effectRef idx="0">
+            <a:schemeClr val="accent1"/>
+          </a:effectRef>
+          <a:fontRef idx="minor">
+            <a:schemeClr val="lt1"/>
+          </a:fontRef>
+        </p:style>
+        <p:txBody>
+          <a:bodyPr rtlCol="0" anchor="ctr"/>
+          <a:lstStyle/>
+          <a:p>
+            <a:pPr algn="ctr"/>
+            <a:endParaRPr lang="en-US"/>
+          </a:p>
+        </p:txBody>
+      </p:sp>
+      <p:sp>
+        <p:nvSpPr>
+          <p:cNvPr id="73" name="Right Arrow 72"/>
+          <p:cNvSpPr/>
+          <p:nvPr/>
+        </p:nvSpPr>
+        <p:spPr>
+          <a:xfrm>
+            <a:off x="3088848" y="3583512"/>
+            <a:ext cx="542550" cy="318372"/>
+          </a:xfrm>
+          <a:prstGeom prst="rightArrow">
+            <a:avLst/>
+          </a:prstGeom>
+          <a:solidFill>
+            <a:schemeClr val="bg1">
+              <a:lumMod val="65000"/>
+            </a:schemeClr>
+          </a:solidFill>
+          <a:ln>
+            <a:noFill/>
+          </a:ln>
+        </p:spPr>
+        <p:style>
+          <a:lnRef idx="2">
+            <a:schemeClr val="accent1">
+              <a:shade val="50000"/>
+            </a:schemeClr>
+          </a:lnRef>
+          <a:fillRef idx="1">
+            <a:schemeClr val="accent1"/>
+          </a:fillRef>
+          <a:effectRef idx="0">
+            <a:schemeClr val="accent1"/>
+          </a:effectRef>
+          <a:fontRef idx="minor">
+            <a:schemeClr val="lt1"/>
+          </a:fontRef>
+        </p:style>
+        <p:txBody>
+          <a:bodyPr rtlCol="0" anchor="ctr"/>
+          <a:lstStyle/>
+          <a:p>
+            <a:pPr algn="ctr"/>
+            <a:endParaRPr lang="en-US"/>
+          </a:p>
+        </p:txBody>
+      </p:sp>
+      <p:sp>
+        <p:nvSpPr>
+          <p:cNvPr id="74" name="Right Arrow 73"/>
+          <p:cNvSpPr/>
+          <p:nvPr/>
+        </p:nvSpPr>
+        <p:spPr>
+          <a:xfrm rot="18450075">
+            <a:off x="4251092" y="2056948"/>
+            <a:ext cx="542550" cy="318372"/>
+          </a:xfrm>
+          <a:prstGeom prst="rightArrow">
+            <a:avLst/>
+          </a:prstGeom>
+          <a:solidFill>
+            <a:schemeClr val="bg1">
+              <a:lumMod val="65000"/>
+            </a:schemeClr>
+          </a:solidFill>
+          <a:ln>
+            <a:noFill/>
+          </a:ln>
+        </p:spPr>
+        <p:style>
+          <a:lnRef idx="2">
+            <a:schemeClr val="accent1">
+              <a:shade val="50000"/>
+            </a:schemeClr>
+          </a:lnRef>
+          <a:fillRef idx="1">
+            <a:schemeClr val="accent1"/>
+          </a:fillRef>
+          <a:effectRef idx="0">
+            <a:schemeClr val="accent1"/>
+          </a:effectRef>
+          <a:fontRef idx="minor">
+            <a:schemeClr val="lt1"/>
+          </a:fontRef>
+        </p:style>
+        <p:txBody>
+          <a:bodyPr rtlCol="0" anchor="ctr"/>
+          <a:lstStyle/>
+          <a:p>
+            <a:pPr algn="ctr"/>
+            <a:endParaRPr lang="en-US"/>
+          </a:p>
+        </p:txBody>
+      </p:sp>
+      <p:sp>
+        <p:nvSpPr>
+          <p:cNvPr id="76" name="Right Arrow 75"/>
+          <p:cNvSpPr/>
+          <p:nvPr/>
+        </p:nvSpPr>
+        <p:spPr>
+          <a:xfrm rot="18450075">
+            <a:off x="4507563" y="2056947"/>
+            <a:ext cx="542550" cy="318372"/>
+          </a:xfrm>
+          <a:prstGeom prst="rightArrow">
+            <a:avLst/>
+          </a:prstGeom>
+          <a:solidFill>
+            <a:schemeClr val="bg1">
+              <a:lumMod val="65000"/>
+            </a:schemeClr>
+          </a:solidFill>
+          <a:ln>
+            <a:noFill/>
+          </a:ln>
+        </p:spPr>
+        <p:style>
+          <a:lnRef idx="2">
+            <a:schemeClr val="accent1">
+              <a:shade val="50000"/>
+            </a:schemeClr>
+          </a:lnRef>
+          <a:fillRef idx="1">
+            <a:schemeClr val="accent1"/>
+          </a:fillRef>
+          <a:effectRef idx="0">
+            <a:schemeClr val="accent1"/>
+          </a:effectRef>
+          <a:fontRef idx="minor">
+            <a:schemeClr val="lt1"/>
+          </a:fontRef>
+        </p:style>
+        <p:txBody>
+          <a:bodyPr rtlCol="0" anchor="ctr"/>
+          <a:lstStyle/>
+          <a:p>
+            <a:pPr algn="ctr"/>
+            <a:endParaRPr lang="en-US"/>
+          </a:p>
+        </p:txBody>
+      </p:sp>
+      <p:sp>
+        <p:nvSpPr>
+          <p:cNvPr id="77" name="Right Arrow 76"/>
+          <p:cNvSpPr/>
+          <p:nvPr/>
+        </p:nvSpPr>
+        <p:spPr>
+          <a:xfrm rot="18450075">
+            <a:off x="4764035" y="2056948"/>
+            <a:ext cx="542550" cy="318372"/>
+          </a:xfrm>
+          <a:prstGeom prst="rightArrow">
+            <a:avLst/>
+          </a:prstGeom>
+          <a:solidFill>
+            <a:schemeClr val="bg1">
+              <a:lumMod val="65000"/>
+            </a:schemeClr>
+          </a:solidFill>
+          <a:ln>
+            <a:noFill/>
+          </a:ln>
+        </p:spPr>
+        <p:style>
+          <a:lnRef idx="2">
+            <a:schemeClr val="accent1">
+              <a:shade val="50000"/>
+            </a:schemeClr>
+          </a:lnRef>
+          <a:fillRef idx="1">
+            <a:schemeClr val="accent1"/>
+          </a:fillRef>
+          <a:effectRef idx="0">
+            <a:schemeClr val="accent1"/>
+          </a:effectRef>
+          <a:fontRef idx="minor">
+            <a:schemeClr val="lt1"/>
+          </a:fontRef>
+        </p:style>
+        <p:txBody>
+          <a:bodyPr rtlCol="0" anchor="ctr"/>
+          <a:lstStyle/>
+          <a:p>
+            <a:pPr algn="ctr"/>
+            <a:endParaRPr lang="en-US"/>
+          </a:p>
+        </p:txBody>
+      </p:sp>
+      <p:sp>
+        <p:nvSpPr>
+          <p:cNvPr id="80" name="Right Arrow 79"/>
+          <p:cNvSpPr/>
+          <p:nvPr/>
+        </p:nvSpPr>
+        <p:spPr>
+          <a:xfrm rot="2144858">
+            <a:off x="5798492" y="1277189"/>
+            <a:ext cx="542550" cy="318372"/>
+          </a:xfrm>
+          <a:prstGeom prst="rightArrow">
+            <a:avLst/>
+          </a:prstGeom>
+          <a:solidFill>
+            <a:schemeClr val="bg1">
+              <a:lumMod val="65000"/>
+            </a:schemeClr>
+          </a:solidFill>
+          <a:ln>
+            <a:noFill/>
+          </a:ln>
+        </p:spPr>
+        <p:style>
+          <a:lnRef idx="2">
+            <a:schemeClr val="accent1">
+              <a:shade val="50000"/>
+            </a:schemeClr>
+          </a:lnRef>
+          <a:fillRef idx="1">
+            <a:schemeClr val="accent1"/>
+          </a:fillRef>
+          <a:effectRef idx="0">
+            <a:schemeClr val="accent1"/>
+          </a:effectRef>
+          <a:fontRef idx="minor">
+            <a:schemeClr val="lt1"/>
+          </a:fontRef>
+        </p:style>
+        <p:txBody>
+          <a:bodyPr rtlCol="0" anchor="ctr"/>
+          <a:lstStyle/>
+          <a:p>
+            <a:pPr algn="ctr"/>
+            <a:endParaRPr lang="en-US"/>
+          </a:p>
+        </p:txBody>
+      </p:sp>
+      <p:sp>
+        <p:nvSpPr>
+          <p:cNvPr id="81" name="Right Arrow 80"/>
+          <p:cNvSpPr/>
+          <p:nvPr/>
+        </p:nvSpPr>
+        <p:spPr>
+          <a:xfrm rot="2144858">
+            <a:off x="5984508" y="1153922"/>
+            <a:ext cx="542550" cy="318372"/>
+          </a:xfrm>
+          <a:prstGeom prst="rightArrow">
+            <a:avLst/>
+          </a:prstGeom>
+          <a:solidFill>
+            <a:schemeClr val="bg1">
+              <a:lumMod val="65000"/>
+            </a:schemeClr>
+          </a:solidFill>
+          <a:ln>
+            <a:noFill/>
+          </a:ln>
+        </p:spPr>
+        <p:style>
+          <a:lnRef idx="2">
+            <a:schemeClr val="accent1">
+              <a:shade val="50000"/>
+            </a:schemeClr>
+          </a:lnRef>
+          <a:fillRef idx="1">
+            <a:schemeClr val="accent1"/>
+          </a:fillRef>
+          <a:effectRef idx="0">
+            <a:schemeClr val="accent1"/>
+          </a:effectRef>
+          <a:fontRef idx="minor">
+            <a:schemeClr val="lt1"/>
+          </a:fontRef>
+        </p:style>
+        <p:txBody>
+          <a:bodyPr rtlCol="0" anchor="ctr"/>
+          <a:lstStyle/>
+          <a:p>
+            <a:pPr algn="ctr"/>
+            <a:endParaRPr lang="en-US"/>
+          </a:p>
+        </p:txBody>
+      </p:sp>
+      <p:sp>
+        <p:nvSpPr>
+          <p:cNvPr id="82" name="Right Arrow 81"/>
+          <p:cNvSpPr/>
+          <p:nvPr/>
+        </p:nvSpPr>
+        <p:spPr>
+          <a:xfrm rot="2144858">
+            <a:off x="6170523" y="1000883"/>
+            <a:ext cx="542550" cy="318372"/>
+          </a:xfrm>
+          <a:prstGeom prst="rightArrow">
+            <a:avLst/>
+          </a:prstGeom>
+          <a:solidFill>
+            <a:schemeClr val="bg1">
+              <a:lumMod val="65000"/>
+            </a:schemeClr>
+          </a:solidFill>
+          <a:ln>
+            <a:noFill/>
+          </a:ln>
+        </p:spPr>
+        <p:style>
+          <a:lnRef idx="2">
+            <a:schemeClr val="accent1">
+              <a:shade val="50000"/>
+            </a:schemeClr>
+          </a:lnRef>
+          <a:fillRef idx="1">
+            <a:schemeClr val="accent1"/>
+          </a:fillRef>
+          <a:effectRef idx="0">
+            <a:schemeClr val="accent1"/>
+          </a:effectRef>
+          <a:fontRef idx="minor">
+            <a:schemeClr val="lt1"/>
+          </a:fontRef>
+        </p:style>
+        <p:txBody>
+          <a:bodyPr rtlCol="0" anchor="ctr"/>
+          <a:lstStyle/>
+          <a:p>
+            <a:pPr algn="ctr"/>
+            <a:endParaRPr lang="en-US"/>
+          </a:p>
+        </p:txBody>
+      </p:sp>
+      <p:sp>
+        <p:nvSpPr>
+          <p:cNvPr id="83" name="TextBox 82"/>
+          <p:cNvSpPr txBox="1"/>
+          <p:nvPr/>
+        </p:nvSpPr>
+        <p:spPr>
+          <a:xfrm>
+            <a:off x="6783103" y="1507406"/>
+            <a:ext cx="1549720" cy="584775"/>
+          </a:xfrm>
+          <a:prstGeom prst="rect">
+            <a:avLst/>
+          </a:prstGeom>
+          <a:noFill/>
+        </p:spPr>
+        <p:txBody>
+          <a:bodyPr wrap="none" rtlCol="0">
+            <a:spAutoFit/>
+          </a:bodyPr>
+          <a:lstStyle/>
+          <a:p>
+            <a:pPr algn="ctr"/>
+            <a:r>
+              <a:rPr lang="en-US" sz="1600" u="sng" dirty="0" smtClean="0"/>
+              <a:t>Model for</a:t>
+            </a:r>
+          </a:p>
+          <a:p>
+            <a:pPr algn="ctr"/>
+            <a:r>
+              <a:rPr lang="en-US" sz="1600" u="sng" dirty="0" smtClean="0"/>
+              <a:t>Null Distribution</a:t>
+            </a:r>
+            <a:endParaRPr lang="en-US" sz="1600" u="sng" dirty="0"/>
+          </a:p>
+        </p:txBody>
+      </p:sp>
+      <p:sp>
+        <p:nvSpPr>
+          <p:cNvPr id="97" name="Curved Up Arrow 96"/>
+          <p:cNvSpPr/>
+          <p:nvPr/>
+        </p:nvSpPr>
+        <p:spPr>
+          <a:xfrm>
+            <a:off x="1555462" y="4056070"/>
+            <a:ext cx="6040229" cy="616908"/>
+          </a:xfrm>
+          <a:prstGeom prst="curvedUpArrow">
+            <a:avLst/>
+          </a:prstGeom>
+          <a:solidFill>
+            <a:schemeClr val="accent6">
+              <a:lumMod val="40000"/>
+              <a:lumOff val="60000"/>
+            </a:schemeClr>
+          </a:solidFill>
+          <a:ln>
+            <a:noFill/>
+          </a:ln>
+        </p:spPr>
+        <p:style>
+          <a:lnRef idx="2">
+            <a:schemeClr val="accent1">
+              <a:shade val="50000"/>
+            </a:schemeClr>
+          </a:lnRef>
+          <a:fillRef idx="1">
+            <a:schemeClr val="accent1"/>
+          </a:fillRef>
+          <a:effectRef idx="0">
+            <a:schemeClr val="accent1"/>
+          </a:effectRef>
+          <a:fontRef idx="minor">
+            <a:schemeClr val="lt1"/>
+          </a:fontRef>
+        </p:style>
+        <p:txBody>
+          <a:bodyPr rtlCol="0" anchor="ctr"/>
+          <a:lstStyle/>
+          <a:p>
+            <a:pPr algn="ctr"/>
+            <a:endParaRPr lang="en-US">
+              <a:solidFill>
+                <a:schemeClr val="tx1"/>
+              </a:solidFill>
+            </a:endParaRPr>
+          </a:p>
+        </p:txBody>
+      </p:sp>
+      <p:sp>
+        <p:nvSpPr>
+          <p:cNvPr id="98" name="TextBox 97"/>
+          <p:cNvSpPr txBox="1"/>
+          <p:nvPr/>
+        </p:nvSpPr>
+        <p:spPr>
+          <a:xfrm>
+            <a:off x="2874986" y="4273615"/>
+            <a:ext cx="3380797" cy="338554"/>
+          </a:xfrm>
+          <a:prstGeom prst="rect">
+            <a:avLst/>
+          </a:prstGeom>
+          <a:noFill/>
+        </p:spPr>
+        <p:txBody>
+          <a:bodyPr wrap="none" rtlCol="0">
+            <a:spAutoFit/>
+          </a:bodyPr>
+          <a:lstStyle/>
+          <a:p>
+            <a:r>
+              <a:rPr lang="en-US" sz="1600" u="sng" dirty="0" smtClean="0"/>
+              <a:t>Classical Modeling Conditions on Error</a:t>
+            </a:r>
+            <a:endParaRPr lang="en-US" sz="1600" u="sng" dirty="0"/>
+          </a:p>
+        </p:txBody>
+      </p:sp>
+      <mc:AlternateContent xmlns:mc="http://schemas.openxmlformats.org/markup-compatibility/2006">
+        <mc:Choice xmlns:a14="http://schemas.microsoft.com/office/drawing/2010/main" Requires="a14">
+          <p:sp>
+            <p:nvSpPr>
+              <p:cNvPr id="3" name="TextBox 2"/>
+              <p:cNvSpPr txBox="1"/>
+              <p:nvPr/>
+            </p:nvSpPr>
+            <p:spPr>
+              <a:xfrm>
+                <a:off x="4845191" y="998052"/>
+                <a:ext cx="652102" cy="318100"/>
+              </a:xfrm>
+              <a:prstGeom prst="rect">
+                <a:avLst/>
+              </a:prstGeom>
+              <a:noFill/>
+            </p:spPr>
+            <p:txBody>
+              <a:bodyPr wrap="none" lIns="0" tIns="0" rIns="0" bIns="0" rtlCol="0">
+                <a:spAutoFit/>
+              </a:bodyPr>
+              <a:lstStyle/>
+              <a:p>
+                <a14:m>
+                  <m:oMathPara xmlns:m="http://schemas.openxmlformats.org/officeDocument/2006/math">
+                    <m:oMathParaPr>
+                      <m:jc m:val="centerGroup"/>
+                    </m:oMathParaPr>
+                    <m:oMath xmlns:m="http://schemas.openxmlformats.org/officeDocument/2006/math">
+                      <m:sSup>
+                        <m:sSupPr>
+                          <m:ctrlPr>
+                            <a:rPr lang="en-US" sz="1100" b="0" i="1" smtClean="0">
+                              <a:latin typeface="Cambria Math" panose="02040503050406030204" pitchFamily="18" charset="0"/>
+                            </a:rPr>
+                          </m:ctrlPr>
+                        </m:sSupPr>
+                        <m:e>
+                          <m:r>
+                            <a:rPr lang="en-US" sz="1100" b="0" i="1" smtClean="0">
+                              <a:latin typeface="Cambria Math" panose="02040503050406030204" pitchFamily="18" charset="0"/>
+                            </a:rPr>
+                            <m:t>𝑇</m:t>
+                          </m:r>
+                        </m:e>
+                        <m:sup>
+                          <m:r>
+                            <a:rPr lang="en-US" sz="1100" b="0" i="1" smtClean="0">
+                              <a:latin typeface="Cambria Math" panose="02040503050406030204" pitchFamily="18" charset="0"/>
+                            </a:rPr>
+                            <m:t>∗</m:t>
+                          </m:r>
+                        </m:sup>
+                      </m:sSup>
+                      <m:r>
+                        <a:rPr lang="en-US" sz="1100" b="0" i="1" smtClean="0">
+                          <a:latin typeface="Cambria Math" panose="02040503050406030204" pitchFamily="18" charset="0"/>
+                        </a:rPr>
+                        <m:t>=</m:t>
+                      </m:r>
+                      <m:f>
+                        <m:fPr>
+                          <m:ctrlPr>
+                            <a:rPr lang="en-US" sz="1100" b="0" i="1" smtClean="0">
+                              <a:latin typeface="Cambria Math" panose="02040503050406030204" pitchFamily="18" charset="0"/>
+                            </a:rPr>
+                          </m:ctrlPr>
+                        </m:fPr>
+                        <m:num>
+                          <m:r>
+                            <a:rPr lang="en-US" sz="1100" b="0" i="1" smtClean="0">
+                              <a:latin typeface="Cambria Math" panose="02040503050406030204" pitchFamily="18" charset="0"/>
+                            </a:rPr>
+                            <m:t>𝑀𝑆𝑅</m:t>
+                          </m:r>
+                        </m:num>
+                        <m:den>
+                          <m:r>
+                            <a:rPr lang="en-US" sz="1100" b="0" i="1" smtClean="0">
+                              <a:latin typeface="Cambria Math" panose="02040503050406030204" pitchFamily="18" charset="0"/>
+                            </a:rPr>
+                            <m:t>𝑀𝑆𝐸</m:t>
+                          </m:r>
+                        </m:den>
+                      </m:f>
+                    </m:oMath>
+                  </m:oMathPara>
+                </a14:m>
+                <a:endParaRPr lang="en-US" sz="1100" dirty="0"/>
+              </a:p>
+            </p:txBody>
+          </p:sp>
+        </mc:Choice>
+        <mc:Fallback>
+          <p:sp>
+            <p:nvSpPr>
+              <p:cNvPr id="3" name="TextBox 2"/>
+              <p:cNvSpPr txBox="1">
+                <a:spLocks noRot="1" noChangeAspect="1" noMove="1" noResize="1" noEditPoints="1" noAdjustHandles="1" noChangeArrowheads="1" noChangeShapeType="1" noTextEdit="1"/>
+              </p:cNvSpPr>
+              <p:nvPr/>
+            </p:nvSpPr>
+            <p:spPr>
+              <a:xfrm>
+                <a:off x="4845191" y="998052"/>
+                <a:ext cx="652102" cy="318100"/>
+              </a:xfrm>
+              <a:prstGeom prst="rect">
+                <a:avLst/>
+              </a:prstGeom>
+              <a:blipFill>
+                <a:blip r:embed="rId8"/>
+                <a:stretch>
+                  <a:fillRect l="-4673" t="-1923" r="-4673" b="-13462"/>
+                </a:stretch>
+              </a:blipFill>
+            </p:spPr>
+            <p:txBody>
+              <a:bodyPr/>
+              <a:lstStyle/>
+              <a:p>
+                <a:r>
+                  <a:rPr lang="en-US">
+                    <a:noFill/>
+                  </a:rPr>
+                  <a:t> </a:t>
+                </a:r>
+              </a:p>
+            </p:txBody>
+          </p:sp>
+        </mc:Fallback>
+      </mc:AlternateContent>
+      <p:grpSp>
+        <p:nvGrpSpPr>
+          <p:cNvPr id="33" name="Group 32"/>
+          <p:cNvGrpSpPr/>
+          <p:nvPr/>
+        </p:nvGrpSpPr>
+        <p:grpSpPr>
+          <a:xfrm>
+            <a:off x="6225830" y="2197127"/>
+            <a:ext cx="2885094" cy="1499616"/>
+            <a:chOff x="4452143" y="4843611"/>
+            <a:chExt cx="2885094" cy="1499616"/>
+          </a:xfrm>
+        </p:grpSpPr>
+        <p:pic>
+          <p:nvPicPr>
+            <p:cNvPr id="4" name="Picture 3" descr="Chapter 10"/>
+            <p:cNvPicPr>
+              <a:picLocks noChangeAspect="1"/>
+            </p:cNvPicPr>
+            <p:nvPr/>
+          </p:nvPicPr>
+          <p:blipFill rotWithShape="1">
+            <a:blip r:embed="rId9">
+              <a:duotone>
+                <a:prstClr val="black"/>
+                <a:schemeClr val="accent1">
+                  <a:tint val="45000"/>
+                  <a:satMod val="400000"/>
+                </a:schemeClr>
+              </a:duotone>
+              <a:extLst>
+                <a:ext uri="{28A0092B-C50C-407E-A947-70E740481C1C}">
+                  <a14:useLocalDpi xmlns:a14="http://schemas.microsoft.com/office/drawing/2010/main" val="0"/>
+                </a:ext>
+              </a:extLst>
+            </a:blip>
+            <a:srcRect t="88" b="11263"/>
+            <a:stretch/>
+          </p:blipFill>
+          <p:spPr>
+            <a:xfrm>
+              <a:off x="4452143" y="4843611"/>
+              <a:ext cx="2885094" cy="1499616"/>
+            </a:xfrm>
+            <a:prstGeom prst="rect">
+              <a:avLst/>
+            </a:prstGeom>
+          </p:spPr>
+        </p:pic>
+        <p:cxnSp>
+          <p:nvCxnSpPr>
+            <p:cNvPr id="22" name="Straight Connector 21"/>
+            <p:cNvCxnSpPr/>
+            <p:nvPr/>
+          </p:nvCxnSpPr>
+          <p:spPr>
+            <a:xfrm>
+              <a:off x="5982789" y="5930538"/>
+              <a:ext cx="0" cy="378823"/>
+            </a:xfrm>
+            <a:prstGeom prst="line">
+              <a:avLst/>
+            </a:prstGeom>
+            <a:ln w="12700">
+              <a:solidFill>
+                <a:srgbClr val="C00000"/>
+              </a:solidFill>
+            </a:ln>
+          </p:spPr>
+          <p:style>
+            <a:lnRef idx="1">
+              <a:schemeClr val="accent1"/>
+            </a:lnRef>
+            <a:fillRef idx="0">
+              <a:schemeClr val="accent1"/>
+            </a:fillRef>
+            <a:effectRef idx="0">
+              <a:schemeClr val="accent1"/>
+            </a:effectRef>
+            <a:fontRef idx="minor">
+              <a:schemeClr val="tx1"/>
+            </a:fontRef>
+          </p:style>
+        </p:cxnSp>
+        <p:cxnSp>
+          <p:nvCxnSpPr>
+            <p:cNvPr id="60" name="Straight Connector 59"/>
+            <p:cNvCxnSpPr/>
+            <p:nvPr/>
+          </p:nvCxnSpPr>
+          <p:spPr>
+            <a:xfrm>
+              <a:off x="5976257" y="6309361"/>
+              <a:ext cx="1232775" cy="0"/>
+            </a:xfrm>
+            <a:prstGeom prst="line">
+              <a:avLst/>
+            </a:prstGeom>
+            <a:ln w="12700">
+              <a:solidFill>
+                <a:srgbClr val="C00000"/>
+              </a:solidFill>
+            </a:ln>
+          </p:spPr>
+          <p:style>
+            <a:lnRef idx="1">
+              <a:schemeClr val="accent1"/>
+            </a:lnRef>
+            <a:fillRef idx="0">
+              <a:schemeClr val="accent1"/>
+            </a:fillRef>
+            <a:effectRef idx="0">
+              <a:schemeClr val="accent1"/>
+            </a:effectRef>
+            <a:fontRef idx="minor">
+              <a:schemeClr val="tx1"/>
+            </a:fontRef>
+          </p:style>
+        </p:cxnSp>
+        <p:cxnSp>
+          <p:nvCxnSpPr>
+            <p:cNvPr id="70" name="Straight Connector 69"/>
+            <p:cNvCxnSpPr/>
+            <p:nvPr/>
+          </p:nvCxnSpPr>
+          <p:spPr>
+            <a:xfrm flipV="1">
+              <a:off x="5982788" y="5969725"/>
+              <a:ext cx="42455" cy="44633"/>
+            </a:xfrm>
+            <a:prstGeom prst="line">
+              <a:avLst/>
+            </a:prstGeom>
+            <a:ln w="12700">
+              <a:solidFill>
+                <a:srgbClr val="C00000"/>
+              </a:solidFill>
+            </a:ln>
+          </p:spPr>
+          <p:style>
+            <a:lnRef idx="1">
+              <a:schemeClr val="accent1"/>
+            </a:lnRef>
+            <a:fillRef idx="0">
+              <a:schemeClr val="accent1"/>
+            </a:fillRef>
+            <a:effectRef idx="0">
+              <a:schemeClr val="accent1"/>
+            </a:effectRef>
+            <a:fontRef idx="minor">
+              <a:schemeClr val="tx1"/>
+            </a:fontRef>
+          </p:style>
+        </p:cxnSp>
+        <p:cxnSp>
+          <p:nvCxnSpPr>
+            <p:cNvPr id="79" name="Straight Connector 78"/>
+            <p:cNvCxnSpPr/>
+            <p:nvPr/>
+          </p:nvCxnSpPr>
+          <p:spPr>
+            <a:xfrm flipV="1">
+              <a:off x="5982787" y="5999811"/>
+              <a:ext cx="64008" cy="64008"/>
+            </a:xfrm>
+            <a:prstGeom prst="line">
+              <a:avLst/>
+            </a:prstGeom>
+            <a:ln w="12700">
+              <a:solidFill>
+                <a:srgbClr val="C00000"/>
+              </a:solidFill>
+            </a:ln>
+          </p:spPr>
+          <p:style>
+            <a:lnRef idx="1">
+              <a:schemeClr val="accent1"/>
+            </a:lnRef>
+            <a:fillRef idx="0">
+              <a:schemeClr val="accent1"/>
+            </a:fillRef>
+            <a:effectRef idx="0">
+              <a:schemeClr val="accent1"/>
+            </a:effectRef>
+            <a:fontRef idx="minor">
+              <a:schemeClr val="tx1"/>
+            </a:fontRef>
+          </p:style>
+        </p:cxnSp>
+        <p:cxnSp>
+          <p:nvCxnSpPr>
+            <p:cNvPr id="85" name="Straight Connector 84"/>
+            <p:cNvCxnSpPr/>
+            <p:nvPr/>
+          </p:nvCxnSpPr>
+          <p:spPr>
+            <a:xfrm flipV="1">
+              <a:off x="5982787" y="6025094"/>
+              <a:ext cx="91440" cy="91440"/>
+            </a:xfrm>
+            <a:prstGeom prst="line">
+              <a:avLst/>
+            </a:prstGeom>
+            <a:ln w="12700">
+              <a:solidFill>
+                <a:srgbClr val="C00000"/>
+              </a:solidFill>
+            </a:ln>
+          </p:spPr>
+          <p:style>
+            <a:lnRef idx="1">
+              <a:schemeClr val="accent1"/>
+            </a:lnRef>
+            <a:fillRef idx="0">
+              <a:schemeClr val="accent1"/>
+            </a:fillRef>
+            <a:effectRef idx="0">
+              <a:schemeClr val="accent1"/>
+            </a:effectRef>
+            <a:fontRef idx="minor">
+              <a:schemeClr val="tx1"/>
+            </a:fontRef>
+          </p:style>
+        </p:cxnSp>
+        <p:cxnSp>
+          <p:nvCxnSpPr>
+            <p:cNvPr id="87" name="Straight Connector 86"/>
+            <p:cNvCxnSpPr/>
+            <p:nvPr/>
+          </p:nvCxnSpPr>
+          <p:spPr>
+            <a:xfrm flipV="1">
+              <a:off x="5982786" y="6046763"/>
+              <a:ext cx="128016" cy="128016"/>
+            </a:xfrm>
+            <a:prstGeom prst="line">
+              <a:avLst/>
+            </a:prstGeom>
+            <a:ln w="12700">
+              <a:solidFill>
+                <a:srgbClr val="C00000"/>
+              </a:solidFill>
+            </a:ln>
+          </p:spPr>
+          <p:style>
+            <a:lnRef idx="1">
+              <a:schemeClr val="accent1"/>
+            </a:lnRef>
+            <a:fillRef idx="0">
+              <a:schemeClr val="accent1"/>
+            </a:fillRef>
+            <a:effectRef idx="0">
+              <a:schemeClr val="accent1"/>
+            </a:effectRef>
+            <a:fontRef idx="minor">
+              <a:schemeClr val="tx1"/>
+            </a:fontRef>
+          </p:style>
+        </p:cxnSp>
+        <p:cxnSp>
+          <p:nvCxnSpPr>
+            <p:cNvPr id="89" name="Straight Connector 88"/>
+            <p:cNvCxnSpPr/>
+            <p:nvPr/>
+          </p:nvCxnSpPr>
+          <p:spPr>
+            <a:xfrm flipV="1">
+              <a:off x="5982785" y="6068684"/>
+              <a:ext cx="173736" cy="173736"/>
+            </a:xfrm>
+            <a:prstGeom prst="line">
+              <a:avLst/>
+            </a:prstGeom>
+            <a:ln w="12700">
+              <a:solidFill>
+                <a:srgbClr val="C00000"/>
+              </a:solidFill>
+            </a:ln>
+          </p:spPr>
+          <p:style>
+            <a:lnRef idx="1">
+              <a:schemeClr val="accent1"/>
+            </a:lnRef>
+            <a:fillRef idx="0">
+              <a:schemeClr val="accent1"/>
+            </a:fillRef>
+            <a:effectRef idx="0">
+              <a:schemeClr val="accent1"/>
+            </a:effectRef>
+            <a:fontRef idx="minor">
+              <a:schemeClr val="tx1"/>
+            </a:fontRef>
+          </p:style>
+        </p:cxnSp>
+        <p:cxnSp>
+          <p:nvCxnSpPr>
+            <p:cNvPr id="91" name="Straight Connector 90"/>
+            <p:cNvCxnSpPr/>
+            <p:nvPr/>
+          </p:nvCxnSpPr>
+          <p:spPr>
+            <a:xfrm flipV="1">
+              <a:off x="5980171" y="6109030"/>
+              <a:ext cx="201168" cy="201168"/>
+            </a:xfrm>
+            <a:prstGeom prst="line">
+              <a:avLst/>
+            </a:prstGeom>
+            <a:ln w="12700">
+              <a:solidFill>
+                <a:srgbClr val="C00000"/>
+              </a:solidFill>
+            </a:ln>
+          </p:spPr>
+          <p:style>
+            <a:lnRef idx="1">
+              <a:schemeClr val="accent1"/>
+            </a:lnRef>
+            <a:fillRef idx="0">
+              <a:schemeClr val="accent1"/>
+            </a:fillRef>
+            <a:effectRef idx="0">
+              <a:schemeClr val="accent1"/>
+            </a:effectRef>
+            <a:fontRef idx="minor">
+              <a:schemeClr val="tx1"/>
+            </a:fontRef>
+          </p:style>
+        </p:cxnSp>
+        <p:cxnSp>
+          <p:nvCxnSpPr>
+            <p:cNvPr id="94" name="Straight Connector 93"/>
+            <p:cNvCxnSpPr/>
+            <p:nvPr/>
+          </p:nvCxnSpPr>
+          <p:spPr>
+            <a:xfrm flipV="1">
+              <a:off x="6053322" y="6134863"/>
+              <a:ext cx="173736" cy="173736"/>
+            </a:xfrm>
+            <a:prstGeom prst="line">
+              <a:avLst/>
+            </a:prstGeom>
+            <a:ln w="12700">
+              <a:solidFill>
+                <a:srgbClr val="C00000"/>
+              </a:solidFill>
+            </a:ln>
+          </p:spPr>
+          <p:style>
+            <a:lnRef idx="1">
+              <a:schemeClr val="accent1"/>
+            </a:lnRef>
+            <a:fillRef idx="0">
+              <a:schemeClr val="accent1"/>
+            </a:fillRef>
+            <a:effectRef idx="0">
+              <a:schemeClr val="accent1"/>
+            </a:effectRef>
+            <a:fontRef idx="minor">
+              <a:schemeClr val="tx1"/>
+            </a:fontRef>
+          </p:style>
+        </p:cxnSp>
+        <p:cxnSp>
+          <p:nvCxnSpPr>
+            <p:cNvPr id="96" name="Straight Connector 95"/>
+            <p:cNvCxnSpPr/>
+            <p:nvPr/>
+          </p:nvCxnSpPr>
+          <p:spPr>
+            <a:xfrm flipV="1">
+              <a:off x="6125165" y="6153532"/>
+              <a:ext cx="155448" cy="155448"/>
+            </a:xfrm>
+            <a:prstGeom prst="line">
+              <a:avLst/>
+            </a:prstGeom>
+            <a:ln w="12700">
+              <a:solidFill>
+                <a:srgbClr val="C00000"/>
+              </a:solidFill>
+            </a:ln>
+          </p:spPr>
+          <p:style>
+            <a:lnRef idx="1">
+              <a:schemeClr val="accent1"/>
+            </a:lnRef>
+            <a:fillRef idx="0">
+              <a:schemeClr val="accent1"/>
+            </a:fillRef>
+            <a:effectRef idx="0">
+              <a:schemeClr val="accent1"/>
+            </a:effectRef>
+            <a:fontRef idx="minor">
+              <a:schemeClr val="tx1"/>
+            </a:fontRef>
+          </p:style>
+        </p:cxnSp>
+        <p:cxnSp>
+          <p:nvCxnSpPr>
+            <p:cNvPr id="99" name="Straight Connector 98"/>
+            <p:cNvCxnSpPr/>
+            <p:nvPr/>
+          </p:nvCxnSpPr>
+          <p:spPr>
+            <a:xfrm flipV="1">
+              <a:off x="6195702" y="6181930"/>
+              <a:ext cx="128016" cy="128016"/>
+            </a:xfrm>
+            <a:prstGeom prst="line">
+              <a:avLst/>
+            </a:prstGeom>
+            <a:ln w="12700">
+              <a:solidFill>
+                <a:srgbClr val="C00000"/>
+              </a:solidFill>
+            </a:ln>
+          </p:spPr>
+          <p:style>
+            <a:lnRef idx="1">
+              <a:schemeClr val="accent1"/>
+            </a:lnRef>
+            <a:fillRef idx="0">
+              <a:schemeClr val="accent1"/>
+            </a:fillRef>
+            <a:effectRef idx="0">
+              <a:schemeClr val="accent1"/>
+            </a:effectRef>
+            <a:fontRef idx="minor">
+              <a:schemeClr val="tx1"/>
+            </a:fontRef>
+          </p:style>
+        </p:cxnSp>
+        <p:cxnSp>
+          <p:nvCxnSpPr>
+            <p:cNvPr id="100" name="Straight Connector 99"/>
+            <p:cNvCxnSpPr/>
+            <p:nvPr/>
+          </p:nvCxnSpPr>
+          <p:spPr>
+            <a:xfrm flipV="1">
+              <a:off x="6259710" y="6190299"/>
+              <a:ext cx="118872" cy="118872"/>
+            </a:xfrm>
+            <a:prstGeom prst="line">
+              <a:avLst/>
+            </a:prstGeom>
+            <a:ln w="12700">
+              <a:solidFill>
+                <a:srgbClr val="C00000"/>
+              </a:solidFill>
+            </a:ln>
+          </p:spPr>
+          <p:style>
+            <a:lnRef idx="1">
+              <a:schemeClr val="accent1"/>
+            </a:lnRef>
+            <a:fillRef idx="0">
+              <a:schemeClr val="accent1"/>
+            </a:fillRef>
+            <a:effectRef idx="0">
+              <a:schemeClr val="accent1"/>
+            </a:effectRef>
+            <a:fontRef idx="minor">
+              <a:schemeClr val="tx1"/>
+            </a:fontRef>
+          </p:style>
+        </p:cxnSp>
+        <p:cxnSp>
+          <p:nvCxnSpPr>
+            <p:cNvPr id="101" name="Straight Connector 100"/>
+            <p:cNvCxnSpPr/>
+            <p:nvPr/>
+          </p:nvCxnSpPr>
+          <p:spPr>
+            <a:xfrm flipV="1">
+              <a:off x="6323718" y="6205697"/>
+              <a:ext cx="109728" cy="109728"/>
+            </a:xfrm>
+            <a:prstGeom prst="line">
+              <a:avLst/>
+            </a:prstGeom>
+            <a:ln w="12700">
+              <a:solidFill>
+                <a:srgbClr val="C00000"/>
+              </a:solidFill>
+            </a:ln>
+          </p:spPr>
+          <p:style>
+            <a:lnRef idx="1">
+              <a:schemeClr val="accent1"/>
+            </a:lnRef>
+            <a:fillRef idx="0">
+              <a:schemeClr val="accent1"/>
+            </a:fillRef>
+            <a:effectRef idx="0">
+              <a:schemeClr val="accent1"/>
+            </a:effectRef>
+            <a:fontRef idx="minor">
+              <a:schemeClr val="tx1"/>
+            </a:fontRef>
+          </p:style>
+        </p:cxnSp>
+        <p:cxnSp>
+          <p:nvCxnSpPr>
+            <p:cNvPr id="102" name="Straight Connector 101"/>
+            <p:cNvCxnSpPr/>
+            <p:nvPr/>
+          </p:nvCxnSpPr>
+          <p:spPr>
+            <a:xfrm flipV="1">
+              <a:off x="6383802" y="6223985"/>
+              <a:ext cx="91440" cy="91440"/>
+            </a:xfrm>
+            <a:prstGeom prst="line">
+              <a:avLst/>
+            </a:prstGeom>
+            <a:ln w="12700">
+              <a:solidFill>
+                <a:srgbClr val="C00000"/>
+              </a:solidFill>
+            </a:ln>
+          </p:spPr>
+          <p:style>
+            <a:lnRef idx="1">
+              <a:schemeClr val="accent1"/>
+            </a:lnRef>
+            <a:fillRef idx="0">
+              <a:schemeClr val="accent1"/>
+            </a:fillRef>
+            <a:effectRef idx="0">
+              <a:schemeClr val="accent1"/>
+            </a:effectRef>
+            <a:fontRef idx="minor">
+              <a:schemeClr val="tx1"/>
+            </a:fontRef>
+          </p:style>
+        </p:cxnSp>
+        <p:cxnSp>
+          <p:nvCxnSpPr>
+            <p:cNvPr id="103" name="Straight Connector 102"/>
+            <p:cNvCxnSpPr/>
+            <p:nvPr/>
+          </p:nvCxnSpPr>
+          <p:spPr>
+            <a:xfrm flipV="1">
+              <a:off x="6451734" y="6242273"/>
+              <a:ext cx="73152" cy="73152"/>
+            </a:xfrm>
+            <a:prstGeom prst="line">
+              <a:avLst/>
+            </a:prstGeom>
+            <a:ln w="12700">
+              <a:solidFill>
+                <a:srgbClr val="C00000"/>
+              </a:solidFill>
+            </a:ln>
+          </p:spPr>
+          <p:style>
+            <a:lnRef idx="1">
+              <a:schemeClr val="accent1"/>
+            </a:lnRef>
+            <a:fillRef idx="0">
+              <a:schemeClr val="accent1"/>
+            </a:fillRef>
+            <a:effectRef idx="0">
+              <a:schemeClr val="accent1"/>
+            </a:effectRef>
+            <a:fontRef idx="minor">
+              <a:schemeClr val="tx1"/>
+            </a:fontRef>
+          </p:style>
+        </p:cxnSp>
+        <p:cxnSp>
+          <p:nvCxnSpPr>
+            <p:cNvPr id="104" name="Straight Connector 103"/>
+            <p:cNvCxnSpPr/>
+            <p:nvPr/>
+          </p:nvCxnSpPr>
+          <p:spPr>
+            <a:xfrm flipV="1">
+              <a:off x="6520314" y="6261685"/>
+              <a:ext cx="45720" cy="45720"/>
+            </a:xfrm>
+            <a:prstGeom prst="line">
+              <a:avLst/>
+            </a:prstGeom>
+            <a:ln w="12700">
+              <a:solidFill>
+                <a:srgbClr val="C00000"/>
+              </a:solidFill>
+            </a:ln>
+          </p:spPr>
+          <p:style>
+            <a:lnRef idx="1">
+              <a:schemeClr val="accent1"/>
+            </a:lnRef>
+            <a:fillRef idx="0">
+              <a:schemeClr val="accent1"/>
+            </a:fillRef>
+            <a:effectRef idx="0">
+              <a:schemeClr val="accent1"/>
+            </a:effectRef>
+            <a:fontRef idx="minor">
+              <a:schemeClr val="tx1"/>
+            </a:fontRef>
+          </p:style>
+        </p:cxnSp>
+        <p:cxnSp>
+          <p:nvCxnSpPr>
+            <p:cNvPr id="105" name="Straight Connector 104"/>
+            <p:cNvCxnSpPr/>
+            <p:nvPr/>
+          </p:nvCxnSpPr>
+          <p:spPr>
+            <a:xfrm flipV="1">
+              <a:off x="6576314" y="6265457"/>
+              <a:ext cx="36576" cy="36576"/>
+            </a:xfrm>
+            <a:prstGeom prst="line">
+              <a:avLst/>
+            </a:prstGeom>
+            <a:ln w="12700">
+              <a:solidFill>
+                <a:srgbClr val="C00000"/>
+              </a:solidFill>
+            </a:ln>
+          </p:spPr>
+          <p:style>
+            <a:lnRef idx="1">
+              <a:schemeClr val="accent1"/>
+            </a:lnRef>
+            <a:fillRef idx="0">
+              <a:schemeClr val="accent1"/>
+            </a:fillRef>
+            <a:effectRef idx="0">
+              <a:schemeClr val="accent1"/>
+            </a:effectRef>
+            <a:fontRef idx="minor">
+              <a:schemeClr val="tx1"/>
+            </a:fontRef>
+          </p:style>
+        </p:cxnSp>
+        <p:cxnSp>
+          <p:nvCxnSpPr>
+            <p:cNvPr id="106" name="Straight Connector 105"/>
+            <p:cNvCxnSpPr/>
+            <p:nvPr/>
+          </p:nvCxnSpPr>
+          <p:spPr>
+            <a:xfrm flipV="1">
+              <a:off x="6641712" y="6277076"/>
+              <a:ext cx="27432" cy="27432"/>
+            </a:xfrm>
+            <a:prstGeom prst="line">
+              <a:avLst/>
+            </a:prstGeom>
+            <a:ln w="12700">
+              <a:solidFill>
+                <a:srgbClr val="C00000"/>
+              </a:solidFill>
+            </a:ln>
+          </p:spPr>
+          <p:style>
+            <a:lnRef idx="1">
+              <a:schemeClr val="accent1"/>
+            </a:lnRef>
+            <a:fillRef idx="0">
+              <a:schemeClr val="accent1"/>
+            </a:fillRef>
+            <a:effectRef idx="0">
+              <a:schemeClr val="accent1"/>
+            </a:effectRef>
+            <a:fontRef idx="minor">
+              <a:schemeClr val="tx1"/>
+            </a:fontRef>
+          </p:style>
+        </p:cxnSp>
+        <p:cxnSp>
+          <p:nvCxnSpPr>
+            <p:cNvPr id="107" name="Straight Connector 106"/>
+            <p:cNvCxnSpPr/>
+            <p:nvPr/>
+          </p:nvCxnSpPr>
+          <p:spPr>
+            <a:xfrm flipV="1">
+              <a:off x="6689608" y="6275988"/>
+              <a:ext cx="27432" cy="27432"/>
+            </a:xfrm>
+            <a:prstGeom prst="line">
+              <a:avLst/>
+            </a:prstGeom>
+            <a:ln w="12700">
+              <a:solidFill>
+                <a:srgbClr val="C00000"/>
+              </a:solidFill>
+            </a:ln>
+          </p:spPr>
+          <p:style>
+            <a:lnRef idx="1">
+              <a:schemeClr val="accent1"/>
+            </a:lnRef>
+            <a:fillRef idx="0">
+              <a:schemeClr val="accent1"/>
+            </a:fillRef>
+            <a:effectRef idx="0">
+              <a:schemeClr val="accent1"/>
+            </a:effectRef>
+            <a:fontRef idx="minor">
+              <a:schemeClr val="tx1"/>
+            </a:fontRef>
+          </p:style>
+        </p:cxnSp>
+        <p:cxnSp>
+          <p:nvCxnSpPr>
+            <p:cNvPr id="108" name="Straight Connector 107"/>
+            <p:cNvCxnSpPr/>
+            <p:nvPr/>
+          </p:nvCxnSpPr>
+          <p:spPr>
+            <a:xfrm flipV="1">
+              <a:off x="6745126" y="6279252"/>
+              <a:ext cx="27432" cy="27432"/>
+            </a:xfrm>
+            <a:prstGeom prst="line">
+              <a:avLst/>
+            </a:prstGeom>
+            <a:ln w="12700">
+              <a:solidFill>
+                <a:srgbClr val="C00000"/>
+              </a:solidFill>
+            </a:ln>
+          </p:spPr>
+          <p:style>
+            <a:lnRef idx="1">
+              <a:schemeClr val="accent1"/>
+            </a:lnRef>
+            <a:fillRef idx="0">
+              <a:schemeClr val="accent1"/>
+            </a:fillRef>
+            <a:effectRef idx="0">
+              <a:schemeClr val="accent1"/>
+            </a:effectRef>
+            <a:fontRef idx="minor">
+              <a:schemeClr val="tx1"/>
+            </a:fontRef>
+          </p:style>
+        </p:cxnSp>
+      </p:grpSp>
+      <mc:AlternateContent xmlns:mc="http://schemas.openxmlformats.org/markup-compatibility/2006">
+        <mc:Choice xmlns:a14="http://schemas.microsoft.com/office/drawing/2010/main" Requires="a14">
+          <p:sp>
+            <p:nvSpPr>
+              <p:cNvPr id="34" name="TextBox 33"/>
+              <p:cNvSpPr txBox="1"/>
+              <p:nvPr/>
+            </p:nvSpPr>
+            <p:spPr>
+              <a:xfrm>
+                <a:off x="6673910" y="3727021"/>
+                <a:ext cx="1480405" cy="184666"/>
+              </a:xfrm>
+              <a:prstGeom prst="rect">
+                <a:avLst/>
+              </a:prstGeom>
+              <a:noFill/>
+            </p:spPr>
+            <p:txBody>
+              <a:bodyPr wrap="none" lIns="0" tIns="0" rIns="0" bIns="0" rtlCol="0">
+                <a:spAutoFit/>
+              </a:bodyPr>
+              <a:lstStyle/>
+              <a:p>
+                <a14:m>
+                  <m:oMathPara xmlns:m="http://schemas.openxmlformats.org/officeDocument/2006/math">
+                    <m:oMathParaPr>
+                      <m:jc m:val="centerGroup"/>
+                    </m:oMathParaPr>
+                    <m:oMath xmlns:m="http://schemas.openxmlformats.org/officeDocument/2006/math">
+                      <m:r>
+                        <m:rPr>
+                          <m:nor/>
+                        </m:rPr>
+                        <a:rPr lang="en-US" sz="1200" b="0" i="0" smtClean="0">
+                          <a:latin typeface="Cambria Math" panose="02040503050406030204" pitchFamily="18" charset="0"/>
+                        </a:rPr>
+                        <m:t>Values</m:t>
+                      </m:r>
+                      <m:r>
+                        <m:rPr>
+                          <m:nor/>
+                        </m:rPr>
+                        <a:rPr lang="en-US" sz="1200" b="0" i="0" smtClean="0">
+                          <a:latin typeface="Cambria Math" panose="02040503050406030204" pitchFamily="18" charset="0"/>
+                        </a:rPr>
+                        <m:t> </m:t>
+                      </m:r>
+                      <m:r>
+                        <m:rPr>
+                          <m:nor/>
+                        </m:rPr>
+                        <a:rPr lang="en-US" sz="1200" b="0" i="0" smtClean="0">
+                          <a:latin typeface="Cambria Math" panose="02040503050406030204" pitchFamily="18" charset="0"/>
+                        </a:rPr>
+                        <m:t>of</m:t>
+                      </m:r>
+                      <m:r>
+                        <m:rPr>
+                          <m:nor/>
+                        </m:rPr>
+                        <a:rPr lang="en-US" sz="1200" b="0" i="0" smtClean="0">
+                          <a:latin typeface="Cambria Math" panose="02040503050406030204" pitchFamily="18" charset="0"/>
+                        </a:rPr>
+                        <m:t> </m:t>
+                      </m:r>
+                      <m:sSup>
+                        <m:sSupPr>
+                          <m:ctrlPr>
+                            <a:rPr lang="en-US" sz="1200" b="0" i="1" smtClean="0">
+                              <a:latin typeface="Cambria Math" panose="02040503050406030204" pitchFamily="18" charset="0"/>
+                            </a:rPr>
+                          </m:ctrlPr>
+                        </m:sSupPr>
+                        <m:e>
+                          <m:r>
+                            <a:rPr lang="en-US" sz="1200" b="0" i="1" smtClean="0">
+                              <a:latin typeface="Cambria Math" panose="02040503050406030204" pitchFamily="18" charset="0"/>
+                            </a:rPr>
+                            <m:t>𝑇</m:t>
+                          </m:r>
+                        </m:e>
+                        <m:sup>
+                          <m:r>
+                            <a:rPr lang="en-US" sz="1200" b="0" i="1" smtClean="0">
+                              <a:latin typeface="Cambria Math" panose="02040503050406030204" pitchFamily="18" charset="0"/>
+                            </a:rPr>
+                            <m:t>∗</m:t>
+                          </m:r>
+                        </m:sup>
+                      </m:sSup>
+                      <m:r>
+                        <a:rPr lang="en-US" sz="1200" b="0" i="1" smtClean="0">
+                          <a:latin typeface="Cambria Math" panose="02040503050406030204" pitchFamily="18" charset="0"/>
+                        </a:rPr>
+                        <m:t> </m:t>
+                      </m:r>
+                      <m:r>
+                        <m:rPr>
+                          <m:nor/>
+                        </m:rPr>
+                        <a:rPr lang="en-US" sz="1200" b="0" i="0" smtClean="0">
+                          <a:latin typeface="Cambria Math" panose="02040503050406030204" pitchFamily="18" charset="0"/>
+                        </a:rPr>
+                        <m:t>Under</m:t>
+                      </m:r>
+                      <m:r>
+                        <m:rPr>
+                          <m:nor/>
+                        </m:rPr>
+                        <a:rPr lang="en-US" sz="1200" b="0" i="0" smtClean="0">
+                          <a:latin typeface="Cambria Math" panose="02040503050406030204" pitchFamily="18" charset="0"/>
+                        </a:rPr>
+                        <m:t> </m:t>
+                      </m:r>
+                      <m:sSub>
+                        <m:sSubPr>
+                          <m:ctrlPr>
+                            <a:rPr lang="en-US" sz="1200" b="0" i="1" smtClean="0">
+                              <a:latin typeface="Cambria Math" panose="02040503050406030204" pitchFamily="18" charset="0"/>
+                            </a:rPr>
+                          </m:ctrlPr>
+                        </m:sSubPr>
+                        <m:e>
+                          <m:r>
+                            <a:rPr lang="en-US" sz="1200" b="0" i="1" smtClean="0">
+                              <a:latin typeface="Cambria Math" panose="02040503050406030204" pitchFamily="18" charset="0"/>
+                            </a:rPr>
+                            <m:t>𝐻</m:t>
+                          </m:r>
+                        </m:e>
+                        <m:sub>
+                          <m:r>
+                            <a:rPr lang="en-US" sz="1200" b="0" i="1" smtClean="0">
+                              <a:latin typeface="Cambria Math" panose="02040503050406030204" pitchFamily="18" charset="0"/>
+                            </a:rPr>
+                            <m:t>0</m:t>
+                          </m:r>
+                        </m:sub>
+                      </m:sSub>
+                    </m:oMath>
+                  </m:oMathPara>
+                </a14:m>
+                <a:endParaRPr lang="en-US" sz="1200" dirty="0"/>
+              </a:p>
+            </p:txBody>
+          </p:sp>
+        </mc:Choice>
+        <mc:Fallback>
+          <p:sp>
+            <p:nvSpPr>
+              <p:cNvPr id="34" name="TextBox 33"/>
+              <p:cNvSpPr txBox="1">
+                <a:spLocks noRot="1" noChangeAspect="1" noMove="1" noResize="1" noEditPoints="1" noAdjustHandles="1" noChangeArrowheads="1" noChangeShapeType="1" noTextEdit="1"/>
+              </p:cNvSpPr>
+              <p:nvPr/>
+            </p:nvSpPr>
+            <p:spPr>
+              <a:xfrm>
+                <a:off x="6673910" y="3727021"/>
+                <a:ext cx="1480405" cy="184666"/>
+              </a:xfrm>
+              <a:prstGeom prst="rect">
+                <a:avLst/>
+              </a:prstGeom>
+              <a:blipFill>
+                <a:blip r:embed="rId10"/>
+                <a:stretch>
+                  <a:fillRect l="-2058" b="-9677"/>
+                </a:stretch>
+              </a:blipFill>
+            </p:spPr>
+            <p:txBody>
+              <a:bodyPr/>
+              <a:lstStyle/>
+              <a:p>
+                <a:r>
+                  <a:rPr lang="en-US">
+                    <a:noFill/>
+                  </a:rPr>
+                  <a:t> </a:t>
+                </a:r>
+              </a:p>
+            </p:txBody>
+          </p:sp>
+        </mc:Fallback>
+      </mc:AlternateContent>
+      <p:sp>
+        <p:nvSpPr>
+          <p:cNvPr id="109" name="TextBox 108"/>
+          <p:cNvSpPr txBox="1"/>
+          <p:nvPr/>
+        </p:nvSpPr>
+        <p:spPr>
+          <a:xfrm>
+            <a:off x="8302882" y="3050793"/>
+            <a:ext cx="878574" cy="369332"/>
+          </a:xfrm>
+          <a:prstGeom prst="rect">
+            <a:avLst/>
+          </a:prstGeom>
+          <a:noFill/>
+        </p:spPr>
+        <p:txBody>
+          <a:bodyPr wrap="none" rtlCol="0">
+            <a:spAutoFit/>
+          </a:bodyPr>
+          <a:lstStyle/>
+          <a:p>
+            <a:r>
+              <a:rPr lang="en-US" dirty="0" smtClean="0">
+                <a:solidFill>
+                  <a:srgbClr val="C00000"/>
+                </a:solidFill>
+              </a:rPr>
+              <a:t>p-value</a:t>
+            </a:r>
+            <a:endParaRPr lang="en-US" dirty="0">
+              <a:solidFill>
+                <a:srgbClr val="C00000"/>
+              </a:solidFill>
+            </a:endParaRPr>
+          </a:p>
+        </p:txBody>
+      </p:sp>
+      <p:cxnSp>
+        <p:nvCxnSpPr>
+          <p:cNvPr id="110" name="Straight Connector 109"/>
+          <p:cNvCxnSpPr/>
+          <p:nvPr/>
+        </p:nvCxnSpPr>
+        <p:spPr>
+          <a:xfrm flipV="1">
+            <a:off x="8061094" y="3327792"/>
+            <a:ext cx="232907" cy="170033"/>
+          </a:xfrm>
+          <a:prstGeom prst="line">
+            <a:avLst/>
+          </a:prstGeom>
+          <a:ln w="38100" cap="rnd">
+            <a:solidFill>
+              <a:srgbClr val="C00000"/>
+            </a:solidFill>
+            <a:round/>
+          </a:ln>
+        </p:spPr>
+        <p:style>
+          <a:lnRef idx="1">
+            <a:schemeClr val="accent1"/>
+          </a:lnRef>
+          <a:fillRef idx="0">
+            <a:schemeClr val="accent1"/>
+          </a:fillRef>
+          <a:effectRef idx="0">
+            <a:schemeClr val="accent1"/>
+          </a:effectRef>
+          <a:fontRef idx="minor">
+            <a:schemeClr val="tx1"/>
+          </a:fontRef>
+        </p:style>
+      </p:cxnSp>
+    </p:spTree>
+    <p:extLst>
+      <p:ext uri="{BB962C8B-B14F-4D97-AF65-F5344CB8AC3E}">
+        <p14:creationId xmlns:p14="http://schemas.microsoft.com/office/powerpoint/2010/main" val="1861120543"/>
+      </p:ext>
+    </p:extLst>
+  </p:cSld>
+  <p:clrMapOvr>
+    <a:masterClrMapping/>
+  </p:clrMapOvr>
+  <p:timing>
+    <p:tnLst>
+      <p:par>
+        <p:cTn id="1" dur="indefinite" restart="never" nodeType="tmRoot"/>
+      </p:par>
+    </p:tnLst>
+  </p:timing>
 </p:sld>
 </file>
 
@@ -25422,7 +33626,7 @@
                     </m:oMath>
                   </m:oMathPara>
                 </a14:m>
-                <a:endParaRPr lang="en-US"/>
+                <a:endParaRPr lang="en-US" dirty="0"/>
               </a:p>
             </p:txBody>
           </p:sp>
@@ -25466,51 +33670,6 @@
           </p:sp>
         </mc:Fallback>
       </mc:AlternateContent>
-      <p:sp>
-        <p:nvSpPr>
-          <p:cNvPr id="3" name="Right Brace 2"/>
-          <p:cNvSpPr/>
-          <p:nvPr/>
-        </p:nvSpPr>
-        <p:spPr>
-          <a:xfrm>
-            <a:off x="4820720" y="4189776"/>
-            <a:ext cx="534010" cy="2030506"/>
-          </a:xfrm>
-          <a:prstGeom prst="rightBrace">
-            <a:avLst/>
-          </a:prstGeom>
-          <a:ln w="12700">
-            <a:solidFill>
-              <a:schemeClr val="accent6">
-                <a:lumMod val="50000"/>
-              </a:schemeClr>
-            </a:solidFill>
-          </a:ln>
-        </p:spPr>
-        <p:style>
-          <a:lnRef idx="1">
-            <a:schemeClr val="accent1"/>
-          </a:lnRef>
-          <a:fillRef idx="0">
-            <a:schemeClr val="accent1"/>
-          </a:fillRef>
-          <a:effectRef idx="0">
-            <a:schemeClr val="accent1"/>
-          </a:effectRef>
-          <a:fontRef idx="minor">
-            <a:schemeClr val="tx1"/>
-          </a:fontRef>
-        </p:style>
-        <p:txBody>
-          <a:bodyPr rtlCol="0" anchor="ctr"/>
-          <a:lstStyle/>
-          <a:p>
-            <a:pPr algn="ctr"/>
-            <a:endParaRPr lang="en-US"/>
-          </a:p>
-        </p:txBody>
-      </p:sp>
       <mc:AlternateContent xmlns:mc="http://schemas.openxmlformats.org/markup-compatibility/2006" xmlns:a14="http://schemas.microsoft.com/office/drawing/2010/main">
         <mc:Choice Requires="a14">
           <p:sp>
@@ -25521,8 +33680,8 @@
             </p:nvSpPr>
             <p:spPr>
               <a:xfrm>
-                <a:off x="5460029" y="4953095"/>
-                <a:ext cx="254236" cy="430887"/>
+                <a:off x="3932707" y="5486068"/>
+                <a:ext cx="1311192" cy="430887"/>
               </a:xfrm>
               <a:prstGeom prst="rect">
                 <a:avLst/>
@@ -25551,12 +33710,102 @@
                           </a:solidFill>
                           <a:latin typeface="Cambria Math" panose="02040503050406030204" pitchFamily="18" charset="0"/>
                         </a:rPr>
-                        <m:t>𝑠</m:t>
+                        <m:t>(</m:t>
+                      </m:r>
+                      <m:sSub>
+                        <m:sSubPr>
+                          <m:ctrlPr>
+                            <a:rPr lang="en-US" sz="2800" b="0" i="1" smtClean="0">
+                              <a:solidFill>
+                                <a:schemeClr val="accent6">
+                                  <a:lumMod val="50000"/>
+                                </a:schemeClr>
+                              </a:solidFill>
+                              <a:latin typeface="Cambria Math" panose="02040503050406030204" pitchFamily="18" charset="0"/>
+                            </a:rPr>
+                          </m:ctrlPr>
+                        </m:sSubPr>
+                        <m:e>
+                          <m:r>
+                            <a:rPr lang="en-US" sz="2800" b="0" i="1" smtClean="0">
+                              <a:solidFill>
+                                <a:schemeClr val="accent6">
+                                  <a:lumMod val="50000"/>
+                                </a:schemeClr>
+                              </a:solidFill>
+                              <a:latin typeface="Cambria Math" panose="02040503050406030204" pitchFamily="18" charset="0"/>
+                            </a:rPr>
+                            <m:t>𝑥</m:t>
+                          </m:r>
+                        </m:e>
+                        <m:sub>
+                          <m:r>
+                            <a:rPr lang="en-US" sz="2800" b="0" i="1" smtClean="0">
+                              <a:solidFill>
+                                <a:schemeClr val="accent6">
+                                  <a:lumMod val="50000"/>
+                                </a:schemeClr>
+                              </a:solidFill>
+                              <a:latin typeface="Cambria Math" panose="02040503050406030204" pitchFamily="18" charset="0"/>
+                            </a:rPr>
+                            <m:t>𝑖</m:t>
+                          </m:r>
+                        </m:sub>
+                      </m:sSub>
+                      <m:r>
+                        <a:rPr lang="en-US" sz="2800" b="0" i="1" smtClean="0">
+                          <a:solidFill>
+                            <a:schemeClr val="accent6">
+                              <a:lumMod val="50000"/>
+                            </a:schemeClr>
+                          </a:solidFill>
+                          <a:latin typeface="Cambria Math" panose="02040503050406030204" pitchFamily="18" charset="0"/>
+                        </a:rPr>
+                        <m:t>−</m:t>
+                      </m:r>
+                      <m:acc>
+                        <m:accPr>
+                          <m:chr m:val="̅"/>
+                          <m:ctrlPr>
+                            <a:rPr lang="en-US" sz="2800" b="0" i="1" smtClean="0">
+                              <a:solidFill>
+                                <a:schemeClr val="accent6">
+                                  <a:lumMod val="50000"/>
+                                </a:schemeClr>
+                              </a:solidFill>
+                              <a:latin typeface="Cambria Math" panose="02040503050406030204" pitchFamily="18" charset="0"/>
+                            </a:rPr>
+                          </m:ctrlPr>
+                        </m:accPr>
+                        <m:e>
+                          <m:r>
+                            <a:rPr lang="en-US" sz="2800" b="0" i="1" smtClean="0">
+                              <a:solidFill>
+                                <a:schemeClr val="accent6">
+                                  <a:lumMod val="50000"/>
+                                </a:schemeClr>
+                              </a:solidFill>
+                              <a:latin typeface="Cambria Math" panose="02040503050406030204" pitchFamily="18" charset="0"/>
+                            </a:rPr>
+                            <m:t>𝑥</m:t>
+                          </m:r>
+                        </m:e>
+                      </m:acc>
+                      <m:r>
+                        <a:rPr lang="en-US" sz="2800" b="0" i="1" smtClean="0">
+                          <a:solidFill>
+                            <a:schemeClr val="accent6">
+                              <a:lumMod val="50000"/>
+                            </a:schemeClr>
+                          </a:solidFill>
+                          <a:latin typeface="Cambria Math" panose="02040503050406030204" pitchFamily="18" charset="0"/>
+                        </a:rPr>
+                        <m:t>)</m:t>
                       </m:r>
                     </m:oMath>
                   </m:oMathPara>
                 </a14:m>
-                <a:endParaRPr lang="en-US" sz="3200">
+                <a:endParaRPr lang="en-US" sz="2800" dirty="0">
                   <a:solidFill>
                     <a:schemeClr val="accent6">
                       <a:lumMod val="50000"/>
@@ -25578,8 +33827,8 @@
             </p:nvSpPr>
             <p:spPr>
               <a:xfrm>
-                <a:off x="5460029" y="4953095"/>
-                <a:ext cx="254236" cy="430887"/>
+                <a:off x="3932707" y="5486068"/>
+                <a:ext cx="1311192" cy="430887"/>
               </a:xfrm>
               <a:prstGeom prst="rect">
                 <a:avLst/>
@@ -27163,6 +35412,13 @@
   <p:clrMapOvr>
     <a:masterClrMapping/>
   </p:clrMapOvr>
+  <p:timing>
+    <p:tnLst>
+      <p:par>
+        <p:cTn id="1" dur="indefinite" restart="never" nodeType="tmRoot"/>
+      </p:par>
+    </p:tnLst>
+  </p:timing>
 </p:sld>
 </file>
 
@@ -30557,7 +38813,7 @@
                       <m:jc m:val="centerGroup"/>
                     </m:oMathParaPr>
                     <m:oMath xmlns:m="http://schemas.openxmlformats.org/officeDocument/2006/math">
-                      <a:fld id="{044ADA4C-31F6-470C-B1F4-3B7078DE971E}" type="mathplaceholder">
+                      <a:fld id="{08DC2EC6-28CD-47C7-A26F-8B9DFF0EB7CA}" type="mathplaceholder">
                         <a:rPr lang="en-US" i="1" smtClean="0">
                           <a:latin typeface="Cambria Math" panose="02040503050406030204" pitchFamily="18" charset="0"/>
                         </a:rPr>
@@ -38054,6 +46310,13 @@
   <p:clrMapOvr>
     <a:masterClrMapping/>
   </p:clrMapOvr>
+  <p:timing>
+    <p:tnLst>
+      <p:par>
+        <p:cTn id="1" dur="indefinite" restart="never" nodeType="tmRoot"/>
+      </p:par>
+    </p:tnLst>
+  </p:timing>
 </p:sld>
 </file>
 
@@ -49318,6 +57581,13 @@
   <p:clrMapOvr>
     <a:masterClrMapping/>
   </p:clrMapOvr>
+  <p:timing>
+    <p:tnLst>
+      <p:par>
+        <p:cTn id="1" dur="indefinite" restart="never" nodeType="tmRoot"/>
+      </p:par>
+    </p:tnLst>
+  </p:timing>
 </p:sld>
 </file>
 
@@ -50510,6 +58780,13 @@
   <p:clrMapOvr>
     <a:masterClrMapping/>
   </p:clrMapOvr>
+  <p:timing>
+    <p:tnLst>
+      <p:par>
+        <p:cTn id="1" dur="indefinite" restart="never" nodeType="tmRoot"/>
+      </p:par>
+    </p:tnLst>
+  </p:timing>
 </p:sld>
 </file>
 
